--- a/Report.pptx
+++ b/Report.pptx
@@ -5,23 +5,25 @@
     <p:sldMasterId id="2147483660" r:id="rId1"/>
   </p:sldMasterIdLst>
   <p:notesMasterIdLst>
-    <p:notesMasterId r:id="rId16"/>
+    <p:notesMasterId r:id="rId18"/>
   </p:notesMasterIdLst>
   <p:sldIdLst>
     <p:sldId id="264" r:id="rId2"/>
     <p:sldId id="392" r:id="rId3"/>
     <p:sldId id="394" r:id="rId4"/>
     <p:sldId id="395" r:id="rId5"/>
-    <p:sldId id="396" r:id="rId6"/>
-    <p:sldId id="397" r:id="rId7"/>
+    <p:sldId id="399" r:id="rId6"/>
+    <p:sldId id="400" r:id="rId7"/>
     <p:sldId id="398" r:id="rId8"/>
-    <p:sldId id="391" r:id="rId9"/>
-    <p:sldId id="289" r:id="rId10"/>
-    <p:sldId id="334" r:id="rId11"/>
-    <p:sldId id="262" r:id="rId12"/>
-    <p:sldId id="389" r:id="rId13"/>
-    <p:sldId id="360" r:id="rId14"/>
-    <p:sldId id="384" r:id="rId15"/>
+    <p:sldId id="401" r:id="rId9"/>
+    <p:sldId id="402" r:id="rId10"/>
+    <p:sldId id="391" r:id="rId11"/>
+    <p:sldId id="289" r:id="rId12"/>
+    <p:sldId id="334" r:id="rId13"/>
+    <p:sldId id="262" r:id="rId14"/>
+    <p:sldId id="389" r:id="rId15"/>
+    <p:sldId id="360" r:id="rId16"/>
+    <p:sldId id="384" r:id="rId17"/>
   </p:sldIdLst>
   <p:sldSz cx="24387175" cy="13716000"/>
   <p:notesSz cx="6858000" cy="9144000"/>
@@ -8153,6 +8155,2557 @@
           <a:chExt cx="0" cy="0"/>
         </a:xfrm>
       </p:grpSpPr>
+      <p:graphicFrame>
+        <p:nvGraphicFramePr>
+          <p:cNvPr id="42" name="Chart 41">
+            <a:extLst>
+              <a:ext uri="{FF2B5EF4-FFF2-40B4-BE49-F238E27FC236}">
+                <a16:creationId xmlns:a16="http://schemas.microsoft.com/office/drawing/2014/main" id="{40F668F9-A8ED-954B-A8E1-1087F3F5F512}"/>
+              </a:ext>
+            </a:extLst>
+          </p:cNvPr>
+          <p:cNvGraphicFramePr/>
+          <p:nvPr/>
+        </p:nvGraphicFramePr>
+        <p:xfrm>
+          <a:off x="11934284" y="4636152"/>
+          <a:ext cx="10888086" cy="7605870"/>
+        </p:xfrm>
+        <a:graphic>
+          <a:graphicData uri="http://schemas.openxmlformats.org/drawingml/2006/chart">
+            <c:chart xmlns:c="http://schemas.openxmlformats.org/drawingml/2006/chart" xmlns:r="http://schemas.openxmlformats.org/officeDocument/2006/relationships" r:id="rId2"/>
+          </a:graphicData>
+        </a:graphic>
+      </p:graphicFrame>
+      <p:sp>
+        <p:nvSpPr>
+          <p:cNvPr id="44" name="Rectangle 43">
+            <a:extLst>
+              <a:ext uri="{FF2B5EF4-FFF2-40B4-BE49-F238E27FC236}">
+                <a16:creationId xmlns:a16="http://schemas.microsoft.com/office/drawing/2014/main" id="{BCFD3FCA-AD15-6E4F-A7B2-2BA09D87CEFD}"/>
+              </a:ext>
+            </a:extLst>
+          </p:cNvPr>
+          <p:cNvSpPr/>
+          <p:nvPr/>
+        </p:nvSpPr>
+        <p:spPr>
+          <a:xfrm>
+            <a:off x="1714307" y="4636152"/>
+            <a:ext cx="9364950" cy="7605870"/>
+          </a:xfrm>
+          <a:prstGeom prst="rect">
+            <a:avLst/>
+          </a:prstGeom>
+          <a:solidFill>
+            <a:srgbClr val="FDFDFD"/>
+          </a:solidFill>
+          <a:ln>
+            <a:noFill/>
+          </a:ln>
+        </p:spPr>
+        <p:style>
+          <a:lnRef idx="2">
+            <a:schemeClr val="accent1">
+              <a:shade val="50000"/>
+            </a:schemeClr>
+          </a:lnRef>
+          <a:fillRef idx="1">
+            <a:schemeClr val="accent1"/>
+          </a:fillRef>
+          <a:effectRef idx="0">
+            <a:schemeClr val="accent1"/>
+          </a:effectRef>
+          <a:fontRef idx="minor">
+            <a:schemeClr val="lt1"/>
+          </a:fontRef>
+        </p:style>
+        <p:txBody>
+          <a:bodyPr rtlCol="0" anchor="ctr"/>
+          <a:lstStyle/>
+          <a:p>
+            <a:endParaRPr lang="en-US">
+              <a:latin typeface="Century Gothic" panose="020B0502020202020204" pitchFamily="34" charset="0"/>
+            </a:endParaRPr>
+          </a:p>
+        </p:txBody>
+      </p:sp>
+      <p:grpSp>
+        <p:nvGrpSpPr>
+          <p:cNvPr id="2" name="Group 1">
+            <a:extLst>
+              <a:ext uri="{FF2B5EF4-FFF2-40B4-BE49-F238E27FC236}">
+                <a16:creationId xmlns:a16="http://schemas.microsoft.com/office/drawing/2014/main" id="{C4C1E6E9-0917-A148-806B-E4BF2B12C64A}"/>
+              </a:ext>
+            </a:extLst>
+          </p:cNvPr>
+          <p:cNvGrpSpPr/>
+          <p:nvPr/>
+        </p:nvGrpSpPr>
+        <p:grpSpPr>
+          <a:xfrm>
+            <a:off x="2300905" y="5511878"/>
+            <a:ext cx="8191753" cy="5852563"/>
+            <a:chOff x="2503957" y="5511878"/>
+            <a:chExt cx="8191753" cy="5852563"/>
+          </a:xfrm>
+        </p:grpSpPr>
+        <p:sp>
+          <p:nvSpPr>
+            <p:cNvPr id="46" name="CuadroTexto 395">
+              <a:extLst>
+                <a:ext uri="{FF2B5EF4-FFF2-40B4-BE49-F238E27FC236}">
+                  <a16:creationId xmlns:a16="http://schemas.microsoft.com/office/drawing/2014/main" id="{0CB4B61C-E82E-9248-A3F1-013E8D406288}"/>
+                </a:ext>
+              </a:extLst>
+            </p:cNvPr>
+            <p:cNvSpPr txBox="1"/>
+            <p:nvPr/>
+          </p:nvSpPr>
+          <p:spPr>
+            <a:xfrm>
+              <a:off x="2503957" y="6043174"/>
+              <a:ext cx="4874670" cy="1015663"/>
+            </a:xfrm>
+            <a:prstGeom prst="rect">
+              <a:avLst/>
+            </a:prstGeom>
+            <a:noFill/>
+          </p:spPr>
+          <p:txBody>
+            <a:bodyPr wrap="square" rtlCol="0">
+              <a:spAutoFit/>
+            </a:bodyPr>
+            <a:lstStyle/>
+            <a:p>
+              <a:r>
+                <a:rPr lang="en-US" sz="6000" b="1" dirty="0">
+                  <a:solidFill>
+                    <a:schemeClr val="accent1"/>
+                  </a:solidFill>
+                  <a:latin typeface="Century Gothic" panose="020B0502020202020204" pitchFamily="34" charset="0"/>
+                  <a:ea typeface="Roboto Medium" panose="02000000000000000000" pitchFamily="2" charset="0"/>
+                  <a:cs typeface="Poppins Medium" pitchFamily="2" charset="77"/>
+                </a:rPr>
+                <a:t>$1,025,549</a:t>
+              </a:r>
+            </a:p>
+          </p:txBody>
+        </p:sp>
+        <p:sp>
+          <p:nvSpPr>
+            <p:cNvPr id="48" name="CuadroTexto 395">
+              <a:extLst>
+                <a:ext uri="{FF2B5EF4-FFF2-40B4-BE49-F238E27FC236}">
+                  <a16:creationId xmlns:a16="http://schemas.microsoft.com/office/drawing/2014/main" id="{3ADA5938-6EA7-2B4D-9CB1-D32C5EBB2F9C}"/>
+                </a:ext>
+              </a:extLst>
+            </p:cNvPr>
+            <p:cNvSpPr txBox="1"/>
+            <p:nvPr/>
+          </p:nvSpPr>
+          <p:spPr>
+            <a:xfrm>
+              <a:off x="2539815" y="5511878"/>
+              <a:ext cx="4354717" cy="523220"/>
+            </a:xfrm>
+            <a:prstGeom prst="rect">
+              <a:avLst/>
+            </a:prstGeom>
+            <a:noFill/>
+          </p:spPr>
+          <p:txBody>
+            <a:bodyPr wrap="square" rtlCol="0">
+              <a:spAutoFit/>
+            </a:bodyPr>
+            <a:lstStyle/>
+            <a:p>
+              <a:r>
+                <a:rPr lang="en-US" sz="2800" dirty="0">
+                  <a:solidFill>
+                    <a:schemeClr val="tx2"/>
+                  </a:solidFill>
+                  <a:latin typeface="Century Gothic" panose="020B0502020202020204" pitchFamily="34" charset="0"/>
+                  <a:ea typeface="Roboto Medium" panose="02000000000000000000" pitchFamily="2" charset="0"/>
+                  <a:cs typeface="Poppins Medium" pitchFamily="2" charset="77"/>
+                </a:rPr>
+                <a:t>Cash Flow</a:t>
+              </a:r>
+            </a:p>
+          </p:txBody>
+        </p:sp>
+        <p:grpSp>
+          <p:nvGrpSpPr>
+            <p:cNvPr id="50" name="Group 49">
+              <a:extLst>
+                <a:ext uri="{FF2B5EF4-FFF2-40B4-BE49-F238E27FC236}">
+                  <a16:creationId xmlns:a16="http://schemas.microsoft.com/office/drawing/2014/main" id="{001011A4-1174-BE4B-8FD7-0DCA376AD592}"/>
+                </a:ext>
+              </a:extLst>
+            </p:cNvPr>
+            <p:cNvGrpSpPr/>
+            <p:nvPr/>
+          </p:nvGrpSpPr>
+          <p:grpSpPr>
+            <a:xfrm>
+              <a:off x="2598087" y="8019670"/>
+              <a:ext cx="551009" cy="551007"/>
+              <a:chOff x="1876443" y="5905870"/>
+              <a:chExt cx="526098" cy="526096"/>
+            </a:xfrm>
+          </p:grpSpPr>
+          <p:sp>
+            <p:nvSpPr>
+              <p:cNvPr id="52" name="Oval 51">
+                <a:extLst>
+                  <a:ext uri="{FF2B5EF4-FFF2-40B4-BE49-F238E27FC236}">
+                    <a16:creationId xmlns:a16="http://schemas.microsoft.com/office/drawing/2014/main" id="{66010DB3-6A1A-2C42-A6AD-6791C82F27D9}"/>
+                  </a:ext>
+                </a:extLst>
+              </p:cNvPr>
+              <p:cNvSpPr/>
+              <p:nvPr/>
+            </p:nvSpPr>
+            <p:spPr>
+              <a:xfrm>
+                <a:off x="1876443" y="5905870"/>
+                <a:ext cx="526098" cy="526096"/>
+              </a:xfrm>
+              <a:prstGeom prst="ellipse">
+                <a:avLst/>
+              </a:prstGeom>
+              <a:solidFill>
+                <a:schemeClr val="accent1"/>
+              </a:solidFill>
+              <a:ln>
+                <a:noFill/>
+              </a:ln>
+            </p:spPr>
+            <p:style>
+              <a:lnRef idx="2">
+                <a:schemeClr val="accent1">
+                  <a:shade val="50000"/>
+                </a:schemeClr>
+              </a:lnRef>
+              <a:fillRef idx="1">
+                <a:schemeClr val="accent1"/>
+              </a:fillRef>
+              <a:effectRef idx="0">
+                <a:schemeClr val="accent1"/>
+              </a:effectRef>
+              <a:fontRef idx="minor">
+                <a:schemeClr val="lt1"/>
+              </a:fontRef>
+            </p:style>
+            <p:txBody>
+              <a:bodyPr rtlCol="0" anchor="ctr"/>
+              <a:lstStyle/>
+              <a:p>
+                <a:pPr algn="ctr"/>
+                <a:endParaRPr lang="en-US" sz="4000">
+                  <a:solidFill>
+                    <a:schemeClr val="tx1"/>
+                  </a:solidFill>
+                  <a:latin typeface="Century Gothic" panose="020B0502020202020204" pitchFamily="34" charset="0"/>
+                </a:endParaRPr>
+              </a:p>
+            </p:txBody>
+          </p:sp>
+          <p:sp>
+            <p:nvSpPr>
+              <p:cNvPr id="53" name="Freeform 52">
+                <a:extLst>
+                  <a:ext uri="{FF2B5EF4-FFF2-40B4-BE49-F238E27FC236}">
+                    <a16:creationId xmlns:a16="http://schemas.microsoft.com/office/drawing/2014/main" id="{DD27007F-AAE6-934A-A162-65E4B9B90B94}"/>
+                  </a:ext>
+                </a:extLst>
+              </p:cNvPr>
+              <p:cNvSpPr/>
+              <p:nvPr/>
+            </p:nvSpPr>
+            <p:spPr>
+              <a:xfrm rot="18641522">
+                <a:off x="1995291" y="6074952"/>
+                <a:ext cx="288401" cy="144600"/>
+              </a:xfrm>
+              <a:custGeom>
+                <a:avLst/>
+                <a:gdLst>
+                  <a:gd name="connsiteX0" fmla="*/ 985393 w 985393"/>
+                  <a:gd name="connsiteY0" fmla="*/ 368555 h 494061"/>
+                  <a:gd name="connsiteX1" fmla="*/ 985392 w 985393"/>
+                  <a:gd name="connsiteY1" fmla="*/ 494061 h 494061"/>
+                  <a:gd name="connsiteX2" fmla="*/ 11 w 985393"/>
+                  <a:gd name="connsiteY2" fmla="*/ 494061 h 494061"/>
+                  <a:gd name="connsiteX3" fmla="*/ 11 w 985393"/>
+                  <a:gd name="connsiteY3" fmla="*/ 493059 h 494061"/>
+                  <a:gd name="connsiteX4" fmla="*/ 0 w 985393"/>
+                  <a:gd name="connsiteY4" fmla="*/ 493059 h 494061"/>
+                  <a:gd name="connsiteX5" fmla="*/ 0 w 985393"/>
+                  <a:gd name="connsiteY5" fmla="*/ 0 h 494061"/>
+                  <a:gd name="connsiteX6" fmla="*/ 125506 w 985393"/>
+                  <a:gd name="connsiteY6" fmla="*/ 0 h 494061"/>
+                  <a:gd name="connsiteX7" fmla="*/ 125506 w 985393"/>
+                  <a:gd name="connsiteY7" fmla="*/ 368555 h 494061"/>
+                </a:gdLst>
+                <a:ahLst/>
+                <a:cxnLst>
+                  <a:cxn ang="0">
+                    <a:pos x="connsiteX0" y="connsiteY0"/>
+                  </a:cxn>
+                  <a:cxn ang="0">
+                    <a:pos x="connsiteX1" y="connsiteY1"/>
+                  </a:cxn>
+                  <a:cxn ang="0">
+                    <a:pos x="connsiteX2" y="connsiteY2"/>
+                  </a:cxn>
+                  <a:cxn ang="0">
+                    <a:pos x="connsiteX3" y="connsiteY3"/>
+                  </a:cxn>
+                  <a:cxn ang="0">
+                    <a:pos x="connsiteX4" y="connsiteY4"/>
+                  </a:cxn>
+                  <a:cxn ang="0">
+                    <a:pos x="connsiteX5" y="connsiteY5"/>
+                  </a:cxn>
+                  <a:cxn ang="0">
+                    <a:pos x="connsiteX6" y="connsiteY6"/>
+                  </a:cxn>
+                  <a:cxn ang="0">
+                    <a:pos x="connsiteX7" y="connsiteY7"/>
+                  </a:cxn>
+                </a:cxnLst>
+                <a:rect l="l" t="t" r="r" b="b"/>
+                <a:pathLst>
+                  <a:path w="985393" h="494061">
+                    <a:moveTo>
+                      <a:pt x="985393" y="368555"/>
+                    </a:moveTo>
+                    <a:lnTo>
+                      <a:pt x="985392" y="494061"/>
+                    </a:lnTo>
+                    <a:lnTo>
+                      <a:pt x="11" y="494061"/>
+                    </a:lnTo>
+                    <a:lnTo>
+                      <a:pt x="11" y="493059"/>
+                    </a:lnTo>
+                    <a:lnTo>
+                      <a:pt x="0" y="493059"/>
+                    </a:lnTo>
+                    <a:lnTo>
+                      <a:pt x="0" y="0"/>
+                    </a:lnTo>
+                    <a:lnTo>
+                      <a:pt x="125506" y="0"/>
+                    </a:lnTo>
+                    <a:lnTo>
+                      <a:pt x="125506" y="368555"/>
+                    </a:lnTo>
+                    <a:close/>
+                  </a:path>
+                </a:pathLst>
+              </a:custGeom>
+              <a:solidFill>
+                <a:schemeClr val="bg1"/>
+              </a:solidFill>
+              <a:ln>
+                <a:noFill/>
+              </a:ln>
+            </p:spPr>
+            <p:style>
+              <a:lnRef idx="2">
+                <a:schemeClr val="accent1">
+                  <a:shade val="50000"/>
+                </a:schemeClr>
+              </a:lnRef>
+              <a:fillRef idx="1">
+                <a:schemeClr val="accent1"/>
+              </a:fillRef>
+              <a:effectRef idx="0">
+                <a:schemeClr val="accent1"/>
+              </a:effectRef>
+              <a:fontRef idx="minor">
+                <a:schemeClr val="lt1"/>
+              </a:fontRef>
+            </p:style>
+            <p:txBody>
+              <a:bodyPr rtlCol="0" anchor="ctr"/>
+              <a:lstStyle/>
+              <a:p>
+                <a:pPr algn="ctr"/>
+                <a:endParaRPr lang="en-US" sz="2400">
+                  <a:solidFill>
+                    <a:schemeClr val="tx1"/>
+                  </a:solidFill>
+                  <a:latin typeface="Century Gothic" panose="020B0502020202020204" pitchFamily="34" charset="0"/>
+                </a:endParaRPr>
+              </a:p>
+            </p:txBody>
+          </p:sp>
+        </p:grpSp>
+        <p:grpSp>
+          <p:nvGrpSpPr>
+            <p:cNvPr id="54" name="Group 53">
+              <a:extLst>
+                <a:ext uri="{FF2B5EF4-FFF2-40B4-BE49-F238E27FC236}">
+                  <a16:creationId xmlns:a16="http://schemas.microsoft.com/office/drawing/2014/main" id="{B3A42236-3D04-4F47-81D6-6A4028213D34}"/>
+                </a:ext>
+              </a:extLst>
+            </p:cNvPr>
+            <p:cNvGrpSpPr/>
+            <p:nvPr/>
+          </p:nvGrpSpPr>
+          <p:grpSpPr>
+            <a:xfrm>
+              <a:off x="2598087" y="9302349"/>
+              <a:ext cx="551009" cy="551007"/>
+              <a:chOff x="1876443" y="5905870"/>
+              <a:chExt cx="526098" cy="526096"/>
+            </a:xfrm>
+          </p:grpSpPr>
+          <p:sp>
+            <p:nvSpPr>
+              <p:cNvPr id="55" name="Oval 54">
+                <a:extLst>
+                  <a:ext uri="{FF2B5EF4-FFF2-40B4-BE49-F238E27FC236}">
+                    <a16:creationId xmlns:a16="http://schemas.microsoft.com/office/drawing/2014/main" id="{138D1373-9922-A24C-82A2-137F7FFDBDA8}"/>
+                  </a:ext>
+                </a:extLst>
+              </p:cNvPr>
+              <p:cNvSpPr/>
+              <p:nvPr/>
+            </p:nvSpPr>
+            <p:spPr>
+              <a:xfrm>
+                <a:off x="1876443" y="5905870"/>
+                <a:ext cx="526098" cy="526096"/>
+              </a:xfrm>
+              <a:prstGeom prst="ellipse">
+                <a:avLst/>
+              </a:prstGeom>
+              <a:solidFill>
+                <a:schemeClr val="accent1"/>
+              </a:solidFill>
+              <a:ln>
+                <a:noFill/>
+              </a:ln>
+            </p:spPr>
+            <p:style>
+              <a:lnRef idx="2">
+                <a:schemeClr val="accent1">
+                  <a:shade val="50000"/>
+                </a:schemeClr>
+              </a:lnRef>
+              <a:fillRef idx="1">
+                <a:schemeClr val="accent1"/>
+              </a:fillRef>
+              <a:effectRef idx="0">
+                <a:schemeClr val="accent1"/>
+              </a:effectRef>
+              <a:fontRef idx="minor">
+                <a:schemeClr val="lt1"/>
+              </a:fontRef>
+            </p:style>
+            <p:txBody>
+              <a:bodyPr rtlCol="0" anchor="ctr"/>
+              <a:lstStyle/>
+              <a:p>
+                <a:pPr algn="ctr"/>
+                <a:endParaRPr lang="en-US" sz="4000">
+                  <a:solidFill>
+                    <a:schemeClr val="tx1"/>
+                  </a:solidFill>
+                  <a:latin typeface="Century Gothic" panose="020B0502020202020204" pitchFamily="34" charset="0"/>
+                </a:endParaRPr>
+              </a:p>
+            </p:txBody>
+          </p:sp>
+          <p:sp>
+            <p:nvSpPr>
+              <p:cNvPr id="56" name="Freeform 55">
+                <a:extLst>
+                  <a:ext uri="{FF2B5EF4-FFF2-40B4-BE49-F238E27FC236}">
+                    <a16:creationId xmlns:a16="http://schemas.microsoft.com/office/drawing/2014/main" id="{1D97CBAD-B5F1-214B-A515-9C5669E2D188}"/>
+                  </a:ext>
+                </a:extLst>
+              </p:cNvPr>
+              <p:cNvSpPr/>
+              <p:nvPr/>
+            </p:nvSpPr>
+            <p:spPr>
+              <a:xfrm rot="18641522">
+                <a:off x="1995291" y="6074952"/>
+                <a:ext cx="288401" cy="144600"/>
+              </a:xfrm>
+              <a:custGeom>
+                <a:avLst/>
+                <a:gdLst>
+                  <a:gd name="connsiteX0" fmla="*/ 985393 w 985393"/>
+                  <a:gd name="connsiteY0" fmla="*/ 368555 h 494061"/>
+                  <a:gd name="connsiteX1" fmla="*/ 985392 w 985393"/>
+                  <a:gd name="connsiteY1" fmla="*/ 494061 h 494061"/>
+                  <a:gd name="connsiteX2" fmla="*/ 11 w 985393"/>
+                  <a:gd name="connsiteY2" fmla="*/ 494061 h 494061"/>
+                  <a:gd name="connsiteX3" fmla="*/ 11 w 985393"/>
+                  <a:gd name="connsiteY3" fmla="*/ 493059 h 494061"/>
+                  <a:gd name="connsiteX4" fmla="*/ 0 w 985393"/>
+                  <a:gd name="connsiteY4" fmla="*/ 493059 h 494061"/>
+                  <a:gd name="connsiteX5" fmla="*/ 0 w 985393"/>
+                  <a:gd name="connsiteY5" fmla="*/ 0 h 494061"/>
+                  <a:gd name="connsiteX6" fmla="*/ 125506 w 985393"/>
+                  <a:gd name="connsiteY6" fmla="*/ 0 h 494061"/>
+                  <a:gd name="connsiteX7" fmla="*/ 125506 w 985393"/>
+                  <a:gd name="connsiteY7" fmla="*/ 368555 h 494061"/>
+                </a:gdLst>
+                <a:ahLst/>
+                <a:cxnLst>
+                  <a:cxn ang="0">
+                    <a:pos x="connsiteX0" y="connsiteY0"/>
+                  </a:cxn>
+                  <a:cxn ang="0">
+                    <a:pos x="connsiteX1" y="connsiteY1"/>
+                  </a:cxn>
+                  <a:cxn ang="0">
+                    <a:pos x="connsiteX2" y="connsiteY2"/>
+                  </a:cxn>
+                  <a:cxn ang="0">
+                    <a:pos x="connsiteX3" y="connsiteY3"/>
+                  </a:cxn>
+                  <a:cxn ang="0">
+                    <a:pos x="connsiteX4" y="connsiteY4"/>
+                  </a:cxn>
+                  <a:cxn ang="0">
+                    <a:pos x="connsiteX5" y="connsiteY5"/>
+                  </a:cxn>
+                  <a:cxn ang="0">
+                    <a:pos x="connsiteX6" y="connsiteY6"/>
+                  </a:cxn>
+                  <a:cxn ang="0">
+                    <a:pos x="connsiteX7" y="connsiteY7"/>
+                  </a:cxn>
+                </a:cxnLst>
+                <a:rect l="l" t="t" r="r" b="b"/>
+                <a:pathLst>
+                  <a:path w="985393" h="494061">
+                    <a:moveTo>
+                      <a:pt x="985393" y="368555"/>
+                    </a:moveTo>
+                    <a:lnTo>
+                      <a:pt x="985392" y="494061"/>
+                    </a:lnTo>
+                    <a:lnTo>
+                      <a:pt x="11" y="494061"/>
+                    </a:lnTo>
+                    <a:lnTo>
+                      <a:pt x="11" y="493059"/>
+                    </a:lnTo>
+                    <a:lnTo>
+                      <a:pt x="0" y="493059"/>
+                    </a:lnTo>
+                    <a:lnTo>
+                      <a:pt x="0" y="0"/>
+                    </a:lnTo>
+                    <a:lnTo>
+                      <a:pt x="125506" y="0"/>
+                    </a:lnTo>
+                    <a:lnTo>
+                      <a:pt x="125506" y="368555"/>
+                    </a:lnTo>
+                    <a:close/>
+                  </a:path>
+                </a:pathLst>
+              </a:custGeom>
+              <a:solidFill>
+                <a:schemeClr val="bg1"/>
+              </a:solidFill>
+              <a:ln>
+                <a:noFill/>
+              </a:ln>
+            </p:spPr>
+            <p:style>
+              <a:lnRef idx="2">
+                <a:schemeClr val="accent1">
+                  <a:shade val="50000"/>
+                </a:schemeClr>
+              </a:lnRef>
+              <a:fillRef idx="1">
+                <a:schemeClr val="accent1"/>
+              </a:fillRef>
+              <a:effectRef idx="0">
+                <a:schemeClr val="accent1"/>
+              </a:effectRef>
+              <a:fontRef idx="minor">
+                <a:schemeClr val="lt1"/>
+              </a:fontRef>
+            </p:style>
+            <p:txBody>
+              <a:bodyPr rtlCol="0" anchor="ctr"/>
+              <a:lstStyle/>
+              <a:p>
+                <a:pPr algn="ctr"/>
+                <a:endParaRPr lang="en-US" sz="2400">
+                  <a:solidFill>
+                    <a:schemeClr val="tx1"/>
+                  </a:solidFill>
+                  <a:latin typeface="Century Gothic" panose="020B0502020202020204" pitchFamily="34" charset="0"/>
+                </a:endParaRPr>
+              </a:p>
+            </p:txBody>
+          </p:sp>
+        </p:grpSp>
+        <p:sp>
+          <p:nvSpPr>
+            <p:cNvPr id="57" name="TextBox 56">
+              <a:extLst>
+                <a:ext uri="{FF2B5EF4-FFF2-40B4-BE49-F238E27FC236}">
+                  <a16:creationId xmlns:a16="http://schemas.microsoft.com/office/drawing/2014/main" id="{DAA1B128-6B4B-764D-BA38-7719AA3C1FEB}"/>
+                </a:ext>
+              </a:extLst>
+            </p:cNvPr>
+            <p:cNvSpPr txBox="1"/>
+            <p:nvPr/>
+          </p:nvSpPr>
+          <p:spPr>
+            <a:xfrm>
+              <a:off x="3268713" y="7844978"/>
+              <a:ext cx="7426997" cy="954107"/>
+            </a:xfrm>
+            <a:prstGeom prst="rect">
+              <a:avLst/>
+            </a:prstGeom>
+            <a:noFill/>
+          </p:spPr>
+          <p:txBody>
+            <a:bodyPr wrap="square" rtlCol="0">
+              <a:spAutoFit/>
+            </a:bodyPr>
+            <a:lstStyle/>
+            <a:p>
+              <a:r>
+                <a:rPr lang="en-US" sz="2800" dirty="0">
+                  <a:latin typeface="Century Gothic" panose="020B0502020202020204" pitchFamily="34" charset="0"/>
+                  <a:ea typeface="Lato Light" panose="020F0502020204030203" pitchFamily="34" charset="0"/>
+                  <a:cs typeface="Lato Light" panose="020F0502020204030203" pitchFamily="34" charset="0"/>
+                </a:rPr>
+                <a:t>Business professionals like you connecting. Promotions only work as well.</a:t>
+              </a:r>
+            </a:p>
+          </p:txBody>
+        </p:sp>
+        <p:sp>
+          <p:nvSpPr>
+            <p:cNvPr id="58" name="TextBox 57">
+              <a:extLst>
+                <a:ext uri="{FF2B5EF4-FFF2-40B4-BE49-F238E27FC236}">
+                  <a16:creationId xmlns:a16="http://schemas.microsoft.com/office/drawing/2014/main" id="{37EC4FBF-96BF-2243-A00A-6AD46CC2D91A}"/>
+                </a:ext>
+              </a:extLst>
+            </p:cNvPr>
+            <p:cNvSpPr txBox="1"/>
+            <p:nvPr/>
+          </p:nvSpPr>
+          <p:spPr>
+            <a:xfrm>
+              <a:off x="3268713" y="9102748"/>
+              <a:ext cx="7426996" cy="954107"/>
+            </a:xfrm>
+            <a:prstGeom prst="rect">
+              <a:avLst/>
+            </a:prstGeom>
+            <a:noFill/>
+          </p:spPr>
+          <p:txBody>
+            <a:bodyPr wrap="square" rtlCol="0">
+              <a:spAutoFit/>
+            </a:bodyPr>
+            <a:lstStyle/>
+            <a:p>
+              <a:r>
+                <a:rPr lang="en-US" sz="2800" dirty="0">
+                  <a:latin typeface="Century Gothic" panose="020B0502020202020204" pitchFamily="34" charset="0"/>
+                  <a:ea typeface="Lato Light" panose="020F0502020204030203" pitchFamily="34" charset="0"/>
+                  <a:cs typeface="Lato Light" panose="020F0502020204030203" pitchFamily="34" charset="0"/>
+                </a:rPr>
+                <a:t>Business professionals like you connecting. Promotions only work as well.</a:t>
+              </a:r>
+            </a:p>
+          </p:txBody>
+        </p:sp>
+        <p:sp>
+          <p:nvSpPr>
+            <p:cNvPr id="59" name="TextBox 58">
+              <a:extLst>
+                <a:ext uri="{FF2B5EF4-FFF2-40B4-BE49-F238E27FC236}">
+                  <a16:creationId xmlns:a16="http://schemas.microsoft.com/office/drawing/2014/main" id="{00372060-25B8-AF40-8EDF-2C742EE189A2}"/>
+                </a:ext>
+              </a:extLst>
+            </p:cNvPr>
+            <p:cNvSpPr txBox="1"/>
+            <p:nvPr/>
+          </p:nvSpPr>
+          <p:spPr>
+            <a:xfrm>
+              <a:off x="3268713" y="10410334"/>
+              <a:ext cx="7426995" cy="954107"/>
+            </a:xfrm>
+            <a:prstGeom prst="rect">
+              <a:avLst/>
+            </a:prstGeom>
+            <a:noFill/>
+          </p:spPr>
+          <p:txBody>
+            <a:bodyPr wrap="square" rtlCol="0">
+              <a:spAutoFit/>
+            </a:bodyPr>
+            <a:lstStyle/>
+            <a:p>
+              <a:r>
+                <a:rPr lang="en-US" sz="2800" dirty="0">
+                  <a:latin typeface="Century Gothic" panose="020B0502020202020204" pitchFamily="34" charset="0"/>
+                  <a:ea typeface="Lato Light" panose="020F0502020204030203" pitchFamily="34" charset="0"/>
+                  <a:cs typeface="Lato Light" panose="020F0502020204030203" pitchFamily="34" charset="0"/>
+                </a:rPr>
+                <a:t>Business professionals like you connecting. Promotions only work as well.</a:t>
+              </a:r>
+            </a:p>
+          </p:txBody>
+        </p:sp>
+        <p:grpSp>
+          <p:nvGrpSpPr>
+            <p:cNvPr id="60" name="Group 59">
+              <a:extLst>
+                <a:ext uri="{FF2B5EF4-FFF2-40B4-BE49-F238E27FC236}">
+                  <a16:creationId xmlns:a16="http://schemas.microsoft.com/office/drawing/2014/main" id="{010525D5-1D9F-7545-8BDA-CDB33887D4F7}"/>
+                </a:ext>
+              </a:extLst>
+            </p:cNvPr>
+            <p:cNvGrpSpPr/>
+            <p:nvPr/>
+          </p:nvGrpSpPr>
+          <p:grpSpPr>
+            <a:xfrm>
+              <a:off x="2598087" y="10585025"/>
+              <a:ext cx="551009" cy="551007"/>
+              <a:chOff x="1876443" y="5905870"/>
+              <a:chExt cx="526098" cy="526096"/>
+            </a:xfrm>
+          </p:grpSpPr>
+          <p:sp>
+            <p:nvSpPr>
+              <p:cNvPr id="61" name="Oval 60">
+                <a:extLst>
+                  <a:ext uri="{FF2B5EF4-FFF2-40B4-BE49-F238E27FC236}">
+                    <a16:creationId xmlns:a16="http://schemas.microsoft.com/office/drawing/2014/main" id="{D16613EF-FA4B-C94A-AF94-E644AFBCAC00}"/>
+                  </a:ext>
+                </a:extLst>
+              </p:cNvPr>
+              <p:cNvSpPr/>
+              <p:nvPr/>
+            </p:nvSpPr>
+            <p:spPr>
+              <a:xfrm>
+                <a:off x="1876443" y="5905870"/>
+                <a:ext cx="526098" cy="526096"/>
+              </a:xfrm>
+              <a:prstGeom prst="ellipse">
+                <a:avLst/>
+              </a:prstGeom>
+              <a:solidFill>
+                <a:schemeClr val="accent1"/>
+              </a:solidFill>
+              <a:ln>
+                <a:noFill/>
+              </a:ln>
+            </p:spPr>
+            <p:style>
+              <a:lnRef idx="2">
+                <a:schemeClr val="accent1">
+                  <a:shade val="50000"/>
+                </a:schemeClr>
+              </a:lnRef>
+              <a:fillRef idx="1">
+                <a:schemeClr val="accent1"/>
+              </a:fillRef>
+              <a:effectRef idx="0">
+                <a:schemeClr val="accent1"/>
+              </a:effectRef>
+              <a:fontRef idx="minor">
+                <a:schemeClr val="lt1"/>
+              </a:fontRef>
+            </p:style>
+            <p:txBody>
+              <a:bodyPr rtlCol="0" anchor="ctr"/>
+              <a:lstStyle/>
+              <a:p>
+                <a:pPr algn="ctr"/>
+                <a:endParaRPr lang="en-US" sz="4000">
+                  <a:solidFill>
+                    <a:schemeClr val="tx1"/>
+                  </a:solidFill>
+                  <a:latin typeface="Century Gothic" panose="020B0502020202020204" pitchFamily="34" charset="0"/>
+                </a:endParaRPr>
+              </a:p>
+            </p:txBody>
+          </p:sp>
+          <p:sp>
+            <p:nvSpPr>
+              <p:cNvPr id="62" name="Freeform 61">
+                <a:extLst>
+                  <a:ext uri="{FF2B5EF4-FFF2-40B4-BE49-F238E27FC236}">
+                    <a16:creationId xmlns:a16="http://schemas.microsoft.com/office/drawing/2014/main" id="{E56212C8-4820-EA4E-9B79-B1257B49272C}"/>
+                  </a:ext>
+                </a:extLst>
+              </p:cNvPr>
+              <p:cNvSpPr/>
+              <p:nvPr/>
+            </p:nvSpPr>
+            <p:spPr>
+              <a:xfrm rot="18641522">
+                <a:off x="1995291" y="6074952"/>
+                <a:ext cx="288401" cy="144600"/>
+              </a:xfrm>
+              <a:custGeom>
+                <a:avLst/>
+                <a:gdLst>
+                  <a:gd name="connsiteX0" fmla="*/ 985393 w 985393"/>
+                  <a:gd name="connsiteY0" fmla="*/ 368555 h 494061"/>
+                  <a:gd name="connsiteX1" fmla="*/ 985392 w 985393"/>
+                  <a:gd name="connsiteY1" fmla="*/ 494061 h 494061"/>
+                  <a:gd name="connsiteX2" fmla="*/ 11 w 985393"/>
+                  <a:gd name="connsiteY2" fmla="*/ 494061 h 494061"/>
+                  <a:gd name="connsiteX3" fmla="*/ 11 w 985393"/>
+                  <a:gd name="connsiteY3" fmla="*/ 493059 h 494061"/>
+                  <a:gd name="connsiteX4" fmla="*/ 0 w 985393"/>
+                  <a:gd name="connsiteY4" fmla="*/ 493059 h 494061"/>
+                  <a:gd name="connsiteX5" fmla="*/ 0 w 985393"/>
+                  <a:gd name="connsiteY5" fmla="*/ 0 h 494061"/>
+                  <a:gd name="connsiteX6" fmla="*/ 125506 w 985393"/>
+                  <a:gd name="connsiteY6" fmla="*/ 0 h 494061"/>
+                  <a:gd name="connsiteX7" fmla="*/ 125506 w 985393"/>
+                  <a:gd name="connsiteY7" fmla="*/ 368555 h 494061"/>
+                </a:gdLst>
+                <a:ahLst/>
+                <a:cxnLst>
+                  <a:cxn ang="0">
+                    <a:pos x="connsiteX0" y="connsiteY0"/>
+                  </a:cxn>
+                  <a:cxn ang="0">
+                    <a:pos x="connsiteX1" y="connsiteY1"/>
+                  </a:cxn>
+                  <a:cxn ang="0">
+                    <a:pos x="connsiteX2" y="connsiteY2"/>
+                  </a:cxn>
+                  <a:cxn ang="0">
+                    <a:pos x="connsiteX3" y="connsiteY3"/>
+                  </a:cxn>
+                  <a:cxn ang="0">
+                    <a:pos x="connsiteX4" y="connsiteY4"/>
+                  </a:cxn>
+                  <a:cxn ang="0">
+                    <a:pos x="connsiteX5" y="connsiteY5"/>
+                  </a:cxn>
+                  <a:cxn ang="0">
+                    <a:pos x="connsiteX6" y="connsiteY6"/>
+                  </a:cxn>
+                  <a:cxn ang="0">
+                    <a:pos x="connsiteX7" y="connsiteY7"/>
+                  </a:cxn>
+                </a:cxnLst>
+                <a:rect l="l" t="t" r="r" b="b"/>
+                <a:pathLst>
+                  <a:path w="985393" h="494061">
+                    <a:moveTo>
+                      <a:pt x="985393" y="368555"/>
+                    </a:moveTo>
+                    <a:lnTo>
+                      <a:pt x="985392" y="494061"/>
+                    </a:lnTo>
+                    <a:lnTo>
+                      <a:pt x="11" y="494061"/>
+                    </a:lnTo>
+                    <a:lnTo>
+                      <a:pt x="11" y="493059"/>
+                    </a:lnTo>
+                    <a:lnTo>
+                      <a:pt x="0" y="493059"/>
+                    </a:lnTo>
+                    <a:lnTo>
+                      <a:pt x="0" y="0"/>
+                    </a:lnTo>
+                    <a:lnTo>
+                      <a:pt x="125506" y="0"/>
+                    </a:lnTo>
+                    <a:lnTo>
+                      <a:pt x="125506" y="368555"/>
+                    </a:lnTo>
+                    <a:close/>
+                  </a:path>
+                </a:pathLst>
+              </a:custGeom>
+              <a:solidFill>
+                <a:schemeClr val="bg1"/>
+              </a:solidFill>
+              <a:ln>
+                <a:noFill/>
+              </a:ln>
+            </p:spPr>
+            <p:style>
+              <a:lnRef idx="2">
+                <a:schemeClr val="accent1">
+                  <a:shade val="50000"/>
+                </a:schemeClr>
+              </a:lnRef>
+              <a:fillRef idx="1">
+                <a:schemeClr val="accent1"/>
+              </a:fillRef>
+              <a:effectRef idx="0">
+                <a:schemeClr val="accent1"/>
+              </a:effectRef>
+              <a:fontRef idx="minor">
+                <a:schemeClr val="lt1"/>
+              </a:fontRef>
+            </p:style>
+            <p:txBody>
+              <a:bodyPr rtlCol="0" anchor="ctr"/>
+              <a:lstStyle/>
+              <a:p>
+                <a:pPr algn="ctr"/>
+                <a:endParaRPr lang="en-US" sz="2400">
+                  <a:solidFill>
+                    <a:schemeClr val="tx1"/>
+                  </a:solidFill>
+                  <a:latin typeface="Century Gothic" panose="020B0502020202020204" pitchFamily="34" charset="0"/>
+                </a:endParaRPr>
+              </a:p>
+            </p:txBody>
+          </p:sp>
+        </p:grpSp>
+      </p:grpSp>
+      <p:sp>
+        <p:nvSpPr>
+          <p:cNvPr id="25" name="CuadroTexto 350">
+            <a:extLst>
+              <a:ext uri="{FF2B5EF4-FFF2-40B4-BE49-F238E27FC236}">
+                <a16:creationId xmlns:a16="http://schemas.microsoft.com/office/drawing/2014/main" id="{AC5A627A-8C77-FB40-9EB3-77AAB943153C}"/>
+              </a:ext>
+            </a:extLst>
+          </p:cNvPr>
+          <p:cNvSpPr txBox="1"/>
+          <p:nvPr/>
+        </p:nvSpPr>
+        <p:spPr>
+          <a:xfrm>
+            <a:off x="6328203" y="1071658"/>
+            <a:ext cx="11721479" cy="1323439"/>
+          </a:xfrm>
+          <a:prstGeom prst="rect">
+            <a:avLst/>
+          </a:prstGeom>
+          <a:noFill/>
+        </p:spPr>
+        <p:txBody>
+          <a:bodyPr wrap="none" rtlCol="0">
+            <a:spAutoFit/>
+          </a:bodyPr>
+          <a:lstStyle/>
+          <a:p>
+            <a:pPr algn="ctr"/>
+            <a:r>
+              <a:rPr lang="en-US" sz="8000" b="1" dirty="0">
+                <a:solidFill>
+                  <a:schemeClr val="tx2"/>
+                </a:solidFill>
+                <a:latin typeface="Century Gothic" panose="020B0502020202020204" pitchFamily="34" charset="0"/>
+                <a:ea typeface="Lato Heavy" charset="0"/>
+                <a:cs typeface="Poppins" pitchFamily="2" charset="77"/>
+              </a:rPr>
+              <a:t>Bar Charts Infographics</a:t>
+            </a:r>
+          </a:p>
+        </p:txBody>
+      </p:sp>
+      <p:sp>
+        <p:nvSpPr>
+          <p:cNvPr id="26" name="CuadroTexto 351">
+            <a:extLst>
+              <a:ext uri="{FF2B5EF4-FFF2-40B4-BE49-F238E27FC236}">
+                <a16:creationId xmlns:a16="http://schemas.microsoft.com/office/drawing/2014/main" id="{D681DFAB-7E38-CB4F-93D2-4CC45E2E721F}"/>
+              </a:ext>
+            </a:extLst>
+          </p:cNvPr>
+          <p:cNvSpPr txBox="1"/>
+          <p:nvPr/>
+        </p:nvSpPr>
+        <p:spPr>
+          <a:xfrm>
+            <a:off x="7816943" y="2426170"/>
+            <a:ext cx="8743766" cy="523220"/>
+          </a:xfrm>
+          <a:prstGeom prst="rect">
+            <a:avLst/>
+          </a:prstGeom>
+          <a:noFill/>
+        </p:spPr>
+        <p:txBody>
+          <a:bodyPr wrap="square" rtlCol="0">
+            <a:spAutoFit/>
+          </a:bodyPr>
+          <a:lstStyle/>
+          <a:p>
+            <a:pPr algn="ctr"/>
+            <a:r>
+              <a:rPr lang="en-US" sz="2800" dirty="0">
+                <a:latin typeface="Century Gothic" panose="020B0502020202020204" pitchFamily="34" charset="0"/>
+                <a:cs typeface="Poppins Light" pitchFamily="2" charset="77"/>
+              </a:rPr>
+              <a:t>Analysis of different brands and products.</a:t>
+            </a:r>
+          </a:p>
+        </p:txBody>
+      </p:sp>
+      <p:sp>
+        <p:nvSpPr>
+          <p:cNvPr id="27" name="Rectangle 26">
+            <a:extLst>
+              <a:ext uri="{FF2B5EF4-FFF2-40B4-BE49-F238E27FC236}">
+                <a16:creationId xmlns:a16="http://schemas.microsoft.com/office/drawing/2014/main" id="{CA3BFD8E-CEC2-5748-913C-7D61EBFE66E3}"/>
+              </a:ext>
+            </a:extLst>
+          </p:cNvPr>
+          <p:cNvSpPr/>
+          <p:nvPr/>
+        </p:nvSpPr>
+        <p:spPr>
+          <a:xfrm>
+            <a:off x="11079729" y="3215052"/>
+            <a:ext cx="2223656" cy="38779"/>
+          </a:xfrm>
+          <a:prstGeom prst="rect">
+            <a:avLst/>
+          </a:prstGeom>
+          <a:solidFill>
+            <a:schemeClr val="accent1"/>
+          </a:solidFill>
+          <a:ln>
+            <a:noFill/>
+          </a:ln>
+        </p:spPr>
+        <p:style>
+          <a:lnRef idx="2">
+            <a:schemeClr val="accent1">
+              <a:shade val="50000"/>
+            </a:schemeClr>
+          </a:lnRef>
+          <a:fillRef idx="1">
+            <a:schemeClr val="accent1"/>
+          </a:fillRef>
+          <a:effectRef idx="0">
+            <a:schemeClr val="accent1"/>
+          </a:effectRef>
+          <a:fontRef idx="minor">
+            <a:schemeClr val="lt1"/>
+          </a:fontRef>
+        </p:style>
+        <p:txBody>
+          <a:bodyPr rtlCol="0" anchor="ctr"/>
+          <a:lstStyle/>
+          <a:p>
+            <a:pPr algn="ctr"/>
+            <a:endParaRPr lang="en-US" dirty="0">
+              <a:latin typeface="Century Gothic" panose="020B0502020202020204" pitchFamily="34" charset="0"/>
+            </a:endParaRPr>
+          </a:p>
+        </p:txBody>
+      </p:sp>
+    </p:spTree>
+    <p:extLst>
+      <p:ext uri="{BB962C8B-B14F-4D97-AF65-F5344CB8AC3E}">
+        <p14:creationId xmlns:p14="http://schemas.microsoft.com/office/powerpoint/2010/main" val="3229435698"/>
+      </p:ext>
+    </p:extLst>
+  </p:cSld>
+  <p:clrMapOvr>
+    <a:masterClrMapping/>
+  </p:clrMapOvr>
+</p:sld>
+</file>
+
+<file path=ppt/slides/slide11.xml><?xml version="1.0" encoding="utf-8"?>
+<p:sld xmlns:a="http://schemas.openxmlformats.org/drawingml/2006/main" xmlns:r="http://schemas.openxmlformats.org/officeDocument/2006/relationships" xmlns:p="http://schemas.openxmlformats.org/presentationml/2006/main">
+  <p:cSld>
+    <p:spTree>
+      <p:nvGrpSpPr>
+        <p:cNvPr id="1" name=""/>
+        <p:cNvGrpSpPr/>
+        <p:nvPr/>
+      </p:nvGrpSpPr>
+      <p:grpSpPr>
+        <a:xfrm>
+          <a:off x="0" y="0"/>
+          <a:ext cx="0" cy="0"/>
+          <a:chOff x="0" y="0"/>
+          <a:chExt cx="0" cy="0"/>
+        </a:xfrm>
+      </p:grpSpPr>
+      <p:sp>
+        <p:nvSpPr>
+          <p:cNvPr id="76" name="Rectangle 75">
+            <a:extLst>
+              <a:ext uri="{FF2B5EF4-FFF2-40B4-BE49-F238E27FC236}">
+                <a16:creationId xmlns:a16="http://schemas.microsoft.com/office/drawing/2014/main" id="{230B1080-EFD2-CF44-9D16-F7EFC062949D}"/>
+              </a:ext>
+            </a:extLst>
+          </p:cNvPr>
+          <p:cNvSpPr/>
+          <p:nvPr/>
+        </p:nvSpPr>
+        <p:spPr>
+          <a:xfrm>
+            <a:off x="1520705" y="5059452"/>
+            <a:ext cx="15928232" cy="2071099"/>
+          </a:xfrm>
+          <a:prstGeom prst="rect">
+            <a:avLst/>
+          </a:prstGeom>
+          <a:solidFill>
+            <a:srgbClr val="FDFDFD"/>
+          </a:solidFill>
+          <a:ln>
+            <a:noFill/>
+          </a:ln>
+        </p:spPr>
+        <p:style>
+          <a:lnRef idx="2">
+            <a:schemeClr val="accent1">
+              <a:shade val="50000"/>
+            </a:schemeClr>
+          </a:lnRef>
+          <a:fillRef idx="1">
+            <a:schemeClr val="accent1"/>
+          </a:fillRef>
+          <a:effectRef idx="0">
+            <a:schemeClr val="accent1"/>
+          </a:effectRef>
+          <a:fontRef idx="minor">
+            <a:schemeClr val="lt1"/>
+          </a:fontRef>
+        </p:style>
+        <p:txBody>
+          <a:bodyPr rtlCol="0" anchor="ctr"/>
+          <a:lstStyle/>
+          <a:p>
+            <a:endParaRPr lang="en-US">
+              <a:latin typeface="Century Gothic" panose="020B0502020202020204" pitchFamily="34" charset="0"/>
+            </a:endParaRPr>
+          </a:p>
+        </p:txBody>
+      </p:sp>
+      <p:sp>
+        <p:nvSpPr>
+          <p:cNvPr id="78" name="Rectangle 77">
+            <a:extLst>
+              <a:ext uri="{FF2B5EF4-FFF2-40B4-BE49-F238E27FC236}">
+                <a16:creationId xmlns:a16="http://schemas.microsoft.com/office/drawing/2014/main" id="{483B40CD-08AE-384B-B631-0AF264C55519}"/>
+              </a:ext>
+            </a:extLst>
+          </p:cNvPr>
+          <p:cNvSpPr/>
+          <p:nvPr/>
+        </p:nvSpPr>
+        <p:spPr>
+          <a:xfrm>
+            <a:off x="1520705" y="9468665"/>
+            <a:ext cx="15928232" cy="2071099"/>
+          </a:xfrm>
+          <a:prstGeom prst="rect">
+            <a:avLst/>
+          </a:prstGeom>
+          <a:solidFill>
+            <a:srgbClr val="FDFDFD"/>
+          </a:solidFill>
+          <a:ln>
+            <a:noFill/>
+          </a:ln>
+        </p:spPr>
+        <p:style>
+          <a:lnRef idx="2">
+            <a:schemeClr val="accent1">
+              <a:shade val="50000"/>
+            </a:schemeClr>
+          </a:lnRef>
+          <a:fillRef idx="1">
+            <a:schemeClr val="accent1"/>
+          </a:fillRef>
+          <a:effectRef idx="0">
+            <a:schemeClr val="accent1"/>
+          </a:effectRef>
+          <a:fontRef idx="minor">
+            <a:schemeClr val="lt1"/>
+          </a:fontRef>
+        </p:style>
+        <p:txBody>
+          <a:bodyPr rtlCol="0" anchor="ctr"/>
+          <a:lstStyle/>
+          <a:p>
+            <a:endParaRPr lang="en-US">
+              <a:latin typeface="Century Gothic" panose="020B0502020202020204" pitchFamily="34" charset="0"/>
+            </a:endParaRPr>
+          </a:p>
+        </p:txBody>
+      </p:sp>
+      <p:graphicFrame>
+        <p:nvGraphicFramePr>
+          <p:cNvPr id="24" name="Chart 23">
+            <a:extLst>
+              <a:ext uri="{FF2B5EF4-FFF2-40B4-BE49-F238E27FC236}">
+                <a16:creationId xmlns:a16="http://schemas.microsoft.com/office/drawing/2014/main" id="{E69919BC-19C8-284A-BF49-362604A69CC8}"/>
+              </a:ext>
+            </a:extLst>
+          </p:cNvPr>
+          <p:cNvGraphicFramePr/>
+          <p:nvPr/>
+        </p:nvGraphicFramePr>
+        <p:xfrm>
+          <a:off x="14164913" y="3975410"/>
+          <a:ext cx="9112934" cy="8648396"/>
+        </p:xfrm>
+        <a:graphic>
+          <a:graphicData uri="http://schemas.openxmlformats.org/drawingml/2006/chart">
+            <c:chart xmlns:c="http://schemas.openxmlformats.org/drawingml/2006/chart" xmlns:r="http://schemas.openxmlformats.org/officeDocument/2006/relationships" r:id="rId2"/>
+          </a:graphicData>
+        </a:graphic>
+      </p:graphicFrame>
+      <p:sp>
+        <p:nvSpPr>
+          <p:cNvPr id="25" name="CuadroTexto 395">
+            <a:extLst>
+              <a:ext uri="{FF2B5EF4-FFF2-40B4-BE49-F238E27FC236}">
+                <a16:creationId xmlns:a16="http://schemas.microsoft.com/office/drawing/2014/main" id="{01A7C77E-F9CE-E044-800E-CCFEAD8B9FBD}"/>
+              </a:ext>
+            </a:extLst>
+          </p:cNvPr>
+          <p:cNvSpPr txBox="1"/>
+          <p:nvPr/>
+        </p:nvSpPr>
+        <p:spPr>
+          <a:xfrm>
+            <a:off x="16203731" y="6118583"/>
+            <a:ext cx="2361800" cy="707886"/>
+          </a:xfrm>
+          <a:prstGeom prst="rect">
+            <a:avLst/>
+          </a:prstGeom>
+          <a:noFill/>
+        </p:spPr>
+        <p:txBody>
+          <a:bodyPr wrap="square" rtlCol="0">
+            <a:spAutoFit/>
+          </a:bodyPr>
+          <a:lstStyle/>
+          <a:p>
+            <a:pPr algn="ctr"/>
+            <a:r>
+              <a:rPr lang="en-US" sz="4000" b="1" dirty="0">
+                <a:solidFill>
+                  <a:schemeClr val="bg1"/>
+                </a:solidFill>
+                <a:latin typeface="Century Gothic" panose="020B0502020202020204" pitchFamily="34" charset="0"/>
+                <a:ea typeface="Roboto Medium" panose="02000000000000000000" pitchFamily="2" charset="0"/>
+                <a:cs typeface="Poppins Medium" pitchFamily="2" charset="77"/>
+              </a:rPr>
+              <a:t>2.34%</a:t>
+            </a:r>
+          </a:p>
+        </p:txBody>
+      </p:sp>
+      <p:sp>
+        <p:nvSpPr>
+          <p:cNvPr id="26" name="CuadroTexto 395">
+            <a:extLst>
+              <a:ext uri="{FF2B5EF4-FFF2-40B4-BE49-F238E27FC236}">
+                <a16:creationId xmlns:a16="http://schemas.microsoft.com/office/drawing/2014/main" id="{CAC37EC7-076E-C241-A299-F9301228F8A1}"/>
+              </a:ext>
+            </a:extLst>
+          </p:cNvPr>
+          <p:cNvSpPr txBox="1"/>
+          <p:nvPr/>
+        </p:nvSpPr>
+        <p:spPr>
+          <a:xfrm>
+            <a:off x="16047881" y="5574095"/>
+            <a:ext cx="2673499" cy="461665"/>
+          </a:xfrm>
+          <a:prstGeom prst="rect">
+            <a:avLst/>
+          </a:prstGeom>
+          <a:noFill/>
+        </p:spPr>
+        <p:txBody>
+          <a:bodyPr wrap="square" rtlCol="0">
+            <a:spAutoFit/>
+          </a:bodyPr>
+          <a:lstStyle/>
+          <a:p>
+            <a:pPr algn="ctr"/>
+            <a:r>
+              <a:rPr lang="en-US" sz="2400" dirty="0">
+                <a:solidFill>
+                  <a:schemeClr val="bg1"/>
+                </a:solidFill>
+                <a:latin typeface="Century Gothic" panose="020B0502020202020204" pitchFamily="34" charset="0"/>
+                <a:ea typeface="Roboto Medium" panose="02000000000000000000" pitchFamily="2" charset="0"/>
+                <a:cs typeface="Poppins Medium" pitchFamily="2" charset="77"/>
+              </a:rPr>
+              <a:t>Marketing</a:t>
+            </a:r>
+          </a:p>
+        </p:txBody>
+      </p:sp>
+      <p:sp>
+        <p:nvSpPr>
+          <p:cNvPr id="32" name="CuadroTexto 395">
+            <a:extLst>
+              <a:ext uri="{FF2B5EF4-FFF2-40B4-BE49-F238E27FC236}">
+                <a16:creationId xmlns:a16="http://schemas.microsoft.com/office/drawing/2014/main" id="{19C2F793-1BC6-FA4E-8025-32A178CC8CF0}"/>
+              </a:ext>
+            </a:extLst>
+          </p:cNvPr>
+          <p:cNvSpPr txBox="1"/>
+          <p:nvPr/>
+        </p:nvSpPr>
+        <p:spPr>
+          <a:xfrm>
+            <a:off x="19135048" y="9924093"/>
+            <a:ext cx="2361800" cy="707886"/>
+          </a:xfrm>
+          <a:prstGeom prst="rect">
+            <a:avLst/>
+          </a:prstGeom>
+          <a:noFill/>
+        </p:spPr>
+        <p:txBody>
+          <a:bodyPr wrap="square" rtlCol="0">
+            <a:spAutoFit/>
+          </a:bodyPr>
+          <a:lstStyle/>
+          <a:p>
+            <a:pPr algn="ctr"/>
+            <a:r>
+              <a:rPr lang="en-US" sz="4000" b="1" dirty="0">
+                <a:solidFill>
+                  <a:schemeClr val="bg1"/>
+                </a:solidFill>
+                <a:latin typeface="Century Gothic" panose="020B0502020202020204" pitchFamily="34" charset="0"/>
+                <a:ea typeface="Roboto Medium" panose="02000000000000000000" pitchFamily="2" charset="0"/>
+                <a:cs typeface="Poppins Medium" pitchFamily="2" charset="77"/>
+              </a:rPr>
+              <a:t>6.53%</a:t>
+            </a:r>
+          </a:p>
+        </p:txBody>
+      </p:sp>
+      <p:sp>
+        <p:nvSpPr>
+          <p:cNvPr id="35" name="CuadroTexto 395">
+            <a:extLst>
+              <a:ext uri="{FF2B5EF4-FFF2-40B4-BE49-F238E27FC236}">
+                <a16:creationId xmlns:a16="http://schemas.microsoft.com/office/drawing/2014/main" id="{545834C3-C50C-0944-A35F-3A976620E175}"/>
+              </a:ext>
+            </a:extLst>
+          </p:cNvPr>
+          <p:cNvSpPr txBox="1"/>
+          <p:nvPr/>
+        </p:nvSpPr>
+        <p:spPr>
+          <a:xfrm>
+            <a:off x="18979198" y="9379605"/>
+            <a:ext cx="2673499" cy="461665"/>
+          </a:xfrm>
+          <a:prstGeom prst="rect">
+            <a:avLst/>
+          </a:prstGeom>
+          <a:noFill/>
+        </p:spPr>
+        <p:txBody>
+          <a:bodyPr wrap="square" rtlCol="0">
+            <a:spAutoFit/>
+          </a:bodyPr>
+          <a:lstStyle/>
+          <a:p>
+            <a:pPr algn="ctr"/>
+            <a:r>
+              <a:rPr lang="en-US" sz="2400" dirty="0">
+                <a:solidFill>
+                  <a:schemeClr val="bg1"/>
+                </a:solidFill>
+                <a:latin typeface="Century Gothic" panose="020B0502020202020204" pitchFamily="34" charset="0"/>
+                <a:ea typeface="Roboto Medium" panose="02000000000000000000" pitchFamily="2" charset="0"/>
+                <a:cs typeface="Poppins Medium" pitchFamily="2" charset="77"/>
+              </a:rPr>
+              <a:t>Financial</a:t>
+            </a:r>
+          </a:p>
+        </p:txBody>
+      </p:sp>
+      <p:sp>
+        <p:nvSpPr>
+          <p:cNvPr id="37" name="CuadroTexto 395">
+            <a:extLst>
+              <a:ext uri="{FF2B5EF4-FFF2-40B4-BE49-F238E27FC236}">
+                <a16:creationId xmlns:a16="http://schemas.microsoft.com/office/drawing/2014/main" id="{6B18E804-5249-FC45-A36D-C61E5CD6CC6D}"/>
+              </a:ext>
+            </a:extLst>
+          </p:cNvPr>
+          <p:cNvSpPr txBox="1"/>
+          <p:nvPr/>
+        </p:nvSpPr>
+        <p:spPr>
+          <a:xfrm>
+            <a:off x="14931288" y="9025662"/>
+            <a:ext cx="2361800" cy="707886"/>
+          </a:xfrm>
+          <a:prstGeom prst="rect">
+            <a:avLst/>
+          </a:prstGeom>
+          <a:noFill/>
+        </p:spPr>
+        <p:txBody>
+          <a:bodyPr wrap="square" rtlCol="0">
+            <a:spAutoFit/>
+          </a:bodyPr>
+          <a:lstStyle/>
+          <a:p>
+            <a:pPr algn="ctr"/>
+            <a:r>
+              <a:rPr lang="en-US" sz="4000" b="1" dirty="0">
+                <a:solidFill>
+                  <a:schemeClr val="bg1"/>
+                </a:solidFill>
+                <a:latin typeface="Century Gothic" panose="020B0502020202020204" pitchFamily="34" charset="0"/>
+                <a:ea typeface="Roboto Medium" panose="02000000000000000000" pitchFamily="2" charset="0"/>
+                <a:cs typeface="Poppins Medium" pitchFamily="2" charset="77"/>
+              </a:rPr>
+              <a:t>4.92%</a:t>
+            </a:r>
+          </a:p>
+        </p:txBody>
+      </p:sp>
+      <p:sp>
+        <p:nvSpPr>
+          <p:cNvPr id="38" name="CuadroTexto 395">
+            <a:extLst>
+              <a:ext uri="{FF2B5EF4-FFF2-40B4-BE49-F238E27FC236}">
+                <a16:creationId xmlns:a16="http://schemas.microsoft.com/office/drawing/2014/main" id="{CA7A8E96-14BC-B34C-86B5-DF089E98AD95}"/>
+              </a:ext>
+            </a:extLst>
+          </p:cNvPr>
+          <p:cNvSpPr txBox="1"/>
+          <p:nvPr/>
+        </p:nvSpPr>
+        <p:spPr>
+          <a:xfrm>
+            <a:off x="14775438" y="8481174"/>
+            <a:ext cx="2673499" cy="461665"/>
+          </a:xfrm>
+          <a:prstGeom prst="rect">
+            <a:avLst/>
+          </a:prstGeom>
+          <a:noFill/>
+        </p:spPr>
+        <p:txBody>
+          <a:bodyPr wrap="square" rtlCol="0">
+            <a:spAutoFit/>
+          </a:bodyPr>
+          <a:lstStyle/>
+          <a:p>
+            <a:pPr algn="ctr"/>
+            <a:r>
+              <a:rPr lang="en-US" sz="2400" dirty="0">
+                <a:solidFill>
+                  <a:schemeClr val="bg1"/>
+                </a:solidFill>
+                <a:latin typeface="Century Gothic" panose="020B0502020202020204" pitchFamily="34" charset="0"/>
+                <a:ea typeface="Roboto Medium" panose="02000000000000000000" pitchFamily="2" charset="0"/>
+                <a:cs typeface="Poppins Medium" pitchFamily="2" charset="77"/>
+              </a:rPr>
+              <a:t>Business</a:t>
+            </a:r>
+          </a:p>
+        </p:txBody>
+      </p:sp>
+      <p:sp>
+        <p:nvSpPr>
+          <p:cNvPr id="80" name="CuadroTexto 395">
+            <a:extLst>
+              <a:ext uri="{FF2B5EF4-FFF2-40B4-BE49-F238E27FC236}">
+                <a16:creationId xmlns:a16="http://schemas.microsoft.com/office/drawing/2014/main" id="{6D48E331-D1AF-E447-A841-7E206CB9FE1E}"/>
+              </a:ext>
+            </a:extLst>
+          </p:cNvPr>
+          <p:cNvSpPr txBox="1"/>
+          <p:nvPr/>
+        </p:nvSpPr>
+        <p:spPr>
+          <a:xfrm>
+            <a:off x="4887735" y="5790301"/>
+            <a:ext cx="1371600" cy="707886"/>
+          </a:xfrm>
+          <a:prstGeom prst="rect">
+            <a:avLst/>
+          </a:prstGeom>
+          <a:noFill/>
+        </p:spPr>
+        <p:txBody>
+          <a:bodyPr wrap="square" rtlCol="0">
+            <a:spAutoFit/>
+          </a:bodyPr>
+          <a:lstStyle/>
+          <a:p>
+            <a:r>
+              <a:rPr lang="en-US" sz="4000" b="1" dirty="0">
+                <a:solidFill>
+                  <a:schemeClr val="tx2"/>
+                </a:solidFill>
+                <a:latin typeface="Century Gothic" panose="020B0502020202020204" pitchFamily="34" charset="0"/>
+                <a:ea typeface="Roboto Medium" panose="02000000000000000000" pitchFamily="2" charset="0"/>
+                <a:cs typeface="Poppins Medium" pitchFamily="2" charset="77"/>
+              </a:rPr>
+              <a:t>24%</a:t>
+            </a:r>
+          </a:p>
+        </p:txBody>
+      </p:sp>
+      <p:sp>
+        <p:nvSpPr>
+          <p:cNvPr id="81" name="CuadroTexto 395">
+            <a:extLst>
+              <a:ext uri="{FF2B5EF4-FFF2-40B4-BE49-F238E27FC236}">
+                <a16:creationId xmlns:a16="http://schemas.microsoft.com/office/drawing/2014/main" id="{F76DA269-8B73-E742-AE72-BC4D8F875850}"/>
+              </a:ext>
+            </a:extLst>
+          </p:cNvPr>
+          <p:cNvSpPr txBox="1"/>
+          <p:nvPr/>
+        </p:nvSpPr>
+        <p:spPr>
+          <a:xfrm>
+            <a:off x="2257832" y="5894701"/>
+            <a:ext cx="2361800" cy="400110"/>
+          </a:xfrm>
+          <a:prstGeom prst="rect">
+            <a:avLst/>
+          </a:prstGeom>
+          <a:noFill/>
+        </p:spPr>
+        <p:txBody>
+          <a:bodyPr wrap="square" rtlCol="0">
+            <a:spAutoFit/>
+          </a:bodyPr>
+          <a:lstStyle/>
+          <a:p>
+            <a:r>
+              <a:rPr lang="en-US" sz="2000" spc="300" dirty="0">
+                <a:latin typeface="Century Gothic" panose="020B0502020202020204" pitchFamily="34" charset="0"/>
+                <a:ea typeface="Roboto Medium" panose="02000000000000000000" pitchFamily="2" charset="0"/>
+                <a:cs typeface="Poppins Medium" pitchFamily="2" charset="77"/>
+              </a:rPr>
+              <a:t>1 month ago</a:t>
+            </a:r>
+          </a:p>
+        </p:txBody>
+      </p:sp>
+      <p:grpSp>
+        <p:nvGrpSpPr>
+          <p:cNvPr id="82" name="Group 81">
+            <a:extLst>
+              <a:ext uri="{FF2B5EF4-FFF2-40B4-BE49-F238E27FC236}">
+                <a16:creationId xmlns:a16="http://schemas.microsoft.com/office/drawing/2014/main" id="{02E73E9F-F730-6347-8F03-C84E0E3754F7}"/>
+              </a:ext>
+            </a:extLst>
+          </p:cNvPr>
+          <p:cNvGrpSpPr/>
+          <p:nvPr/>
+        </p:nvGrpSpPr>
+        <p:grpSpPr>
+          <a:xfrm>
+            <a:off x="6777059" y="5790301"/>
+            <a:ext cx="1371600" cy="609399"/>
+            <a:chOff x="7521677" y="11115569"/>
+            <a:chExt cx="1371600" cy="609399"/>
+          </a:xfrm>
+        </p:grpSpPr>
+        <p:sp>
+          <p:nvSpPr>
+            <p:cNvPr id="83" name="Rounded Rectangle 82">
+              <a:extLst>
+                <a:ext uri="{FF2B5EF4-FFF2-40B4-BE49-F238E27FC236}">
+                  <a16:creationId xmlns:a16="http://schemas.microsoft.com/office/drawing/2014/main" id="{95CD2EF9-A16E-5543-AE52-F947D3905342}"/>
+                </a:ext>
+              </a:extLst>
+            </p:cNvPr>
+            <p:cNvSpPr/>
+            <p:nvPr/>
+          </p:nvSpPr>
+          <p:spPr>
+            <a:xfrm>
+              <a:off x="7521677" y="11115569"/>
+              <a:ext cx="1371600" cy="609399"/>
+            </a:xfrm>
+            <a:prstGeom prst="roundRect">
+              <a:avLst/>
+            </a:prstGeom>
+            <a:solidFill>
+              <a:schemeClr val="accent1"/>
+            </a:solidFill>
+            <a:ln>
+              <a:noFill/>
+            </a:ln>
+          </p:spPr>
+          <p:style>
+            <a:lnRef idx="2">
+              <a:schemeClr val="accent1">
+                <a:shade val="50000"/>
+              </a:schemeClr>
+            </a:lnRef>
+            <a:fillRef idx="1">
+              <a:schemeClr val="accent1"/>
+            </a:fillRef>
+            <a:effectRef idx="0">
+              <a:schemeClr val="accent1"/>
+            </a:effectRef>
+            <a:fontRef idx="minor">
+              <a:schemeClr val="lt1"/>
+            </a:fontRef>
+          </p:style>
+          <p:txBody>
+            <a:bodyPr rtlCol="0" anchor="ctr"/>
+            <a:lstStyle/>
+            <a:p>
+              <a:pPr algn="ctr"/>
+              <a:endParaRPr lang="en-US" dirty="0">
+                <a:latin typeface="Century Gothic" panose="020B0502020202020204" pitchFamily="34" charset="0"/>
+              </a:endParaRPr>
+            </a:p>
+          </p:txBody>
+        </p:sp>
+        <p:grpSp>
+          <p:nvGrpSpPr>
+            <p:cNvPr id="84" name="Group 83">
+              <a:extLst>
+                <a:ext uri="{FF2B5EF4-FFF2-40B4-BE49-F238E27FC236}">
+                  <a16:creationId xmlns:a16="http://schemas.microsoft.com/office/drawing/2014/main" id="{809A764B-A028-0141-84C4-09BB13A4D4CC}"/>
+                </a:ext>
+              </a:extLst>
+            </p:cNvPr>
+            <p:cNvGrpSpPr/>
+            <p:nvPr/>
+          </p:nvGrpSpPr>
+          <p:grpSpPr>
+            <a:xfrm>
+              <a:off x="7822180" y="11239796"/>
+              <a:ext cx="959209" cy="407993"/>
+              <a:chOff x="7798531" y="11239796"/>
+              <a:chExt cx="959209" cy="407993"/>
+            </a:xfrm>
+          </p:grpSpPr>
+          <p:sp>
+            <p:nvSpPr>
+              <p:cNvPr id="85" name="CuadroTexto 395">
+                <a:extLst>
+                  <a:ext uri="{FF2B5EF4-FFF2-40B4-BE49-F238E27FC236}">
+                    <a16:creationId xmlns:a16="http://schemas.microsoft.com/office/drawing/2014/main" id="{1A662A20-014E-1745-9EA5-9F33788EF562}"/>
+                  </a:ext>
+                </a:extLst>
+              </p:cNvPr>
+              <p:cNvSpPr txBox="1"/>
+              <p:nvPr/>
+            </p:nvSpPr>
+            <p:spPr>
+              <a:xfrm>
+                <a:off x="7875391" y="11247679"/>
+                <a:ext cx="882349" cy="400110"/>
+              </a:xfrm>
+              <a:prstGeom prst="rect">
+                <a:avLst/>
+              </a:prstGeom>
+              <a:noFill/>
+            </p:spPr>
+            <p:txBody>
+              <a:bodyPr wrap="square" rtlCol="0">
+                <a:spAutoFit/>
+              </a:bodyPr>
+              <a:lstStyle/>
+              <a:p>
+                <a:r>
+                  <a:rPr lang="en-US" sz="2000" dirty="0">
+                    <a:solidFill>
+                      <a:schemeClr val="bg1"/>
+                    </a:solidFill>
+                    <a:latin typeface="Century Gothic" panose="020B0502020202020204" pitchFamily="34" charset="0"/>
+                    <a:ea typeface="Roboto Medium" panose="02000000000000000000" pitchFamily="2" charset="0"/>
+                    <a:cs typeface="Poppins Medium" pitchFamily="2" charset="77"/>
+                  </a:rPr>
+                  <a:t>120%</a:t>
+                </a:r>
+              </a:p>
+            </p:txBody>
+          </p:sp>
+          <p:cxnSp>
+            <p:nvCxnSpPr>
+              <p:cNvPr id="86" name="Straight Arrow Connector 85">
+                <a:extLst>
+                  <a:ext uri="{FF2B5EF4-FFF2-40B4-BE49-F238E27FC236}">
+                    <a16:creationId xmlns:a16="http://schemas.microsoft.com/office/drawing/2014/main" id="{ABC568D0-56AB-5441-B179-022A98A4CDB9}"/>
+                  </a:ext>
+                </a:extLst>
+              </p:cNvPr>
+              <p:cNvCxnSpPr>
+                <a:cxnSpLocks/>
+              </p:cNvCxnSpPr>
+              <p:nvPr/>
+            </p:nvCxnSpPr>
+            <p:spPr>
+              <a:xfrm flipV="1">
+                <a:off x="7798531" y="11239796"/>
+                <a:ext cx="0" cy="334122"/>
+              </a:xfrm>
+              <a:prstGeom prst="straightConnector1">
+                <a:avLst/>
+              </a:prstGeom>
+              <a:ln w="38100">
+                <a:solidFill>
+                  <a:schemeClr val="bg1"/>
+                </a:solidFill>
+                <a:tailEnd type="triangle"/>
+              </a:ln>
+            </p:spPr>
+            <p:style>
+              <a:lnRef idx="1">
+                <a:schemeClr val="accent1"/>
+              </a:lnRef>
+              <a:fillRef idx="0">
+                <a:schemeClr val="accent1"/>
+              </a:fillRef>
+              <a:effectRef idx="0">
+                <a:schemeClr val="accent1"/>
+              </a:effectRef>
+              <a:fontRef idx="minor">
+                <a:schemeClr val="tx1"/>
+              </a:fontRef>
+            </p:style>
+          </p:cxnSp>
+        </p:grpSp>
+      </p:grpSp>
+      <p:sp>
+        <p:nvSpPr>
+          <p:cNvPr id="88" name="CuadroTexto 395">
+            <a:extLst>
+              <a:ext uri="{FF2B5EF4-FFF2-40B4-BE49-F238E27FC236}">
+                <a16:creationId xmlns:a16="http://schemas.microsoft.com/office/drawing/2014/main" id="{09A8604E-79C6-E947-8712-33182BA29270}"/>
+              </a:ext>
+            </a:extLst>
+          </p:cNvPr>
+          <p:cNvSpPr txBox="1"/>
+          <p:nvPr/>
+        </p:nvSpPr>
+        <p:spPr>
+          <a:xfrm>
+            <a:off x="4887735" y="7965800"/>
+            <a:ext cx="1371600" cy="707886"/>
+          </a:xfrm>
+          <a:prstGeom prst="rect">
+            <a:avLst/>
+          </a:prstGeom>
+          <a:noFill/>
+        </p:spPr>
+        <p:txBody>
+          <a:bodyPr wrap="square" rtlCol="0">
+            <a:spAutoFit/>
+          </a:bodyPr>
+          <a:lstStyle/>
+          <a:p>
+            <a:r>
+              <a:rPr lang="en-US" sz="4000" b="1" dirty="0">
+                <a:solidFill>
+                  <a:schemeClr val="tx2"/>
+                </a:solidFill>
+                <a:latin typeface="Century Gothic" panose="020B0502020202020204" pitchFamily="34" charset="0"/>
+                <a:ea typeface="Roboto Medium" panose="02000000000000000000" pitchFamily="2" charset="0"/>
+                <a:cs typeface="Poppins Medium" pitchFamily="2" charset="77"/>
+              </a:rPr>
+              <a:t>70%</a:t>
+            </a:r>
+          </a:p>
+        </p:txBody>
+      </p:sp>
+      <p:sp>
+        <p:nvSpPr>
+          <p:cNvPr id="89" name="CuadroTexto 395">
+            <a:extLst>
+              <a:ext uri="{FF2B5EF4-FFF2-40B4-BE49-F238E27FC236}">
+                <a16:creationId xmlns:a16="http://schemas.microsoft.com/office/drawing/2014/main" id="{CE18AB8C-BBAF-7B4B-BAC7-FD1495D1E810}"/>
+              </a:ext>
+            </a:extLst>
+          </p:cNvPr>
+          <p:cNvSpPr txBox="1"/>
+          <p:nvPr/>
+        </p:nvSpPr>
+        <p:spPr>
+          <a:xfrm>
+            <a:off x="2257832" y="8070200"/>
+            <a:ext cx="2361800" cy="400110"/>
+          </a:xfrm>
+          <a:prstGeom prst="rect">
+            <a:avLst/>
+          </a:prstGeom>
+          <a:noFill/>
+        </p:spPr>
+        <p:txBody>
+          <a:bodyPr wrap="square" rtlCol="0">
+            <a:spAutoFit/>
+          </a:bodyPr>
+          <a:lstStyle/>
+          <a:p>
+            <a:r>
+              <a:rPr lang="en-US" sz="2000" spc="300" dirty="0">
+                <a:latin typeface="Century Gothic" panose="020B0502020202020204" pitchFamily="34" charset="0"/>
+                <a:ea typeface="Roboto Medium" panose="02000000000000000000" pitchFamily="2" charset="0"/>
+                <a:cs typeface="Poppins Medium" pitchFamily="2" charset="77"/>
+              </a:rPr>
+              <a:t>3 month ago</a:t>
+            </a:r>
+          </a:p>
+        </p:txBody>
+      </p:sp>
+      <p:grpSp>
+        <p:nvGrpSpPr>
+          <p:cNvPr id="90" name="Group 89">
+            <a:extLst>
+              <a:ext uri="{FF2B5EF4-FFF2-40B4-BE49-F238E27FC236}">
+                <a16:creationId xmlns:a16="http://schemas.microsoft.com/office/drawing/2014/main" id="{66155ACC-37C0-0643-9E9E-303771997947}"/>
+              </a:ext>
+            </a:extLst>
+          </p:cNvPr>
+          <p:cNvGrpSpPr/>
+          <p:nvPr/>
+        </p:nvGrpSpPr>
+        <p:grpSpPr>
+          <a:xfrm>
+            <a:off x="6777059" y="7965800"/>
+            <a:ext cx="1371600" cy="609399"/>
+            <a:chOff x="7521677" y="11115569"/>
+            <a:chExt cx="1371600" cy="609399"/>
+          </a:xfrm>
+        </p:grpSpPr>
+        <p:sp>
+          <p:nvSpPr>
+            <p:cNvPr id="91" name="Rounded Rectangle 90">
+              <a:extLst>
+                <a:ext uri="{FF2B5EF4-FFF2-40B4-BE49-F238E27FC236}">
+                  <a16:creationId xmlns:a16="http://schemas.microsoft.com/office/drawing/2014/main" id="{169EB74A-E8A3-E144-8B33-BE17E72307CE}"/>
+                </a:ext>
+              </a:extLst>
+            </p:cNvPr>
+            <p:cNvSpPr/>
+            <p:nvPr/>
+          </p:nvSpPr>
+          <p:spPr>
+            <a:xfrm>
+              <a:off x="7521677" y="11115569"/>
+              <a:ext cx="1371600" cy="609399"/>
+            </a:xfrm>
+            <a:prstGeom prst="roundRect">
+              <a:avLst/>
+            </a:prstGeom>
+            <a:solidFill>
+              <a:schemeClr val="accent2"/>
+            </a:solidFill>
+            <a:ln>
+              <a:noFill/>
+            </a:ln>
+          </p:spPr>
+          <p:style>
+            <a:lnRef idx="2">
+              <a:schemeClr val="accent1">
+                <a:shade val="50000"/>
+              </a:schemeClr>
+            </a:lnRef>
+            <a:fillRef idx="1">
+              <a:schemeClr val="accent1"/>
+            </a:fillRef>
+            <a:effectRef idx="0">
+              <a:schemeClr val="accent1"/>
+            </a:effectRef>
+            <a:fontRef idx="minor">
+              <a:schemeClr val="lt1"/>
+            </a:fontRef>
+          </p:style>
+          <p:txBody>
+            <a:bodyPr rtlCol="0" anchor="ctr"/>
+            <a:lstStyle/>
+            <a:p>
+              <a:pPr algn="ctr"/>
+              <a:endParaRPr lang="en-US" dirty="0">
+                <a:latin typeface="Century Gothic" panose="020B0502020202020204" pitchFamily="34" charset="0"/>
+              </a:endParaRPr>
+            </a:p>
+          </p:txBody>
+        </p:sp>
+        <p:grpSp>
+          <p:nvGrpSpPr>
+            <p:cNvPr id="92" name="Group 91">
+              <a:extLst>
+                <a:ext uri="{FF2B5EF4-FFF2-40B4-BE49-F238E27FC236}">
+                  <a16:creationId xmlns:a16="http://schemas.microsoft.com/office/drawing/2014/main" id="{0D6932C1-0451-EB49-B606-FE032E4D4561}"/>
+                </a:ext>
+              </a:extLst>
+            </p:cNvPr>
+            <p:cNvGrpSpPr/>
+            <p:nvPr/>
+          </p:nvGrpSpPr>
+          <p:grpSpPr>
+            <a:xfrm>
+              <a:off x="7822180" y="11239796"/>
+              <a:ext cx="959209" cy="407993"/>
+              <a:chOff x="7798531" y="11239796"/>
+              <a:chExt cx="959209" cy="407993"/>
+            </a:xfrm>
+          </p:grpSpPr>
+          <p:sp>
+            <p:nvSpPr>
+              <p:cNvPr id="93" name="CuadroTexto 395">
+                <a:extLst>
+                  <a:ext uri="{FF2B5EF4-FFF2-40B4-BE49-F238E27FC236}">
+                    <a16:creationId xmlns:a16="http://schemas.microsoft.com/office/drawing/2014/main" id="{963A091E-E776-1D4D-9A12-7CF6F117DCDE}"/>
+                  </a:ext>
+                </a:extLst>
+              </p:cNvPr>
+              <p:cNvSpPr txBox="1"/>
+              <p:nvPr/>
+            </p:nvSpPr>
+            <p:spPr>
+              <a:xfrm>
+                <a:off x="7875391" y="11247679"/>
+                <a:ext cx="882349" cy="400110"/>
+              </a:xfrm>
+              <a:prstGeom prst="rect">
+                <a:avLst/>
+              </a:prstGeom>
+              <a:noFill/>
+            </p:spPr>
+            <p:txBody>
+              <a:bodyPr wrap="square" rtlCol="0">
+                <a:spAutoFit/>
+              </a:bodyPr>
+              <a:lstStyle/>
+              <a:p>
+                <a:r>
+                  <a:rPr lang="en-US" sz="2000" dirty="0">
+                    <a:solidFill>
+                      <a:schemeClr val="bg1"/>
+                    </a:solidFill>
+                    <a:latin typeface="Century Gothic" panose="020B0502020202020204" pitchFamily="34" charset="0"/>
+                    <a:ea typeface="Roboto Medium" panose="02000000000000000000" pitchFamily="2" charset="0"/>
+                    <a:cs typeface="Poppins Medium" pitchFamily="2" charset="77"/>
+                  </a:rPr>
+                  <a:t>160%</a:t>
+                </a:r>
+              </a:p>
+            </p:txBody>
+          </p:sp>
+          <p:cxnSp>
+            <p:nvCxnSpPr>
+              <p:cNvPr id="94" name="Straight Arrow Connector 93">
+                <a:extLst>
+                  <a:ext uri="{FF2B5EF4-FFF2-40B4-BE49-F238E27FC236}">
+                    <a16:creationId xmlns:a16="http://schemas.microsoft.com/office/drawing/2014/main" id="{DA5C4DD5-C4C2-7C4A-9519-DA2B47A88D99}"/>
+                  </a:ext>
+                </a:extLst>
+              </p:cNvPr>
+              <p:cNvCxnSpPr>
+                <a:cxnSpLocks/>
+              </p:cNvCxnSpPr>
+              <p:nvPr/>
+            </p:nvCxnSpPr>
+            <p:spPr>
+              <a:xfrm flipV="1">
+                <a:off x="7798531" y="11239796"/>
+                <a:ext cx="0" cy="334122"/>
+              </a:xfrm>
+              <a:prstGeom prst="straightConnector1">
+                <a:avLst/>
+              </a:prstGeom>
+              <a:ln w="38100">
+                <a:solidFill>
+                  <a:schemeClr val="bg1"/>
+                </a:solidFill>
+                <a:tailEnd type="triangle"/>
+              </a:ln>
+            </p:spPr>
+            <p:style>
+              <a:lnRef idx="1">
+                <a:schemeClr val="accent1"/>
+              </a:lnRef>
+              <a:fillRef idx="0">
+                <a:schemeClr val="accent1"/>
+              </a:fillRef>
+              <a:effectRef idx="0">
+                <a:schemeClr val="accent1"/>
+              </a:effectRef>
+              <a:fontRef idx="minor">
+                <a:schemeClr val="tx1"/>
+              </a:fontRef>
+            </p:style>
+          </p:cxnSp>
+        </p:grpSp>
+      </p:grpSp>
+      <p:sp>
+        <p:nvSpPr>
+          <p:cNvPr id="96" name="CuadroTexto 395">
+            <a:extLst>
+              <a:ext uri="{FF2B5EF4-FFF2-40B4-BE49-F238E27FC236}">
+                <a16:creationId xmlns:a16="http://schemas.microsoft.com/office/drawing/2014/main" id="{D96CDD36-B21E-CD47-90C6-D3E5D840F1A3}"/>
+              </a:ext>
+            </a:extLst>
+          </p:cNvPr>
+          <p:cNvSpPr txBox="1"/>
+          <p:nvPr/>
+        </p:nvSpPr>
+        <p:spPr>
+          <a:xfrm>
+            <a:off x="4887735" y="10151061"/>
+            <a:ext cx="1371600" cy="707886"/>
+          </a:xfrm>
+          <a:prstGeom prst="rect">
+            <a:avLst/>
+          </a:prstGeom>
+          <a:noFill/>
+        </p:spPr>
+        <p:txBody>
+          <a:bodyPr wrap="square" rtlCol="0">
+            <a:spAutoFit/>
+          </a:bodyPr>
+          <a:lstStyle/>
+          <a:p>
+            <a:r>
+              <a:rPr lang="en-US" sz="4000" b="1" dirty="0">
+                <a:solidFill>
+                  <a:schemeClr val="tx2"/>
+                </a:solidFill>
+                <a:latin typeface="Century Gothic" panose="020B0502020202020204" pitchFamily="34" charset="0"/>
+                <a:ea typeface="Roboto Medium" panose="02000000000000000000" pitchFamily="2" charset="0"/>
+                <a:cs typeface="Poppins Medium" pitchFamily="2" charset="77"/>
+              </a:rPr>
+              <a:t>52%</a:t>
+            </a:r>
+          </a:p>
+        </p:txBody>
+      </p:sp>
+      <p:sp>
+        <p:nvSpPr>
+          <p:cNvPr id="97" name="CuadroTexto 395">
+            <a:extLst>
+              <a:ext uri="{FF2B5EF4-FFF2-40B4-BE49-F238E27FC236}">
+                <a16:creationId xmlns:a16="http://schemas.microsoft.com/office/drawing/2014/main" id="{B093E738-C19D-ED41-85CB-70C672B8544B}"/>
+              </a:ext>
+            </a:extLst>
+          </p:cNvPr>
+          <p:cNvSpPr txBox="1"/>
+          <p:nvPr/>
+        </p:nvSpPr>
+        <p:spPr>
+          <a:xfrm>
+            <a:off x="2257832" y="10255461"/>
+            <a:ext cx="2361800" cy="400110"/>
+          </a:xfrm>
+          <a:prstGeom prst="rect">
+            <a:avLst/>
+          </a:prstGeom>
+          <a:noFill/>
+        </p:spPr>
+        <p:txBody>
+          <a:bodyPr wrap="square" rtlCol="0">
+            <a:spAutoFit/>
+          </a:bodyPr>
+          <a:lstStyle/>
+          <a:p>
+            <a:r>
+              <a:rPr lang="en-US" sz="2000" spc="300" dirty="0">
+                <a:latin typeface="Century Gothic" panose="020B0502020202020204" pitchFamily="34" charset="0"/>
+                <a:ea typeface="Roboto Medium" panose="02000000000000000000" pitchFamily="2" charset="0"/>
+                <a:cs typeface="Poppins Medium" pitchFamily="2" charset="77"/>
+              </a:rPr>
+              <a:t>6 month ago</a:t>
+            </a:r>
+          </a:p>
+        </p:txBody>
+      </p:sp>
+      <p:grpSp>
+        <p:nvGrpSpPr>
+          <p:cNvPr id="98" name="Group 97">
+            <a:extLst>
+              <a:ext uri="{FF2B5EF4-FFF2-40B4-BE49-F238E27FC236}">
+                <a16:creationId xmlns:a16="http://schemas.microsoft.com/office/drawing/2014/main" id="{F6EEAA9C-9058-414F-BC8E-21ADBE6726B7}"/>
+              </a:ext>
+            </a:extLst>
+          </p:cNvPr>
+          <p:cNvGrpSpPr/>
+          <p:nvPr/>
+        </p:nvGrpSpPr>
+        <p:grpSpPr>
+          <a:xfrm>
+            <a:off x="6777059" y="10151061"/>
+            <a:ext cx="1371600" cy="609399"/>
+            <a:chOff x="7521677" y="11115569"/>
+            <a:chExt cx="1371600" cy="609399"/>
+          </a:xfrm>
+        </p:grpSpPr>
+        <p:sp>
+          <p:nvSpPr>
+            <p:cNvPr id="99" name="Rounded Rectangle 98">
+              <a:extLst>
+                <a:ext uri="{FF2B5EF4-FFF2-40B4-BE49-F238E27FC236}">
+                  <a16:creationId xmlns:a16="http://schemas.microsoft.com/office/drawing/2014/main" id="{6693D503-512F-574C-A60D-23F24F56F1EC}"/>
+                </a:ext>
+              </a:extLst>
+            </p:cNvPr>
+            <p:cNvSpPr/>
+            <p:nvPr/>
+          </p:nvSpPr>
+          <p:spPr>
+            <a:xfrm>
+              <a:off x="7521677" y="11115569"/>
+              <a:ext cx="1371600" cy="609399"/>
+            </a:xfrm>
+            <a:prstGeom prst="roundRect">
+              <a:avLst/>
+            </a:prstGeom>
+            <a:solidFill>
+              <a:schemeClr val="accent3"/>
+            </a:solidFill>
+            <a:ln>
+              <a:noFill/>
+            </a:ln>
+          </p:spPr>
+          <p:style>
+            <a:lnRef idx="2">
+              <a:schemeClr val="accent1">
+                <a:shade val="50000"/>
+              </a:schemeClr>
+            </a:lnRef>
+            <a:fillRef idx="1">
+              <a:schemeClr val="accent1"/>
+            </a:fillRef>
+            <a:effectRef idx="0">
+              <a:schemeClr val="accent1"/>
+            </a:effectRef>
+            <a:fontRef idx="minor">
+              <a:schemeClr val="lt1"/>
+            </a:fontRef>
+          </p:style>
+          <p:txBody>
+            <a:bodyPr rtlCol="0" anchor="ctr"/>
+            <a:lstStyle/>
+            <a:p>
+              <a:pPr algn="ctr"/>
+              <a:endParaRPr lang="en-US" dirty="0">
+                <a:latin typeface="Century Gothic" panose="020B0502020202020204" pitchFamily="34" charset="0"/>
+              </a:endParaRPr>
+            </a:p>
+          </p:txBody>
+        </p:sp>
+        <p:grpSp>
+          <p:nvGrpSpPr>
+            <p:cNvPr id="100" name="Group 99">
+              <a:extLst>
+                <a:ext uri="{FF2B5EF4-FFF2-40B4-BE49-F238E27FC236}">
+                  <a16:creationId xmlns:a16="http://schemas.microsoft.com/office/drawing/2014/main" id="{CA16A490-6D43-F746-906D-5551E1F66ED2}"/>
+                </a:ext>
+              </a:extLst>
+            </p:cNvPr>
+            <p:cNvGrpSpPr/>
+            <p:nvPr/>
+          </p:nvGrpSpPr>
+          <p:grpSpPr>
+            <a:xfrm>
+              <a:off x="7822180" y="11239796"/>
+              <a:ext cx="959209" cy="407993"/>
+              <a:chOff x="7798531" y="11239796"/>
+              <a:chExt cx="959209" cy="407993"/>
+            </a:xfrm>
+          </p:grpSpPr>
+          <p:sp>
+            <p:nvSpPr>
+              <p:cNvPr id="101" name="CuadroTexto 395">
+                <a:extLst>
+                  <a:ext uri="{FF2B5EF4-FFF2-40B4-BE49-F238E27FC236}">
+                    <a16:creationId xmlns:a16="http://schemas.microsoft.com/office/drawing/2014/main" id="{86451B6F-6A9D-8549-9706-29BBF5923EE6}"/>
+                  </a:ext>
+                </a:extLst>
+              </p:cNvPr>
+              <p:cNvSpPr txBox="1"/>
+              <p:nvPr/>
+            </p:nvSpPr>
+            <p:spPr>
+              <a:xfrm>
+                <a:off x="7875391" y="11247679"/>
+                <a:ext cx="882349" cy="400110"/>
+              </a:xfrm>
+              <a:prstGeom prst="rect">
+                <a:avLst/>
+              </a:prstGeom>
+              <a:noFill/>
+            </p:spPr>
+            <p:txBody>
+              <a:bodyPr wrap="square" rtlCol="0">
+                <a:spAutoFit/>
+              </a:bodyPr>
+              <a:lstStyle/>
+              <a:p>
+                <a:r>
+                  <a:rPr lang="en-US" sz="2000" dirty="0">
+                    <a:solidFill>
+                      <a:schemeClr val="bg1"/>
+                    </a:solidFill>
+                    <a:latin typeface="Century Gothic" panose="020B0502020202020204" pitchFamily="34" charset="0"/>
+                    <a:ea typeface="Roboto Medium" panose="02000000000000000000" pitchFamily="2" charset="0"/>
+                    <a:cs typeface="Poppins Medium" pitchFamily="2" charset="77"/>
+                  </a:rPr>
+                  <a:t>183%</a:t>
+                </a:r>
+              </a:p>
+            </p:txBody>
+          </p:sp>
+          <p:cxnSp>
+            <p:nvCxnSpPr>
+              <p:cNvPr id="102" name="Straight Arrow Connector 101">
+                <a:extLst>
+                  <a:ext uri="{FF2B5EF4-FFF2-40B4-BE49-F238E27FC236}">
+                    <a16:creationId xmlns:a16="http://schemas.microsoft.com/office/drawing/2014/main" id="{617C6B74-523A-AD42-B9BC-31121B3D4F1A}"/>
+                  </a:ext>
+                </a:extLst>
+              </p:cNvPr>
+              <p:cNvCxnSpPr>
+                <a:cxnSpLocks/>
+              </p:cNvCxnSpPr>
+              <p:nvPr/>
+            </p:nvCxnSpPr>
+            <p:spPr>
+              <a:xfrm flipV="1">
+                <a:off x="7798531" y="11239796"/>
+                <a:ext cx="0" cy="334122"/>
+              </a:xfrm>
+              <a:prstGeom prst="straightConnector1">
+                <a:avLst/>
+              </a:prstGeom>
+              <a:ln w="38100">
+                <a:solidFill>
+                  <a:schemeClr val="bg1"/>
+                </a:solidFill>
+                <a:tailEnd type="triangle"/>
+              </a:ln>
+            </p:spPr>
+            <p:style>
+              <a:lnRef idx="1">
+                <a:schemeClr val="accent1"/>
+              </a:lnRef>
+              <a:fillRef idx="0">
+                <a:schemeClr val="accent1"/>
+              </a:fillRef>
+              <a:effectRef idx="0">
+                <a:schemeClr val="accent1"/>
+              </a:effectRef>
+              <a:fontRef idx="minor">
+                <a:schemeClr val="tx1"/>
+              </a:fontRef>
+            </p:style>
+          </p:cxnSp>
+        </p:grpSp>
+      </p:grpSp>
+      <p:sp>
+        <p:nvSpPr>
+          <p:cNvPr id="103" name="TextBox 102">
+            <a:extLst>
+              <a:ext uri="{FF2B5EF4-FFF2-40B4-BE49-F238E27FC236}">
+                <a16:creationId xmlns:a16="http://schemas.microsoft.com/office/drawing/2014/main" id="{9869F8CA-9E3A-B84C-AC84-7EB99E654937}"/>
+              </a:ext>
+            </a:extLst>
+          </p:cNvPr>
+          <p:cNvSpPr txBox="1"/>
+          <p:nvPr/>
+        </p:nvSpPr>
+        <p:spPr>
+          <a:xfrm>
+            <a:off x="8666383" y="5667190"/>
+            <a:ext cx="4915802" cy="954107"/>
+          </a:xfrm>
+          <a:prstGeom prst="rect">
+            <a:avLst/>
+          </a:prstGeom>
+          <a:noFill/>
+        </p:spPr>
+        <p:txBody>
+          <a:bodyPr wrap="square" rtlCol="0">
+            <a:spAutoFit/>
+          </a:bodyPr>
+          <a:lstStyle/>
+          <a:p>
+            <a:r>
+              <a:rPr lang="en-US" sz="2800" dirty="0">
+                <a:latin typeface="Century Gothic" panose="020B0502020202020204" pitchFamily="34" charset="0"/>
+                <a:ea typeface="Lato Light" panose="020F0502020204030203" pitchFamily="34" charset="0"/>
+                <a:cs typeface="Lato Light" panose="020F0502020204030203" pitchFamily="34" charset="0"/>
+              </a:rPr>
+              <a:t>There are people who have a significant number.</a:t>
+            </a:r>
+          </a:p>
+        </p:txBody>
+      </p:sp>
+      <p:sp>
+        <p:nvSpPr>
+          <p:cNvPr id="104" name="TextBox 103">
+            <a:extLst>
+              <a:ext uri="{FF2B5EF4-FFF2-40B4-BE49-F238E27FC236}">
+                <a16:creationId xmlns:a16="http://schemas.microsoft.com/office/drawing/2014/main" id="{25241EB6-8D6E-9F41-8ADA-CCEA6A817B85}"/>
+              </a:ext>
+            </a:extLst>
+          </p:cNvPr>
+          <p:cNvSpPr txBox="1"/>
+          <p:nvPr/>
+        </p:nvSpPr>
+        <p:spPr>
+          <a:xfrm>
+            <a:off x="8666383" y="7820911"/>
+            <a:ext cx="4915802" cy="954107"/>
+          </a:xfrm>
+          <a:prstGeom prst="rect">
+            <a:avLst/>
+          </a:prstGeom>
+          <a:noFill/>
+        </p:spPr>
+        <p:txBody>
+          <a:bodyPr wrap="square" rtlCol="0">
+            <a:spAutoFit/>
+          </a:bodyPr>
+          <a:lstStyle/>
+          <a:p>
+            <a:r>
+              <a:rPr lang="en-US" sz="2800" dirty="0">
+                <a:latin typeface="Century Gothic" panose="020B0502020202020204" pitchFamily="34" charset="0"/>
+                <a:ea typeface="Lato Light" panose="020F0502020204030203" pitchFamily="34" charset="0"/>
+                <a:cs typeface="Lato Light" panose="020F0502020204030203" pitchFamily="34" charset="0"/>
+              </a:rPr>
+              <a:t>There are people who have a significant number.</a:t>
+            </a:r>
+          </a:p>
+        </p:txBody>
+      </p:sp>
+      <p:sp>
+        <p:nvSpPr>
+          <p:cNvPr id="105" name="TextBox 104">
+            <a:extLst>
+              <a:ext uri="{FF2B5EF4-FFF2-40B4-BE49-F238E27FC236}">
+                <a16:creationId xmlns:a16="http://schemas.microsoft.com/office/drawing/2014/main" id="{C9454AAB-3F83-274B-8FA3-F340E33BE0EF}"/>
+              </a:ext>
+            </a:extLst>
+          </p:cNvPr>
+          <p:cNvSpPr txBox="1"/>
+          <p:nvPr/>
+        </p:nvSpPr>
+        <p:spPr>
+          <a:xfrm>
+            <a:off x="8666383" y="9996047"/>
+            <a:ext cx="4915802" cy="954107"/>
+          </a:xfrm>
+          <a:prstGeom prst="rect">
+            <a:avLst/>
+          </a:prstGeom>
+          <a:noFill/>
+        </p:spPr>
+        <p:txBody>
+          <a:bodyPr wrap="square" rtlCol="0">
+            <a:spAutoFit/>
+          </a:bodyPr>
+          <a:lstStyle/>
+          <a:p>
+            <a:r>
+              <a:rPr lang="en-US" sz="2800" dirty="0">
+                <a:latin typeface="Century Gothic" panose="020B0502020202020204" pitchFamily="34" charset="0"/>
+                <a:ea typeface="Lato Light" panose="020F0502020204030203" pitchFamily="34" charset="0"/>
+                <a:cs typeface="Lato Light" panose="020F0502020204030203" pitchFamily="34" charset="0"/>
+              </a:rPr>
+              <a:t>There are people who have a significant number.</a:t>
+            </a:r>
+          </a:p>
+        </p:txBody>
+      </p:sp>
+      <p:sp>
+        <p:nvSpPr>
+          <p:cNvPr id="49" name="CuadroTexto 350">
+            <a:extLst>
+              <a:ext uri="{FF2B5EF4-FFF2-40B4-BE49-F238E27FC236}">
+                <a16:creationId xmlns:a16="http://schemas.microsoft.com/office/drawing/2014/main" id="{F5814812-CDD9-D74B-9AF0-6351B3633858}"/>
+              </a:ext>
+            </a:extLst>
+          </p:cNvPr>
+          <p:cNvSpPr txBox="1"/>
+          <p:nvPr/>
+        </p:nvSpPr>
+        <p:spPr>
+          <a:xfrm>
+            <a:off x="6390711" y="1071658"/>
+            <a:ext cx="11596444" cy="1323439"/>
+          </a:xfrm>
+          <a:prstGeom prst="rect">
+            <a:avLst/>
+          </a:prstGeom>
+          <a:noFill/>
+        </p:spPr>
+        <p:txBody>
+          <a:bodyPr wrap="none" rtlCol="0">
+            <a:spAutoFit/>
+          </a:bodyPr>
+          <a:lstStyle/>
+          <a:p>
+            <a:pPr algn="ctr"/>
+            <a:r>
+              <a:rPr lang="en-US" sz="8000" b="1" dirty="0">
+                <a:solidFill>
+                  <a:schemeClr val="tx2"/>
+                </a:solidFill>
+                <a:latin typeface="Century Gothic" panose="020B0502020202020204" pitchFamily="34" charset="0"/>
+                <a:ea typeface="Lato Heavy" charset="0"/>
+                <a:cs typeface="Poppins" pitchFamily="2" charset="77"/>
+              </a:rPr>
+              <a:t>Pie Charts Infographics</a:t>
+            </a:r>
+          </a:p>
+        </p:txBody>
+      </p:sp>
+      <p:sp>
+        <p:nvSpPr>
+          <p:cNvPr id="50" name="CuadroTexto 351">
+            <a:extLst>
+              <a:ext uri="{FF2B5EF4-FFF2-40B4-BE49-F238E27FC236}">
+                <a16:creationId xmlns:a16="http://schemas.microsoft.com/office/drawing/2014/main" id="{D99E6E1E-F62A-914B-819C-19F16BAA49A3}"/>
+              </a:ext>
+            </a:extLst>
+          </p:cNvPr>
+          <p:cNvSpPr txBox="1"/>
+          <p:nvPr/>
+        </p:nvSpPr>
+        <p:spPr>
+          <a:xfrm>
+            <a:off x="7816943" y="2426170"/>
+            <a:ext cx="8743766" cy="523220"/>
+          </a:xfrm>
+          <a:prstGeom prst="rect">
+            <a:avLst/>
+          </a:prstGeom>
+          <a:noFill/>
+        </p:spPr>
+        <p:txBody>
+          <a:bodyPr wrap="square" rtlCol="0">
+            <a:spAutoFit/>
+          </a:bodyPr>
+          <a:lstStyle/>
+          <a:p>
+            <a:pPr algn="ctr"/>
+            <a:r>
+              <a:rPr lang="en-US" sz="2800" dirty="0">
+                <a:latin typeface="Century Gothic" panose="020B0502020202020204" pitchFamily="34" charset="0"/>
+                <a:cs typeface="Poppins Light" pitchFamily="2" charset="77"/>
+              </a:rPr>
+              <a:t>Analysis of different brands and products.</a:t>
+            </a:r>
+          </a:p>
+        </p:txBody>
+      </p:sp>
+      <p:sp>
+        <p:nvSpPr>
+          <p:cNvPr id="51" name="Rectangle 50">
+            <a:extLst>
+              <a:ext uri="{FF2B5EF4-FFF2-40B4-BE49-F238E27FC236}">
+                <a16:creationId xmlns:a16="http://schemas.microsoft.com/office/drawing/2014/main" id="{7D4E741D-A5DD-854E-92A7-FECF4F24E3B6}"/>
+              </a:ext>
+            </a:extLst>
+          </p:cNvPr>
+          <p:cNvSpPr/>
+          <p:nvPr/>
+        </p:nvSpPr>
+        <p:spPr>
+          <a:xfrm>
+            <a:off x="11079729" y="3215052"/>
+            <a:ext cx="2223656" cy="38779"/>
+          </a:xfrm>
+          <a:prstGeom prst="rect">
+            <a:avLst/>
+          </a:prstGeom>
+          <a:solidFill>
+            <a:schemeClr val="accent1"/>
+          </a:solidFill>
+          <a:ln>
+            <a:noFill/>
+          </a:ln>
+        </p:spPr>
+        <p:style>
+          <a:lnRef idx="2">
+            <a:schemeClr val="accent1">
+              <a:shade val="50000"/>
+            </a:schemeClr>
+          </a:lnRef>
+          <a:fillRef idx="1">
+            <a:schemeClr val="accent1"/>
+          </a:fillRef>
+          <a:effectRef idx="0">
+            <a:schemeClr val="accent1"/>
+          </a:effectRef>
+          <a:fontRef idx="minor">
+            <a:schemeClr val="lt1"/>
+          </a:fontRef>
+        </p:style>
+        <p:txBody>
+          <a:bodyPr rtlCol="0" anchor="ctr"/>
+          <a:lstStyle/>
+          <a:p>
+            <a:pPr algn="ctr"/>
+            <a:endParaRPr lang="en-US" dirty="0">
+              <a:latin typeface="Century Gothic" panose="020B0502020202020204" pitchFamily="34" charset="0"/>
+            </a:endParaRPr>
+          </a:p>
+        </p:txBody>
+      </p:sp>
+    </p:spTree>
+    <p:extLst>
+      <p:ext uri="{BB962C8B-B14F-4D97-AF65-F5344CB8AC3E}">
+        <p14:creationId xmlns:p14="http://schemas.microsoft.com/office/powerpoint/2010/main" val="3054310429"/>
+      </p:ext>
+    </p:extLst>
+  </p:cSld>
+  <p:clrMapOvr>
+    <a:masterClrMapping/>
+  </p:clrMapOvr>
+</p:sld>
+</file>
+
+<file path=ppt/slides/slide12.xml><?xml version="1.0" encoding="utf-8"?>
+<p:sld xmlns:a="http://schemas.openxmlformats.org/drawingml/2006/main" xmlns:r="http://schemas.openxmlformats.org/officeDocument/2006/relationships" xmlns:p="http://schemas.openxmlformats.org/presentationml/2006/main">
+  <p:cSld>
+    <p:spTree>
+      <p:nvGrpSpPr>
+        <p:cNvPr id="1" name=""/>
+        <p:cNvGrpSpPr/>
+        <p:nvPr/>
+      </p:nvGrpSpPr>
+      <p:grpSpPr>
+        <a:xfrm>
+          <a:off x="0" y="0"/>
+          <a:ext cx="0" cy="0"/>
+          <a:chOff x="0" y="0"/>
+          <a:chExt cx="0" cy="0"/>
+        </a:xfrm>
+      </p:grpSpPr>
       <p:grpSp>
         <p:nvGrpSpPr>
           <p:cNvPr id="2" name="Group 1">
@@ -8905,7 +11458,7 @@
 </p:sld>
 </file>
 
-<file path=ppt/slides/slide11.xml><?xml version="1.0" encoding="utf-8"?>
+<file path=ppt/slides/slide13.xml><?xml version="1.0" encoding="utf-8"?>
 <p:sld xmlns:a="http://schemas.openxmlformats.org/drawingml/2006/main" xmlns:r="http://schemas.openxmlformats.org/officeDocument/2006/relationships" xmlns:p="http://schemas.openxmlformats.org/presentationml/2006/main">
   <p:cSld>
     <p:spTree>
@@ -10000,7 +12553,7 @@
 </p:sld>
 </file>
 
-<file path=ppt/slides/slide12.xml><?xml version="1.0" encoding="utf-8"?>
+<file path=ppt/slides/slide14.xml><?xml version="1.0" encoding="utf-8"?>
 <p:sld xmlns:a="http://schemas.openxmlformats.org/drawingml/2006/main" xmlns:r="http://schemas.openxmlformats.org/officeDocument/2006/relationships" xmlns:p="http://schemas.openxmlformats.org/presentationml/2006/main">
   <p:cSld>
     <p:spTree>
@@ -11845,7 +14398,7 @@
 </p:sld>
 </file>
 
-<file path=ppt/slides/slide13.xml><?xml version="1.0" encoding="utf-8"?>
+<file path=ppt/slides/slide15.xml><?xml version="1.0" encoding="utf-8"?>
 <p:sld xmlns:a="http://schemas.openxmlformats.org/drawingml/2006/main" xmlns:r="http://schemas.openxmlformats.org/officeDocument/2006/relationships" xmlns:p="http://schemas.openxmlformats.org/presentationml/2006/main">
   <p:cSld>
     <p:spTree>
@@ -13947,7 +16500,7 @@
 </p:sld>
 </file>
 
-<file path=ppt/slides/slide14.xml><?xml version="1.0" encoding="utf-8"?>
+<file path=ppt/slides/slide16.xml><?xml version="1.0" encoding="utf-8"?>
 <p:sld xmlns:a="http://schemas.openxmlformats.org/drawingml/2006/main" xmlns:r="http://schemas.openxmlformats.org/officeDocument/2006/relationships" xmlns:p="http://schemas.openxmlformats.org/presentationml/2006/main">
   <p:cSld>
     <p:spTree>
@@ -19989,7 +22542,7 @@
         </p:blipFill>
         <p:spPr>
           <a:xfrm>
-            <a:off x="11781198" y="5518511"/>
+            <a:off x="11392072" y="3324076"/>
             <a:ext cx="12018053" cy="4305576"/>
           </a:xfrm>
           <a:prstGeom prst="rect">
@@ -20011,8 +22564,8 @@
         </p:nvSpPr>
         <p:spPr>
           <a:xfrm>
-            <a:off x="1566913" y="5032832"/>
-            <a:ext cx="7942848" cy="4832092"/>
+            <a:off x="11004408" y="8039981"/>
+            <a:ext cx="12793383" cy="4832092"/>
           </a:xfrm>
           <a:prstGeom prst="rect">
             <a:avLst/>
@@ -20154,7 +22707,7 @@
                 <a:latin typeface="Century Gothic" panose="020B0502020202020204" pitchFamily="34" charset="0"/>
                 <a:cs typeface="Poppins Light" pitchFamily="2" charset="77"/>
               </a:rPr>
-              <a:t>Since the qualitative values have been transformed into numbers, 0 corresponds to the most underweight people and 6 the most overweight. In 3 these are the so-called </a:t>
+              <a:t>Since the qualitative values have been transformed into numbers, 0 corresponds to the most underweight people and 6 the most overweight. In 1 these are the so-called </a:t>
             </a:r>
             <a:r>
               <a:rPr lang="en-US" sz="2800" b="1" dirty="0">
@@ -20174,7 +22727,7 @@
                 <a:latin typeface="Century Gothic" panose="020B0502020202020204" pitchFamily="34" charset="0"/>
                 <a:cs typeface="Poppins Light" pitchFamily="2" charset="77"/>
               </a:rPr>
-              <a:t>people and we see that this category includes the </a:t>
+              <a:t>people. We can see that this category includes the </a:t>
             </a:r>
             <a:r>
               <a:rPr lang="en-US" sz="2800" b="1" dirty="0">
@@ -20184,7 +22737,7 @@
                 <a:latin typeface="Century Gothic" panose="020B0502020202020204" pitchFamily="34" charset="0"/>
                 <a:cs typeface="Poppins Light" pitchFamily="2" charset="77"/>
               </a:rPr>
-              <a:t>most people</a:t>
+              <a:t>most people </a:t>
             </a:r>
             <a:r>
               <a:rPr lang="en-US" sz="2800" dirty="0">
@@ -20194,8 +22747,214 @@
                 <a:latin typeface="Century Gothic" panose="020B0502020202020204" pitchFamily="34" charset="0"/>
                 <a:cs typeface="Poppins Light" pitchFamily="2" charset="77"/>
               </a:rPr>
-              <a:t>.</a:t>
-            </a:r>
+              <a:t>is the 3 corresponds to overweight level 2.</a:t>
+            </a:r>
+          </a:p>
+          <a:p>
+            <a:pPr algn="ctr"/>
+            <a:r>
+              <a:rPr lang="en-US" sz="2800" dirty="0">
+                <a:solidFill>
+                  <a:schemeClr val="tx2"/>
+                </a:solidFill>
+                <a:latin typeface="Century Gothic" panose="020B0502020202020204" pitchFamily="34" charset="0"/>
+                <a:cs typeface="Poppins Light" pitchFamily="2" charset="77"/>
+              </a:rPr>
+              <a:t>However, we can see that the more </a:t>
+            </a:r>
+            <a:r>
+              <a:rPr lang="en-US" sz="2800" b="1" dirty="0">
+                <a:solidFill>
+                  <a:schemeClr val="tx2"/>
+                </a:solidFill>
+                <a:latin typeface="Century Gothic" panose="020B0502020202020204" pitchFamily="34" charset="0"/>
+                <a:cs typeface="Poppins Light" pitchFamily="2" charset="77"/>
+              </a:rPr>
+              <a:t>extreme weight categories </a:t>
+            </a:r>
+            <a:r>
+              <a:rPr lang="en-US" sz="2800" dirty="0">
+                <a:solidFill>
+                  <a:schemeClr val="tx2"/>
+                </a:solidFill>
+                <a:latin typeface="Century Gothic" panose="020B0502020202020204" pitchFamily="34" charset="0"/>
+                <a:cs typeface="Poppins Light" pitchFamily="2" charset="77"/>
+              </a:rPr>
+              <a:t>are </a:t>
+            </a:r>
+            <a:r>
+              <a:rPr lang="en-US" sz="2800" b="1" dirty="0">
+                <a:solidFill>
+                  <a:schemeClr val="tx2"/>
+                </a:solidFill>
+                <a:latin typeface="Century Gothic" panose="020B0502020202020204" pitchFamily="34" charset="0"/>
+                <a:cs typeface="Poppins Light" pitchFamily="2" charset="77"/>
+              </a:rPr>
+              <a:t>very represented</a:t>
+            </a:r>
+            <a:r>
+              <a:rPr lang="en-US" sz="2800" dirty="0">
+                <a:solidFill>
+                  <a:schemeClr val="tx2"/>
+                </a:solidFill>
+                <a:latin typeface="Century Gothic" panose="020B0502020202020204" pitchFamily="34" charset="0"/>
+                <a:cs typeface="Poppins Light" pitchFamily="2" charset="77"/>
+              </a:rPr>
+              <a:t>, which is not a guarantee of good health for most of the people who participated in this survey. Let's try to study two other graphs to </a:t>
+            </a:r>
+            <a:r>
+              <a:rPr lang="en-US" sz="2800" b="1" dirty="0">
+                <a:solidFill>
+                  <a:schemeClr val="tx2"/>
+                </a:solidFill>
+                <a:latin typeface="Century Gothic" panose="020B0502020202020204" pitchFamily="34" charset="0"/>
+                <a:cs typeface="Poppins Light" pitchFamily="2" charset="77"/>
+              </a:rPr>
+              <a:t>better understand </a:t>
+            </a:r>
+            <a:r>
+              <a:rPr lang="en-US" sz="2800" dirty="0">
+                <a:solidFill>
+                  <a:schemeClr val="tx2"/>
+                </a:solidFill>
+                <a:latin typeface="Century Gothic" panose="020B0502020202020204" pitchFamily="34" charset="0"/>
+                <a:cs typeface="Poppins Light" pitchFamily="2" charset="77"/>
+              </a:rPr>
+              <a:t>these data</a:t>
+            </a:r>
+          </a:p>
+        </p:txBody>
+      </p:sp>
+      <p:pic>
+        <p:nvPicPr>
+          <p:cNvPr id="14" name="Image 13" descr="Une image contenant texte, noir&#10;&#10;Description générée automatiquement">
+            <a:extLst>
+              <a:ext uri="{FF2B5EF4-FFF2-40B4-BE49-F238E27FC236}">
+                <a16:creationId xmlns:a16="http://schemas.microsoft.com/office/drawing/2014/main" id="{C88BF183-65E4-5648-8C52-3A0847F7E834}"/>
+              </a:ext>
+            </a:extLst>
+          </p:cNvPr>
+          <p:cNvPicPr>
+            <a:picLocks noChangeAspect="1"/>
+          </p:cNvPicPr>
+          <p:nvPr/>
+        </p:nvPicPr>
+        <p:blipFill>
+          <a:blip r:embed="rId3"/>
+          <a:stretch>
+            <a:fillRect/>
+          </a:stretch>
+        </p:blipFill>
+        <p:spPr>
+          <a:xfrm>
+            <a:off x="977050" y="7629652"/>
+            <a:ext cx="8005573" cy="4421985"/>
+          </a:xfrm>
+          <a:prstGeom prst="rect">
+            <a:avLst/>
+          </a:prstGeom>
+        </p:spPr>
+      </p:pic>
+      <p:sp>
+        <p:nvSpPr>
+          <p:cNvPr id="71" name="CuadroTexto 351">
+            <a:extLst>
+              <a:ext uri="{FF2B5EF4-FFF2-40B4-BE49-F238E27FC236}">
+                <a16:creationId xmlns:a16="http://schemas.microsoft.com/office/drawing/2014/main" id="{49299731-1E4E-B345-9FCF-4B62A21ECC78}"/>
+              </a:ext>
+            </a:extLst>
+          </p:cNvPr>
+          <p:cNvSpPr txBox="1"/>
+          <p:nvPr/>
+        </p:nvSpPr>
+        <p:spPr>
+          <a:xfrm>
+            <a:off x="1408364" y="4815202"/>
+            <a:ext cx="6266381" cy="1446550"/>
+          </a:xfrm>
+          <a:prstGeom prst="rect">
+            <a:avLst/>
+          </a:prstGeom>
+          <a:noFill/>
+        </p:spPr>
+        <p:txBody>
+          <a:bodyPr wrap="square" rtlCol="0">
+            <a:spAutoFit/>
+          </a:bodyPr>
+          <a:lstStyle/>
+          <a:p>
+            <a:pPr algn="ctr"/>
+            <a:r>
+              <a:rPr lang="en-US" sz="4400" dirty="0">
+                <a:solidFill>
+                  <a:schemeClr val="tx2"/>
+                </a:solidFill>
+                <a:latin typeface="Century Gothic" panose="020B0502020202020204" pitchFamily="34" charset="0"/>
+                <a:cs typeface="Poppins Light" pitchFamily="2" charset="77"/>
+              </a:rPr>
+              <a:t>Distribution of obesity categories</a:t>
+            </a:r>
+            <a:endParaRPr lang="en-US" sz="3200" dirty="0">
+              <a:solidFill>
+                <a:schemeClr val="tx2"/>
+              </a:solidFill>
+              <a:latin typeface="Century Gothic" panose="020B0502020202020204" pitchFamily="34" charset="0"/>
+              <a:cs typeface="Poppins Light" pitchFamily="2" charset="77"/>
+            </a:endParaRPr>
+          </a:p>
+        </p:txBody>
+      </p:sp>
+      <p:sp>
+        <p:nvSpPr>
+          <p:cNvPr id="72" name="Rectangle 71">
+            <a:extLst>
+              <a:ext uri="{FF2B5EF4-FFF2-40B4-BE49-F238E27FC236}">
+                <a16:creationId xmlns:a16="http://schemas.microsoft.com/office/drawing/2014/main" id="{6D312A15-67F7-3944-936A-66E4D9178692}"/>
+              </a:ext>
+            </a:extLst>
+          </p:cNvPr>
+          <p:cNvSpPr/>
+          <p:nvPr/>
+        </p:nvSpPr>
+        <p:spPr>
+          <a:xfrm flipV="1">
+            <a:off x="1442306" y="6858000"/>
+            <a:ext cx="6232439" cy="45719"/>
+          </a:xfrm>
+          <a:prstGeom prst="rect">
+            <a:avLst/>
+          </a:prstGeom>
+          <a:solidFill>
+            <a:schemeClr val="accent1"/>
+          </a:solidFill>
+          <a:ln>
+            <a:noFill/>
+          </a:ln>
+        </p:spPr>
+        <p:style>
+          <a:lnRef idx="2">
+            <a:schemeClr val="accent1">
+              <a:shade val="50000"/>
+            </a:schemeClr>
+          </a:lnRef>
+          <a:fillRef idx="1">
+            <a:schemeClr val="accent1"/>
+          </a:fillRef>
+          <a:effectRef idx="0">
+            <a:schemeClr val="accent1"/>
+          </a:effectRef>
+          <a:fontRef idx="minor">
+            <a:schemeClr val="lt1"/>
+          </a:fontRef>
+        </p:style>
+        <p:txBody>
+          <a:bodyPr rtlCol="0" anchor="ctr"/>
+          <a:lstStyle/>
+          <a:p>
+            <a:pPr algn="ctr"/>
+            <a:endParaRPr lang="en-US" dirty="0">
+              <a:latin typeface="Century Gothic" panose="020B0502020202020204" pitchFamily="34" charset="0"/>
+            </a:endParaRPr>
           </a:p>
         </p:txBody>
       </p:sp>
@@ -20334,12 +23093,314 @@
           </a:p>
         </p:txBody>
       </p:sp>
+      <p:sp>
+        <p:nvSpPr>
+          <p:cNvPr id="57" name="CuadroTexto 351">
+            <a:extLst>
+              <a:ext uri="{FF2B5EF4-FFF2-40B4-BE49-F238E27FC236}">
+                <a16:creationId xmlns:a16="http://schemas.microsoft.com/office/drawing/2014/main" id="{F08E8CC1-4340-EF4A-AC48-C67045E13F4D}"/>
+              </a:ext>
+            </a:extLst>
+          </p:cNvPr>
+          <p:cNvSpPr txBox="1"/>
+          <p:nvPr/>
+        </p:nvSpPr>
+        <p:spPr>
+          <a:xfrm>
+            <a:off x="11077130" y="9283501"/>
+            <a:ext cx="12848369" cy="3539430"/>
+          </a:xfrm>
+          <a:prstGeom prst="rect">
+            <a:avLst/>
+          </a:prstGeom>
+          <a:noFill/>
+        </p:spPr>
+        <p:txBody>
+          <a:bodyPr wrap="square" rtlCol="0">
+            <a:spAutoFit/>
+          </a:bodyPr>
+          <a:lstStyle/>
+          <a:p>
+            <a:pPr algn="ctr"/>
+            <a:r>
+              <a:rPr lang="en-US" sz="2800" dirty="0">
+                <a:solidFill>
+                  <a:schemeClr val="tx2"/>
+                </a:solidFill>
+                <a:latin typeface="Century Gothic" panose="020B0502020202020204" pitchFamily="34" charset="0"/>
+                <a:cs typeface="Poppins Light" pitchFamily="2" charset="77"/>
+              </a:rPr>
+              <a:t>In this second graph we can see how the </a:t>
+            </a:r>
+            <a:r>
+              <a:rPr lang="en-US" sz="2800" b="1" dirty="0">
+                <a:solidFill>
+                  <a:schemeClr val="tx2"/>
+                </a:solidFill>
+                <a:latin typeface="Century Gothic" panose="020B0502020202020204" pitchFamily="34" charset="0"/>
+                <a:cs typeface="Poppins Light" pitchFamily="2" charset="77"/>
+              </a:rPr>
+              <a:t>categories of obesity </a:t>
+            </a:r>
+            <a:r>
+              <a:rPr lang="en-US" sz="2800" dirty="0">
+                <a:solidFill>
+                  <a:schemeClr val="tx2"/>
+                </a:solidFill>
+                <a:latin typeface="Century Gothic" panose="020B0502020202020204" pitchFamily="34" charset="0"/>
+                <a:cs typeface="Poppins Light" pitchFamily="2" charset="77"/>
+              </a:rPr>
+              <a:t>are </a:t>
+            </a:r>
+            <a:r>
+              <a:rPr lang="en-US" sz="2800" b="1" dirty="0">
+                <a:solidFill>
+                  <a:schemeClr val="tx2"/>
+                </a:solidFill>
+                <a:latin typeface="Century Gothic" panose="020B0502020202020204" pitchFamily="34" charset="0"/>
+                <a:cs typeface="Poppins Light" pitchFamily="2" charset="77"/>
+              </a:rPr>
+              <a:t>distributed</a:t>
+            </a:r>
+            <a:r>
+              <a:rPr lang="en-US" sz="2800" dirty="0">
+                <a:solidFill>
+                  <a:schemeClr val="tx2"/>
+                </a:solidFill>
+                <a:latin typeface="Century Gothic" panose="020B0502020202020204" pitchFamily="34" charset="0"/>
+                <a:cs typeface="Poppins Light" pitchFamily="2" charset="77"/>
+              </a:rPr>
+              <a:t> according to </a:t>
+            </a:r>
+            <a:r>
+              <a:rPr lang="en-US" sz="2800" b="1" dirty="0">
+                <a:solidFill>
+                  <a:schemeClr val="tx2"/>
+                </a:solidFill>
+                <a:latin typeface="Century Gothic" panose="020B0502020202020204" pitchFamily="34" charset="0"/>
+                <a:cs typeface="Poppins Light" pitchFamily="2" charset="77"/>
+              </a:rPr>
+              <a:t>age</a:t>
+            </a:r>
+            <a:r>
+              <a:rPr lang="en-US" sz="2800" dirty="0">
+                <a:solidFill>
+                  <a:schemeClr val="tx2"/>
+                </a:solidFill>
+                <a:latin typeface="Century Gothic" panose="020B0502020202020204" pitchFamily="34" charset="0"/>
+                <a:cs typeface="Poppins Light" pitchFamily="2" charset="77"/>
+              </a:rPr>
+              <a:t>. At first glance the data are rather well distributed but we can observe that </a:t>
+            </a:r>
+            <a:r>
+              <a:rPr lang="en-US" sz="2800" b="1" dirty="0">
+                <a:solidFill>
+                  <a:schemeClr val="tx2"/>
+                </a:solidFill>
+                <a:latin typeface="Century Gothic" panose="020B0502020202020204" pitchFamily="34" charset="0"/>
+                <a:cs typeface="Poppins Light" pitchFamily="2" charset="77"/>
+              </a:rPr>
+              <a:t>no person over 26 years old </a:t>
+            </a:r>
+            <a:r>
+              <a:rPr lang="en-US" sz="2800" dirty="0">
+                <a:solidFill>
+                  <a:schemeClr val="tx2"/>
+                </a:solidFill>
+                <a:latin typeface="Century Gothic" panose="020B0502020202020204" pitchFamily="34" charset="0"/>
+                <a:cs typeface="Poppins Light" pitchFamily="2" charset="77"/>
+              </a:rPr>
+              <a:t>is at </a:t>
+            </a:r>
+            <a:r>
+              <a:rPr lang="en-US" sz="2800" b="1" dirty="0">
+                <a:solidFill>
+                  <a:schemeClr val="tx2"/>
+                </a:solidFill>
+                <a:latin typeface="Century Gothic" panose="020B0502020202020204" pitchFamily="34" charset="0"/>
+                <a:cs typeface="Poppins Light" pitchFamily="2" charset="77"/>
+              </a:rPr>
+              <a:t>level 3 of obesity </a:t>
+            </a:r>
+            <a:r>
+              <a:rPr lang="en-US" sz="2800" dirty="0">
+                <a:solidFill>
+                  <a:schemeClr val="tx2"/>
+                </a:solidFill>
+                <a:latin typeface="Century Gothic" panose="020B0502020202020204" pitchFamily="34" charset="0"/>
+                <a:cs typeface="Poppins Light" pitchFamily="2" charset="77"/>
+              </a:rPr>
+              <a:t>(the highest). We also note that </a:t>
+            </a:r>
+            <a:r>
+              <a:rPr lang="en-US" sz="2800" b="1" dirty="0">
+                <a:solidFill>
+                  <a:schemeClr val="tx2"/>
+                </a:solidFill>
+                <a:latin typeface="Century Gothic" panose="020B0502020202020204" pitchFamily="34" charset="0"/>
+                <a:cs typeface="Poppins Light" pitchFamily="2" charset="77"/>
+              </a:rPr>
+              <a:t>the majority of obesity </a:t>
+            </a:r>
+            <a:r>
+              <a:rPr lang="en-US" sz="2800" dirty="0">
+                <a:solidFill>
+                  <a:schemeClr val="tx2"/>
+                </a:solidFill>
+                <a:latin typeface="Century Gothic" panose="020B0502020202020204" pitchFamily="34" charset="0"/>
+                <a:cs typeface="Poppins Light" pitchFamily="2" charset="77"/>
+              </a:rPr>
+              <a:t>levels 1 and 2 are made up </a:t>
+            </a:r>
+            <a:r>
+              <a:rPr lang="en-US" sz="2800" b="1" dirty="0">
+                <a:solidFill>
+                  <a:schemeClr val="tx2"/>
+                </a:solidFill>
+                <a:latin typeface="Century Gothic" panose="020B0502020202020204" pitchFamily="34" charset="0"/>
+                <a:cs typeface="Poppins Light" pitchFamily="2" charset="77"/>
+              </a:rPr>
+              <a:t>of young people</a:t>
+            </a:r>
+            <a:r>
+              <a:rPr lang="en-US" sz="2800" dirty="0">
+                <a:solidFill>
+                  <a:schemeClr val="tx2"/>
+                </a:solidFill>
+                <a:latin typeface="Century Gothic" panose="020B0502020202020204" pitchFamily="34" charset="0"/>
+                <a:cs typeface="Poppins Light" pitchFamily="2" charset="77"/>
+              </a:rPr>
+              <a:t>. Conversely, the </a:t>
+            </a:r>
+            <a:r>
+              <a:rPr lang="en-US" sz="2800" b="1" dirty="0">
+                <a:solidFill>
+                  <a:schemeClr val="tx2"/>
+                </a:solidFill>
+                <a:latin typeface="Century Gothic" panose="020B0502020202020204" pitchFamily="34" charset="0"/>
+                <a:cs typeface="Poppins Light" pitchFamily="2" charset="77"/>
+              </a:rPr>
+              <a:t>oldest people </a:t>
+            </a:r>
+            <a:r>
+              <a:rPr lang="en-US" sz="2800" dirty="0">
+                <a:solidFill>
+                  <a:schemeClr val="tx2"/>
+                </a:solidFill>
+                <a:latin typeface="Century Gothic" panose="020B0502020202020204" pitchFamily="34" charset="0"/>
+                <a:cs typeface="Poppins Light" pitchFamily="2" charset="77"/>
+              </a:rPr>
+              <a:t>are divided between the </a:t>
+            </a:r>
+            <a:r>
+              <a:rPr lang="en-US" sz="2800" b="1" dirty="0">
+                <a:solidFill>
+                  <a:schemeClr val="tx2"/>
+                </a:solidFill>
+                <a:latin typeface="Century Gothic" panose="020B0502020202020204" pitchFamily="34" charset="0"/>
+                <a:cs typeface="Poppins Light" pitchFamily="2" charset="77"/>
+              </a:rPr>
+              <a:t>level of overweight 2 </a:t>
+            </a:r>
+            <a:r>
+              <a:rPr lang="en-US" sz="2800" dirty="0">
+                <a:solidFill>
+                  <a:schemeClr val="tx2"/>
+                </a:solidFill>
+                <a:latin typeface="Century Gothic" panose="020B0502020202020204" pitchFamily="34" charset="0"/>
+                <a:cs typeface="Poppins Light" pitchFamily="2" charset="77"/>
+              </a:rPr>
+              <a:t>and the </a:t>
+            </a:r>
+            <a:r>
+              <a:rPr lang="en-US" sz="2800" b="1" dirty="0">
+                <a:solidFill>
+                  <a:schemeClr val="tx2"/>
+                </a:solidFill>
+                <a:latin typeface="Century Gothic" panose="020B0502020202020204" pitchFamily="34" charset="0"/>
+                <a:cs typeface="Poppins Light" pitchFamily="2" charset="77"/>
+              </a:rPr>
+              <a:t>level of underweight</a:t>
+            </a:r>
+            <a:r>
+              <a:rPr lang="en-US" sz="2800" dirty="0">
+                <a:solidFill>
+                  <a:schemeClr val="tx2"/>
+                </a:solidFill>
+                <a:latin typeface="Century Gothic" panose="020B0502020202020204" pitchFamily="34" charset="0"/>
+                <a:cs typeface="Poppins Light" pitchFamily="2" charset="77"/>
+              </a:rPr>
+              <a:t>. Is </a:t>
+            </a:r>
+            <a:r>
+              <a:rPr lang="en-US" sz="2800" b="1" dirty="0">
+                <a:solidFill>
+                  <a:schemeClr val="tx2"/>
+                </a:solidFill>
+                <a:latin typeface="Century Gothic" panose="020B0502020202020204" pitchFamily="34" charset="0"/>
+                <a:cs typeface="Poppins Light" pitchFamily="2" charset="77"/>
+              </a:rPr>
+              <a:t>age</a:t>
+            </a:r>
+            <a:r>
+              <a:rPr lang="en-US" sz="2800" dirty="0">
+                <a:solidFill>
+                  <a:schemeClr val="tx2"/>
+                </a:solidFill>
+                <a:latin typeface="Century Gothic" panose="020B0502020202020204" pitchFamily="34" charset="0"/>
+                <a:cs typeface="Poppins Light" pitchFamily="2" charset="77"/>
+              </a:rPr>
+              <a:t> therefore a </a:t>
+            </a:r>
+            <a:r>
+              <a:rPr lang="en-US" sz="2800" b="1" dirty="0">
+                <a:solidFill>
+                  <a:schemeClr val="tx2"/>
+                </a:solidFill>
+                <a:latin typeface="Century Gothic" panose="020B0502020202020204" pitchFamily="34" charset="0"/>
+                <a:cs typeface="Poppins Light" pitchFamily="2" charset="77"/>
+              </a:rPr>
+              <a:t>determining</a:t>
+            </a:r>
+            <a:r>
+              <a:rPr lang="en-US" sz="2800" dirty="0">
+                <a:solidFill>
+                  <a:schemeClr val="tx2"/>
+                </a:solidFill>
+                <a:latin typeface="Century Gothic" panose="020B0502020202020204" pitchFamily="34" charset="0"/>
+                <a:cs typeface="Poppins Light" pitchFamily="2" charset="77"/>
+              </a:rPr>
+              <a:t> variable in </a:t>
+            </a:r>
+            <a:r>
+              <a:rPr lang="en-US" sz="2800" b="1" dirty="0">
+                <a:solidFill>
+                  <a:schemeClr val="tx2"/>
+                </a:solidFill>
+                <a:latin typeface="Century Gothic" panose="020B0502020202020204" pitchFamily="34" charset="0"/>
+                <a:cs typeface="Poppins Light" pitchFamily="2" charset="77"/>
+              </a:rPr>
+              <a:t>the level of obesity</a:t>
+            </a:r>
+            <a:r>
+              <a:rPr lang="en-US" sz="2800" dirty="0">
+                <a:solidFill>
+                  <a:schemeClr val="tx2"/>
+                </a:solidFill>
+                <a:latin typeface="Century Gothic" panose="020B0502020202020204" pitchFamily="34" charset="0"/>
+                <a:cs typeface="Poppins Light" pitchFamily="2" charset="77"/>
+              </a:rPr>
+              <a:t>? This is what we will see next with the matrix of</a:t>
+            </a:r>
+          </a:p>
+        </p:txBody>
+      </p:sp>
       <p:pic>
         <p:nvPicPr>
-          <p:cNvPr id="7" name="Image 6" descr="Une image contenant table&#10;&#10;Description générée automatiquement">
+          <p:cNvPr id="14" name="Image 13" descr="Une image contenant texte, noir&#10;&#10;Description générée automatiquement">
             <a:extLst>
               <a:ext uri="{FF2B5EF4-FFF2-40B4-BE49-F238E27FC236}">
-                <a16:creationId xmlns:a16="http://schemas.microsoft.com/office/drawing/2014/main" id="{5BF48DB0-9A44-D349-8634-9FE8094AB800}"/>
+                <a16:creationId xmlns:a16="http://schemas.microsoft.com/office/drawing/2014/main" id="{C88BF183-65E4-5648-8C52-3A0847F7E834}"/>
               </a:ext>
             </a:extLst>
           </p:cNvPr>
@@ -20356,8 +23417,141 @@
         </p:blipFill>
         <p:spPr>
           <a:xfrm>
-            <a:off x="7318508" y="9015853"/>
-            <a:ext cx="9740900" cy="4610100"/>
+            <a:off x="977050" y="7629652"/>
+            <a:ext cx="8005573" cy="4421985"/>
+          </a:xfrm>
+          <a:prstGeom prst="rect">
+            <a:avLst/>
+          </a:prstGeom>
+        </p:spPr>
+      </p:pic>
+      <p:sp>
+        <p:nvSpPr>
+          <p:cNvPr id="71" name="CuadroTexto 351">
+            <a:extLst>
+              <a:ext uri="{FF2B5EF4-FFF2-40B4-BE49-F238E27FC236}">
+                <a16:creationId xmlns:a16="http://schemas.microsoft.com/office/drawing/2014/main" id="{49299731-1E4E-B345-9FCF-4B62A21ECC78}"/>
+              </a:ext>
+            </a:extLst>
+          </p:cNvPr>
+          <p:cNvSpPr txBox="1"/>
+          <p:nvPr/>
+        </p:nvSpPr>
+        <p:spPr>
+          <a:xfrm>
+            <a:off x="771395" y="4371376"/>
+            <a:ext cx="7574259" cy="2123658"/>
+          </a:xfrm>
+          <a:prstGeom prst="rect">
+            <a:avLst/>
+          </a:prstGeom>
+          <a:noFill/>
+        </p:spPr>
+        <p:txBody>
+          <a:bodyPr wrap="square" rtlCol="0">
+            <a:spAutoFit/>
+          </a:bodyPr>
+          <a:lstStyle/>
+          <a:p>
+            <a:pPr algn="ctr"/>
+            <a:r>
+              <a:rPr lang="en-US" sz="4400" dirty="0">
+                <a:solidFill>
+                  <a:schemeClr val="tx2"/>
+                </a:solidFill>
+                <a:latin typeface="Century Gothic" panose="020B0502020202020204" pitchFamily="34" charset="0"/>
+                <a:cs typeface="Poppins Light" pitchFamily="2" charset="77"/>
+              </a:rPr>
+              <a:t>Distribution of obesity categories according to age</a:t>
+            </a:r>
+            <a:endParaRPr lang="en-US" sz="3200" dirty="0">
+              <a:solidFill>
+                <a:schemeClr val="tx2"/>
+              </a:solidFill>
+              <a:latin typeface="Century Gothic" panose="020B0502020202020204" pitchFamily="34" charset="0"/>
+              <a:cs typeface="Poppins Light" pitchFamily="2" charset="77"/>
+            </a:endParaRPr>
+          </a:p>
+        </p:txBody>
+      </p:sp>
+      <p:sp>
+        <p:nvSpPr>
+          <p:cNvPr id="72" name="Rectangle 71">
+            <a:extLst>
+              <a:ext uri="{FF2B5EF4-FFF2-40B4-BE49-F238E27FC236}">
+                <a16:creationId xmlns:a16="http://schemas.microsoft.com/office/drawing/2014/main" id="{6D312A15-67F7-3944-936A-66E4D9178692}"/>
+              </a:ext>
+            </a:extLst>
+          </p:cNvPr>
+          <p:cNvSpPr/>
+          <p:nvPr/>
+        </p:nvSpPr>
+        <p:spPr>
+          <a:xfrm flipV="1">
+            <a:off x="1442306" y="6858000"/>
+            <a:ext cx="6232439" cy="45719"/>
+          </a:xfrm>
+          <a:prstGeom prst="rect">
+            <a:avLst/>
+          </a:prstGeom>
+          <a:solidFill>
+            <a:schemeClr val="accent1"/>
+          </a:solidFill>
+          <a:ln>
+            <a:noFill/>
+          </a:ln>
+        </p:spPr>
+        <p:style>
+          <a:lnRef idx="2">
+            <a:schemeClr val="accent1">
+              <a:shade val="50000"/>
+            </a:schemeClr>
+          </a:lnRef>
+          <a:fillRef idx="1">
+            <a:schemeClr val="accent1"/>
+          </a:fillRef>
+          <a:effectRef idx="0">
+            <a:schemeClr val="accent1"/>
+          </a:effectRef>
+          <a:fontRef idx="minor">
+            <a:schemeClr val="lt1"/>
+          </a:fontRef>
+        </p:style>
+        <p:txBody>
+          <a:bodyPr rtlCol="0" anchor="ctr"/>
+          <a:lstStyle/>
+          <a:p>
+            <a:pPr algn="ctr"/>
+            <a:endParaRPr lang="en-US" dirty="0">
+              <a:latin typeface="Century Gothic" panose="020B0502020202020204" pitchFamily="34" charset="0"/>
+            </a:endParaRPr>
+          </a:p>
+        </p:txBody>
+      </p:sp>
+      <p:pic>
+        <p:nvPicPr>
+          <p:cNvPr id="9" name="Image 8" descr="Une image contenant table&#10;&#10;Description générée automatiquement">
+            <a:extLst>
+              <a:ext uri="{FF2B5EF4-FFF2-40B4-BE49-F238E27FC236}">
+                <a16:creationId xmlns:a16="http://schemas.microsoft.com/office/drawing/2014/main" id="{73999C24-1E21-874C-AC86-9C40B02588E7}"/>
+              </a:ext>
+            </a:extLst>
+          </p:cNvPr>
+          <p:cNvPicPr>
+            <a:picLocks noChangeAspect="1"/>
+          </p:cNvPicPr>
+          <p:nvPr/>
+        </p:nvPicPr>
+        <p:blipFill>
+          <a:blip r:embed="rId3"/>
+          <a:stretch>
+            <a:fillRect/>
+          </a:stretch>
+        </p:blipFill>
+        <p:spPr>
+          <a:xfrm>
+            <a:off x="10780619" y="3705422"/>
+            <a:ext cx="13144880" cy="5270185"/>
           </a:xfrm>
           <a:prstGeom prst="rect">
             <a:avLst/>
@@ -20367,7 +23561,7 @@
     </p:spTree>
     <p:extLst>
       <p:ext uri="{BB962C8B-B14F-4D97-AF65-F5344CB8AC3E}">
-        <p14:creationId xmlns:p14="http://schemas.microsoft.com/office/powerpoint/2010/main" val="3134540232"/>
+        <p14:creationId xmlns:p14="http://schemas.microsoft.com/office/powerpoint/2010/main" val="4232981417"/>
       </p:ext>
     </p:extLst>
   </p:cSld>
@@ -20424,7 +23618,7 @@
           <a:p>
             <a:pPr algn="ctr"/>
             <a:r>
-              <a:rPr lang="en-US" sz="8000" b="1" dirty="0">
+              <a:rPr lang="en-US" sz="8000" b="1">
                 <a:solidFill>
                   <a:schemeClr val="tx2"/>
                 </a:solidFill>
@@ -20434,6 +23628,14 @@
               </a:rPr>
               <a:t>Data Visualization</a:t>
             </a:r>
+            <a:endParaRPr lang="en-US" sz="8000" b="1" dirty="0">
+              <a:solidFill>
+                <a:schemeClr val="tx2"/>
+              </a:solidFill>
+              <a:latin typeface="Century Gothic" panose="020B0502020202020204" pitchFamily="34" charset="0"/>
+              <a:ea typeface="Lato Heavy" charset="0"/>
+              <a:cs typeface="Poppins" pitchFamily="2" charset="77"/>
+            </a:endParaRPr>
           </a:p>
         </p:txBody>
       </p:sp>
@@ -20491,12 +23693,354 @@
           </a:p>
         </p:txBody>
       </p:sp>
+      <p:sp>
+        <p:nvSpPr>
+          <p:cNvPr id="57" name="CuadroTexto 351">
+            <a:extLst>
+              <a:ext uri="{FF2B5EF4-FFF2-40B4-BE49-F238E27FC236}">
+                <a16:creationId xmlns:a16="http://schemas.microsoft.com/office/drawing/2014/main" id="{F08E8CC1-4340-EF4A-AC48-C67045E13F4D}"/>
+              </a:ext>
+            </a:extLst>
+          </p:cNvPr>
+          <p:cNvSpPr txBox="1"/>
+          <p:nvPr/>
+        </p:nvSpPr>
+        <p:spPr>
+          <a:xfrm>
+            <a:off x="18261973" y="3490057"/>
+            <a:ext cx="4682896" cy="8279190"/>
+          </a:xfrm>
+          <a:prstGeom prst="rect">
+            <a:avLst/>
+          </a:prstGeom>
+          <a:noFill/>
+        </p:spPr>
+        <p:txBody>
+          <a:bodyPr wrap="square" rtlCol="0">
+            <a:spAutoFit/>
+          </a:bodyPr>
+          <a:lstStyle/>
+          <a:p>
+            <a:pPr algn="ctr"/>
+            <a:r>
+              <a:rPr lang="en-US" sz="2800" dirty="0">
+                <a:solidFill>
+                  <a:schemeClr val="tx2"/>
+                </a:solidFill>
+                <a:latin typeface="Century Gothic" panose="020B0502020202020204" pitchFamily="34" charset="0"/>
+                <a:cs typeface="Poppins Light" pitchFamily="2" charset="77"/>
+              </a:rPr>
+              <a:t>We can distinguish </a:t>
+            </a:r>
+            <a:r>
+              <a:rPr lang="en-US" sz="2800" b="1" dirty="0">
+                <a:solidFill>
+                  <a:schemeClr val="tx2"/>
+                </a:solidFill>
+                <a:latin typeface="Century Gothic" panose="020B0502020202020204" pitchFamily="34" charset="0"/>
+                <a:cs typeface="Poppins Light" pitchFamily="2" charset="77"/>
+              </a:rPr>
+              <a:t>3 bumps</a:t>
+            </a:r>
+            <a:r>
+              <a:rPr lang="en-US" sz="2800" dirty="0">
+                <a:solidFill>
+                  <a:schemeClr val="tx2"/>
+                </a:solidFill>
+                <a:latin typeface="Century Gothic" panose="020B0502020202020204" pitchFamily="34" charset="0"/>
+                <a:cs typeface="Poppins Light" pitchFamily="2" charset="77"/>
+              </a:rPr>
+              <a:t> on the curve which could imply that the population is </a:t>
+            </a:r>
+            <a:r>
+              <a:rPr lang="en-US" sz="2800" b="1" dirty="0">
+                <a:solidFill>
+                  <a:schemeClr val="tx2"/>
+                </a:solidFill>
+                <a:latin typeface="Century Gothic" panose="020B0502020202020204" pitchFamily="34" charset="0"/>
+                <a:cs typeface="Poppins Light" pitchFamily="2" charset="77"/>
+              </a:rPr>
+              <a:t>divided </a:t>
+            </a:r>
+            <a:r>
+              <a:rPr lang="en-US" sz="2800" dirty="0">
+                <a:solidFill>
+                  <a:schemeClr val="tx2"/>
+                </a:solidFill>
+                <a:latin typeface="Century Gothic" panose="020B0502020202020204" pitchFamily="34" charset="0"/>
+                <a:cs typeface="Poppins Light" pitchFamily="2" charset="77"/>
+              </a:rPr>
+              <a:t>into</a:t>
+            </a:r>
+            <a:r>
+              <a:rPr lang="en-US" sz="2800" b="1" dirty="0">
+                <a:solidFill>
+                  <a:schemeClr val="tx2"/>
+                </a:solidFill>
+                <a:latin typeface="Century Gothic" panose="020B0502020202020204" pitchFamily="34" charset="0"/>
+                <a:cs typeface="Poppins Light" pitchFamily="2" charset="77"/>
+              </a:rPr>
+              <a:t> 3</a:t>
+            </a:r>
+            <a:r>
+              <a:rPr lang="en-US" sz="2800" dirty="0">
+                <a:solidFill>
+                  <a:schemeClr val="tx2"/>
+                </a:solidFill>
+                <a:latin typeface="Century Gothic" panose="020B0502020202020204" pitchFamily="34" charset="0"/>
+                <a:cs typeface="Poppins Light" pitchFamily="2" charset="77"/>
+              </a:rPr>
+              <a:t> large </a:t>
+            </a:r>
+            <a:r>
+              <a:rPr lang="en-US" sz="2800" b="1" dirty="0">
+                <a:solidFill>
+                  <a:schemeClr val="tx2"/>
+                </a:solidFill>
+                <a:latin typeface="Century Gothic" panose="020B0502020202020204" pitchFamily="34" charset="0"/>
+                <a:cs typeface="Poppins Light" pitchFamily="2" charset="77"/>
+              </a:rPr>
+              <a:t>weight groups</a:t>
+            </a:r>
+            <a:r>
+              <a:rPr lang="en-US" sz="2800" dirty="0">
+                <a:solidFill>
+                  <a:schemeClr val="tx2"/>
+                </a:solidFill>
+                <a:latin typeface="Century Gothic" panose="020B0502020202020204" pitchFamily="34" charset="0"/>
+                <a:cs typeface="Poppins Light" pitchFamily="2" charset="77"/>
+              </a:rPr>
+              <a:t>. We can see that there are about </a:t>
+            </a:r>
+            <a:r>
+              <a:rPr lang="en-US" sz="2800" b="1" dirty="0">
+                <a:solidFill>
+                  <a:schemeClr val="tx2"/>
+                </a:solidFill>
+                <a:latin typeface="Century Gothic" panose="020B0502020202020204" pitchFamily="34" charset="0"/>
+                <a:cs typeface="Poppins Light" pitchFamily="2" charset="77"/>
+              </a:rPr>
+              <a:t>as many people</a:t>
+            </a:r>
+            <a:r>
+              <a:rPr lang="en-US" sz="2800" dirty="0">
+                <a:solidFill>
+                  <a:schemeClr val="tx2"/>
+                </a:solidFill>
+                <a:latin typeface="Century Gothic" panose="020B0502020202020204" pitchFamily="34" charset="0"/>
+                <a:cs typeface="Poppins Light" pitchFamily="2" charset="77"/>
+              </a:rPr>
+              <a:t> in the </a:t>
+            </a:r>
+            <a:r>
+              <a:rPr lang="en-US" sz="2800" b="1" dirty="0">
+                <a:solidFill>
+                  <a:schemeClr val="tx2"/>
+                </a:solidFill>
+                <a:latin typeface="Century Gothic" panose="020B0502020202020204" pitchFamily="34" charset="0"/>
+                <a:cs typeface="Poppins Light" pitchFamily="2" charset="77"/>
+              </a:rPr>
+              <a:t>underweight</a:t>
+            </a:r>
+            <a:r>
+              <a:rPr lang="en-US" sz="2800" dirty="0">
+                <a:solidFill>
+                  <a:schemeClr val="tx2"/>
+                </a:solidFill>
+                <a:latin typeface="Century Gothic" panose="020B0502020202020204" pitchFamily="34" charset="0"/>
+                <a:cs typeface="Poppins Light" pitchFamily="2" charset="77"/>
+              </a:rPr>
+              <a:t> part as </a:t>
+            </a:r>
+            <a:r>
+              <a:rPr lang="en-US" sz="2800" b="1" dirty="0">
+                <a:solidFill>
+                  <a:schemeClr val="tx2"/>
+                </a:solidFill>
+                <a:latin typeface="Century Gothic" panose="020B0502020202020204" pitchFamily="34" charset="0"/>
+                <a:cs typeface="Poppins Light" pitchFamily="2" charset="77"/>
+              </a:rPr>
+              <a:t>overweight</a:t>
+            </a:r>
+            <a:r>
+              <a:rPr lang="en-US" sz="2800" dirty="0">
+                <a:solidFill>
+                  <a:schemeClr val="tx2"/>
+                </a:solidFill>
+                <a:latin typeface="Century Gothic" panose="020B0502020202020204" pitchFamily="34" charset="0"/>
+                <a:cs typeface="Poppins Light" pitchFamily="2" charset="77"/>
+              </a:rPr>
+              <a:t>. An </a:t>
+            </a:r>
+            <a:r>
+              <a:rPr lang="en-US" sz="2800" b="1" dirty="0">
+                <a:solidFill>
+                  <a:schemeClr val="tx2"/>
+                </a:solidFill>
+                <a:latin typeface="Century Gothic" panose="020B0502020202020204" pitchFamily="34" charset="0"/>
+                <a:cs typeface="Poppins Light" pitchFamily="2" charset="77"/>
+              </a:rPr>
+              <a:t>interesting</a:t>
+            </a:r>
+            <a:r>
+              <a:rPr lang="en-US" sz="2800" dirty="0">
+                <a:solidFill>
+                  <a:schemeClr val="tx2"/>
+                </a:solidFill>
+                <a:latin typeface="Century Gothic" panose="020B0502020202020204" pitchFamily="34" charset="0"/>
+                <a:cs typeface="Poppins Light" pitchFamily="2" charset="77"/>
+              </a:rPr>
+              <a:t> data is the high distribution, about </a:t>
+            </a:r>
+            <a:r>
+              <a:rPr lang="en-US" sz="2800" b="1" dirty="0">
+                <a:solidFill>
+                  <a:schemeClr val="tx2"/>
+                </a:solidFill>
+                <a:latin typeface="Century Gothic" panose="020B0502020202020204" pitchFamily="34" charset="0"/>
+                <a:cs typeface="Poppins Light" pitchFamily="2" charset="77"/>
+              </a:rPr>
+              <a:t>15%</a:t>
+            </a:r>
+            <a:r>
+              <a:rPr lang="en-US" sz="2800" dirty="0">
+                <a:solidFill>
+                  <a:schemeClr val="tx2"/>
+                </a:solidFill>
+                <a:latin typeface="Century Gothic" panose="020B0502020202020204" pitchFamily="34" charset="0"/>
+                <a:cs typeface="Poppins Light" pitchFamily="2" charset="77"/>
+              </a:rPr>
+              <a:t> of the population towards an </a:t>
+            </a:r>
+            <a:r>
+              <a:rPr lang="en-US" sz="2800" b="1" dirty="0">
+                <a:solidFill>
+                  <a:schemeClr val="tx2"/>
+                </a:solidFill>
+                <a:latin typeface="Century Gothic" panose="020B0502020202020204" pitchFamily="34" charset="0"/>
+                <a:cs typeface="Poppins Light" pitchFamily="2" charset="77"/>
+              </a:rPr>
+              <a:t>average</a:t>
+            </a:r>
+            <a:r>
+              <a:rPr lang="en-US" sz="2800" dirty="0">
+                <a:solidFill>
+                  <a:schemeClr val="tx2"/>
+                </a:solidFill>
+                <a:latin typeface="Century Gothic" panose="020B0502020202020204" pitchFamily="34" charset="0"/>
+                <a:cs typeface="Poppins Light" pitchFamily="2" charset="77"/>
+              </a:rPr>
+              <a:t> weight of </a:t>
+            </a:r>
+            <a:r>
+              <a:rPr lang="en-US" sz="2800" b="1" dirty="0">
+                <a:solidFill>
+                  <a:schemeClr val="tx2"/>
+                </a:solidFill>
+                <a:latin typeface="Century Gothic" panose="020B0502020202020204" pitchFamily="34" charset="0"/>
+                <a:cs typeface="Poppins Light" pitchFamily="2" charset="77"/>
+              </a:rPr>
+              <a:t>75 kg </a:t>
+            </a:r>
+            <a:r>
+              <a:rPr lang="en-US" sz="2800" dirty="0">
+                <a:solidFill>
+                  <a:schemeClr val="tx2"/>
+                </a:solidFill>
+                <a:latin typeface="Century Gothic" panose="020B0502020202020204" pitchFamily="34" charset="0"/>
+                <a:cs typeface="Poppins Light" pitchFamily="2" charset="77"/>
+              </a:rPr>
+              <a:t>which is </a:t>
+            </a:r>
+            <a:r>
+              <a:rPr lang="en-US" sz="2800" b="1" dirty="0">
+                <a:solidFill>
+                  <a:schemeClr val="tx2"/>
+                </a:solidFill>
+                <a:latin typeface="Century Gothic" panose="020B0502020202020204" pitchFamily="34" charset="0"/>
+                <a:cs typeface="Poppins Light" pitchFamily="2" charset="77"/>
+              </a:rPr>
+              <a:t>more</a:t>
+            </a:r>
+            <a:r>
+              <a:rPr lang="en-US" sz="2800" dirty="0">
+                <a:solidFill>
+                  <a:schemeClr val="tx2"/>
+                </a:solidFill>
+                <a:latin typeface="Century Gothic" panose="020B0502020202020204" pitchFamily="34" charset="0"/>
+                <a:cs typeface="Poppins Light" pitchFamily="2" charset="77"/>
+              </a:rPr>
+              <a:t> than the </a:t>
+            </a:r>
+            <a:r>
+              <a:rPr lang="en-US" sz="2800" b="1" dirty="0">
+                <a:solidFill>
+                  <a:schemeClr val="tx2"/>
+                </a:solidFill>
+                <a:latin typeface="Century Gothic" panose="020B0502020202020204" pitchFamily="34" charset="0"/>
+                <a:cs typeface="Poppins Light" pitchFamily="2" charset="77"/>
+              </a:rPr>
+              <a:t>average weight </a:t>
+            </a:r>
+            <a:r>
+              <a:rPr lang="en-US" sz="2800" dirty="0">
+                <a:solidFill>
+                  <a:schemeClr val="tx2"/>
+                </a:solidFill>
+                <a:latin typeface="Century Gothic" panose="020B0502020202020204" pitchFamily="34" charset="0"/>
+                <a:cs typeface="Poppins Light" pitchFamily="2" charset="77"/>
+              </a:rPr>
+              <a:t>and confirms the </a:t>
+            </a:r>
+            <a:r>
+              <a:rPr lang="en-US" sz="2800" b="1" dirty="0">
+                <a:solidFill>
+                  <a:schemeClr val="tx2"/>
+                </a:solidFill>
+                <a:latin typeface="Century Gothic" panose="020B0502020202020204" pitchFamily="34" charset="0"/>
+                <a:cs typeface="Poppins Light" pitchFamily="2" charset="77"/>
+              </a:rPr>
+              <a:t>tendency</a:t>
+            </a:r>
+            <a:r>
+              <a:rPr lang="en-US" sz="2800" dirty="0">
+                <a:solidFill>
+                  <a:schemeClr val="tx2"/>
+                </a:solidFill>
+                <a:latin typeface="Century Gothic" panose="020B0502020202020204" pitchFamily="34" charset="0"/>
+                <a:cs typeface="Poppins Light" pitchFamily="2" charset="77"/>
+              </a:rPr>
+              <a:t> that this population is </a:t>
+            </a:r>
+            <a:r>
+              <a:rPr lang="en-US" sz="2800" b="1" dirty="0">
+                <a:solidFill>
+                  <a:schemeClr val="tx2"/>
+                </a:solidFill>
+                <a:latin typeface="Century Gothic" panose="020B0502020202020204" pitchFamily="34" charset="0"/>
+                <a:cs typeface="Poppins Light" pitchFamily="2" charset="77"/>
+              </a:rPr>
+              <a:t>overweight</a:t>
+            </a:r>
+            <a:r>
+              <a:rPr lang="en-US" sz="2800" dirty="0">
+                <a:solidFill>
+                  <a:schemeClr val="tx2"/>
+                </a:solidFill>
+                <a:latin typeface="Century Gothic" panose="020B0502020202020204" pitchFamily="34" charset="0"/>
+                <a:cs typeface="Poppins Light" pitchFamily="2" charset="77"/>
+              </a:rPr>
+              <a:t>.</a:t>
+            </a:r>
+          </a:p>
+        </p:txBody>
+      </p:sp>
       <p:pic>
         <p:nvPicPr>
-          <p:cNvPr id="4" name="Image 3">
+          <p:cNvPr id="14" name="Image 13" descr="Une image contenant texte, noir&#10;&#10;Description générée automatiquement">
             <a:extLst>
               <a:ext uri="{FF2B5EF4-FFF2-40B4-BE49-F238E27FC236}">
-                <a16:creationId xmlns:a16="http://schemas.microsoft.com/office/drawing/2014/main" id="{95132331-F1AC-AB4F-A24D-A10CF6027F02}"/>
+                <a16:creationId xmlns:a16="http://schemas.microsoft.com/office/drawing/2014/main" id="{C88BF183-65E4-5648-8C52-3A0847F7E834}"/>
               </a:ext>
             </a:extLst>
           </p:cNvPr>
@@ -20513,8 +24057,141 @@
         </p:blipFill>
         <p:spPr>
           <a:xfrm>
-            <a:off x="8396287" y="3695700"/>
-            <a:ext cx="7594600" cy="6324600"/>
+            <a:off x="977050" y="7629652"/>
+            <a:ext cx="8005573" cy="4421985"/>
+          </a:xfrm>
+          <a:prstGeom prst="rect">
+            <a:avLst/>
+          </a:prstGeom>
+        </p:spPr>
+      </p:pic>
+      <p:sp>
+        <p:nvSpPr>
+          <p:cNvPr id="71" name="CuadroTexto 351">
+            <a:extLst>
+              <a:ext uri="{FF2B5EF4-FFF2-40B4-BE49-F238E27FC236}">
+                <a16:creationId xmlns:a16="http://schemas.microsoft.com/office/drawing/2014/main" id="{49299731-1E4E-B345-9FCF-4B62A21ECC78}"/>
+              </a:ext>
+            </a:extLst>
+          </p:cNvPr>
+          <p:cNvSpPr txBox="1"/>
+          <p:nvPr/>
+        </p:nvSpPr>
+        <p:spPr>
+          <a:xfrm>
+            <a:off x="771395" y="4371376"/>
+            <a:ext cx="7574259" cy="2123658"/>
+          </a:xfrm>
+          <a:prstGeom prst="rect">
+            <a:avLst/>
+          </a:prstGeom>
+          <a:noFill/>
+        </p:spPr>
+        <p:txBody>
+          <a:bodyPr wrap="square" rtlCol="0">
+            <a:spAutoFit/>
+          </a:bodyPr>
+          <a:lstStyle/>
+          <a:p>
+            <a:pPr algn="ctr"/>
+            <a:r>
+              <a:rPr lang="en-US" sz="4400" dirty="0">
+                <a:solidFill>
+                  <a:schemeClr val="tx2"/>
+                </a:solidFill>
+                <a:latin typeface="Century Gothic" panose="020B0502020202020204" pitchFamily="34" charset="0"/>
+                <a:cs typeface="Poppins Light" pitchFamily="2" charset="77"/>
+              </a:rPr>
+              <a:t>Percentage distribution of the population weight distribution</a:t>
+            </a:r>
+            <a:endParaRPr lang="en-US" sz="3200" dirty="0">
+              <a:solidFill>
+                <a:schemeClr val="tx2"/>
+              </a:solidFill>
+              <a:latin typeface="Century Gothic" panose="020B0502020202020204" pitchFamily="34" charset="0"/>
+              <a:cs typeface="Poppins Light" pitchFamily="2" charset="77"/>
+            </a:endParaRPr>
+          </a:p>
+        </p:txBody>
+      </p:sp>
+      <p:sp>
+        <p:nvSpPr>
+          <p:cNvPr id="72" name="Rectangle 71">
+            <a:extLst>
+              <a:ext uri="{FF2B5EF4-FFF2-40B4-BE49-F238E27FC236}">
+                <a16:creationId xmlns:a16="http://schemas.microsoft.com/office/drawing/2014/main" id="{6D312A15-67F7-3944-936A-66E4D9178692}"/>
+              </a:ext>
+            </a:extLst>
+          </p:cNvPr>
+          <p:cNvSpPr/>
+          <p:nvPr/>
+        </p:nvSpPr>
+        <p:spPr>
+          <a:xfrm flipV="1">
+            <a:off x="1442306" y="6858000"/>
+            <a:ext cx="6232439" cy="45719"/>
+          </a:xfrm>
+          <a:prstGeom prst="rect">
+            <a:avLst/>
+          </a:prstGeom>
+          <a:solidFill>
+            <a:schemeClr val="accent1"/>
+          </a:solidFill>
+          <a:ln>
+            <a:noFill/>
+          </a:ln>
+        </p:spPr>
+        <p:style>
+          <a:lnRef idx="2">
+            <a:schemeClr val="accent1">
+              <a:shade val="50000"/>
+            </a:schemeClr>
+          </a:lnRef>
+          <a:fillRef idx="1">
+            <a:schemeClr val="accent1"/>
+          </a:fillRef>
+          <a:effectRef idx="0">
+            <a:schemeClr val="accent1"/>
+          </a:effectRef>
+          <a:fontRef idx="minor">
+            <a:schemeClr val="lt1"/>
+          </a:fontRef>
+        </p:style>
+        <p:txBody>
+          <a:bodyPr rtlCol="0" anchor="ctr"/>
+          <a:lstStyle/>
+          <a:p>
+            <a:pPr algn="ctr"/>
+            <a:endParaRPr lang="en-US" dirty="0">
+              <a:latin typeface="Century Gothic" panose="020B0502020202020204" pitchFamily="34" charset="0"/>
+            </a:endParaRPr>
+          </a:p>
+        </p:txBody>
+      </p:sp>
+      <p:pic>
+        <p:nvPicPr>
+          <p:cNvPr id="10" name="Image 9">
+            <a:extLst>
+              <a:ext uri="{FF2B5EF4-FFF2-40B4-BE49-F238E27FC236}">
+                <a16:creationId xmlns:a16="http://schemas.microsoft.com/office/drawing/2014/main" id="{765BF48B-646A-E94C-80F9-5A28AE333FA5}"/>
+              </a:ext>
+            </a:extLst>
+          </p:cNvPr>
+          <p:cNvPicPr>
+            <a:picLocks noChangeAspect="1"/>
+          </p:cNvPicPr>
+          <p:nvPr/>
+        </p:nvPicPr>
+        <p:blipFill>
+          <a:blip r:embed="rId3"/>
+          <a:stretch>
+            <a:fillRect/>
+          </a:stretch>
+        </p:blipFill>
+        <p:spPr>
+          <a:xfrm>
+            <a:off x="9296556" y="4502948"/>
+            <a:ext cx="8328448" cy="6935731"/>
           </a:xfrm>
           <a:prstGeom prst="rect">
             <a:avLst/>
@@ -20524,7 +24201,7 @@
     </p:spTree>
     <p:extLst>
       <p:ext uri="{BB962C8B-B14F-4D97-AF65-F5344CB8AC3E}">
-        <p14:creationId xmlns:p14="http://schemas.microsoft.com/office/powerpoint/2010/main" val="3747339794"/>
+        <p14:creationId xmlns:p14="http://schemas.microsoft.com/office/powerpoint/2010/main" val="1830207818"/>
       </p:ext>
     </p:extLst>
   </p:cSld>
@@ -20565,8 +24242,8 @@
         </p:nvSpPr>
         <p:spPr>
           <a:xfrm>
-            <a:off x="8514722" y="1071658"/>
-            <a:ext cx="7348487" cy="1323439"/>
+            <a:off x="8442587" y="1071658"/>
+            <a:ext cx="7492757" cy="1323439"/>
           </a:xfrm>
           <a:prstGeom prst="rect">
             <a:avLst/>
@@ -20589,7 +24266,1939 @@
                 <a:ea typeface="Lato Heavy" charset="0"/>
                 <a:cs typeface="Poppins" pitchFamily="2" charset="77"/>
               </a:rPr>
-              <a:t>Pre Processing</a:t>
+              <a:t>Pre-Processing</a:t>
+            </a:r>
+          </a:p>
+        </p:txBody>
+      </p:sp>
+      <p:sp>
+        <p:nvSpPr>
+          <p:cNvPr id="3" name="Rectangle 2">
+            <a:extLst>
+              <a:ext uri="{FF2B5EF4-FFF2-40B4-BE49-F238E27FC236}">
+                <a16:creationId xmlns:a16="http://schemas.microsoft.com/office/drawing/2014/main" id="{D015BD3B-C308-044D-AFBF-729A0FA0E9BD}"/>
+              </a:ext>
+            </a:extLst>
+          </p:cNvPr>
+          <p:cNvSpPr/>
+          <p:nvPr/>
+        </p:nvSpPr>
+        <p:spPr>
+          <a:xfrm>
+            <a:off x="11077130" y="3025972"/>
+            <a:ext cx="2223656" cy="38779"/>
+          </a:xfrm>
+          <a:prstGeom prst="rect">
+            <a:avLst/>
+          </a:prstGeom>
+          <a:solidFill>
+            <a:schemeClr val="accent1"/>
+          </a:solidFill>
+          <a:ln>
+            <a:noFill/>
+          </a:ln>
+        </p:spPr>
+        <p:style>
+          <a:lnRef idx="2">
+            <a:schemeClr val="accent1">
+              <a:shade val="50000"/>
+            </a:schemeClr>
+          </a:lnRef>
+          <a:fillRef idx="1">
+            <a:schemeClr val="accent1"/>
+          </a:fillRef>
+          <a:effectRef idx="0">
+            <a:schemeClr val="accent1"/>
+          </a:effectRef>
+          <a:fontRef idx="minor">
+            <a:schemeClr val="lt1"/>
+          </a:fontRef>
+        </p:style>
+        <p:txBody>
+          <a:bodyPr rtlCol="0" anchor="ctr"/>
+          <a:lstStyle/>
+          <a:p>
+            <a:pPr algn="ctr"/>
+            <a:endParaRPr lang="en-US" dirty="0">
+              <a:latin typeface="Century Gothic" panose="020B0502020202020204" pitchFamily="34" charset="0"/>
+            </a:endParaRPr>
+          </a:p>
+        </p:txBody>
+      </p:sp>
+      <p:pic>
+        <p:nvPicPr>
+          <p:cNvPr id="5" name="Image 4">
+            <a:extLst>
+              <a:ext uri="{FF2B5EF4-FFF2-40B4-BE49-F238E27FC236}">
+                <a16:creationId xmlns:a16="http://schemas.microsoft.com/office/drawing/2014/main" id="{2BADD0C9-332D-264B-B3DB-7658BCDE6E93}"/>
+              </a:ext>
+            </a:extLst>
+          </p:cNvPr>
+          <p:cNvPicPr>
+            <a:picLocks noChangeAspect="1"/>
+          </p:cNvPicPr>
+          <p:nvPr/>
+        </p:nvPicPr>
+        <p:blipFill>
+          <a:blip r:embed="rId2"/>
+          <a:stretch>
+            <a:fillRect/>
+          </a:stretch>
+        </p:blipFill>
+        <p:spPr>
+          <a:xfrm>
+            <a:off x="12585654" y="11412442"/>
+            <a:ext cx="11163300" cy="1231900"/>
+          </a:xfrm>
+          <a:prstGeom prst="rect">
+            <a:avLst/>
+          </a:prstGeom>
+        </p:spPr>
+      </p:pic>
+      <p:pic>
+        <p:nvPicPr>
+          <p:cNvPr id="7" name="Image 6" descr="Une image contenant texte&#10;&#10;Description générée automatiquement">
+            <a:extLst>
+              <a:ext uri="{FF2B5EF4-FFF2-40B4-BE49-F238E27FC236}">
+                <a16:creationId xmlns:a16="http://schemas.microsoft.com/office/drawing/2014/main" id="{DD1B9C5C-23F1-EE46-957A-B57D24B3C36F}"/>
+              </a:ext>
+            </a:extLst>
+          </p:cNvPr>
+          <p:cNvPicPr>
+            <a:picLocks noChangeAspect="1"/>
+          </p:cNvPicPr>
+          <p:nvPr/>
+        </p:nvPicPr>
+        <p:blipFill>
+          <a:blip r:embed="rId3"/>
+          <a:stretch>
+            <a:fillRect/>
+          </a:stretch>
+        </p:blipFill>
+        <p:spPr>
+          <a:xfrm>
+            <a:off x="12585654" y="9205398"/>
+            <a:ext cx="4178300" cy="1524000"/>
+          </a:xfrm>
+          <a:prstGeom prst="rect">
+            <a:avLst/>
+          </a:prstGeom>
+        </p:spPr>
+      </p:pic>
+      <p:pic>
+        <p:nvPicPr>
+          <p:cNvPr id="9" name="Image 8" descr="Une image contenant texte&#10;&#10;Description générée automatiquement">
+            <a:extLst>
+              <a:ext uri="{FF2B5EF4-FFF2-40B4-BE49-F238E27FC236}">
+                <a16:creationId xmlns:a16="http://schemas.microsoft.com/office/drawing/2014/main" id="{B4DE230B-6D74-3A4B-922D-B752C2F79E78}"/>
+              </a:ext>
+            </a:extLst>
+          </p:cNvPr>
+          <p:cNvPicPr>
+            <a:picLocks noChangeAspect="1"/>
+          </p:cNvPicPr>
+          <p:nvPr/>
+        </p:nvPicPr>
+        <p:blipFill>
+          <a:blip r:embed="rId4"/>
+          <a:stretch>
+            <a:fillRect/>
+          </a:stretch>
+        </p:blipFill>
+        <p:spPr>
+          <a:xfrm>
+            <a:off x="12585654" y="6746604"/>
+            <a:ext cx="9588500" cy="1460500"/>
+          </a:xfrm>
+          <a:prstGeom prst="rect">
+            <a:avLst/>
+          </a:prstGeom>
+        </p:spPr>
+      </p:pic>
+      <p:pic>
+        <p:nvPicPr>
+          <p:cNvPr id="11" name="Image 10" descr="Une image contenant texte&#10;&#10;Description générée automatiquement">
+            <a:extLst>
+              <a:ext uri="{FF2B5EF4-FFF2-40B4-BE49-F238E27FC236}">
+                <a16:creationId xmlns:a16="http://schemas.microsoft.com/office/drawing/2014/main" id="{18DC974A-D009-364A-9E7D-B6C98A279CCE}"/>
+              </a:ext>
+            </a:extLst>
+          </p:cNvPr>
+          <p:cNvPicPr>
+            <a:picLocks noChangeAspect="1"/>
+          </p:cNvPicPr>
+          <p:nvPr/>
+        </p:nvPicPr>
+        <p:blipFill>
+          <a:blip r:embed="rId5"/>
+          <a:stretch>
+            <a:fillRect/>
+          </a:stretch>
+        </p:blipFill>
+        <p:spPr>
+          <a:xfrm>
+            <a:off x="12585654" y="4286855"/>
+            <a:ext cx="7785100" cy="1651000"/>
+          </a:xfrm>
+          <a:prstGeom prst="rect">
+            <a:avLst/>
+          </a:prstGeom>
+        </p:spPr>
+      </p:pic>
+      <p:sp>
+        <p:nvSpPr>
+          <p:cNvPr id="12" name="CuadroTexto 351">
+            <a:extLst>
+              <a:ext uri="{FF2B5EF4-FFF2-40B4-BE49-F238E27FC236}">
+                <a16:creationId xmlns:a16="http://schemas.microsoft.com/office/drawing/2014/main" id="{9762B21A-7CF9-E34D-9B2A-C3A0DABEEA51}"/>
+              </a:ext>
+            </a:extLst>
+          </p:cNvPr>
+          <p:cNvSpPr txBox="1"/>
+          <p:nvPr/>
+        </p:nvSpPr>
+        <p:spPr>
+          <a:xfrm>
+            <a:off x="783771" y="4510986"/>
+            <a:ext cx="10607720" cy="523220"/>
+          </a:xfrm>
+          <a:prstGeom prst="rect">
+            <a:avLst/>
+          </a:prstGeom>
+          <a:noFill/>
+        </p:spPr>
+        <p:txBody>
+          <a:bodyPr wrap="square" rtlCol="0">
+            <a:spAutoFit/>
+          </a:bodyPr>
+          <a:lstStyle/>
+          <a:p>
+            <a:r>
+              <a:rPr lang="en-US" sz="2800" dirty="0">
+                <a:solidFill>
+                  <a:schemeClr val="tx2"/>
+                </a:solidFill>
+                <a:latin typeface="Century Gothic" panose="020B0502020202020204" pitchFamily="34" charset="0"/>
+                <a:cs typeface="Poppins Light" pitchFamily="2" charset="77"/>
+              </a:rPr>
+              <a:t>We </a:t>
+            </a:r>
+            <a:r>
+              <a:rPr lang="en-US" sz="2800" b="1" dirty="0">
+                <a:solidFill>
+                  <a:schemeClr val="tx2"/>
+                </a:solidFill>
+                <a:latin typeface="Century Gothic" panose="020B0502020202020204" pitchFamily="34" charset="0"/>
+                <a:cs typeface="Poppins Light" pitchFamily="2" charset="77"/>
+              </a:rPr>
+              <a:t>drop</a:t>
+            </a:r>
+            <a:r>
+              <a:rPr lang="en-US" sz="2800" dirty="0">
+                <a:solidFill>
+                  <a:schemeClr val="tx2"/>
+                </a:solidFill>
+                <a:latin typeface="Century Gothic" panose="020B0502020202020204" pitchFamily="34" charset="0"/>
+                <a:cs typeface="Poppins Light" pitchFamily="2" charset="77"/>
+              </a:rPr>
+              <a:t> features using the </a:t>
+            </a:r>
+            <a:r>
+              <a:rPr lang="en-US" sz="2800" b="1" dirty="0">
+                <a:solidFill>
+                  <a:schemeClr val="tx2"/>
+                </a:solidFill>
+                <a:latin typeface="Century Gothic" panose="020B0502020202020204" pitchFamily="34" charset="0"/>
+                <a:cs typeface="Poppins Light" pitchFamily="2" charset="77"/>
+              </a:rPr>
+              <a:t>calculation</a:t>
+            </a:r>
+            <a:r>
+              <a:rPr lang="en-US" sz="2800" dirty="0">
+                <a:solidFill>
+                  <a:schemeClr val="tx2"/>
+                </a:solidFill>
+                <a:latin typeface="Century Gothic" panose="020B0502020202020204" pitchFamily="34" charset="0"/>
+                <a:cs typeface="Poppins Light" pitchFamily="2" charset="77"/>
+              </a:rPr>
+              <a:t> of the predict value :</a:t>
+            </a:r>
+          </a:p>
+        </p:txBody>
+      </p:sp>
+      <p:sp>
+        <p:nvSpPr>
+          <p:cNvPr id="13" name="CuadroTexto 351">
+            <a:extLst>
+              <a:ext uri="{FF2B5EF4-FFF2-40B4-BE49-F238E27FC236}">
+                <a16:creationId xmlns:a16="http://schemas.microsoft.com/office/drawing/2014/main" id="{699E3405-5790-B442-8E0D-9D14EB1C9BFA}"/>
+              </a:ext>
+            </a:extLst>
+          </p:cNvPr>
+          <p:cNvSpPr txBox="1"/>
+          <p:nvPr/>
+        </p:nvSpPr>
+        <p:spPr>
+          <a:xfrm>
+            <a:off x="783771" y="6990701"/>
+            <a:ext cx="10607720" cy="954107"/>
+          </a:xfrm>
+          <a:prstGeom prst="rect">
+            <a:avLst/>
+          </a:prstGeom>
+          <a:noFill/>
+        </p:spPr>
+        <p:txBody>
+          <a:bodyPr wrap="square" rtlCol="0">
+            <a:spAutoFit/>
+          </a:bodyPr>
+          <a:lstStyle/>
+          <a:p>
+            <a:r>
+              <a:rPr lang="en-US" sz="2800" dirty="0">
+                <a:solidFill>
+                  <a:schemeClr val="tx2"/>
+                </a:solidFill>
+                <a:latin typeface="Century Gothic" panose="020B0502020202020204" pitchFamily="34" charset="0"/>
+                <a:cs typeface="Poppins Light" pitchFamily="2" charset="77"/>
+              </a:rPr>
+              <a:t>Then we </a:t>
+            </a:r>
+            <a:r>
+              <a:rPr lang="en-US" sz="2800" b="1" dirty="0">
+                <a:solidFill>
+                  <a:schemeClr val="tx2"/>
+                </a:solidFill>
+                <a:latin typeface="Century Gothic" panose="020B0502020202020204" pitchFamily="34" charset="0"/>
+                <a:cs typeface="Poppins Light" pitchFamily="2" charset="77"/>
+              </a:rPr>
+              <a:t>split</a:t>
+            </a:r>
+            <a:r>
+              <a:rPr lang="en-US" sz="2800" dirty="0">
+                <a:solidFill>
+                  <a:schemeClr val="tx2"/>
+                </a:solidFill>
+                <a:latin typeface="Century Gothic" panose="020B0502020202020204" pitchFamily="34" charset="0"/>
+                <a:cs typeface="Poppins Light" pitchFamily="2" charset="77"/>
+              </a:rPr>
+              <a:t> the data </a:t>
+            </a:r>
+            <a:r>
+              <a:rPr lang="en-US" sz="2800" b="1" dirty="0">
+                <a:solidFill>
+                  <a:schemeClr val="tx2"/>
+                </a:solidFill>
+                <a:latin typeface="Century Gothic" panose="020B0502020202020204" pitchFamily="34" charset="0"/>
+                <a:cs typeface="Poppins Light" pitchFamily="2" charset="77"/>
+              </a:rPr>
+              <a:t>without</a:t>
+            </a:r>
+            <a:r>
+              <a:rPr lang="en-US" sz="2800" dirty="0">
+                <a:solidFill>
+                  <a:schemeClr val="tx2"/>
+                </a:solidFill>
+                <a:latin typeface="Century Gothic" panose="020B0502020202020204" pitchFamily="34" charset="0"/>
+                <a:cs typeface="Poppins Light" pitchFamily="2" charset="77"/>
+              </a:rPr>
+              <a:t> ‘</a:t>
+            </a:r>
+            <a:r>
+              <a:rPr lang="en-US" sz="2800" i="1" dirty="0" err="1">
+                <a:solidFill>
+                  <a:schemeClr val="tx2"/>
+                </a:solidFill>
+                <a:latin typeface="Century Gothic" panose="020B0502020202020204" pitchFamily="34" charset="0"/>
+                <a:cs typeface="Poppins Light" pitchFamily="2" charset="77"/>
+              </a:rPr>
+              <a:t>Nobeyesdad</a:t>
+            </a:r>
+            <a:r>
+              <a:rPr lang="en-US" sz="2800" dirty="0">
+                <a:solidFill>
+                  <a:schemeClr val="tx2"/>
+                </a:solidFill>
+                <a:latin typeface="Century Gothic" panose="020B0502020202020204" pitchFamily="34" charset="0"/>
+                <a:cs typeface="Poppins Light" pitchFamily="2" charset="77"/>
+              </a:rPr>
+              <a:t>’ which is the </a:t>
+            </a:r>
+            <a:r>
+              <a:rPr lang="en-US" sz="2800" b="1" dirty="0">
+                <a:solidFill>
+                  <a:schemeClr val="tx2"/>
+                </a:solidFill>
+                <a:latin typeface="Century Gothic" panose="020B0502020202020204" pitchFamily="34" charset="0"/>
+                <a:cs typeface="Poppins Light" pitchFamily="2" charset="77"/>
+              </a:rPr>
+              <a:t>target</a:t>
+            </a:r>
+            <a:r>
+              <a:rPr lang="en-US" sz="2800" dirty="0">
+                <a:solidFill>
+                  <a:schemeClr val="tx2"/>
+                </a:solidFill>
+                <a:latin typeface="Century Gothic" panose="020B0502020202020204" pitchFamily="34" charset="0"/>
+                <a:cs typeface="Poppins Light" pitchFamily="2" charset="77"/>
+              </a:rPr>
+              <a:t> value.</a:t>
+            </a:r>
+          </a:p>
+        </p:txBody>
+      </p:sp>
+      <p:sp>
+        <p:nvSpPr>
+          <p:cNvPr id="14" name="CuadroTexto 351">
+            <a:extLst>
+              <a:ext uri="{FF2B5EF4-FFF2-40B4-BE49-F238E27FC236}">
+                <a16:creationId xmlns:a16="http://schemas.microsoft.com/office/drawing/2014/main" id="{05582D82-27F9-654C-A3D3-119BD7E3187A}"/>
+              </a:ext>
+            </a:extLst>
+          </p:cNvPr>
+          <p:cNvSpPr txBox="1"/>
+          <p:nvPr/>
+        </p:nvSpPr>
+        <p:spPr>
+          <a:xfrm>
+            <a:off x="783771" y="9775291"/>
+            <a:ext cx="10607720" cy="954107"/>
+          </a:xfrm>
+          <a:prstGeom prst="rect">
+            <a:avLst/>
+          </a:prstGeom>
+          <a:noFill/>
+        </p:spPr>
+        <p:txBody>
+          <a:bodyPr wrap="square" rtlCol="0">
+            <a:spAutoFit/>
+          </a:bodyPr>
+          <a:lstStyle/>
+          <a:p>
+            <a:r>
+              <a:rPr lang="en-US" sz="2800" dirty="0">
+                <a:solidFill>
+                  <a:schemeClr val="tx2"/>
+                </a:solidFill>
+                <a:latin typeface="Century Gothic" panose="020B0502020202020204" pitchFamily="34" charset="0"/>
+                <a:cs typeface="Poppins Light" pitchFamily="2" charset="77"/>
+              </a:rPr>
+              <a:t>We </a:t>
+            </a:r>
+            <a:r>
+              <a:rPr lang="en-US" sz="2800" b="1" dirty="0">
+                <a:solidFill>
+                  <a:schemeClr val="tx2"/>
+                </a:solidFill>
+                <a:latin typeface="Century Gothic" panose="020B0502020202020204" pitchFamily="34" charset="0"/>
+                <a:cs typeface="Poppins Light" pitchFamily="2" charset="77"/>
+              </a:rPr>
+              <a:t>scale</a:t>
+            </a:r>
+            <a:r>
+              <a:rPr lang="en-US" sz="2800" dirty="0">
+                <a:solidFill>
+                  <a:schemeClr val="tx2"/>
+                </a:solidFill>
+                <a:latin typeface="Century Gothic" panose="020B0502020202020204" pitchFamily="34" charset="0"/>
+                <a:cs typeface="Poppins Light" pitchFamily="2" charset="77"/>
+              </a:rPr>
+              <a:t> the value using </a:t>
+            </a:r>
+            <a:r>
+              <a:rPr lang="en-US" sz="2800" b="1" dirty="0" err="1">
+                <a:solidFill>
+                  <a:schemeClr val="tx2"/>
+                </a:solidFill>
+                <a:latin typeface="Century Gothic" panose="020B0502020202020204" pitchFamily="34" charset="0"/>
+                <a:cs typeface="Poppins Light" pitchFamily="2" charset="77"/>
+              </a:rPr>
+              <a:t>StandartScaler</a:t>
+            </a:r>
+            <a:r>
+              <a:rPr lang="en-US" sz="2800" dirty="0">
+                <a:solidFill>
+                  <a:schemeClr val="tx2"/>
+                </a:solidFill>
+                <a:latin typeface="Century Gothic" panose="020B0502020202020204" pitchFamily="34" charset="0"/>
+                <a:cs typeface="Poppins Light" pitchFamily="2" charset="77"/>
+              </a:rPr>
+              <a:t> function on </a:t>
+            </a:r>
+            <a:r>
+              <a:rPr lang="en-US" sz="2800" b="1" dirty="0" err="1">
+                <a:solidFill>
+                  <a:schemeClr val="tx2"/>
+                </a:solidFill>
+                <a:latin typeface="Century Gothic" panose="020B0502020202020204" pitchFamily="34" charset="0"/>
+                <a:cs typeface="Poppins Light" pitchFamily="2" charset="77"/>
+              </a:rPr>
+              <a:t>x_train</a:t>
+            </a:r>
+            <a:r>
+              <a:rPr lang="en-US" sz="2800" b="1" dirty="0">
+                <a:solidFill>
+                  <a:schemeClr val="tx2"/>
+                </a:solidFill>
+                <a:latin typeface="Century Gothic" panose="020B0502020202020204" pitchFamily="34" charset="0"/>
+                <a:cs typeface="Poppins Light" pitchFamily="2" charset="77"/>
+              </a:rPr>
+              <a:t> </a:t>
+            </a:r>
+            <a:r>
+              <a:rPr lang="en-US" sz="2800" dirty="0">
+                <a:solidFill>
+                  <a:schemeClr val="tx2"/>
+                </a:solidFill>
+                <a:latin typeface="Century Gothic" panose="020B0502020202020204" pitchFamily="34" charset="0"/>
+                <a:cs typeface="Poppins Light" pitchFamily="2" charset="77"/>
+              </a:rPr>
+              <a:t>and </a:t>
+            </a:r>
+            <a:r>
+              <a:rPr lang="en-US" sz="2800" b="1" dirty="0" err="1">
+                <a:solidFill>
+                  <a:schemeClr val="tx2"/>
+                </a:solidFill>
+                <a:latin typeface="Century Gothic" panose="020B0502020202020204" pitchFamily="34" charset="0"/>
+                <a:cs typeface="Poppins Light" pitchFamily="2" charset="77"/>
+              </a:rPr>
+              <a:t>x_test</a:t>
+            </a:r>
+            <a:r>
+              <a:rPr lang="en-US" sz="2800" b="1" dirty="0">
+                <a:solidFill>
+                  <a:schemeClr val="tx2"/>
+                </a:solidFill>
+                <a:latin typeface="Century Gothic" panose="020B0502020202020204" pitchFamily="34" charset="0"/>
+                <a:cs typeface="Poppins Light" pitchFamily="2" charset="77"/>
+              </a:rPr>
+              <a:t>.</a:t>
+            </a:r>
+          </a:p>
+        </p:txBody>
+      </p:sp>
+      <p:sp>
+        <p:nvSpPr>
+          <p:cNvPr id="15" name="CuadroTexto 351">
+            <a:extLst>
+              <a:ext uri="{FF2B5EF4-FFF2-40B4-BE49-F238E27FC236}">
+                <a16:creationId xmlns:a16="http://schemas.microsoft.com/office/drawing/2014/main" id="{7F7CAD4E-EF43-0542-B2C4-54370605F1D8}"/>
+              </a:ext>
+            </a:extLst>
+          </p:cNvPr>
+          <p:cNvSpPr txBox="1"/>
+          <p:nvPr/>
+        </p:nvSpPr>
+        <p:spPr>
+          <a:xfrm>
+            <a:off x="783771" y="11690235"/>
+            <a:ext cx="10607720" cy="954107"/>
+          </a:xfrm>
+          <a:prstGeom prst="rect">
+            <a:avLst/>
+          </a:prstGeom>
+          <a:noFill/>
+        </p:spPr>
+        <p:txBody>
+          <a:bodyPr wrap="square" rtlCol="0">
+            <a:spAutoFit/>
+          </a:bodyPr>
+          <a:lstStyle/>
+          <a:p>
+            <a:r>
+              <a:rPr lang="en-US" sz="2800" dirty="0">
+                <a:solidFill>
+                  <a:schemeClr val="tx2"/>
+                </a:solidFill>
+                <a:latin typeface="Century Gothic" panose="020B0502020202020204" pitchFamily="34" charset="0"/>
+                <a:cs typeface="Poppins Light" pitchFamily="2" charset="77"/>
+              </a:rPr>
+              <a:t>We </a:t>
+            </a:r>
+            <a:r>
+              <a:rPr lang="en-US" sz="2800" b="1" dirty="0">
+                <a:solidFill>
+                  <a:schemeClr val="tx2"/>
+                </a:solidFill>
+                <a:latin typeface="Century Gothic" panose="020B0502020202020204" pitchFamily="34" charset="0"/>
+                <a:cs typeface="Poppins Light" pitchFamily="2" charset="77"/>
+              </a:rPr>
+              <a:t>display </a:t>
+            </a:r>
+            <a:r>
+              <a:rPr lang="en-US" sz="2800" dirty="0">
+                <a:solidFill>
+                  <a:schemeClr val="tx2"/>
+                </a:solidFill>
+                <a:latin typeface="Century Gothic" panose="020B0502020202020204" pitchFamily="34" charset="0"/>
+                <a:cs typeface="Poppins Light" pitchFamily="2" charset="77"/>
+              </a:rPr>
+              <a:t>the </a:t>
+            </a:r>
+            <a:r>
+              <a:rPr lang="en-US" sz="2800" b="1" dirty="0">
+                <a:solidFill>
+                  <a:schemeClr val="tx2"/>
+                </a:solidFill>
+                <a:latin typeface="Century Gothic" panose="020B0502020202020204" pitchFamily="34" charset="0"/>
+                <a:cs typeface="Poppins Light" pitchFamily="2" charset="77"/>
+              </a:rPr>
+              <a:t>correlation</a:t>
+            </a:r>
+            <a:r>
+              <a:rPr lang="en-US" sz="2800" dirty="0">
+                <a:solidFill>
+                  <a:schemeClr val="tx2"/>
+                </a:solidFill>
+                <a:latin typeface="Century Gothic" panose="020B0502020202020204" pitchFamily="34" charset="0"/>
+                <a:cs typeface="Poppins Light" pitchFamily="2" charset="77"/>
+              </a:rPr>
+              <a:t> </a:t>
+            </a:r>
+            <a:r>
+              <a:rPr lang="en-US" sz="2800" b="1" dirty="0">
+                <a:solidFill>
+                  <a:schemeClr val="tx2"/>
+                </a:solidFill>
+                <a:latin typeface="Century Gothic" panose="020B0502020202020204" pitchFamily="34" charset="0"/>
+                <a:cs typeface="Poppins Light" pitchFamily="2" charset="77"/>
+              </a:rPr>
+              <a:t>map</a:t>
+            </a:r>
+            <a:r>
+              <a:rPr lang="en-US" sz="2800" dirty="0">
+                <a:solidFill>
+                  <a:schemeClr val="tx2"/>
+                </a:solidFill>
+                <a:latin typeface="Century Gothic" panose="020B0502020202020204" pitchFamily="34" charset="0"/>
+                <a:cs typeface="Poppins Light" pitchFamily="2" charset="77"/>
+              </a:rPr>
+              <a:t> with </a:t>
+            </a:r>
+            <a:r>
+              <a:rPr lang="en-US" sz="2800" dirty="0" err="1">
+                <a:solidFill>
+                  <a:schemeClr val="tx2"/>
+                </a:solidFill>
+                <a:latin typeface="Century Gothic" panose="020B0502020202020204" pitchFamily="34" charset="0"/>
+                <a:cs typeface="Poppins Light" pitchFamily="2" charset="77"/>
+              </a:rPr>
+              <a:t>sns.heatmap</a:t>
+            </a:r>
+            <a:r>
+              <a:rPr lang="en-US" sz="2800" dirty="0">
+                <a:solidFill>
+                  <a:schemeClr val="tx2"/>
+                </a:solidFill>
+                <a:latin typeface="Century Gothic" panose="020B0502020202020204" pitchFamily="34" charset="0"/>
+                <a:cs typeface="Poppins Light" pitchFamily="2" charset="77"/>
+              </a:rPr>
+              <a:t> to see the </a:t>
+            </a:r>
+            <a:r>
+              <a:rPr lang="en-US" sz="2800" b="1" dirty="0">
+                <a:solidFill>
+                  <a:schemeClr val="tx2"/>
+                </a:solidFill>
+                <a:latin typeface="Century Gothic" panose="020B0502020202020204" pitchFamily="34" charset="0"/>
+                <a:cs typeface="Poppins Light" pitchFamily="2" charset="77"/>
+              </a:rPr>
+              <a:t>correlation between features</a:t>
+            </a:r>
+          </a:p>
+        </p:txBody>
+      </p:sp>
+    </p:spTree>
+    <p:extLst>
+      <p:ext uri="{BB962C8B-B14F-4D97-AF65-F5344CB8AC3E}">
+        <p14:creationId xmlns:p14="http://schemas.microsoft.com/office/powerpoint/2010/main" val="1831765038"/>
+      </p:ext>
+    </p:extLst>
+  </p:cSld>
+  <p:clrMapOvr>
+    <a:masterClrMapping/>
+  </p:clrMapOvr>
+</p:sld>
+</file>
+
+<file path=ppt/slides/slide8.xml><?xml version="1.0" encoding="utf-8"?>
+<p:sld xmlns:a="http://schemas.openxmlformats.org/drawingml/2006/main" xmlns:r="http://schemas.openxmlformats.org/officeDocument/2006/relationships" xmlns:p="http://schemas.openxmlformats.org/presentationml/2006/main">
+  <p:cSld>
+    <p:spTree>
+      <p:nvGrpSpPr>
+        <p:cNvPr id="1" name=""/>
+        <p:cNvGrpSpPr/>
+        <p:nvPr/>
+      </p:nvGrpSpPr>
+      <p:grpSpPr>
+        <a:xfrm>
+          <a:off x="0" y="0"/>
+          <a:ext cx="0" cy="0"/>
+          <a:chOff x="0" y="0"/>
+          <a:chExt cx="0" cy="0"/>
+        </a:xfrm>
+      </p:grpSpPr>
+      <p:pic>
+        <p:nvPicPr>
+          <p:cNvPr id="3" name="Image 2">
+            <a:extLst>
+              <a:ext uri="{FF2B5EF4-FFF2-40B4-BE49-F238E27FC236}">
+                <a16:creationId xmlns:a16="http://schemas.microsoft.com/office/drawing/2014/main" id="{8A2ADB0D-7CC8-E043-A016-CDDDE36A81AE}"/>
+              </a:ext>
+            </a:extLst>
+          </p:cNvPr>
+          <p:cNvPicPr>
+            <a:picLocks noChangeAspect="1"/>
+          </p:cNvPicPr>
+          <p:nvPr/>
+        </p:nvPicPr>
+        <p:blipFill>
+          <a:blip r:embed="rId2"/>
+          <a:stretch>
+            <a:fillRect/>
+          </a:stretch>
+        </p:blipFill>
+        <p:spPr>
+          <a:xfrm>
+            <a:off x="14388995" y="3751761"/>
+            <a:ext cx="8758388" cy="9194672"/>
+          </a:xfrm>
+          <a:prstGeom prst="rect">
+            <a:avLst/>
+          </a:prstGeom>
+        </p:spPr>
+      </p:pic>
+      <p:sp>
+        <p:nvSpPr>
+          <p:cNvPr id="4" name="CuadroTexto 350">
+            <a:extLst>
+              <a:ext uri="{FF2B5EF4-FFF2-40B4-BE49-F238E27FC236}">
+                <a16:creationId xmlns:a16="http://schemas.microsoft.com/office/drawing/2014/main" id="{E18F7344-C685-2D4C-A0D8-51D9527DA64E}"/>
+              </a:ext>
+            </a:extLst>
+          </p:cNvPr>
+          <p:cNvSpPr txBox="1"/>
+          <p:nvPr/>
+        </p:nvSpPr>
+        <p:spPr>
+          <a:xfrm>
+            <a:off x="8442587" y="1071658"/>
+            <a:ext cx="7492757" cy="1323439"/>
+          </a:xfrm>
+          <a:prstGeom prst="rect">
+            <a:avLst/>
+          </a:prstGeom>
+          <a:noFill/>
+        </p:spPr>
+        <p:txBody>
+          <a:bodyPr wrap="none" rtlCol="0">
+            <a:spAutoFit/>
+          </a:bodyPr>
+          <a:lstStyle/>
+          <a:p>
+            <a:pPr algn="ctr"/>
+            <a:r>
+              <a:rPr lang="en-US" sz="8000" b="1" dirty="0">
+                <a:solidFill>
+                  <a:schemeClr val="tx2"/>
+                </a:solidFill>
+                <a:latin typeface="Century Gothic" panose="020B0502020202020204" pitchFamily="34" charset="0"/>
+                <a:ea typeface="Lato Heavy" charset="0"/>
+                <a:cs typeface="Poppins" pitchFamily="2" charset="77"/>
+              </a:rPr>
+              <a:t>Pre-Processing</a:t>
+            </a:r>
+          </a:p>
+        </p:txBody>
+      </p:sp>
+      <p:sp>
+        <p:nvSpPr>
+          <p:cNvPr id="5" name="Rectangle 4">
+            <a:extLst>
+              <a:ext uri="{FF2B5EF4-FFF2-40B4-BE49-F238E27FC236}">
+                <a16:creationId xmlns:a16="http://schemas.microsoft.com/office/drawing/2014/main" id="{04382522-9F61-3C4C-9F79-EF411CF20CC2}"/>
+              </a:ext>
+            </a:extLst>
+          </p:cNvPr>
+          <p:cNvSpPr/>
+          <p:nvPr/>
+        </p:nvSpPr>
+        <p:spPr>
+          <a:xfrm>
+            <a:off x="11077129" y="3391732"/>
+            <a:ext cx="2223656" cy="38779"/>
+          </a:xfrm>
+          <a:prstGeom prst="rect">
+            <a:avLst/>
+          </a:prstGeom>
+          <a:solidFill>
+            <a:schemeClr val="accent1"/>
+          </a:solidFill>
+          <a:ln>
+            <a:noFill/>
+          </a:ln>
+        </p:spPr>
+        <p:style>
+          <a:lnRef idx="2">
+            <a:schemeClr val="accent1">
+              <a:shade val="50000"/>
+            </a:schemeClr>
+          </a:lnRef>
+          <a:fillRef idx="1">
+            <a:schemeClr val="accent1"/>
+          </a:fillRef>
+          <a:effectRef idx="0">
+            <a:schemeClr val="accent1"/>
+          </a:effectRef>
+          <a:fontRef idx="minor">
+            <a:schemeClr val="lt1"/>
+          </a:fontRef>
+        </p:style>
+        <p:txBody>
+          <a:bodyPr rtlCol="0" anchor="ctr"/>
+          <a:lstStyle/>
+          <a:p>
+            <a:pPr algn="ctr"/>
+            <a:endParaRPr lang="en-US" dirty="0">
+              <a:latin typeface="Century Gothic" panose="020B0502020202020204" pitchFamily="34" charset="0"/>
+            </a:endParaRPr>
+          </a:p>
+        </p:txBody>
+      </p:sp>
+      <p:sp>
+        <p:nvSpPr>
+          <p:cNvPr id="6" name="CuadroTexto 351">
+            <a:extLst>
+              <a:ext uri="{FF2B5EF4-FFF2-40B4-BE49-F238E27FC236}">
+                <a16:creationId xmlns:a16="http://schemas.microsoft.com/office/drawing/2014/main" id="{8F97CA55-2929-3847-BEDA-70E12066EDB2}"/>
+              </a:ext>
+            </a:extLst>
+          </p:cNvPr>
+          <p:cNvSpPr txBox="1"/>
+          <p:nvPr/>
+        </p:nvSpPr>
+        <p:spPr>
+          <a:xfrm>
+            <a:off x="7170598" y="2458550"/>
+            <a:ext cx="10036717" cy="584775"/>
+          </a:xfrm>
+          <a:prstGeom prst="rect">
+            <a:avLst/>
+          </a:prstGeom>
+          <a:noFill/>
+        </p:spPr>
+        <p:txBody>
+          <a:bodyPr wrap="square" rtlCol="0">
+            <a:spAutoFit/>
+          </a:bodyPr>
+          <a:lstStyle/>
+          <a:p>
+            <a:pPr algn="ctr"/>
+            <a:r>
+              <a:rPr lang="en-US" sz="3200" dirty="0">
+                <a:solidFill>
+                  <a:schemeClr val="tx1">
+                    <a:lumMod val="50000"/>
+                  </a:schemeClr>
+                </a:solidFill>
+                <a:latin typeface="Century Gothic" panose="020B0502020202020204" pitchFamily="34" charset="0"/>
+                <a:cs typeface="Poppins Light" pitchFamily="2" charset="77"/>
+              </a:rPr>
+              <a:t>Correlation map</a:t>
+            </a:r>
+          </a:p>
+        </p:txBody>
+      </p:sp>
+      <p:sp>
+        <p:nvSpPr>
+          <p:cNvPr id="7" name="CuadroTexto 351">
+            <a:extLst>
+              <a:ext uri="{FF2B5EF4-FFF2-40B4-BE49-F238E27FC236}">
+                <a16:creationId xmlns:a16="http://schemas.microsoft.com/office/drawing/2014/main" id="{BC53199F-E0FC-6B40-9D4F-4CAD9531C3AF}"/>
+              </a:ext>
+            </a:extLst>
+          </p:cNvPr>
+          <p:cNvSpPr txBox="1"/>
+          <p:nvPr/>
+        </p:nvSpPr>
+        <p:spPr>
+          <a:xfrm>
+            <a:off x="1498687" y="4784289"/>
+            <a:ext cx="11343822" cy="5693866"/>
+          </a:xfrm>
+          <a:prstGeom prst="rect">
+            <a:avLst/>
+          </a:prstGeom>
+          <a:noFill/>
+        </p:spPr>
+        <p:txBody>
+          <a:bodyPr wrap="square" rtlCol="0">
+            <a:spAutoFit/>
+          </a:bodyPr>
+          <a:lstStyle/>
+          <a:p>
+            <a:r>
+              <a:rPr lang="fr-FR" sz="2800" b="1" dirty="0">
+                <a:solidFill>
+                  <a:schemeClr val="tx2"/>
+                </a:solidFill>
+                <a:latin typeface="Century Gothic" panose="020B0502020202020204" pitchFamily="34" charset="0"/>
+              </a:rPr>
+              <a:t>Important </a:t>
+            </a:r>
+            <a:r>
+              <a:rPr lang="fr-FR" sz="2800" b="1" dirty="0" err="1">
+                <a:solidFill>
+                  <a:schemeClr val="tx2"/>
+                </a:solidFill>
+                <a:latin typeface="Century Gothic" panose="020B0502020202020204" pitchFamily="34" charset="0"/>
+              </a:rPr>
+              <a:t>features</a:t>
+            </a:r>
+            <a:r>
+              <a:rPr lang="fr-FR" sz="2800" b="1" dirty="0">
+                <a:solidFill>
+                  <a:schemeClr val="tx2"/>
+                </a:solidFill>
+                <a:latin typeface="Century Gothic" panose="020B0502020202020204" pitchFamily="34" charset="0"/>
+              </a:rPr>
+              <a:t> to </a:t>
+            </a:r>
+            <a:r>
+              <a:rPr lang="fr-FR" sz="2800" b="1" dirty="0" err="1">
+                <a:solidFill>
+                  <a:schemeClr val="tx2"/>
+                </a:solidFill>
+                <a:latin typeface="Century Gothic" panose="020B0502020202020204" pitchFamily="34" charset="0"/>
+              </a:rPr>
+              <a:t>predict</a:t>
+            </a:r>
+            <a:r>
+              <a:rPr lang="fr-FR" sz="2800" b="1" dirty="0">
+                <a:solidFill>
+                  <a:schemeClr val="tx2"/>
+                </a:solidFill>
+                <a:latin typeface="Century Gothic" panose="020B0502020202020204" pitchFamily="34" charset="0"/>
+              </a:rPr>
+              <a:t> </a:t>
+            </a:r>
+            <a:r>
+              <a:rPr lang="fr-FR" sz="2800" b="1" dirty="0" err="1">
+                <a:solidFill>
+                  <a:schemeClr val="tx2"/>
+                </a:solidFill>
+                <a:latin typeface="Century Gothic" panose="020B0502020202020204" pitchFamily="34" charset="0"/>
+              </a:rPr>
+              <a:t>obesity</a:t>
+            </a:r>
+            <a:r>
+              <a:rPr lang="fr-FR" sz="2800" b="1" dirty="0">
+                <a:solidFill>
+                  <a:schemeClr val="tx2"/>
+                </a:solidFill>
+                <a:latin typeface="Century Gothic" panose="020B0502020202020204" pitchFamily="34" charset="0"/>
+              </a:rPr>
+              <a:t>:</a:t>
+            </a:r>
+          </a:p>
+          <a:p>
+            <a:endParaRPr lang="fr-FR" sz="2800" dirty="0">
+              <a:solidFill>
+                <a:schemeClr val="tx2"/>
+              </a:solidFill>
+              <a:latin typeface="Century Gothic" panose="020B0502020202020204" pitchFamily="34" charset="0"/>
+            </a:endParaRPr>
+          </a:p>
+          <a:p>
+            <a:pPr marL="457200" indent="-457200">
+              <a:buFont typeface="Arial" panose="020B0604020202020204" pitchFamily="34" charset="0"/>
+              <a:buChar char="•"/>
+            </a:pPr>
+            <a:r>
+              <a:rPr lang="fr-FR" sz="2800" dirty="0" err="1">
+                <a:solidFill>
+                  <a:schemeClr val="tx2"/>
+                </a:solidFill>
+                <a:latin typeface="Century Gothic" panose="020B0502020202020204" pitchFamily="34" charset="0"/>
+              </a:rPr>
+              <a:t>We</a:t>
+            </a:r>
+            <a:r>
+              <a:rPr lang="fr-FR" sz="2800" dirty="0">
+                <a:solidFill>
+                  <a:schemeClr val="tx2"/>
+                </a:solidFill>
+                <a:latin typeface="Century Gothic" panose="020B0502020202020204" pitchFamily="34" charset="0"/>
+              </a:rPr>
+              <a:t> </a:t>
+            </a:r>
+            <a:r>
+              <a:rPr lang="fr-FR" sz="2800" dirty="0" err="1">
+                <a:solidFill>
+                  <a:schemeClr val="tx2"/>
+                </a:solidFill>
+                <a:latin typeface="Century Gothic" panose="020B0502020202020204" pitchFamily="34" charset="0"/>
+              </a:rPr>
+              <a:t>can</a:t>
+            </a:r>
+            <a:r>
+              <a:rPr lang="fr-FR" sz="2800" dirty="0">
+                <a:solidFill>
+                  <a:schemeClr val="tx2"/>
+                </a:solidFill>
+                <a:latin typeface="Century Gothic" panose="020B0502020202020204" pitchFamily="34" charset="0"/>
+              </a:rPr>
+              <a:t> </a:t>
+            </a:r>
+            <a:r>
+              <a:rPr lang="fr-FR" sz="2800" dirty="0" err="1">
+                <a:solidFill>
+                  <a:schemeClr val="tx2"/>
+                </a:solidFill>
+                <a:latin typeface="Century Gothic" panose="020B0502020202020204" pitchFamily="34" charset="0"/>
+              </a:rPr>
+              <a:t>see</a:t>
+            </a:r>
+            <a:r>
+              <a:rPr lang="fr-FR" sz="2800" dirty="0">
+                <a:solidFill>
+                  <a:schemeClr val="tx2"/>
+                </a:solidFill>
+                <a:latin typeface="Century Gothic" panose="020B0502020202020204" pitchFamily="34" charset="0"/>
+              </a:rPr>
+              <a:t> </a:t>
+            </a:r>
+            <a:r>
+              <a:rPr lang="fr-FR" sz="2800" dirty="0" err="1">
+                <a:solidFill>
+                  <a:schemeClr val="tx2"/>
+                </a:solidFill>
+                <a:latin typeface="Century Gothic" panose="020B0502020202020204" pitchFamily="34" charset="0"/>
+              </a:rPr>
+              <a:t>that</a:t>
+            </a:r>
+            <a:r>
+              <a:rPr lang="fr-FR" sz="2800" dirty="0">
+                <a:solidFill>
+                  <a:schemeClr val="tx2"/>
+                </a:solidFill>
+                <a:latin typeface="Century Gothic" panose="020B0502020202020204" pitchFamily="34" charset="0"/>
+              </a:rPr>
+              <a:t> the </a:t>
+            </a:r>
+            <a:r>
+              <a:rPr lang="fr-FR" sz="2800" b="1" dirty="0" err="1">
+                <a:solidFill>
+                  <a:schemeClr val="tx2"/>
+                </a:solidFill>
+                <a:latin typeface="Century Gothic" panose="020B0502020202020204" pitchFamily="34" charset="0"/>
+              </a:rPr>
+              <a:t>family</a:t>
+            </a:r>
+            <a:r>
+              <a:rPr lang="fr-FR" sz="2800" b="1" dirty="0">
+                <a:solidFill>
+                  <a:schemeClr val="tx2"/>
+                </a:solidFill>
+                <a:latin typeface="Century Gothic" panose="020B0502020202020204" pitchFamily="34" charset="0"/>
+              </a:rPr>
+              <a:t> </a:t>
+            </a:r>
+            <a:r>
+              <a:rPr lang="fr-FR" sz="2800" b="1" dirty="0" err="1">
+                <a:solidFill>
+                  <a:schemeClr val="tx2"/>
+                </a:solidFill>
+                <a:latin typeface="Century Gothic" panose="020B0502020202020204" pitchFamily="34" charset="0"/>
+              </a:rPr>
+              <a:t>history</a:t>
+            </a:r>
+            <a:r>
+              <a:rPr lang="fr-FR" sz="2800" b="1" dirty="0">
+                <a:solidFill>
+                  <a:schemeClr val="tx2"/>
+                </a:solidFill>
+                <a:latin typeface="Century Gothic" panose="020B0502020202020204" pitchFamily="34" charset="0"/>
+              </a:rPr>
+              <a:t> of </a:t>
+            </a:r>
+            <a:r>
+              <a:rPr lang="fr-FR" sz="2800" b="1" dirty="0" err="1">
+                <a:solidFill>
+                  <a:schemeClr val="tx2"/>
+                </a:solidFill>
+                <a:latin typeface="Century Gothic" panose="020B0502020202020204" pitchFamily="34" charset="0"/>
+              </a:rPr>
+              <a:t>obesity</a:t>
+            </a:r>
+            <a:r>
+              <a:rPr lang="fr-FR" sz="2800" b="1" dirty="0">
+                <a:solidFill>
+                  <a:schemeClr val="tx2"/>
+                </a:solidFill>
+                <a:latin typeface="Century Gothic" panose="020B0502020202020204" pitchFamily="34" charset="0"/>
+              </a:rPr>
+              <a:t> </a:t>
+            </a:r>
+            <a:r>
+              <a:rPr lang="fr-FR" sz="2800" dirty="0">
+                <a:solidFill>
+                  <a:schemeClr val="tx2"/>
+                </a:solidFill>
+                <a:latin typeface="Century Gothic" panose="020B0502020202020204" pitchFamily="34" charset="0"/>
+              </a:rPr>
+              <a:t>and </a:t>
+            </a:r>
+            <a:r>
+              <a:rPr lang="fr-FR" sz="2800" b="1" dirty="0">
+                <a:solidFill>
+                  <a:schemeClr val="tx2"/>
+                </a:solidFill>
+                <a:latin typeface="Century Gothic" panose="020B0502020202020204" pitchFamily="34" charset="0"/>
+              </a:rPr>
+              <a:t>(FCVC) the </a:t>
+            </a:r>
+            <a:r>
+              <a:rPr lang="fr-FR" sz="2800" b="1" dirty="0" err="1">
+                <a:solidFill>
+                  <a:schemeClr val="tx2"/>
+                </a:solidFill>
+                <a:latin typeface="Century Gothic" panose="020B0502020202020204" pitchFamily="34" charset="0"/>
+              </a:rPr>
+              <a:t>frequency</a:t>
+            </a:r>
+            <a:r>
+              <a:rPr lang="fr-FR" sz="2800" b="1" dirty="0">
+                <a:solidFill>
+                  <a:schemeClr val="tx2"/>
+                </a:solidFill>
+                <a:latin typeface="Century Gothic" panose="020B0502020202020204" pitchFamily="34" charset="0"/>
+              </a:rPr>
+              <a:t> of </a:t>
+            </a:r>
+            <a:r>
+              <a:rPr lang="fr-FR" sz="2800" b="1" dirty="0" err="1">
+                <a:solidFill>
+                  <a:schemeClr val="tx2"/>
+                </a:solidFill>
+                <a:latin typeface="Century Gothic" panose="020B0502020202020204" pitchFamily="34" charset="0"/>
+              </a:rPr>
+              <a:t>vegetable</a:t>
+            </a:r>
+            <a:r>
+              <a:rPr lang="fr-FR" sz="2800" b="1" dirty="0">
+                <a:solidFill>
+                  <a:schemeClr val="tx2"/>
+                </a:solidFill>
+                <a:latin typeface="Century Gothic" panose="020B0502020202020204" pitchFamily="34" charset="0"/>
+              </a:rPr>
+              <a:t> </a:t>
+            </a:r>
+            <a:r>
+              <a:rPr lang="fr-FR" sz="2800" b="1" dirty="0" err="1">
+                <a:solidFill>
+                  <a:schemeClr val="tx2"/>
+                </a:solidFill>
+                <a:latin typeface="Century Gothic" panose="020B0502020202020204" pitchFamily="34" charset="0"/>
+              </a:rPr>
+              <a:t>consumption</a:t>
+            </a:r>
+            <a:r>
+              <a:rPr lang="fr-FR" sz="2800" dirty="0">
+                <a:solidFill>
+                  <a:schemeClr val="tx2"/>
+                </a:solidFill>
+                <a:latin typeface="Century Gothic" panose="020B0502020202020204" pitchFamily="34" charset="0"/>
+              </a:rPr>
+              <a:t> are the </a:t>
+            </a:r>
+            <a:r>
+              <a:rPr lang="fr-FR" sz="2800" b="1" dirty="0" err="1">
+                <a:solidFill>
+                  <a:schemeClr val="tx2"/>
+                </a:solidFill>
+                <a:latin typeface="Century Gothic" panose="020B0502020202020204" pitchFamily="34" charset="0"/>
+              </a:rPr>
+              <a:t>two</a:t>
+            </a:r>
+            <a:r>
+              <a:rPr lang="fr-FR" sz="2800" dirty="0">
+                <a:solidFill>
+                  <a:schemeClr val="tx2"/>
+                </a:solidFill>
+                <a:latin typeface="Century Gothic" panose="020B0502020202020204" pitchFamily="34" charset="0"/>
+              </a:rPr>
+              <a:t> variables </a:t>
+            </a:r>
+            <a:r>
+              <a:rPr lang="fr-FR" sz="2800" b="1" dirty="0" err="1">
+                <a:solidFill>
+                  <a:schemeClr val="tx2"/>
+                </a:solidFill>
+                <a:latin typeface="Century Gothic" panose="020B0502020202020204" pitchFamily="34" charset="0"/>
+              </a:rPr>
+              <a:t>most</a:t>
+            </a:r>
+            <a:r>
+              <a:rPr lang="fr-FR" sz="2800" b="1" dirty="0">
+                <a:solidFill>
+                  <a:schemeClr val="tx2"/>
+                </a:solidFill>
+                <a:latin typeface="Century Gothic" panose="020B0502020202020204" pitchFamily="34" charset="0"/>
+              </a:rPr>
+              <a:t> </a:t>
+            </a:r>
+            <a:r>
+              <a:rPr lang="fr-FR" sz="2800" b="1" dirty="0" err="1">
+                <a:solidFill>
+                  <a:schemeClr val="tx2"/>
+                </a:solidFill>
+                <a:latin typeface="Century Gothic" panose="020B0502020202020204" pitchFamily="34" charset="0"/>
+              </a:rPr>
+              <a:t>correlated</a:t>
+            </a:r>
+            <a:r>
+              <a:rPr lang="fr-FR" sz="2800" b="1" dirty="0">
+                <a:solidFill>
+                  <a:schemeClr val="tx2"/>
+                </a:solidFill>
+                <a:latin typeface="Century Gothic" panose="020B0502020202020204" pitchFamily="34" charset="0"/>
+              </a:rPr>
+              <a:t> </a:t>
+            </a:r>
+            <a:r>
+              <a:rPr lang="fr-FR" sz="2800" dirty="0" err="1">
+                <a:solidFill>
+                  <a:schemeClr val="tx2"/>
+                </a:solidFill>
+                <a:latin typeface="Century Gothic" panose="020B0502020202020204" pitchFamily="34" charset="0"/>
+              </a:rPr>
+              <a:t>with</a:t>
+            </a:r>
+            <a:r>
+              <a:rPr lang="fr-FR" sz="2800" dirty="0">
+                <a:solidFill>
+                  <a:schemeClr val="tx2"/>
+                </a:solidFill>
+                <a:latin typeface="Century Gothic" panose="020B0502020202020204" pitchFamily="34" charset="0"/>
+              </a:rPr>
+              <a:t> the </a:t>
+            </a:r>
+            <a:r>
+              <a:rPr lang="fr-FR" sz="2800" b="1" dirty="0" err="1">
+                <a:solidFill>
+                  <a:schemeClr val="tx2"/>
+                </a:solidFill>
+                <a:latin typeface="Century Gothic" panose="020B0502020202020204" pitchFamily="34" charset="0"/>
+              </a:rPr>
+              <a:t>level</a:t>
+            </a:r>
+            <a:r>
+              <a:rPr lang="fr-FR" sz="2800" b="1" dirty="0">
+                <a:solidFill>
+                  <a:schemeClr val="tx2"/>
+                </a:solidFill>
+                <a:latin typeface="Century Gothic" panose="020B0502020202020204" pitchFamily="34" charset="0"/>
+              </a:rPr>
+              <a:t> of </a:t>
+            </a:r>
+            <a:r>
+              <a:rPr lang="fr-FR" sz="2800" b="1" dirty="0" err="1">
+                <a:solidFill>
+                  <a:schemeClr val="tx2"/>
+                </a:solidFill>
+                <a:latin typeface="Century Gothic" panose="020B0502020202020204" pitchFamily="34" charset="0"/>
+              </a:rPr>
+              <a:t>obesity</a:t>
+            </a:r>
+            <a:r>
+              <a:rPr lang="fr-FR" sz="2800" b="1" dirty="0">
+                <a:solidFill>
+                  <a:schemeClr val="tx2"/>
+                </a:solidFill>
+                <a:latin typeface="Century Gothic" panose="020B0502020202020204" pitchFamily="34" charset="0"/>
+              </a:rPr>
+              <a:t> (</a:t>
+            </a:r>
+            <a:r>
+              <a:rPr lang="fr-FR" sz="2800" dirty="0" err="1">
+                <a:solidFill>
+                  <a:schemeClr val="tx2"/>
+                </a:solidFill>
+                <a:latin typeface="Century Gothic" panose="020B0502020202020204" pitchFamily="34" charset="0"/>
+              </a:rPr>
+              <a:t>with</a:t>
+            </a:r>
+            <a:r>
+              <a:rPr lang="fr-FR" sz="2800" dirty="0">
+                <a:solidFill>
+                  <a:schemeClr val="tx2"/>
+                </a:solidFill>
+                <a:latin typeface="Century Gothic" panose="020B0502020202020204" pitchFamily="34" charset="0"/>
+              </a:rPr>
+              <a:t> a </a:t>
+            </a:r>
+            <a:r>
+              <a:rPr lang="fr-FR" sz="2800" dirty="0" err="1">
+                <a:solidFill>
+                  <a:schemeClr val="tx2"/>
+                </a:solidFill>
+                <a:latin typeface="Century Gothic" panose="020B0502020202020204" pitchFamily="34" charset="0"/>
+              </a:rPr>
+              <a:t>correlation</a:t>
+            </a:r>
+            <a:r>
+              <a:rPr lang="fr-FR" sz="2800" dirty="0">
+                <a:solidFill>
+                  <a:schemeClr val="tx2"/>
+                </a:solidFill>
+                <a:latin typeface="Century Gothic" panose="020B0502020202020204" pitchFamily="34" charset="0"/>
+              </a:rPr>
+              <a:t> of </a:t>
+            </a:r>
+            <a:r>
+              <a:rPr lang="fr-FR" sz="2800" b="1" dirty="0">
+                <a:solidFill>
+                  <a:schemeClr val="tx2"/>
+                </a:solidFill>
+                <a:latin typeface="Century Gothic" panose="020B0502020202020204" pitchFamily="34" charset="0"/>
+              </a:rPr>
+              <a:t>0.3</a:t>
+            </a:r>
+            <a:r>
+              <a:rPr lang="fr-FR" sz="2800" dirty="0">
+                <a:solidFill>
+                  <a:schemeClr val="tx2"/>
+                </a:solidFill>
+                <a:latin typeface="Century Gothic" panose="020B0502020202020204" pitchFamily="34" charset="0"/>
+              </a:rPr>
+              <a:t>). </a:t>
+            </a:r>
+            <a:r>
+              <a:rPr lang="fr-FR" sz="2800" dirty="0" err="1">
+                <a:solidFill>
+                  <a:schemeClr val="tx2"/>
+                </a:solidFill>
+                <a:latin typeface="Century Gothic" panose="020B0502020202020204" pitchFamily="34" charset="0"/>
+              </a:rPr>
+              <a:t>They</a:t>
+            </a:r>
+            <a:r>
+              <a:rPr lang="fr-FR" sz="2800" dirty="0">
+                <a:solidFill>
+                  <a:schemeClr val="tx2"/>
+                </a:solidFill>
+                <a:latin typeface="Century Gothic" panose="020B0502020202020204" pitchFamily="34" charset="0"/>
+              </a:rPr>
+              <a:t> are </a:t>
+            </a:r>
+            <a:r>
+              <a:rPr lang="fr-FR" sz="2800" dirty="0" err="1">
+                <a:solidFill>
+                  <a:schemeClr val="tx2"/>
+                </a:solidFill>
+                <a:latin typeface="Century Gothic" panose="020B0502020202020204" pitchFamily="34" charset="0"/>
+              </a:rPr>
+              <a:t>therefore</a:t>
+            </a:r>
+            <a:r>
+              <a:rPr lang="fr-FR" sz="2800" dirty="0">
+                <a:solidFill>
+                  <a:schemeClr val="tx2"/>
+                </a:solidFill>
+                <a:latin typeface="Century Gothic" panose="020B0502020202020204" pitchFamily="34" charset="0"/>
+              </a:rPr>
+              <a:t> </a:t>
+            </a:r>
+            <a:r>
+              <a:rPr lang="fr-FR" sz="2800" b="1" dirty="0" err="1">
+                <a:solidFill>
+                  <a:schemeClr val="tx2"/>
+                </a:solidFill>
+                <a:latin typeface="Century Gothic" panose="020B0502020202020204" pitchFamily="34" charset="0"/>
+              </a:rPr>
+              <a:t>decisive</a:t>
+            </a:r>
+            <a:r>
+              <a:rPr lang="fr-FR" sz="2800" dirty="0">
+                <a:solidFill>
+                  <a:schemeClr val="tx2"/>
+                </a:solidFill>
+                <a:latin typeface="Century Gothic" panose="020B0502020202020204" pitchFamily="34" charset="0"/>
+              </a:rPr>
+              <a:t>. </a:t>
+            </a:r>
+          </a:p>
+          <a:p>
+            <a:endParaRPr lang="fr-FR" sz="2800" dirty="0">
+              <a:solidFill>
+                <a:schemeClr val="tx2"/>
+              </a:solidFill>
+              <a:latin typeface="Century Gothic" panose="020B0502020202020204" pitchFamily="34" charset="0"/>
+            </a:endParaRPr>
+          </a:p>
+          <a:p>
+            <a:pPr marL="457200" indent="-457200">
+              <a:buFont typeface="Arial" panose="020B0604020202020204" pitchFamily="34" charset="0"/>
+              <a:buChar char="•"/>
+            </a:pPr>
+            <a:r>
+              <a:rPr lang="fr-FR" sz="2800" b="1" dirty="0" err="1">
+                <a:solidFill>
+                  <a:schemeClr val="tx2"/>
+                </a:solidFill>
+                <a:latin typeface="Century Gothic" panose="020B0502020202020204" pitchFamily="34" charset="0"/>
+              </a:rPr>
+              <a:t>Next</a:t>
+            </a:r>
+            <a:r>
+              <a:rPr lang="fr-FR" sz="2800" dirty="0">
+                <a:solidFill>
+                  <a:schemeClr val="tx2"/>
+                </a:solidFill>
+                <a:latin typeface="Century Gothic" panose="020B0502020202020204" pitchFamily="34" charset="0"/>
+              </a:rPr>
+              <a:t> </a:t>
+            </a:r>
+            <a:r>
+              <a:rPr lang="fr-FR" sz="2800" dirty="0" err="1">
+                <a:solidFill>
+                  <a:schemeClr val="tx2"/>
+                </a:solidFill>
+                <a:latin typeface="Century Gothic" panose="020B0502020202020204" pitchFamily="34" charset="0"/>
+              </a:rPr>
+              <a:t>comes</a:t>
+            </a:r>
+            <a:r>
+              <a:rPr lang="fr-FR" sz="2800" dirty="0">
+                <a:solidFill>
+                  <a:schemeClr val="tx2"/>
+                </a:solidFill>
+                <a:latin typeface="Century Gothic" panose="020B0502020202020204" pitchFamily="34" charset="0"/>
+              </a:rPr>
+              <a:t> a </a:t>
+            </a:r>
+            <a:r>
+              <a:rPr lang="fr-FR" sz="2800" b="1" dirty="0" err="1">
+                <a:solidFill>
+                  <a:schemeClr val="tx2"/>
+                </a:solidFill>
+                <a:latin typeface="Century Gothic" panose="020B0502020202020204" pitchFamily="34" charset="0"/>
+              </a:rPr>
+              <a:t>correlation</a:t>
+            </a:r>
+            <a:r>
+              <a:rPr lang="fr-FR" sz="2800" dirty="0">
+                <a:solidFill>
+                  <a:schemeClr val="tx2"/>
+                </a:solidFill>
+                <a:latin typeface="Century Gothic" panose="020B0502020202020204" pitchFamily="34" charset="0"/>
+              </a:rPr>
+              <a:t> of </a:t>
+            </a:r>
+            <a:r>
+              <a:rPr lang="fr-FR" sz="2800" b="1" dirty="0">
+                <a:solidFill>
+                  <a:schemeClr val="tx2"/>
+                </a:solidFill>
+                <a:latin typeface="Century Gothic" panose="020B0502020202020204" pitchFamily="34" charset="0"/>
+              </a:rPr>
+              <a:t>0.2</a:t>
+            </a:r>
+            <a:r>
+              <a:rPr lang="fr-FR" sz="2800" dirty="0">
+                <a:solidFill>
+                  <a:schemeClr val="tx2"/>
+                </a:solidFill>
+                <a:latin typeface="Century Gothic" panose="020B0502020202020204" pitchFamily="34" charset="0"/>
+              </a:rPr>
+              <a:t> (</a:t>
+            </a:r>
+            <a:r>
+              <a:rPr lang="fr-FR" sz="2800" b="1" dirty="0">
+                <a:solidFill>
+                  <a:schemeClr val="tx2"/>
+                </a:solidFill>
+                <a:latin typeface="Century Gothic" panose="020B0502020202020204" pitchFamily="34" charset="0"/>
+              </a:rPr>
+              <a:t>FAVC</a:t>
+            </a:r>
+            <a:r>
+              <a:rPr lang="fr-FR" sz="2800" dirty="0">
+                <a:solidFill>
+                  <a:schemeClr val="tx2"/>
+                </a:solidFill>
+                <a:latin typeface="Century Gothic" panose="020B0502020202020204" pitchFamily="34" charset="0"/>
+              </a:rPr>
+              <a:t>) for the </a:t>
+            </a:r>
+            <a:r>
+              <a:rPr lang="fr-FR" sz="2800" dirty="0" err="1">
+                <a:solidFill>
+                  <a:schemeClr val="tx2"/>
+                </a:solidFill>
+                <a:latin typeface="Century Gothic" panose="020B0502020202020204" pitchFamily="34" charset="0"/>
+              </a:rPr>
+              <a:t>f</a:t>
+            </a:r>
+            <a:r>
+              <a:rPr lang="fr-FR" sz="2800" b="1" dirty="0" err="1">
+                <a:solidFill>
+                  <a:schemeClr val="tx2"/>
+                </a:solidFill>
+                <a:latin typeface="Century Gothic" panose="020B0502020202020204" pitchFamily="34" charset="0"/>
+              </a:rPr>
+              <a:t>requency</a:t>
+            </a:r>
+            <a:r>
+              <a:rPr lang="fr-FR" sz="2800" b="1" dirty="0">
+                <a:solidFill>
+                  <a:schemeClr val="tx2"/>
+                </a:solidFill>
+                <a:latin typeface="Century Gothic" panose="020B0502020202020204" pitchFamily="34" charset="0"/>
+              </a:rPr>
+              <a:t> of </a:t>
+            </a:r>
+            <a:r>
+              <a:rPr lang="fr-FR" sz="2800" b="1" dirty="0" err="1">
+                <a:solidFill>
+                  <a:schemeClr val="tx2"/>
+                </a:solidFill>
+                <a:latin typeface="Century Gothic" panose="020B0502020202020204" pitchFamily="34" charset="0"/>
+              </a:rPr>
+              <a:t>consuming</a:t>
+            </a:r>
+            <a:r>
+              <a:rPr lang="fr-FR" sz="2800" b="1" dirty="0">
+                <a:solidFill>
+                  <a:schemeClr val="tx2"/>
+                </a:solidFill>
+                <a:latin typeface="Century Gothic" panose="020B0502020202020204" pitchFamily="34" charset="0"/>
+              </a:rPr>
+              <a:t> high calorie </a:t>
+            </a:r>
+            <a:r>
+              <a:rPr lang="fr-FR" sz="2800" b="1" dirty="0" err="1">
+                <a:solidFill>
+                  <a:schemeClr val="tx2"/>
+                </a:solidFill>
+                <a:latin typeface="Century Gothic" panose="020B0502020202020204" pitchFamily="34" charset="0"/>
+              </a:rPr>
+              <a:t>foods</a:t>
+            </a:r>
+            <a:r>
+              <a:rPr lang="fr-FR" sz="2800" dirty="0">
+                <a:solidFill>
+                  <a:schemeClr val="tx2"/>
+                </a:solidFill>
+                <a:latin typeface="Century Gothic" panose="020B0502020202020204" pitchFamily="34" charset="0"/>
+              </a:rPr>
+              <a:t>. </a:t>
+            </a:r>
+          </a:p>
+          <a:p>
+            <a:pPr marL="457200" indent="-457200">
+              <a:buFont typeface="Arial" panose="020B0604020202020204" pitchFamily="34" charset="0"/>
+              <a:buChar char="•"/>
+            </a:pPr>
+            <a:endParaRPr lang="fr-FR" sz="2800" dirty="0">
+              <a:solidFill>
+                <a:schemeClr val="tx2"/>
+              </a:solidFill>
+              <a:latin typeface="Century Gothic" panose="020B0502020202020204" pitchFamily="34" charset="0"/>
+            </a:endParaRPr>
+          </a:p>
+          <a:p>
+            <a:pPr marL="457200" indent="-457200">
+              <a:buFont typeface="Arial" panose="020B0604020202020204" pitchFamily="34" charset="0"/>
+              <a:buChar char="•"/>
+            </a:pPr>
+            <a:r>
+              <a:rPr lang="fr-FR" sz="2800" dirty="0">
+                <a:solidFill>
+                  <a:schemeClr val="tx2"/>
+                </a:solidFill>
+                <a:latin typeface="Century Gothic" panose="020B0502020202020204" pitchFamily="34" charset="0"/>
+              </a:rPr>
+              <a:t>And </a:t>
+            </a:r>
+            <a:r>
+              <a:rPr lang="fr-FR" sz="2800" b="1" dirty="0" err="1">
+                <a:solidFill>
+                  <a:schemeClr val="tx2"/>
+                </a:solidFill>
+                <a:latin typeface="Century Gothic" panose="020B0502020202020204" pitchFamily="34" charset="0"/>
+              </a:rPr>
+              <a:t>finally</a:t>
+            </a:r>
+            <a:r>
+              <a:rPr lang="fr-FR" sz="2800" dirty="0">
+                <a:solidFill>
+                  <a:schemeClr val="tx2"/>
+                </a:solidFill>
+                <a:latin typeface="Century Gothic" panose="020B0502020202020204" pitchFamily="34" charset="0"/>
+              </a:rPr>
+              <a:t> </a:t>
+            </a:r>
+            <a:r>
+              <a:rPr lang="fr-FR" sz="2800" dirty="0" err="1">
+                <a:solidFill>
+                  <a:schemeClr val="tx2"/>
+                </a:solidFill>
+                <a:latin typeface="Century Gothic" panose="020B0502020202020204" pitchFamily="34" charset="0"/>
+              </a:rPr>
+              <a:t>we</a:t>
+            </a:r>
+            <a:r>
+              <a:rPr lang="fr-FR" sz="2800" dirty="0">
+                <a:solidFill>
+                  <a:schemeClr val="tx2"/>
+                </a:solidFill>
+                <a:latin typeface="Century Gothic" panose="020B0502020202020204" pitchFamily="34" charset="0"/>
+              </a:rPr>
+              <a:t> have a </a:t>
+            </a:r>
+            <a:r>
+              <a:rPr lang="fr-FR" sz="2800" dirty="0" err="1">
+                <a:solidFill>
+                  <a:schemeClr val="tx2"/>
+                </a:solidFill>
+                <a:latin typeface="Century Gothic" panose="020B0502020202020204" pitchFamily="34" charset="0"/>
+              </a:rPr>
+              <a:t>correlation</a:t>
+            </a:r>
+            <a:r>
+              <a:rPr lang="fr-FR" sz="2800" dirty="0">
+                <a:solidFill>
+                  <a:schemeClr val="tx2"/>
+                </a:solidFill>
+                <a:latin typeface="Century Gothic" panose="020B0502020202020204" pitchFamily="34" charset="0"/>
+              </a:rPr>
+              <a:t> of </a:t>
+            </a:r>
+            <a:r>
+              <a:rPr lang="fr-FR" sz="2800" b="1" dirty="0">
+                <a:solidFill>
+                  <a:schemeClr val="tx2"/>
+                </a:solidFill>
+                <a:latin typeface="Century Gothic" panose="020B0502020202020204" pitchFamily="34" charset="0"/>
+              </a:rPr>
+              <a:t>0.1</a:t>
+            </a:r>
+            <a:r>
+              <a:rPr lang="fr-FR" sz="2800" dirty="0">
+                <a:solidFill>
+                  <a:schemeClr val="tx2"/>
+                </a:solidFill>
+                <a:latin typeface="Century Gothic" panose="020B0502020202020204" pitchFamily="34" charset="0"/>
+              </a:rPr>
+              <a:t>: </a:t>
+            </a:r>
+            <a:r>
+              <a:rPr lang="fr-FR" sz="2800" b="1" dirty="0" err="1">
+                <a:solidFill>
+                  <a:schemeClr val="tx2"/>
+                </a:solidFill>
+                <a:latin typeface="Century Gothic" panose="020B0502020202020204" pitchFamily="34" charset="0"/>
+              </a:rPr>
+              <a:t>age</a:t>
+            </a:r>
+            <a:r>
+              <a:rPr lang="fr-FR" sz="2800" dirty="0">
+                <a:solidFill>
+                  <a:schemeClr val="tx2"/>
+                </a:solidFill>
+                <a:latin typeface="Century Gothic" panose="020B0502020202020204" pitchFamily="34" charset="0"/>
+              </a:rPr>
+              <a:t>, the (</a:t>
+            </a:r>
+            <a:r>
+              <a:rPr lang="fr-FR" sz="2800" b="1" dirty="0">
+                <a:solidFill>
+                  <a:schemeClr val="tx2"/>
+                </a:solidFill>
+                <a:latin typeface="Century Gothic" panose="020B0502020202020204" pitchFamily="34" charset="0"/>
+              </a:rPr>
+              <a:t>NCP</a:t>
+            </a:r>
+            <a:r>
+              <a:rPr lang="fr-FR" sz="2800" dirty="0">
+                <a:solidFill>
+                  <a:schemeClr val="tx2"/>
+                </a:solidFill>
+                <a:latin typeface="Century Gothic" panose="020B0502020202020204" pitchFamily="34" charset="0"/>
+              </a:rPr>
+              <a:t>) the </a:t>
+            </a:r>
+            <a:r>
+              <a:rPr lang="fr-FR" sz="2800" b="1" dirty="0" err="1">
+                <a:solidFill>
+                  <a:schemeClr val="tx2"/>
+                </a:solidFill>
+                <a:latin typeface="Century Gothic" panose="020B0502020202020204" pitchFamily="34" charset="0"/>
+              </a:rPr>
+              <a:t>number</a:t>
+            </a:r>
+            <a:r>
+              <a:rPr lang="fr-FR" sz="2800" b="1" dirty="0">
+                <a:solidFill>
+                  <a:schemeClr val="tx2"/>
+                </a:solidFill>
+                <a:latin typeface="Century Gothic" panose="020B0502020202020204" pitchFamily="34" charset="0"/>
+              </a:rPr>
+              <a:t> of </a:t>
+            </a:r>
+            <a:r>
+              <a:rPr lang="fr-FR" sz="2800" b="1" dirty="0" err="1">
+                <a:solidFill>
+                  <a:schemeClr val="tx2"/>
+                </a:solidFill>
+                <a:latin typeface="Century Gothic" panose="020B0502020202020204" pitchFamily="34" charset="0"/>
+              </a:rPr>
+              <a:t>meat-based</a:t>
+            </a:r>
+            <a:r>
+              <a:rPr lang="fr-FR" sz="2800" b="1" dirty="0">
+                <a:solidFill>
+                  <a:schemeClr val="tx2"/>
+                </a:solidFill>
+                <a:latin typeface="Century Gothic" panose="020B0502020202020204" pitchFamily="34" charset="0"/>
+              </a:rPr>
+              <a:t> </a:t>
+            </a:r>
+            <a:r>
+              <a:rPr lang="fr-FR" sz="2800" b="1" dirty="0" err="1">
+                <a:solidFill>
+                  <a:schemeClr val="tx2"/>
+                </a:solidFill>
+                <a:latin typeface="Century Gothic" panose="020B0502020202020204" pitchFamily="34" charset="0"/>
+              </a:rPr>
+              <a:t>meals</a:t>
+            </a:r>
+            <a:r>
+              <a:rPr lang="fr-FR" sz="2800" dirty="0">
+                <a:solidFill>
+                  <a:schemeClr val="tx2"/>
+                </a:solidFill>
+                <a:latin typeface="Century Gothic" panose="020B0502020202020204" pitchFamily="34" charset="0"/>
+              </a:rPr>
+              <a:t>, (</a:t>
+            </a:r>
+            <a:r>
+              <a:rPr lang="fr-FR" sz="2800" b="1" dirty="0">
+                <a:solidFill>
+                  <a:schemeClr val="tx2"/>
+                </a:solidFill>
+                <a:latin typeface="Century Gothic" panose="020B0502020202020204" pitchFamily="34" charset="0"/>
+              </a:rPr>
+              <a:t>CH20</a:t>
+            </a:r>
+            <a:r>
+              <a:rPr lang="fr-FR" sz="2800" dirty="0">
+                <a:solidFill>
+                  <a:schemeClr val="tx2"/>
+                </a:solidFill>
+                <a:latin typeface="Century Gothic" panose="020B0502020202020204" pitchFamily="34" charset="0"/>
+              </a:rPr>
+              <a:t>) the </a:t>
+            </a:r>
+            <a:r>
+              <a:rPr lang="fr-FR" sz="2800" b="1" dirty="0">
+                <a:solidFill>
+                  <a:schemeClr val="tx2"/>
+                </a:solidFill>
+                <a:latin typeface="Century Gothic" panose="020B0502020202020204" pitchFamily="34" charset="0"/>
+              </a:rPr>
+              <a:t>water </a:t>
+            </a:r>
+            <a:r>
+              <a:rPr lang="fr-FR" sz="2800" b="1" dirty="0" err="1">
+                <a:solidFill>
+                  <a:schemeClr val="tx2"/>
+                </a:solidFill>
+                <a:latin typeface="Century Gothic" panose="020B0502020202020204" pitchFamily="34" charset="0"/>
+              </a:rPr>
+              <a:t>consumption</a:t>
+            </a:r>
+            <a:r>
+              <a:rPr lang="fr-FR" sz="2800" dirty="0">
+                <a:solidFill>
+                  <a:schemeClr val="tx2"/>
+                </a:solidFill>
+                <a:latin typeface="Century Gothic" panose="020B0502020202020204" pitchFamily="34" charset="0"/>
+              </a:rPr>
+              <a:t> per </a:t>
+            </a:r>
+            <a:r>
+              <a:rPr lang="fr-FR" sz="2800" dirty="0" err="1">
+                <a:solidFill>
+                  <a:schemeClr val="tx2"/>
+                </a:solidFill>
+                <a:latin typeface="Century Gothic" panose="020B0502020202020204" pitchFamily="34" charset="0"/>
+              </a:rPr>
+              <a:t>day</a:t>
+            </a:r>
+            <a:r>
+              <a:rPr lang="fr-FR" sz="2800" dirty="0">
+                <a:solidFill>
+                  <a:schemeClr val="tx2"/>
+                </a:solidFill>
+                <a:latin typeface="Century Gothic" panose="020B0502020202020204" pitchFamily="34" charset="0"/>
+              </a:rPr>
+              <a:t> and </a:t>
+            </a:r>
+            <a:r>
+              <a:rPr lang="fr-FR" sz="2800" dirty="0" err="1">
+                <a:solidFill>
+                  <a:schemeClr val="tx2"/>
+                </a:solidFill>
+                <a:latin typeface="Century Gothic" panose="020B0502020202020204" pitchFamily="34" charset="0"/>
+              </a:rPr>
+              <a:t>finally</a:t>
+            </a:r>
+            <a:r>
+              <a:rPr lang="fr-FR" sz="2800" dirty="0">
+                <a:solidFill>
+                  <a:schemeClr val="tx2"/>
+                </a:solidFill>
+                <a:latin typeface="Century Gothic" panose="020B0502020202020204" pitchFamily="34" charset="0"/>
+              </a:rPr>
+              <a:t> (</a:t>
+            </a:r>
+            <a:r>
+              <a:rPr lang="fr-FR" sz="2800" b="1" dirty="0">
+                <a:solidFill>
+                  <a:schemeClr val="tx2"/>
+                </a:solidFill>
+                <a:latin typeface="Century Gothic" panose="020B0502020202020204" pitchFamily="34" charset="0"/>
+              </a:rPr>
+              <a:t>CALC</a:t>
+            </a:r>
+            <a:r>
+              <a:rPr lang="fr-FR" sz="2800" dirty="0">
+                <a:solidFill>
+                  <a:schemeClr val="tx2"/>
+                </a:solidFill>
+                <a:latin typeface="Century Gothic" panose="020B0502020202020204" pitchFamily="34" charset="0"/>
+              </a:rPr>
+              <a:t>) the </a:t>
+            </a:r>
+            <a:r>
+              <a:rPr lang="fr-FR" sz="2800" b="1" dirty="0" err="1">
+                <a:solidFill>
+                  <a:schemeClr val="tx2"/>
+                </a:solidFill>
+                <a:latin typeface="Century Gothic" panose="020B0502020202020204" pitchFamily="34" charset="0"/>
+              </a:rPr>
+              <a:t>alcohol</a:t>
+            </a:r>
+            <a:r>
+              <a:rPr lang="fr-FR" sz="2800" b="1" dirty="0">
+                <a:solidFill>
+                  <a:schemeClr val="tx2"/>
+                </a:solidFill>
+                <a:latin typeface="Century Gothic" panose="020B0502020202020204" pitchFamily="34" charset="0"/>
+              </a:rPr>
+              <a:t> </a:t>
+            </a:r>
+            <a:r>
+              <a:rPr lang="fr-FR" sz="2800" b="1" dirty="0" err="1">
+                <a:solidFill>
+                  <a:schemeClr val="tx2"/>
+                </a:solidFill>
+                <a:latin typeface="Century Gothic" panose="020B0502020202020204" pitchFamily="34" charset="0"/>
+              </a:rPr>
+              <a:t>consumption</a:t>
+            </a:r>
+            <a:r>
+              <a:rPr lang="fr-FR" sz="2800" b="1" dirty="0">
+                <a:solidFill>
+                  <a:schemeClr val="tx2"/>
+                </a:solidFill>
+                <a:latin typeface="Century Gothic" panose="020B0502020202020204" pitchFamily="34" charset="0"/>
+              </a:rPr>
+              <a:t> .</a:t>
+            </a:r>
+            <a:endParaRPr lang="en-US" sz="2800" b="1" dirty="0">
+              <a:solidFill>
+                <a:schemeClr val="tx2"/>
+              </a:solidFill>
+              <a:latin typeface="Century Gothic" panose="020B0502020202020204" pitchFamily="34" charset="0"/>
+              <a:cs typeface="Poppins Light" pitchFamily="2" charset="77"/>
+            </a:endParaRPr>
+          </a:p>
+        </p:txBody>
+      </p:sp>
+    </p:spTree>
+    <p:extLst>
+      <p:ext uri="{BB962C8B-B14F-4D97-AF65-F5344CB8AC3E}">
+        <p14:creationId xmlns:p14="http://schemas.microsoft.com/office/powerpoint/2010/main" val="4197965292"/>
+      </p:ext>
+    </p:extLst>
+  </p:cSld>
+  <p:clrMapOvr>
+    <a:masterClrMapping/>
+  </p:clrMapOvr>
+</p:sld>
+</file>
+
+<file path=ppt/slides/slide9.xml><?xml version="1.0" encoding="utf-8"?>
+<p:sld xmlns:a="http://schemas.openxmlformats.org/drawingml/2006/main" xmlns:r="http://schemas.openxmlformats.org/officeDocument/2006/relationships" xmlns:p="http://schemas.openxmlformats.org/presentationml/2006/main">
+  <p:cSld>
+    <p:spTree>
+      <p:nvGrpSpPr>
+        <p:cNvPr id="1" name=""/>
+        <p:cNvGrpSpPr/>
+        <p:nvPr/>
+      </p:nvGrpSpPr>
+      <p:grpSpPr>
+        <a:xfrm>
+          <a:off x="0" y="0"/>
+          <a:ext cx="0" cy="0"/>
+          <a:chOff x="0" y="0"/>
+          <a:chExt cx="0" cy="0"/>
+        </a:xfrm>
+      </p:grpSpPr>
+      <p:sp>
+        <p:nvSpPr>
+          <p:cNvPr id="2" name="CuadroTexto 350">
+            <a:extLst>
+              <a:ext uri="{FF2B5EF4-FFF2-40B4-BE49-F238E27FC236}">
+                <a16:creationId xmlns:a16="http://schemas.microsoft.com/office/drawing/2014/main" id="{85EA5F58-84B3-624C-B9BB-1CD966296891}"/>
+              </a:ext>
+            </a:extLst>
+          </p:cNvPr>
+          <p:cNvSpPr txBox="1"/>
+          <p:nvPr/>
+        </p:nvSpPr>
+        <p:spPr>
+          <a:xfrm>
+            <a:off x="5671802" y="1071658"/>
+            <a:ext cx="13034338" cy="1323439"/>
+          </a:xfrm>
+          <a:prstGeom prst="rect">
+            <a:avLst/>
+          </a:prstGeom>
+          <a:noFill/>
+        </p:spPr>
+        <p:txBody>
+          <a:bodyPr wrap="none" rtlCol="0">
+            <a:spAutoFit/>
+          </a:bodyPr>
+          <a:lstStyle/>
+          <a:p>
+            <a:pPr algn="ctr"/>
+            <a:r>
+              <a:rPr lang="en-US" sz="8000" b="1" dirty="0">
+                <a:solidFill>
+                  <a:schemeClr val="tx2"/>
+                </a:solidFill>
+                <a:latin typeface="Century Gothic" panose="020B0502020202020204" pitchFamily="34" charset="0"/>
+                <a:ea typeface="Lato Heavy" charset="0"/>
+                <a:cs typeface="Poppins" pitchFamily="2" charset="77"/>
+              </a:rPr>
+              <a:t>Machine Learning Models</a:t>
             </a:r>
           </a:p>
         </p:txBody>
@@ -20651,2558 +26260,7 @@
     </p:spTree>
     <p:extLst>
       <p:ext uri="{BB962C8B-B14F-4D97-AF65-F5344CB8AC3E}">
-        <p14:creationId xmlns:p14="http://schemas.microsoft.com/office/powerpoint/2010/main" val="1831765038"/>
-      </p:ext>
-    </p:extLst>
-  </p:cSld>
-  <p:clrMapOvr>
-    <a:masterClrMapping/>
-  </p:clrMapOvr>
-</p:sld>
-</file>
-
-<file path=ppt/slides/slide8.xml><?xml version="1.0" encoding="utf-8"?>
-<p:sld xmlns:a="http://schemas.openxmlformats.org/drawingml/2006/main" xmlns:r="http://schemas.openxmlformats.org/officeDocument/2006/relationships" xmlns:p="http://schemas.openxmlformats.org/presentationml/2006/main">
-  <p:cSld>
-    <p:spTree>
-      <p:nvGrpSpPr>
-        <p:cNvPr id="1" name=""/>
-        <p:cNvGrpSpPr/>
-        <p:nvPr/>
-      </p:nvGrpSpPr>
-      <p:grpSpPr>
-        <a:xfrm>
-          <a:off x="0" y="0"/>
-          <a:ext cx="0" cy="0"/>
-          <a:chOff x="0" y="0"/>
-          <a:chExt cx="0" cy="0"/>
-        </a:xfrm>
-      </p:grpSpPr>
-      <p:graphicFrame>
-        <p:nvGraphicFramePr>
-          <p:cNvPr id="42" name="Chart 41">
-            <a:extLst>
-              <a:ext uri="{FF2B5EF4-FFF2-40B4-BE49-F238E27FC236}">
-                <a16:creationId xmlns:a16="http://schemas.microsoft.com/office/drawing/2014/main" id="{40F668F9-A8ED-954B-A8E1-1087F3F5F512}"/>
-              </a:ext>
-            </a:extLst>
-          </p:cNvPr>
-          <p:cNvGraphicFramePr/>
-          <p:nvPr/>
-        </p:nvGraphicFramePr>
-        <p:xfrm>
-          <a:off x="11934284" y="4636152"/>
-          <a:ext cx="10888086" cy="7605870"/>
-        </p:xfrm>
-        <a:graphic>
-          <a:graphicData uri="http://schemas.openxmlformats.org/drawingml/2006/chart">
-            <c:chart xmlns:c="http://schemas.openxmlformats.org/drawingml/2006/chart" xmlns:r="http://schemas.openxmlformats.org/officeDocument/2006/relationships" r:id="rId2"/>
-          </a:graphicData>
-        </a:graphic>
-      </p:graphicFrame>
-      <p:sp>
-        <p:nvSpPr>
-          <p:cNvPr id="44" name="Rectangle 43">
-            <a:extLst>
-              <a:ext uri="{FF2B5EF4-FFF2-40B4-BE49-F238E27FC236}">
-                <a16:creationId xmlns:a16="http://schemas.microsoft.com/office/drawing/2014/main" id="{BCFD3FCA-AD15-6E4F-A7B2-2BA09D87CEFD}"/>
-              </a:ext>
-            </a:extLst>
-          </p:cNvPr>
-          <p:cNvSpPr/>
-          <p:nvPr/>
-        </p:nvSpPr>
-        <p:spPr>
-          <a:xfrm>
-            <a:off x="1714307" y="4636152"/>
-            <a:ext cx="9364950" cy="7605870"/>
-          </a:xfrm>
-          <a:prstGeom prst="rect">
-            <a:avLst/>
-          </a:prstGeom>
-          <a:solidFill>
-            <a:srgbClr val="FDFDFD"/>
-          </a:solidFill>
-          <a:ln>
-            <a:noFill/>
-          </a:ln>
-        </p:spPr>
-        <p:style>
-          <a:lnRef idx="2">
-            <a:schemeClr val="accent1">
-              <a:shade val="50000"/>
-            </a:schemeClr>
-          </a:lnRef>
-          <a:fillRef idx="1">
-            <a:schemeClr val="accent1"/>
-          </a:fillRef>
-          <a:effectRef idx="0">
-            <a:schemeClr val="accent1"/>
-          </a:effectRef>
-          <a:fontRef idx="minor">
-            <a:schemeClr val="lt1"/>
-          </a:fontRef>
-        </p:style>
-        <p:txBody>
-          <a:bodyPr rtlCol="0" anchor="ctr"/>
-          <a:lstStyle/>
-          <a:p>
-            <a:endParaRPr lang="en-US">
-              <a:latin typeface="Century Gothic" panose="020B0502020202020204" pitchFamily="34" charset="0"/>
-            </a:endParaRPr>
-          </a:p>
-        </p:txBody>
-      </p:sp>
-      <p:grpSp>
-        <p:nvGrpSpPr>
-          <p:cNvPr id="2" name="Group 1">
-            <a:extLst>
-              <a:ext uri="{FF2B5EF4-FFF2-40B4-BE49-F238E27FC236}">
-                <a16:creationId xmlns:a16="http://schemas.microsoft.com/office/drawing/2014/main" id="{C4C1E6E9-0917-A148-806B-E4BF2B12C64A}"/>
-              </a:ext>
-            </a:extLst>
-          </p:cNvPr>
-          <p:cNvGrpSpPr/>
-          <p:nvPr/>
-        </p:nvGrpSpPr>
-        <p:grpSpPr>
-          <a:xfrm>
-            <a:off x="2300905" y="5511878"/>
-            <a:ext cx="8191753" cy="5852563"/>
-            <a:chOff x="2503957" y="5511878"/>
-            <a:chExt cx="8191753" cy="5852563"/>
-          </a:xfrm>
-        </p:grpSpPr>
-        <p:sp>
-          <p:nvSpPr>
-            <p:cNvPr id="46" name="CuadroTexto 395">
-              <a:extLst>
-                <a:ext uri="{FF2B5EF4-FFF2-40B4-BE49-F238E27FC236}">
-                  <a16:creationId xmlns:a16="http://schemas.microsoft.com/office/drawing/2014/main" id="{0CB4B61C-E82E-9248-A3F1-013E8D406288}"/>
-                </a:ext>
-              </a:extLst>
-            </p:cNvPr>
-            <p:cNvSpPr txBox="1"/>
-            <p:nvPr/>
-          </p:nvSpPr>
-          <p:spPr>
-            <a:xfrm>
-              <a:off x="2503957" y="6043174"/>
-              <a:ext cx="4874670" cy="1015663"/>
-            </a:xfrm>
-            <a:prstGeom prst="rect">
-              <a:avLst/>
-            </a:prstGeom>
-            <a:noFill/>
-          </p:spPr>
-          <p:txBody>
-            <a:bodyPr wrap="square" rtlCol="0">
-              <a:spAutoFit/>
-            </a:bodyPr>
-            <a:lstStyle/>
-            <a:p>
-              <a:r>
-                <a:rPr lang="en-US" sz="6000" b="1" dirty="0">
-                  <a:solidFill>
-                    <a:schemeClr val="accent1"/>
-                  </a:solidFill>
-                  <a:latin typeface="Century Gothic" panose="020B0502020202020204" pitchFamily="34" charset="0"/>
-                  <a:ea typeface="Roboto Medium" panose="02000000000000000000" pitchFamily="2" charset="0"/>
-                  <a:cs typeface="Poppins Medium" pitchFamily="2" charset="77"/>
-                </a:rPr>
-                <a:t>$1,025,549</a:t>
-              </a:r>
-            </a:p>
-          </p:txBody>
-        </p:sp>
-        <p:sp>
-          <p:nvSpPr>
-            <p:cNvPr id="48" name="CuadroTexto 395">
-              <a:extLst>
-                <a:ext uri="{FF2B5EF4-FFF2-40B4-BE49-F238E27FC236}">
-                  <a16:creationId xmlns:a16="http://schemas.microsoft.com/office/drawing/2014/main" id="{3ADA5938-6EA7-2B4D-9CB1-D32C5EBB2F9C}"/>
-                </a:ext>
-              </a:extLst>
-            </p:cNvPr>
-            <p:cNvSpPr txBox="1"/>
-            <p:nvPr/>
-          </p:nvSpPr>
-          <p:spPr>
-            <a:xfrm>
-              <a:off x="2539815" y="5511878"/>
-              <a:ext cx="4354717" cy="523220"/>
-            </a:xfrm>
-            <a:prstGeom prst="rect">
-              <a:avLst/>
-            </a:prstGeom>
-            <a:noFill/>
-          </p:spPr>
-          <p:txBody>
-            <a:bodyPr wrap="square" rtlCol="0">
-              <a:spAutoFit/>
-            </a:bodyPr>
-            <a:lstStyle/>
-            <a:p>
-              <a:r>
-                <a:rPr lang="en-US" sz="2800" dirty="0">
-                  <a:solidFill>
-                    <a:schemeClr val="tx2"/>
-                  </a:solidFill>
-                  <a:latin typeface="Century Gothic" panose="020B0502020202020204" pitchFamily="34" charset="0"/>
-                  <a:ea typeface="Roboto Medium" panose="02000000000000000000" pitchFamily="2" charset="0"/>
-                  <a:cs typeface="Poppins Medium" pitchFamily="2" charset="77"/>
-                </a:rPr>
-                <a:t>Cash Flow</a:t>
-              </a:r>
-            </a:p>
-          </p:txBody>
-        </p:sp>
-        <p:grpSp>
-          <p:nvGrpSpPr>
-            <p:cNvPr id="50" name="Group 49">
-              <a:extLst>
-                <a:ext uri="{FF2B5EF4-FFF2-40B4-BE49-F238E27FC236}">
-                  <a16:creationId xmlns:a16="http://schemas.microsoft.com/office/drawing/2014/main" id="{001011A4-1174-BE4B-8FD7-0DCA376AD592}"/>
-                </a:ext>
-              </a:extLst>
-            </p:cNvPr>
-            <p:cNvGrpSpPr/>
-            <p:nvPr/>
-          </p:nvGrpSpPr>
-          <p:grpSpPr>
-            <a:xfrm>
-              <a:off x="2598087" y="8019670"/>
-              <a:ext cx="551009" cy="551007"/>
-              <a:chOff x="1876443" y="5905870"/>
-              <a:chExt cx="526098" cy="526096"/>
-            </a:xfrm>
-          </p:grpSpPr>
-          <p:sp>
-            <p:nvSpPr>
-              <p:cNvPr id="52" name="Oval 51">
-                <a:extLst>
-                  <a:ext uri="{FF2B5EF4-FFF2-40B4-BE49-F238E27FC236}">
-                    <a16:creationId xmlns:a16="http://schemas.microsoft.com/office/drawing/2014/main" id="{66010DB3-6A1A-2C42-A6AD-6791C82F27D9}"/>
-                  </a:ext>
-                </a:extLst>
-              </p:cNvPr>
-              <p:cNvSpPr/>
-              <p:nvPr/>
-            </p:nvSpPr>
-            <p:spPr>
-              <a:xfrm>
-                <a:off x="1876443" y="5905870"/>
-                <a:ext cx="526098" cy="526096"/>
-              </a:xfrm>
-              <a:prstGeom prst="ellipse">
-                <a:avLst/>
-              </a:prstGeom>
-              <a:solidFill>
-                <a:schemeClr val="accent1"/>
-              </a:solidFill>
-              <a:ln>
-                <a:noFill/>
-              </a:ln>
-            </p:spPr>
-            <p:style>
-              <a:lnRef idx="2">
-                <a:schemeClr val="accent1">
-                  <a:shade val="50000"/>
-                </a:schemeClr>
-              </a:lnRef>
-              <a:fillRef idx="1">
-                <a:schemeClr val="accent1"/>
-              </a:fillRef>
-              <a:effectRef idx="0">
-                <a:schemeClr val="accent1"/>
-              </a:effectRef>
-              <a:fontRef idx="minor">
-                <a:schemeClr val="lt1"/>
-              </a:fontRef>
-            </p:style>
-            <p:txBody>
-              <a:bodyPr rtlCol="0" anchor="ctr"/>
-              <a:lstStyle/>
-              <a:p>
-                <a:pPr algn="ctr"/>
-                <a:endParaRPr lang="en-US" sz="4000">
-                  <a:solidFill>
-                    <a:schemeClr val="tx1"/>
-                  </a:solidFill>
-                  <a:latin typeface="Century Gothic" panose="020B0502020202020204" pitchFamily="34" charset="0"/>
-                </a:endParaRPr>
-              </a:p>
-            </p:txBody>
-          </p:sp>
-          <p:sp>
-            <p:nvSpPr>
-              <p:cNvPr id="53" name="Freeform 52">
-                <a:extLst>
-                  <a:ext uri="{FF2B5EF4-FFF2-40B4-BE49-F238E27FC236}">
-                    <a16:creationId xmlns:a16="http://schemas.microsoft.com/office/drawing/2014/main" id="{DD27007F-AAE6-934A-A162-65E4B9B90B94}"/>
-                  </a:ext>
-                </a:extLst>
-              </p:cNvPr>
-              <p:cNvSpPr/>
-              <p:nvPr/>
-            </p:nvSpPr>
-            <p:spPr>
-              <a:xfrm rot="18641522">
-                <a:off x="1995291" y="6074952"/>
-                <a:ext cx="288401" cy="144600"/>
-              </a:xfrm>
-              <a:custGeom>
-                <a:avLst/>
-                <a:gdLst>
-                  <a:gd name="connsiteX0" fmla="*/ 985393 w 985393"/>
-                  <a:gd name="connsiteY0" fmla="*/ 368555 h 494061"/>
-                  <a:gd name="connsiteX1" fmla="*/ 985392 w 985393"/>
-                  <a:gd name="connsiteY1" fmla="*/ 494061 h 494061"/>
-                  <a:gd name="connsiteX2" fmla="*/ 11 w 985393"/>
-                  <a:gd name="connsiteY2" fmla="*/ 494061 h 494061"/>
-                  <a:gd name="connsiteX3" fmla="*/ 11 w 985393"/>
-                  <a:gd name="connsiteY3" fmla="*/ 493059 h 494061"/>
-                  <a:gd name="connsiteX4" fmla="*/ 0 w 985393"/>
-                  <a:gd name="connsiteY4" fmla="*/ 493059 h 494061"/>
-                  <a:gd name="connsiteX5" fmla="*/ 0 w 985393"/>
-                  <a:gd name="connsiteY5" fmla="*/ 0 h 494061"/>
-                  <a:gd name="connsiteX6" fmla="*/ 125506 w 985393"/>
-                  <a:gd name="connsiteY6" fmla="*/ 0 h 494061"/>
-                  <a:gd name="connsiteX7" fmla="*/ 125506 w 985393"/>
-                  <a:gd name="connsiteY7" fmla="*/ 368555 h 494061"/>
-                </a:gdLst>
-                <a:ahLst/>
-                <a:cxnLst>
-                  <a:cxn ang="0">
-                    <a:pos x="connsiteX0" y="connsiteY0"/>
-                  </a:cxn>
-                  <a:cxn ang="0">
-                    <a:pos x="connsiteX1" y="connsiteY1"/>
-                  </a:cxn>
-                  <a:cxn ang="0">
-                    <a:pos x="connsiteX2" y="connsiteY2"/>
-                  </a:cxn>
-                  <a:cxn ang="0">
-                    <a:pos x="connsiteX3" y="connsiteY3"/>
-                  </a:cxn>
-                  <a:cxn ang="0">
-                    <a:pos x="connsiteX4" y="connsiteY4"/>
-                  </a:cxn>
-                  <a:cxn ang="0">
-                    <a:pos x="connsiteX5" y="connsiteY5"/>
-                  </a:cxn>
-                  <a:cxn ang="0">
-                    <a:pos x="connsiteX6" y="connsiteY6"/>
-                  </a:cxn>
-                  <a:cxn ang="0">
-                    <a:pos x="connsiteX7" y="connsiteY7"/>
-                  </a:cxn>
-                </a:cxnLst>
-                <a:rect l="l" t="t" r="r" b="b"/>
-                <a:pathLst>
-                  <a:path w="985393" h="494061">
-                    <a:moveTo>
-                      <a:pt x="985393" y="368555"/>
-                    </a:moveTo>
-                    <a:lnTo>
-                      <a:pt x="985392" y="494061"/>
-                    </a:lnTo>
-                    <a:lnTo>
-                      <a:pt x="11" y="494061"/>
-                    </a:lnTo>
-                    <a:lnTo>
-                      <a:pt x="11" y="493059"/>
-                    </a:lnTo>
-                    <a:lnTo>
-                      <a:pt x="0" y="493059"/>
-                    </a:lnTo>
-                    <a:lnTo>
-                      <a:pt x="0" y="0"/>
-                    </a:lnTo>
-                    <a:lnTo>
-                      <a:pt x="125506" y="0"/>
-                    </a:lnTo>
-                    <a:lnTo>
-                      <a:pt x="125506" y="368555"/>
-                    </a:lnTo>
-                    <a:close/>
-                  </a:path>
-                </a:pathLst>
-              </a:custGeom>
-              <a:solidFill>
-                <a:schemeClr val="bg1"/>
-              </a:solidFill>
-              <a:ln>
-                <a:noFill/>
-              </a:ln>
-            </p:spPr>
-            <p:style>
-              <a:lnRef idx="2">
-                <a:schemeClr val="accent1">
-                  <a:shade val="50000"/>
-                </a:schemeClr>
-              </a:lnRef>
-              <a:fillRef idx="1">
-                <a:schemeClr val="accent1"/>
-              </a:fillRef>
-              <a:effectRef idx="0">
-                <a:schemeClr val="accent1"/>
-              </a:effectRef>
-              <a:fontRef idx="minor">
-                <a:schemeClr val="lt1"/>
-              </a:fontRef>
-            </p:style>
-            <p:txBody>
-              <a:bodyPr rtlCol="0" anchor="ctr"/>
-              <a:lstStyle/>
-              <a:p>
-                <a:pPr algn="ctr"/>
-                <a:endParaRPr lang="en-US" sz="2400">
-                  <a:solidFill>
-                    <a:schemeClr val="tx1"/>
-                  </a:solidFill>
-                  <a:latin typeface="Century Gothic" panose="020B0502020202020204" pitchFamily="34" charset="0"/>
-                </a:endParaRPr>
-              </a:p>
-            </p:txBody>
-          </p:sp>
-        </p:grpSp>
-        <p:grpSp>
-          <p:nvGrpSpPr>
-            <p:cNvPr id="54" name="Group 53">
-              <a:extLst>
-                <a:ext uri="{FF2B5EF4-FFF2-40B4-BE49-F238E27FC236}">
-                  <a16:creationId xmlns:a16="http://schemas.microsoft.com/office/drawing/2014/main" id="{B3A42236-3D04-4F47-81D6-6A4028213D34}"/>
-                </a:ext>
-              </a:extLst>
-            </p:cNvPr>
-            <p:cNvGrpSpPr/>
-            <p:nvPr/>
-          </p:nvGrpSpPr>
-          <p:grpSpPr>
-            <a:xfrm>
-              <a:off x="2598087" y="9302349"/>
-              <a:ext cx="551009" cy="551007"/>
-              <a:chOff x="1876443" y="5905870"/>
-              <a:chExt cx="526098" cy="526096"/>
-            </a:xfrm>
-          </p:grpSpPr>
-          <p:sp>
-            <p:nvSpPr>
-              <p:cNvPr id="55" name="Oval 54">
-                <a:extLst>
-                  <a:ext uri="{FF2B5EF4-FFF2-40B4-BE49-F238E27FC236}">
-                    <a16:creationId xmlns:a16="http://schemas.microsoft.com/office/drawing/2014/main" id="{138D1373-9922-A24C-82A2-137F7FFDBDA8}"/>
-                  </a:ext>
-                </a:extLst>
-              </p:cNvPr>
-              <p:cNvSpPr/>
-              <p:nvPr/>
-            </p:nvSpPr>
-            <p:spPr>
-              <a:xfrm>
-                <a:off x="1876443" y="5905870"/>
-                <a:ext cx="526098" cy="526096"/>
-              </a:xfrm>
-              <a:prstGeom prst="ellipse">
-                <a:avLst/>
-              </a:prstGeom>
-              <a:solidFill>
-                <a:schemeClr val="accent1"/>
-              </a:solidFill>
-              <a:ln>
-                <a:noFill/>
-              </a:ln>
-            </p:spPr>
-            <p:style>
-              <a:lnRef idx="2">
-                <a:schemeClr val="accent1">
-                  <a:shade val="50000"/>
-                </a:schemeClr>
-              </a:lnRef>
-              <a:fillRef idx="1">
-                <a:schemeClr val="accent1"/>
-              </a:fillRef>
-              <a:effectRef idx="0">
-                <a:schemeClr val="accent1"/>
-              </a:effectRef>
-              <a:fontRef idx="minor">
-                <a:schemeClr val="lt1"/>
-              </a:fontRef>
-            </p:style>
-            <p:txBody>
-              <a:bodyPr rtlCol="0" anchor="ctr"/>
-              <a:lstStyle/>
-              <a:p>
-                <a:pPr algn="ctr"/>
-                <a:endParaRPr lang="en-US" sz="4000">
-                  <a:solidFill>
-                    <a:schemeClr val="tx1"/>
-                  </a:solidFill>
-                  <a:latin typeface="Century Gothic" panose="020B0502020202020204" pitchFamily="34" charset="0"/>
-                </a:endParaRPr>
-              </a:p>
-            </p:txBody>
-          </p:sp>
-          <p:sp>
-            <p:nvSpPr>
-              <p:cNvPr id="56" name="Freeform 55">
-                <a:extLst>
-                  <a:ext uri="{FF2B5EF4-FFF2-40B4-BE49-F238E27FC236}">
-                    <a16:creationId xmlns:a16="http://schemas.microsoft.com/office/drawing/2014/main" id="{1D97CBAD-B5F1-214B-A515-9C5669E2D188}"/>
-                  </a:ext>
-                </a:extLst>
-              </p:cNvPr>
-              <p:cNvSpPr/>
-              <p:nvPr/>
-            </p:nvSpPr>
-            <p:spPr>
-              <a:xfrm rot="18641522">
-                <a:off x="1995291" y="6074952"/>
-                <a:ext cx="288401" cy="144600"/>
-              </a:xfrm>
-              <a:custGeom>
-                <a:avLst/>
-                <a:gdLst>
-                  <a:gd name="connsiteX0" fmla="*/ 985393 w 985393"/>
-                  <a:gd name="connsiteY0" fmla="*/ 368555 h 494061"/>
-                  <a:gd name="connsiteX1" fmla="*/ 985392 w 985393"/>
-                  <a:gd name="connsiteY1" fmla="*/ 494061 h 494061"/>
-                  <a:gd name="connsiteX2" fmla="*/ 11 w 985393"/>
-                  <a:gd name="connsiteY2" fmla="*/ 494061 h 494061"/>
-                  <a:gd name="connsiteX3" fmla="*/ 11 w 985393"/>
-                  <a:gd name="connsiteY3" fmla="*/ 493059 h 494061"/>
-                  <a:gd name="connsiteX4" fmla="*/ 0 w 985393"/>
-                  <a:gd name="connsiteY4" fmla="*/ 493059 h 494061"/>
-                  <a:gd name="connsiteX5" fmla="*/ 0 w 985393"/>
-                  <a:gd name="connsiteY5" fmla="*/ 0 h 494061"/>
-                  <a:gd name="connsiteX6" fmla="*/ 125506 w 985393"/>
-                  <a:gd name="connsiteY6" fmla="*/ 0 h 494061"/>
-                  <a:gd name="connsiteX7" fmla="*/ 125506 w 985393"/>
-                  <a:gd name="connsiteY7" fmla="*/ 368555 h 494061"/>
-                </a:gdLst>
-                <a:ahLst/>
-                <a:cxnLst>
-                  <a:cxn ang="0">
-                    <a:pos x="connsiteX0" y="connsiteY0"/>
-                  </a:cxn>
-                  <a:cxn ang="0">
-                    <a:pos x="connsiteX1" y="connsiteY1"/>
-                  </a:cxn>
-                  <a:cxn ang="0">
-                    <a:pos x="connsiteX2" y="connsiteY2"/>
-                  </a:cxn>
-                  <a:cxn ang="0">
-                    <a:pos x="connsiteX3" y="connsiteY3"/>
-                  </a:cxn>
-                  <a:cxn ang="0">
-                    <a:pos x="connsiteX4" y="connsiteY4"/>
-                  </a:cxn>
-                  <a:cxn ang="0">
-                    <a:pos x="connsiteX5" y="connsiteY5"/>
-                  </a:cxn>
-                  <a:cxn ang="0">
-                    <a:pos x="connsiteX6" y="connsiteY6"/>
-                  </a:cxn>
-                  <a:cxn ang="0">
-                    <a:pos x="connsiteX7" y="connsiteY7"/>
-                  </a:cxn>
-                </a:cxnLst>
-                <a:rect l="l" t="t" r="r" b="b"/>
-                <a:pathLst>
-                  <a:path w="985393" h="494061">
-                    <a:moveTo>
-                      <a:pt x="985393" y="368555"/>
-                    </a:moveTo>
-                    <a:lnTo>
-                      <a:pt x="985392" y="494061"/>
-                    </a:lnTo>
-                    <a:lnTo>
-                      <a:pt x="11" y="494061"/>
-                    </a:lnTo>
-                    <a:lnTo>
-                      <a:pt x="11" y="493059"/>
-                    </a:lnTo>
-                    <a:lnTo>
-                      <a:pt x="0" y="493059"/>
-                    </a:lnTo>
-                    <a:lnTo>
-                      <a:pt x="0" y="0"/>
-                    </a:lnTo>
-                    <a:lnTo>
-                      <a:pt x="125506" y="0"/>
-                    </a:lnTo>
-                    <a:lnTo>
-                      <a:pt x="125506" y="368555"/>
-                    </a:lnTo>
-                    <a:close/>
-                  </a:path>
-                </a:pathLst>
-              </a:custGeom>
-              <a:solidFill>
-                <a:schemeClr val="bg1"/>
-              </a:solidFill>
-              <a:ln>
-                <a:noFill/>
-              </a:ln>
-            </p:spPr>
-            <p:style>
-              <a:lnRef idx="2">
-                <a:schemeClr val="accent1">
-                  <a:shade val="50000"/>
-                </a:schemeClr>
-              </a:lnRef>
-              <a:fillRef idx="1">
-                <a:schemeClr val="accent1"/>
-              </a:fillRef>
-              <a:effectRef idx="0">
-                <a:schemeClr val="accent1"/>
-              </a:effectRef>
-              <a:fontRef idx="minor">
-                <a:schemeClr val="lt1"/>
-              </a:fontRef>
-            </p:style>
-            <p:txBody>
-              <a:bodyPr rtlCol="0" anchor="ctr"/>
-              <a:lstStyle/>
-              <a:p>
-                <a:pPr algn="ctr"/>
-                <a:endParaRPr lang="en-US" sz="2400">
-                  <a:solidFill>
-                    <a:schemeClr val="tx1"/>
-                  </a:solidFill>
-                  <a:latin typeface="Century Gothic" panose="020B0502020202020204" pitchFamily="34" charset="0"/>
-                </a:endParaRPr>
-              </a:p>
-            </p:txBody>
-          </p:sp>
-        </p:grpSp>
-        <p:sp>
-          <p:nvSpPr>
-            <p:cNvPr id="57" name="TextBox 56">
-              <a:extLst>
-                <a:ext uri="{FF2B5EF4-FFF2-40B4-BE49-F238E27FC236}">
-                  <a16:creationId xmlns:a16="http://schemas.microsoft.com/office/drawing/2014/main" id="{DAA1B128-6B4B-764D-BA38-7719AA3C1FEB}"/>
-                </a:ext>
-              </a:extLst>
-            </p:cNvPr>
-            <p:cNvSpPr txBox="1"/>
-            <p:nvPr/>
-          </p:nvSpPr>
-          <p:spPr>
-            <a:xfrm>
-              <a:off x="3268713" y="7844978"/>
-              <a:ext cx="7426997" cy="954107"/>
-            </a:xfrm>
-            <a:prstGeom prst="rect">
-              <a:avLst/>
-            </a:prstGeom>
-            <a:noFill/>
-          </p:spPr>
-          <p:txBody>
-            <a:bodyPr wrap="square" rtlCol="0">
-              <a:spAutoFit/>
-            </a:bodyPr>
-            <a:lstStyle/>
-            <a:p>
-              <a:r>
-                <a:rPr lang="en-US" sz="2800" dirty="0">
-                  <a:latin typeface="Century Gothic" panose="020B0502020202020204" pitchFamily="34" charset="0"/>
-                  <a:ea typeface="Lato Light" panose="020F0502020204030203" pitchFamily="34" charset="0"/>
-                  <a:cs typeface="Lato Light" panose="020F0502020204030203" pitchFamily="34" charset="0"/>
-                </a:rPr>
-                <a:t>Business professionals like you connecting. Promotions only work as well.</a:t>
-              </a:r>
-            </a:p>
-          </p:txBody>
-        </p:sp>
-        <p:sp>
-          <p:nvSpPr>
-            <p:cNvPr id="58" name="TextBox 57">
-              <a:extLst>
-                <a:ext uri="{FF2B5EF4-FFF2-40B4-BE49-F238E27FC236}">
-                  <a16:creationId xmlns:a16="http://schemas.microsoft.com/office/drawing/2014/main" id="{37EC4FBF-96BF-2243-A00A-6AD46CC2D91A}"/>
-                </a:ext>
-              </a:extLst>
-            </p:cNvPr>
-            <p:cNvSpPr txBox="1"/>
-            <p:nvPr/>
-          </p:nvSpPr>
-          <p:spPr>
-            <a:xfrm>
-              <a:off x="3268713" y="9102748"/>
-              <a:ext cx="7426996" cy="954107"/>
-            </a:xfrm>
-            <a:prstGeom prst="rect">
-              <a:avLst/>
-            </a:prstGeom>
-            <a:noFill/>
-          </p:spPr>
-          <p:txBody>
-            <a:bodyPr wrap="square" rtlCol="0">
-              <a:spAutoFit/>
-            </a:bodyPr>
-            <a:lstStyle/>
-            <a:p>
-              <a:r>
-                <a:rPr lang="en-US" sz="2800" dirty="0">
-                  <a:latin typeface="Century Gothic" panose="020B0502020202020204" pitchFamily="34" charset="0"/>
-                  <a:ea typeface="Lato Light" panose="020F0502020204030203" pitchFamily="34" charset="0"/>
-                  <a:cs typeface="Lato Light" panose="020F0502020204030203" pitchFamily="34" charset="0"/>
-                </a:rPr>
-                <a:t>Business professionals like you connecting. Promotions only work as well.</a:t>
-              </a:r>
-            </a:p>
-          </p:txBody>
-        </p:sp>
-        <p:sp>
-          <p:nvSpPr>
-            <p:cNvPr id="59" name="TextBox 58">
-              <a:extLst>
-                <a:ext uri="{FF2B5EF4-FFF2-40B4-BE49-F238E27FC236}">
-                  <a16:creationId xmlns:a16="http://schemas.microsoft.com/office/drawing/2014/main" id="{00372060-25B8-AF40-8EDF-2C742EE189A2}"/>
-                </a:ext>
-              </a:extLst>
-            </p:cNvPr>
-            <p:cNvSpPr txBox="1"/>
-            <p:nvPr/>
-          </p:nvSpPr>
-          <p:spPr>
-            <a:xfrm>
-              <a:off x="3268713" y="10410334"/>
-              <a:ext cx="7426995" cy="954107"/>
-            </a:xfrm>
-            <a:prstGeom prst="rect">
-              <a:avLst/>
-            </a:prstGeom>
-            <a:noFill/>
-          </p:spPr>
-          <p:txBody>
-            <a:bodyPr wrap="square" rtlCol="0">
-              <a:spAutoFit/>
-            </a:bodyPr>
-            <a:lstStyle/>
-            <a:p>
-              <a:r>
-                <a:rPr lang="en-US" sz="2800" dirty="0">
-                  <a:latin typeface="Century Gothic" panose="020B0502020202020204" pitchFamily="34" charset="0"/>
-                  <a:ea typeface="Lato Light" panose="020F0502020204030203" pitchFamily="34" charset="0"/>
-                  <a:cs typeface="Lato Light" panose="020F0502020204030203" pitchFamily="34" charset="0"/>
-                </a:rPr>
-                <a:t>Business professionals like you connecting. Promotions only work as well.</a:t>
-              </a:r>
-            </a:p>
-          </p:txBody>
-        </p:sp>
-        <p:grpSp>
-          <p:nvGrpSpPr>
-            <p:cNvPr id="60" name="Group 59">
-              <a:extLst>
-                <a:ext uri="{FF2B5EF4-FFF2-40B4-BE49-F238E27FC236}">
-                  <a16:creationId xmlns:a16="http://schemas.microsoft.com/office/drawing/2014/main" id="{010525D5-1D9F-7545-8BDA-CDB33887D4F7}"/>
-                </a:ext>
-              </a:extLst>
-            </p:cNvPr>
-            <p:cNvGrpSpPr/>
-            <p:nvPr/>
-          </p:nvGrpSpPr>
-          <p:grpSpPr>
-            <a:xfrm>
-              <a:off x="2598087" y="10585025"/>
-              <a:ext cx="551009" cy="551007"/>
-              <a:chOff x="1876443" y="5905870"/>
-              <a:chExt cx="526098" cy="526096"/>
-            </a:xfrm>
-          </p:grpSpPr>
-          <p:sp>
-            <p:nvSpPr>
-              <p:cNvPr id="61" name="Oval 60">
-                <a:extLst>
-                  <a:ext uri="{FF2B5EF4-FFF2-40B4-BE49-F238E27FC236}">
-                    <a16:creationId xmlns:a16="http://schemas.microsoft.com/office/drawing/2014/main" id="{D16613EF-FA4B-C94A-AF94-E644AFBCAC00}"/>
-                  </a:ext>
-                </a:extLst>
-              </p:cNvPr>
-              <p:cNvSpPr/>
-              <p:nvPr/>
-            </p:nvSpPr>
-            <p:spPr>
-              <a:xfrm>
-                <a:off x="1876443" y="5905870"/>
-                <a:ext cx="526098" cy="526096"/>
-              </a:xfrm>
-              <a:prstGeom prst="ellipse">
-                <a:avLst/>
-              </a:prstGeom>
-              <a:solidFill>
-                <a:schemeClr val="accent1"/>
-              </a:solidFill>
-              <a:ln>
-                <a:noFill/>
-              </a:ln>
-            </p:spPr>
-            <p:style>
-              <a:lnRef idx="2">
-                <a:schemeClr val="accent1">
-                  <a:shade val="50000"/>
-                </a:schemeClr>
-              </a:lnRef>
-              <a:fillRef idx="1">
-                <a:schemeClr val="accent1"/>
-              </a:fillRef>
-              <a:effectRef idx="0">
-                <a:schemeClr val="accent1"/>
-              </a:effectRef>
-              <a:fontRef idx="minor">
-                <a:schemeClr val="lt1"/>
-              </a:fontRef>
-            </p:style>
-            <p:txBody>
-              <a:bodyPr rtlCol="0" anchor="ctr"/>
-              <a:lstStyle/>
-              <a:p>
-                <a:pPr algn="ctr"/>
-                <a:endParaRPr lang="en-US" sz="4000">
-                  <a:solidFill>
-                    <a:schemeClr val="tx1"/>
-                  </a:solidFill>
-                  <a:latin typeface="Century Gothic" panose="020B0502020202020204" pitchFamily="34" charset="0"/>
-                </a:endParaRPr>
-              </a:p>
-            </p:txBody>
-          </p:sp>
-          <p:sp>
-            <p:nvSpPr>
-              <p:cNvPr id="62" name="Freeform 61">
-                <a:extLst>
-                  <a:ext uri="{FF2B5EF4-FFF2-40B4-BE49-F238E27FC236}">
-                    <a16:creationId xmlns:a16="http://schemas.microsoft.com/office/drawing/2014/main" id="{E56212C8-4820-EA4E-9B79-B1257B49272C}"/>
-                  </a:ext>
-                </a:extLst>
-              </p:cNvPr>
-              <p:cNvSpPr/>
-              <p:nvPr/>
-            </p:nvSpPr>
-            <p:spPr>
-              <a:xfrm rot="18641522">
-                <a:off x="1995291" y="6074952"/>
-                <a:ext cx="288401" cy="144600"/>
-              </a:xfrm>
-              <a:custGeom>
-                <a:avLst/>
-                <a:gdLst>
-                  <a:gd name="connsiteX0" fmla="*/ 985393 w 985393"/>
-                  <a:gd name="connsiteY0" fmla="*/ 368555 h 494061"/>
-                  <a:gd name="connsiteX1" fmla="*/ 985392 w 985393"/>
-                  <a:gd name="connsiteY1" fmla="*/ 494061 h 494061"/>
-                  <a:gd name="connsiteX2" fmla="*/ 11 w 985393"/>
-                  <a:gd name="connsiteY2" fmla="*/ 494061 h 494061"/>
-                  <a:gd name="connsiteX3" fmla="*/ 11 w 985393"/>
-                  <a:gd name="connsiteY3" fmla="*/ 493059 h 494061"/>
-                  <a:gd name="connsiteX4" fmla="*/ 0 w 985393"/>
-                  <a:gd name="connsiteY4" fmla="*/ 493059 h 494061"/>
-                  <a:gd name="connsiteX5" fmla="*/ 0 w 985393"/>
-                  <a:gd name="connsiteY5" fmla="*/ 0 h 494061"/>
-                  <a:gd name="connsiteX6" fmla="*/ 125506 w 985393"/>
-                  <a:gd name="connsiteY6" fmla="*/ 0 h 494061"/>
-                  <a:gd name="connsiteX7" fmla="*/ 125506 w 985393"/>
-                  <a:gd name="connsiteY7" fmla="*/ 368555 h 494061"/>
-                </a:gdLst>
-                <a:ahLst/>
-                <a:cxnLst>
-                  <a:cxn ang="0">
-                    <a:pos x="connsiteX0" y="connsiteY0"/>
-                  </a:cxn>
-                  <a:cxn ang="0">
-                    <a:pos x="connsiteX1" y="connsiteY1"/>
-                  </a:cxn>
-                  <a:cxn ang="0">
-                    <a:pos x="connsiteX2" y="connsiteY2"/>
-                  </a:cxn>
-                  <a:cxn ang="0">
-                    <a:pos x="connsiteX3" y="connsiteY3"/>
-                  </a:cxn>
-                  <a:cxn ang="0">
-                    <a:pos x="connsiteX4" y="connsiteY4"/>
-                  </a:cxn>
-                  <a:cxn ang="0">
-                    <a:pos x="connsiteX5" y="connsiteY5"/>
-                  </a:cxn>
-                  <a:cxn ang="0">
-                    <a:pos x="connsiteX6" y="connsiteY6"/>
-                  </a:cxn>
-                  <a:cxn ang="0">
-                    <a:pos x="connsiteX7" y="connsiteY7"/>
-                  </a:cxn>
-                </a:cxnLst>
-                <a:rect l="l" t="t" r="r" b="b"/>
-                <a:pathLst>
-                  <a:path w="985393" h="494061">
-                    <a:moveTo>
-                      <a:pt x="985393" y="368555"/>
-                    </a:moveTo>
-                    <a:lnTo>
-                      <a:pt x="985392" y="494061"/>
-                    </a:lnTo>
-                    <a:lnTo>
-                      <a:pt x="11" y="494061"/>
-                    </a:lnTo>
-                    <a:lnTo>
-                      <a:pt x="11" y="493059"/>
-                    </a:lnTo>
-                    <a:lnTo>
-                      <a:pt x="0" y="493059"/>
-                    </a:lnTo>
-                    <a:lnTo>
-                      <a:pt x="0" y="0"/>
-                    </a:lnTo>
-                    <a:lnTo>
-                      <a:pt x="125506" y="0"/>
-                    </a:lnTo>
-                    <a:lnTo>
-                      <a:pt x="125506" y="368555"/>
-                    </a:lnTo>
-                    <a:close/>
-                  </a:path>
-                </a:pathLst>
-              </a:custGeom>
-              <a:solidFill>
-                <a:schemeClr val="bg1"/>
-              </a:solidFill>
-              <a:ln>
-                <a:noFill/>
-              </a:ln>
-            </p:spPr>
-            <p:style>
-              <a:lnRef idx="2">
-                <a:schemeClr val="accent1">
-                  <a:shade val="50000"/>
-                </a:schemeClr>
-              </a:lnRef>
-              <a:fillRef idx="1">
-                <a:schemeClr val="accent1"/>
-              </a:fillRef>
-              <a:effectRef idx="0">
-                <a:schemeClr val="accent1"/>
-              </a:effectRef>
-              <a:fontRef idx="minor">
-                <a:schemeClr val="lt1"/>
-              </a:fontRef>
-            </p:style>
-            <p:txBody>
-              <a:bodyPr rtlCol="0" anchor="ctr"/>
-              <a:lstStyle/>
-              <a:p>
-                <a:pPr algn="ctr"/>
-                <a:endParaRPr lang="en-US" sz="2400">
-                  <a:solidFill>
-                    <a:schemeClr val="tx1"/>
-                  </a:solidFill>
-                  <a:latin typeface="Century Gothic" panose="020B0502020202020204" pitchFamily="34" charset="0"/>
-                </a:endParaRPr>
-              </a:p>
-            </p:txBody>
-          </p:sp>
-        </p:grpSp>
-      </p:grpSp>
-      <p:sp>
-        <p:nvSpPr>
-          <p:cNvPr id="25" name="CuadroTexto 350">
-            <a:extLst>
-              <a:ext uri="{FF2B5EF4-FFF2-40B4-BE49-F238E27FC236}">
-                <a16:creationId xmlns:a16="http://schemas.microsoft.com/office/drawing/2014/main" id="{AC5A627A-8C77-FB40-9EB3-77AAB943153C}"/>
-              </a:ext>
-            </a:extLst>
-          </p:cNvPr>
-          <p:cNvSpPr txBox="1"/>
-          <p:nvPr/>
-        </p:nvSpPr>
-        <p:spPr>
-          <a:xfrm>
-            <a:off x="6328203" y="1071658"/>
-            <a:ext cx="11721479" cy="1323439"/>
-          </a:xfrm>
-          <a:prstGeom prst="rect">
-            <a:avLst/>
-          </a:prstGeom>
-          <a:noFill/>
-        </p:spPr>
-        <p:txBody>
-          <a:bodyPr wrap="none" rtlCol="0">
-            <a:spAutoFit/>
-          </a:bodyPr>
-          <a:lstStyle/>
-          <a:p>
-            <a:pPr algn="ctr"/>
-            <a:r>
-              <a:rPr lang="en-US" sz="8000" b="1" dirty="0">
-                <a:solidFill>
-                  <a:schemeClr val="tx2"/>
-                </a:solidFill>
-                <a:latin typeface="Century Gothic" panose="020B0502020202020204" pitchFamily="34" charset="0"/>
-                <a:ea typeface="Lato Heavy" charset="0"/>
-                <a:cs typeface="Poppins" pitchFamily="2" charset="77"/>
-              </a:rPr>
-              <a:t>Bar Charts Infographics</a:t>
-            </a:r>
-          </a:p>
-        </p:txBody>
-      </p:sp>
-      <p:sp>
-        <p:nvSpPr>
-          <p:cNvPr id="26" name="CuadroTexto 351">
-            <a:extLst>
-              <a:ext uri="{FF2B5EF4-FFF2-40B4-BE49-F238E27FC236}">
-                <a16:creationId xmlns:a16="http://schemas.microsoft.com/office/drawing/2014/main" id="{D681DFAB-7E38-CB4F-93D2-4CC45E2E721F}"/>
-              </a:ext>
-            </a:extLst>
-          </p:cNvPr>
-          <p:cNvSpPr txBox="1"/>
-          <p:nvPr/>
-        </p:nvSpPr>
-        <p:spPr>
-          <a:xfrm>
-            <a:off x="7816943" y="2426170"/>
-            <a:ext cx="8743766" cy="523220"/>
-          </a:xfrm>
-          <a:prstGeom prst="rect">
-            <a:avLst/>
-          </a:prstGeom>
-          <a:noFill/>
-        </p:spPr>
-        <p:txBody>
-          <a:bodyPr wrap="square" rtlCol="0">
-            <a:spAutoFit/>
-          </a:bodyPr>
-          <a:lstStyle/>
-          <a:p>
-            <a:pPr algn="ctr"/>
-            <a:r>
-              <a:rPr lang="en-US" sz="2800" dirty="0">
-                <a:latin typeface="Century Gothic" panose="020B0502020202020204" pitchFamily="34" charset="0"/>
-                <a:cs typeface="Poppins Light" pitchFamily="2" charset="77"/>
-              </a:rPr>
-              <a:t>Analysis of different brands and products.</a:t>
-            </a:r>
-          </a:p>
-        </p:txBody>
-      </p:sp>
-      <p:sp>
-        <p:nvSpPr>
-          <p:cNvPr id="27" name="Rectangle 26">
-            <a:extLst>
-              <a:ext uri="{FF2B5EF4-FFF2-40B4-BE49-F238E27FC236}">
-                <a16:creationId xmlns:a16="http://schemas.microsoft.com/office/drawing/2014/main" id="{CA3BFD8E-CEC2-5748-913C-7D61EBFE66E3}"/>
-              </a:ext>
-            </a:extLst>
-          </p:cNvPr>
-          <p:cNvSpPr/>
-          <p:nvPr/>
-        </p:nvSpPr>
-        <p:spPr>
-          <a:xfrm>
-            <a:off x="11079729" y="3215052"/>
-            <a:ext cx="2223656" cy="38779"/>
-          </a:xfrm>
-          <a:prstGeom prst="rect">
-            <a:avLst/>
-          </a:prstGeom>
-          <a:solidFill>
-            <a:schemeClr val="accent1"/>
-          </a:solidFill>
-          <a:ln>
-            <a:noFill/>
-          </a:ln>
-        </p:spPr>
-        <p:style>
-          <a:lnRef idx="2">
-            <a:schemeClr val="accent1">
-              <a:shade val="50000"/>
-            </a:schemeClr>
-          </a:lnRef>
-          <a:fillRef idx="1">
-            <a:schemeClr val="accent1"/>
-          </a:fillRef>
-          <a:effectRef idx="0">
-            <a:schemeClr val="accent1"/>
-          </a:effectRef>
-          <a:fontRef idx="minor">
-            <a:schemeClr val="lt1"/>
-          </a:fontRef>
-        </p:style>
-        <p:txBody>
-          <a:bodyPr rtlCol="0" anchor="ctr"/>
-          <a:lstStyle/>
-          <a:p>
-            <a:pPr algn="ctr"/>
-            <a:endParaRPr lang="en-US" dirty="0">
-              <a:latin typeface="Century Gothic" panose="020B0502020202020204" pitchFamily="34" charset="0"/>
-            </a:endParaRPr>
-          </a:p>
-        </p:txBody>
-      </p:sp>
-    </p:spTree>
-    <p:extLst>
-      <p:ext uri="{BB962C8B-B14F-4D97-AF65-F5344CB8AC3E}">
-        <p14:creationId xmlns:p14="http://schemas.microsoft.com/office/powerpoint/2010/main" val="3229435698"/>
-      </p:ext>
-    </p:extLst>
-  </p:cSld>
-  <p:clrMapOvr>
-    <a:masterClrMapping/>
-  </p:clrMapOvr>
-</p:sld>
-</file>
-
-<file path=ppt/slides/slide9.xml><?xml version="1.0" encoding="utf-8"?>
-<p:sld xmlns:a="http://schemas.openxmlformats.org/drawingml/2006/main" xmlns:r="http://schemas.openxmlformats.org/officeDocument/2006/relationships" xmlns:p="http://schemas.openxmlformats.org/presentationml/2006/main">
-  <p:cSld>
-    <p:spTree>
-      <p:nvGrpSpPr>
-        <p:cNvPr id="1" name=""/>
-        <p:cNvGrpSpPr/>
-        <p:nvPr/>
-      </p:nvGrpSpPr>
-      <p:grpSpPr>
-        <a:xfrm>
-          <a:off x="0" y="0"/>
-          <a:ext cx="0" cy="0"/>
-          <a:chOff x="0" y="0"/>
-          <a:chExt cx="0" cy="0"/>
-        </a:xfrm>
-      </p:grpSpPr>
-      <p:sp>
-        <p:nvSpPr>
-          <p:cNvPr id="76" name="Rectangle 75">
-            <a:extLst>
-              <a:ext uri="{FF2B5EF4-FFF2-40B4-BE49-F238E27FC236}">
-                <a16:creationId xmlns:a16="http://schemas.microsoft.com/office/drawing/2014/main" id="{230B1080-EFD2-CF44-9D16-F7EFC062949D}"/>
-              </a:ext>
-            </a:extLst>
-          </p:cNvPr>
-          <p:cNvSpPr/>
-          <p:nvPr/>
-        </p:nvSpPr>
-        <p:spPr>
-          <a:xfrm>
-            <a:off x="1520705" y="5059452"/>
-            <a:ext cx="15928232" cy="2071099"/>
-          </a:xfrm>
-          <a:prstGeom prst="rect">
-            <a:avLst/>
-          </a:prstGeom>
-          <a:solidFill>
-            <a:srgbClr val="FDFDFD"/>
-          </a:solidFill>
-          <a:ln>
-            <a:noFill/>
-          </a:ln>
-        </p:spPr>
-        <p:style>
-          <a:lnRef idx="2">
-            <a:schemeClr val="accent1">
-              <a:shade val="50000"/>
-            </a:schemeClr>
-          </a:lnRef>
-          <a:fillRef idx="1">
-            <a:schemeClr val="accent1"/>
-          </a:fillRef>
-          <a:effectRef idx="0">
-            <a:schemeClr val="accent1"/>
-          </a:effectRef>
-          <a:fontRef idx="minor">
-            <a:schemeClr val="lt1"/>
-          </a:fontRef>
-        </p:style>
-        <p:txBody>
-          <a:bodyPr rtlCol="0" anchor="ctr"/>
-          <a:lstStyle/>
-          <a:p>
-            <a:endParaRPr lang="en-US">
-              <a:latin typeface="Century Gothic" panose="020B0502020202020204" pitchFamily="34" charset="0"/>
-            </a:endParaRPr>
-          </a:p>
-        </p:txBody>
-      </p:sp>
-      <p:sp>
-        <p:nvSpPr>
-          <p:cNvPr id="78" name="Rectangle 77">
-            <a:extLst>
-              <a:ext uri="{FF2B5EF4-FFF2-40B4-BE49-F238E27FC236}">
-                <a16:creationId xmlns:a16="http://schemas.microsoft.com/office/drawing/2014/main" id="{483B40CD-08AE-384B-B631-0AF264C55519}"/>
-              </a:ext>
-            </a:extLst>
-          </p:cNvPr>
-          <p:cNvSpPr/>
-          <p:nvPr/>
-        </p:nvSpPr>
-        <p:spPr>
-          <a:xfrm>
-            <a:off x="1520705" y="9468665"/>
-            <a:ext cx="15928232" cy="2071099"/>
-          </a:xfrm>
-          <a:prstGeom prst="rect">
-            <a:avLst/>
-          </a:prstGeom>
-          <a:solidFill>
-            <a:srgbClr val="FDFDFD"/>
-          </a:solidFill>
-          <a:ln>
-            <a:noFill/>
-          </a:ln>
-        </p:spPr>
-        <p:style>
-          <a:lnRef idx="2">
-            <a:schemeClr val="accent1">
-              <a:shade val="50000"/>
-            </a:schemeClr>
-          </a:lnRef>
-          <a:fillRef idx="1">
-            <a:schemeClr val="accent1"/>
-          </a:fillRef>
-          <a:effectRef idx="0">
-            <a:schemeClr val="accent1"/>
-          </a:effectRef>
-          <a:fontRef idx="minor">
-            <a:schemeClr val="lt1"/>
-          </a:fontRef>
-        </p:style>
-        <p:txBody>
-          <a:bodyPr rtlCol="0" anchor="ctr"/>
-          <a:lstStyle/>
-          <a:p>
-            <a:endParaRPr lang="en-US">
-              <a:latin typeface="Century Gothic" panose="020B0502020202020204" pitchFamily="34" charset="0"/>
-            </a:endParaRPr>
-          </a:p>
-        </p:txBody>
-      </p:sp>
-      <p:graphicFrame>
-        <p:nvGraphicFramePr>
-          <p:cNvPr id="24" name="Chart 23">
-            <a:extLst>
-              <a:ext uri="{FF2B5EF4-FFF2-40B4-BE49-F238E27FC236}">
-                <a16:creationId xmlns:a16="http://schemas.microsoft.com/office/drawing/2014/main" id="{E69919BC-19C8-284A-BF49-362604A69CC8}"/>
-              </a:ext>
-            </a:extLst>
-          </p:cNvPr>
-          <p:cNvGraphicFramePr/>
-          <p:nvPr/>
-        </p:nvGraphicFramePr>
-        <p:xfrm>
-          <a:off x="14164913" y="3975410"/>
-          <a:ext cx="9112934" cy="8648396"/>
-        </p:xfrm>
-        <a:graphic>
-          <a:graphicData uri="http://schemas.openxmlformats.org/drawingml/2006/chart">
-            <c:chart xmlns:c="http://schemas.openxmlformats.org/drawingml/2006/chart" xmlns:r="http://schemas.openxmlformats.org/officeDocument/2006/relationships" r:id="rId2"/>
-          </a:graphicData>
-        </a:graphic>
-      </p:graphicFrame>
-      <p:sp>
-        <p:nvSpPr>
-          <p:cNvPr id="25" name="CuadroTexto 395">
-            <a:extLst>
-              <a:ext uri="{FF2B5EF4-FFF2-40B4-BE49-F238E27FC236}">
-                <a16:creationId xmlns:a16="http://schemas.microsoft.com/office/drawing/2014/main" id="{01A7C77E-F9CE-E044-800E-CCFEAD8B9FBD}"/>
-              </a:ext>
-            </a:extLst>
-          </p:cNvPr>
-          <p:cNvSpPr txBox="1"/>
-          <p:nvPr/>
-        </p:nvSpPr>
-        <p:spPr>
-          <a:xfrm>
-            <a:off x="16203731" y="6118583"/>
-            <a:ext cx="2361800" cy="707886"/>
-          </a:xfrm>
-          <a:prstGeom prst="rect">
-            <a:avLst/>
-          </a:prstGeom>
-          <a:noFill/>
-        </p:spPr>
-        <p:txBody>
-          <a:bodyPr wrap="square" rtlCol="0">
-            <a:spAutoFit/>
-          </a:bodyPr>
-          <a:lstStyle/>
-          <a:p>
-            <a:pPr algn="ctr"/>
-            <a:r>
-              <a:rPr lang="en-US" sz="4000" b="1" dirty="0">
-                <a:solidFill>
-                  <a:schemeClr val="bg1"/>
-                </a:solidFill>
-                <a:latin typeface="Century Gothic" panose="020B0502020202020204" pitchFamily="34" charset="0"/>
-                <a:ea typeface="Roboto Medium" panose="02000000000000000000" pitchFamily="2" charset="0"/>
-                <a:cs typeface="Poppins Medium" pitchFamily="2" charset="77"/>
-              </a:rPr>
-              <a:t>2.34%</a:t>
-            </a:r>
-          </a:p>
-        </p:txBody>
-      </p:sp>
-      <p:sp>
-        <p:nvSpPr>
-          <p:cNvPr id="26" name="CuadroTexto 395">
-            <a:extLst>
-              <a:ext uri="{FF2B5EF4-FFF2-40B4-BE49-F238E27FC236}">
-                <a16:creationId xmlns:a16="http://schemas.microsoft.com/office/drawing/2014/main" id="{CAC37EC7-076E-C241-A299-F9301228F8A1}"/>
-              </a:ext>
-            </a:extLst>
-          </p:cNvPr>
-          <p:cNvSpPr txBox="1"/>
-          <p:nvPr/>
-        </p:nvSpPr>
-        <p:spPr>
-          <a:xfrm>
-            <a:off x="16047881" y="5574095"/>
-            <a:ext cx="2673499" cy="461665"/>
-          </a:xfrm>
-          <a:prstGeom prst="rect">
-            <a:avLst/>
-          </a:prstGeom>
-          <a:noFill/>
-        </p:spPr>
-        <p:txBody>
-          <a:bodyPr wrap="square" rtlCol="0">
-            <a:spAutoFit/>
-          </a:bodyPr>
-          <a:lstStyle/>
-          <a:p>
-            <a:pPr algn="ctr"/>
-            <a:r>
-              <a:rPr lang="en-US" sz="2400" dirty="0">
-                <a:solidFill>
-                  <a:schemeClr val="bg1"/>
-                </a:solidFill>
-                <a:latin typeface="Century Gothic" panose="020B0502020202020204" pitchFamily="34" charset="0"/>
-                <a:ea typeface="Roboto Medium" panose="02000000000000000000" pitchFamily="2" charset="0"/>
-                <a:cs typeface="Poppins Medium" pitchFamily="2" charset="77"/>
-              </a:rPr>
-              <a:t>Marketing</a:t>
-            </a:r>
-          </a:p>
-        </p:txBody>
-      </p:sp>
-      <p:sp>
-        <p:nvSpPr>
-          <p:cNvPr id="32" name="CuadroTexto 395">
-            <a:extLst>
-              <a:ext uri="{FF2B5EF4-FFF2-40B4-BE49-F238E27FC236}">
-                <a16:creationId xmlns:a16="http://schemas.microsoft.com/office/drawing/2014/main" id="{19C2F793-1BC6-FA4E-8025-32A178CC8CF0}"/>
-              </a:ext>
-            </a:extLst>
-          </p:cNvPr>
-          <p:cNvSpPr txBox="1"/>
-          <p:nvPr/>
-        </p:nvSpPr>
-        <p:spPr>
-          <a:xfrm>
-            <a:off x="19135048" y="9924093"/>
-            <a:ext cx="2361800" cy="707886"/>
-          </a:xfrm>
-          <a:prstGeom prst="rect">
-            <a:avLst/>
-          </a:prstGeom>
-          <a:noFill/>
-        </p:spPr>
-        <p:txBody>
-          <a:bodyPr wrap="square" rtlCol="0">
-            <a:spAutoFit/>
-          </a:bodyPr>
-          <a:lstStyle/>
-          <a:p>
-            <a:pPr algn="ctr"/>
-            <a:r>
-              <a:rPr lang="en-US" sz="4000" b="1" dirty="0">
-                <a:solidFill>
-                  <a:schemeClr val="bg1"/>
-                </a:solidFill>
-                <a:latin typeface="Century Gothic" panose="020B0502020202020204" pitchFamily="34" charset="0"/>
-                <a:ea typeface="Roboto Medium" panose="02000000000000000000" pitchFamily="2" charset="0"/>
-                <a:cs typeface="Poppins Medium" pitchFamily="2" charset="77"/>
-              </a:rPr>
-              <a:t>6.53%</a:t>
-            </a:r>
-          </a:p>
-        </p:txBody>
-      </p:sp>
-      <p:sp>
-        <p:nvSpPr>
-          <p:cNvPr id="35" name="CuadroTexto 395">
-            <a:extLst>
-              <a:ext uri="{FF2B5EF4-FFF2-40B4-BE49-F238E27FC236}">
-                <a16:creationId xmlns:a16="http://schemas.microsoft.com/office/drawing/2014/main" id="{545834C3-C50C-0944-A35F-3A976620E175}"/>
-              </a:ext>
-            </a:extLst>
-          </p:cNvPr>
-          <p:cNvSpPr txBox="1"/>
-          <p:nvPr/>
-        </p:nvSpPr>
-        <p:spPr>
-          <a:xfrm>
-            <a:off x="18979198" y="9379605"/>
-            <a:ext cx="2673499" cy="461665"/>
-          </a:xfrm>
-          <a:prstGeom prst="rect">
-            <a:avLst/>
-          </a:prstGeom>
-          <a:noFill/>
-        </p:spPr>
-        <p:txBody>
-          <a:bodyPr wrap="square" rtlCol="0">
-            <a:spAutoFit/>
-          </a:bodyPr>
-          <a:lstStyle/>
-          <a:p>
-            <a:pPr algn="ctr"/>
-            <a:r>
-              <a:rPr lang="en-US" sz="2400" dirty="0">
-                <a:solidFill>
-                  <a:schemeClr val="bg1"/>
-                </a:solidFill>
-                <a:latin typeface="Century Gothic" panose="020B0502020202020204" pitchFamily="34" charset="0"/>
-                <a:ea typeface="Roboto Medium" panose="02000000000000000000" pitchFamily="2" charset="0"/>
-                <a:cs typeface="Poppins Medium" pitchFamily="2" charset="77"/>
-              </a:rPr>
-              <a:t>Financial</a:t>
-            </a:r>
-          </a:p>
-        </p:txBody>
-      </p:sp>
-      <p:sp>
-        <p:nvSpPr>
-          <p:cNvPr id="37" name="CuadroTexto 395">
-            <a:extLst>
-              <a:ext uri="{FF2B5EF4-FFF2-40B4-BE49-F238E27FC236}">
-                <a16:creationId xmlns:a16="http://schemas.microsoft.com/office/drawing/2014/main" id="{6B18E804-5249-FC45-A36D-C61E5CD6CC6D}"/>
-              </a:ext>
-            </a:extLst>
-          </p:cNvPr>
-          <p:cNvSpPr txBox="1"/>
-          <p:nvPr/>
-        </p:nvSpPr>
-        <p:spPr>
-          <a:xfrm>
-            <a:off x="14931288" y="9025662"/>
-            <a:ext cx="2361800" cy="707886"/>
-          </a:xfrm>
-          <a:prstGeom prst="rect">
-            <a:avLst/>
-          </a:prstGeom>
-          <a:noFill/>
-        </p:spPr>
-        <p:txBody>
-          <a:bodyPr wrap="square" rtlCol="0">
-            <a:spAutoFit/>
-          </a:bodyPr>
-          <a:lstStyle/>
-          <a:p>
-            <a:pPr algn="ctr"/>
-            <a:r>
-              <a:rPr lang="en-US" sz="4000" b="1" dirty="0">
-                <a:solidFill>
-                  <a:schemeClr val="bg1"/>
-                </a:solidFill>
-                <a:latin typeface="Century Gothic" panose="020B0502020202020204" pitchFamily="34" charset="0"/>
-                <a:ea typeface="Roboto Medium" panose="02000000000000000000" pitchFamily="2" charset="0"/>
-                <a:cs typeface="Poppins Medium" pitchFamily="2" charset="77"/>
-              </a:rPr>
-              <a:t>4.92%</a:t>
-            </a:r>
-          </a:p>
-        </p:txBody>
-      </p:sp>
-      <p:sp>
-        <p:nvSpPr>
-          <p:cNvPr id="38" name="CuadroTexto 395">
-            <a:extLst>
-              <a:ext uri="{FF2B5EF4-FFF2-40B4-BE49-F238E27FC236}">
-                <a16:creationId xmlns:a16="http://schemas.microsoft.com/office/drawing/2014/main" id="{CA7A8E96-14BC-B34C-86B5-DF089E98AD95}"/>
-              </a:ext>
-            </a:extLst>
-          </p:cNvPr>
-          <p:cNvSpPr txBox="1"/>
-          <p:nvPr/>
-        </p:nvSpPr>
-        <p:spPr>
-          <a:xfrm>
-            <a:off x="14775438" y="8481174"/>
-            <a:ext cx="2673499" cy="461665"/>
-          </a:xfrm>
-          <a:prstGeom prst="rect">
-            <a:avLst/>
-          </a:prstGeom>
-          <a:noFill/>
-        </p:spPr>
-        <p:txBody>
-          <a:bodyPr wrap="square" rtlCol="0">
-            <a:spAutoFit/>
-          </a:bodyPr>
-          <a:lstStyle/>
-          <a:p>
-            <a:pPr algn="ctr"/>
-            <a:r>
-              <a:rPr lang="en-US" sz="2400" dirty="0">
-                <a:solidFill>
-                  <a:schemeClr val="bg1"/>
-                </a:solidFill>
-                <a:latin typeface="Century Gothic" panose="020B0502020202020204" pitchFamily="34" charset="0"/>
-                <a:ea typeface="Roboto Medium" panose="02000000000000000000" pitchFamily="2" charset="0"/>
-                <a:cs typeface="Poppins Medium" pitchFamily="2" charset="77"/>
-              </a:rPr>
-              <a:t>Business</a:t>
-            </a:r>
-          </a:p>
-        </p:txBody>
-      </p:sp>
-      <p:sp>
-        <p:nvSpPr>
-          <p:cNvPr id="80" name="CuadroTexto 395">
-            <a:extLst>
-              <a:ext uri="{FF2B5EF4-FFF2-40B4-BE49-F238E27FC236}">
-                <a16:creationId xmlns:a16="http://schemas.microsoft.com/office/drawing/2014/main" id="{6D48E331-D1AF-E447-A841-7E206CB9FE1E}"/>
-              </a:ext>
-            </a:extLst>
-          </p:cNvPr>
-          <p:cNvSpPr txBox="1"/>
-          <p:nvPr/>
-        </p:nvSpPr>
-        <p:spPr>
-          <a:xfrm>
-            <a:off x="4887735" y="5790301"/>
-            <a:ext cx="1371600" cy="707886"/>
-          </a:xfrm>
-          <a:prstGeom prst="rect">
-            <a:avLst/>
-          </a:prstGeom>
-          <a:noFill/>
-        </p:spPr>
-        <p:txBody>
-          <a:bodyPr wrap="square" rtlCol="0">
-            <a:spAutoFit/>
-          </a:bodyPr>
-          <a:lstStyle/>
-          <a:p>
-            <a:r>
-              <a:rPr lang="en-US" sz="4000" b="1" dirty="0">
-                <a:solidFill>
-                  <a:schemeClr val="tx2"/>
-                </a:solidFill>
-                <a:latin typeface="Century Gothic" panose="020B0502020202020204" pitchFamily="34" charset="0"/>
-                <a:ea typeface="Roboto Medium" panose="02000000000000000000" pitchFamily="2" charset="0"/>
-                <a:cs typeface="Poppins Medium" pitchFamily="2" charset="77"/>
-              </a:rPr>
-              <a:t>24%</a:t>
-            </a:r>
-          </a:p>
-        </p:txBody>
-      </p:sp>
-      <p:sp>
-        <p:nvSpPr>
-          <p:cNvPr id="81" name="CuadroTexto 395">
-            <a:extLst>
-              <a:ext uri="{FF2B5EF4-FFF2-40B4-BE49-F238E27FC236}">
-                <a16:creationId xmlns:a16="http://schemas.microsoft.com/office/drawing/2014/main" id="{F76DA269-8B73-E742-AE72-BC4D8F875850}"/>
-              </a:ext>
-            </a:extLst>
-          </p:cNvPr>
-          <p:cNvSpPr txBox="1"/>
-          <p:nvPr/>
-        </p:nvSpPr>
-        <p:spPr>
-          <a:xfrm>
-            <a:off x="2257832" y="5894701"/>
-            <a:ext cx="2361800" cy="400110"/>
-          </a:xfrm>
-          <a:prstGeom prst="rect">
-            <a:avLst/>
-          </a:prstGeom>
-          <a:noFill/>
-        </p:spPr>
-        <p:txBody>
-          <a:bodyPr wrap="square" rtlCol="0">
-            <a:spAutoFit/>
-          </a:bodyPr>
-          <a:lstStyle/>
-          <a:p>
-            <a:r>
-              <a:rPr lang="en-US" sz="2000" spc="300" dirty="0">
-                <a:latin typeface="Century Gothic" panose="020B0502020202020204" pitchFamily="34" charset="0"/>
-                <a:ea typeface="Roboto Medium" panose="02000000000000000000" pitchFamily="2" charset="0"/>
-                <a:cs typeface="Poppins Medium" pitchFamily="2" charset="77"/>
-              </a:rPr>
-              <a:t>1 month ago</a:t>
-            </a:r>
-          </a:p>
-        </p:txBody>
-      </p:sp>
-      <p:grpSp>
-        <p:nvGrpSpPr>
-          <p:cNvPr id="82" name="Group 81">
-            <a:extLst>
-              <a:ext uri="{FF2B5EF4-FFF2-40B4-BE49-F238E27FC236}">
-                <a16:creationId xmlns:a16="http://schemas.microsoft.com/office/drawing/2014/main" id="{02E73E9F-F730-6347-8F03-C84E0E3754F7}"/>
-              </a:ext>
-            </a:extLst>
-          </p:cNvPr>
-          <p:cNvGrpSpPr/>
-          <p:nvPr/>
-        </p:nvGrpSpPr>
-        <p:grpSpPr>
-          <a:xfrm>
-            <a:off x="6777059" y="5790301"/>
-            <a:ext cx="1371600" cy="609399"/>
-            <a:chOff x="7521677" y="11115569"/>
-            <a:chExt cx="1371600" cy="609399"/>
-          </a:xfrm>
-        </p:grpSpPr>
-        <p:sp>
-          <p:nvSpPr>
-            <p:cNvPr id="83" name="Rounded Rectangle 82">
-              <a:extLst>
-                <a:ext uri="{FF2B5EF4-FFF2-40B4-BE49-F238E27FC236}">
-                  <a16:creationId xmlns:a16="http://schemas.microsoft.com/office/drawing/2014/main" id="{95CD2EF9-A16E-5543-AE52-F947D3905342}"/>
-                </a:ext>
-              </a:extLst>
-            </p:cNvPr>
-            <p:cNvSpPr/>
-            <p:nvPr/>
-          </p:nvSpPr>
-          <p:spPr>
-            <a:xfrm>
-              <a:off x="7521677" y="11115569"/>
-              <a:ext cx="1371600" cy="609399"/>
-            </a:xfrm>
-            <a:prstGeom prst="roundRect">
-              <a:avLst/>
-            </a:prstGeom>
-            <a:solidFill>
-              <a:schemeClr val="accent1"/>
-            </a:solidFill>
-            <a:ln>
-              <a:noFill/>
-            </a:ln>
-          </p:spPr>
-          <p:style>
-            <a:lnRef idx="2">
-              <a:schemeClr val="accent1">
-                <a:shade val="50000"/>
-              </a:schemeClr>
-            </a:lnRef>
-            <a:fillRef idx="1">
-              <a:schemeClr val="accent1"/>
-            </a:fillRef>
-            <a:effectRef idx="0">
-              <a:schemeClr val="accent1"/>
-            </a:effectRef>
-            <a:fontRef idx="minor">
-              <a:schemeClr val="lt1"/>
-            </a:fontRef>
-          </p:style>
-          <p:txBody>
-            <a:bodyPr rtlCol="0" anchor="ctr"/>
-            <a:lstStyle/>
-            <a:p>
-              <a:pPr algn="ctr"/>
-              <a:endParaRPr lang="en-US" dirty="0">
-                <a:latin typeface="Century Gothic" panose="020B0502020202020204" pitchFamily="34" charset="0"/>
-              </a:endParaRPr>
-            </a:p>
-          </p:txBody>
-        </p:sp>
-        <p:grpSp>
-          <p:nvGrpSpPr>
-            <p:cNvPr id="84" name="Group 83">
-              <a:extLst>
-                <a:ext uri="{FF2B5EF4-FFF2-40B4-BE49-F238E27FC236}">
-                  <a16:creationId xmlns:a16="http://schemas.microsoft.com/office/drawing/2014/main" id="{809A764B-A028-0141-84C4-09BB13A4D4CC}"/>
-                </a:ext>
-              </a:extLst>
-            </p:cNvPr>
-            <p:cNvGrpSpPr/>
-            <p:nvPr/>
-          </p:nvGrpSpPr>
-          <p:grpSpPr>
-            <a:xfrm>
-              <a:off x="7822180" y="11239796"/>
-              <a:ext cx="959209" cy="407993"/>
-              <a:chOff x="7798531" y="11239796"/>
-              <a:chExt cx="959209" cy="407993"/>
-            </a:xfrm>
-          </p:grpSpPr>
-          <p:sp>
-            <p:nvSpPr>
-              <p:cNvPr id="85" name="CuadroTexto 395">
-                <a:extLst>
-                  <a:ext uri="{FF2B5EF4-FFF2-40B4-BE49-F238E27FC236}">
-                    <a16:creationId xmlns:a16="http://schemas.microsoft.com/office/drawing/2014/main" id="{1A662A20-014E-1745-9EA5-9F33788EF562}"/>
-                  </a:ext>
-                </a:extLst>
-              </p:cNvPr>
-              <p:cNvSpPr txBox="1"/>
-              <p:nvPr/>
-            </p:nvSpPr>
-            <p:spPr>
-              <a:xfrm>
-                <a:off x="7875391" y="11247679"/>
-                <a:ext cx="882349" cy="400110"/>
-              </a:xfrm>
-              <a:prstGeom prst="rect">
-                <a:avLst/>
-              </a:prstGeom>
-              <a:noFill/>
-            </p:spPr>
-            <p:txBody>
-              <a:bodyPr wrap="square" rtlCol="0">
-                <a:spAutoFit/>
-              </a:bodyPr>
-              <a:lstStyle/>
-              <a:p>
-                <a:r>
-                  <a:rPr lang="en-US" sz="2000" dirty="0">
-                    <a:solidFill>
-                      <a:schemeClr val="bg1"/>
-                    </a:solidFill>
-                    <a:latin typeface="Century Gothic" panose="020B0502020202020204" pitchFamily="34" charset="0"/>
-                    <a:ea typeface="Roboto Medium" panose="02000000000000000000" pitchFamily="2" charset="0"/>
-                    <a:cs typeface="Poppins Medium" pitchFamily="2" charset="77"/>
-                  </a:rPr>
-                  <a:t>120%</a:t>
-                </a:r>
-              </a:p>
-            </p:txBody>
-          </p:sp>
-          <p:cxnSp>
-            <p:nvCxnSpPr>
-              <p:cNvPr id="86" name="Straight Arrow Connector 85">
-                <a:extLst>
-                  <a:ext uri="{FF2B5EF4-FFF2-40B4-BE49-F238E27FC236}">
-                    <a16:creationId xmlns:a16="http://schemas.microsoft.com/office/drawing/2014/main" id="{ABC568D0-56AB-5441-B179-022A98A4CDB9}"/>
-                  </a:ext>
-                </a:extLst>
-              </p:cNvPr>
-              <p:cNvCxnSpPr>
-                <a:cxnSpLocks/>
-              </p:cNvCxnSpPr>
-              <p:nvPr/>
-            </p:nvCxnSpPr>
-            <p:spPr>
-              <a:xfrm flipV="1">
-                <a:off x="7798531" y="11239796"/>
-                <a:ext cx="0" cy="334122"/>
-              </a:xfrm>
-              <a:prstGeom prst="straightConnector1">
-                <a:avLst/>
-              </a:prstGeom>
-              <a:ln w="38100">
-                <a:solidFill>
-                  <a:schemeClr val="bg1"/>
-                </a:solidFill>
-                <a:tailEnd type="triangle"/>
-              </a:ln>
-            </p:spPr>
-            <p:style>
-              <a:lnRef idx="1">
-                <a:schemeClr val="accent1"/>
-              </a:lnRef>
-              <a:fillRef idx="0">
-                <a:schemeClr val="accent1"/>
-              </a:fillRef>
-              <a:effectRef idx="0">
-                <a:schemeClr val="accent1"/>
-              </a:effectRef>
-              <a:fontRef idx="minor">
-                <a:schemeClr val="tx1"/>
-              </a:fontRef>
-            </p:style>
-          </p:cxnSp>
-        </p:grpSp>
-      </p:grpSp>
-      <p:sp>
-        <p:nvSpPr>
-          <p:cNvPr id="88" name="CuadroTexto 395">
-            <a:extLst>
-              <a:ext uri="{FF2B5EF4-FFF2-40B4-BE49-F238E27FC236}">
-                <a16:creationId xmlns:a16="http://schemas.microsoft.com/office/drawing/2014/main" id="{09A8604E-79C6-E947-8712-33182BA29270}"/>
-              </a:ext>
-            </a:extLst>
-          </p:cNvPr>
-          <p:cNvSpPr txBox="1"/>
-          <p:nvPr/>
-        </p:nvSpPr>
-        <p:spPr>
-          <a:xfrm>
-            <a:off x="4887735" y="7965800"/>
-            <a:ext cx="1371600" cy="707886"/>
-          </a:xfrm>
-          <a:prstGeom prst="rect">
-            <a:avLst/>
-          </a:prstGeom>
-          <a:noFill/>
-        </p:spPr>
-        <p:txBody>
-          <a:bodyPr wrap="square" rtlCol="0">
-            <a:spAutoFit/>
-          </a:bodyPr>
-          <a:lstStyle/>
-          <a:p>
-            <a:r>
-              <a:rPr lang="en-US" sz="4000" b="1" dirty="0">
-                <a:solidFill>
-                  <a:schemeClr val="tx2"/>
-                </a:solidFill>
-                <a:latin typeface="Century Gothic" panose="020B0502020202020204" pitchFamily="34" charset="0"/>
-                <a:ea typeface="Roboto Medium" panose="02000000000000000000" pitchFamily="2" charset="0"/>
-                <a:cs typeface="Poppins Medium" pitchFamily="2" charset="77"/>
-              </a:rPr>
-              <a:t>70%</a:t>
-            </a:r>
-          </a:p>
-        </p:txBody>
-      </p:sp>
-      <p:sp>
-        <p:nvSpPr>
-          <p:cNvPr id="89" name="CuadroTexto 395">
-            <a:extLst>
-              <a:ext uri="{FF2B5EF4-FFF2-40B4-BE49-F238E27FC236}">
-                <a16:creationId xmlns:a16="http://schemas.microsoft.com/office/drawing/2014/main" id="{CE18AB8C-BBAF-7B4B-BAC7-FD1495D1E810}"/>
-              </a:ext>
-            </a:extLst>
-          </p:cNvPr>
-          <p:cNvSpPr txBox="1"/>
-          <p:nvPr/>
-        </p:nvSpPr>
-        <p:spPr>
-          <a:xfrm>
-            <a:off x="2257832" y="8070200"/>
-            <a:ext cx="2361800" cy="400110"/>
-          </a:xfrm>
-          <a:prstGeom prst="rect">
-            <a:avLst/>
-          </a:prstGeom>
-          <a:noFill/>
-        </p:spPr>
-        <p:txBody>
-          <a:bodyPr wrap="square" rtlCol="0">
-            <a:spAutoFit/>
-          </a:bodyPr>
-          <a:lstStyle/>
-          <a:p>
-            <a:r>
-              <a:rPr lang="en-US" sz="2000" spc="300" dirty="0">
-                <a:latin typeface="Century Gothic" panose="020B0502020202020204" pitchFamily="34" charset="0"/>
-                <a:ea typeface="Roboto Medium" panose="02000000000000000000" pitchFamily="2" charset="0"/>
-                <a:cs typeface="Poppins Medium" pitchFamily="2" charset="77"/>
-              </a:rPr>
-              <a:t>3 month ago</a:t>
-            </a:r>
-          </a:p>
-        </p:txBody>
-      </p:sp>
-      <p:grpSp>
-        <p:nvGrpSpPr>
-          <p:cNvPr id="90" name="Group 89">
-            <a:extLst>
-              <a:ext uri="{FF2B5EF4-FFF2-40B4-BE49-F238E27FC236}">
-                <a16:creationId xmlns:a16="http://schemas.microsoft.com/office/drawing/2014/main" id="{66155ACC-37C0-0643-9E9E-303771997947}"/>
-              </a:ext>
-            </a:extLst>
-          </p:cNvPr>
-          <p:cNvGrpSpPr/>
-          <p:nvPr/>
-        </p:nvGrpSpPr>
-        <p:grpSpPr>
-          <a:xfrm>
-            <a:off x="6777059" y="7965800"/>
-            <a:ext cx="1371600" cy="609399"/>
-            <a:chOff x="7521677" y="11115569"/>
-            <a:chExt cx="1371600" cy="609399"/>
-          </a:xfrm>
-        </p:grpSpPr>
-        <p:sp>
-          <p:nvSpPr>
-            <p:cNvPr id="91" name="Rounded Rectangle 90">
-              <a:extLst>
-                <a:ext uri="{FF2B5EF4-FFF2-40B4-BE49-F238E27FC236}">
-                  <a16:creationId xmlns:a16="http://schemas.microsoft.com/office/drawing/2014/main" id="{169EB74A-E8A3-E144-8B33-BE17E72307CE}"/>
-                </a:ext>
-              </a:extLst>
-            </p:cNvPr>
-            <p:cNvSpPr/>
-            <p:nvPr/>
-          </p:nvSpPr>
-          <p:spPr>
-            <a:xfrm>
-              <a:off x="7521677" y="11115569"/>
-              <a:ext cx="1371600" cy="609399"/>
-            </a:xfrm>
-            <a:prstGeom prst="roundRect">
-              <a:avLst/>
-            </a:prstGeom>
-            <a:solidFill>
-              <a:schemeClr val="accent2"/>
-            </a:solidFill>
-            <a:ln>
-              <a:noFill/>
-            </a:ln>
-          </p:spPr>
-          <p:style>
-            <a:lnRef idx="2">
-              <a:schemeClr val="accent1">
-                <a:shade val="50000"/>
-              </a:schemeClr>
-            </a:lnRef>
-            <a:fillRef idx="1">
-              <a:schemeClr val="accent1"/>
-            </a:fillRef>
-            <a:effectRef idx="0">
-              <a:schemeClr val="accent1"/>
-            </a:effectRef>
-            <a:fontRef idx="minor">
-              <a:schemeClr val="lt1"/>
-            </a:fontRef>
-          </p:style>
-          <p:txBody>
-            <a:bodyPr rtlCol="0" anchor="ctr"/>
-            <a:lstStyle/>
-            <a:p>
-              <a:pPr algn="ctr"/>
-              <a:endParaRPr lang="en-US" dirty="0">
-                <a:latin typeface="Century Gothic" panose="020B0502020202020204" pitchFamily="34" charset="0"/>
-              </a:endParaRPr>
-            </a:p>
-          </p:txBody>
-        </p:sp>
-        <p:grpSp>
-          <p:nvGrpSpPr>
-            <p:cNvPr id="92" name="Group 91">
-              <a:extLst>
-                <a:ext uri="{FF2B5EF4-FFF2-40B4-BE49-F238E27FC236}">
-                  <a16:creationId xmlns:a16="http://schemas.microsoft.com/office/drawing/2014/main" id="{0D6932C1-0451-EB49-B606-FE032E4D4561}"/>
-                </a:ext>
-              </a:extLst>
-            </p:cNvPr>
-            <p:cNvGrpSpPr/>
-            <p:nvPr/>
-          </p:nvGrpSpPr>
-          <p:grpSpPr>
-            <a:xfrm>
-              <a:off x="7822180" y="11239796"/>
-              <a:ext cx="959209" cy="407993"/>
-              <a:chOff x="7798531" y="11239796"/>
-              <a:chExt cx="959209" cy="407993"/>
-            </a:xfrm>
-          </p:grpSpPr>
-          <p:sp>
-            <p:nvSpPr>
-              <p:cNvPr id="93" name="CuadroTexto 395">
-                <a:extLst>
-                  <a:ext uri="{FF2B5EF4-FFF2-40B4-BE49-F238E27FC236}">
-                    <a16:creationId xmlns:a16="http://schemas.microsoft.com/office/drawing/2014/main" id="{963A091E-E776-1D4D-9A12-7CF6F117DCDE}"/>
-                  </a:ext>
-                </a:extLst>
-              </p:cNvPr>
-              <p:cNvSpPr txBox="1"/>
-              <p:nvPr/>
-            </p:nvSpPr>
-            <p:spPr>
-              <a:xfrm>
-                <a:off x="7875391" y="11247679"/>
-                <a:ext cx="882349" cy="400110"/>
-              </a:xfrm>
-              <a:prstGeom prst="rect">
-                <a:avLst/>
-              </a:prstGeom>
-              <a:noFill/>
-            </p:spPr>
-            <p:txBody>
-              <a:bodyPr wrap="square" rtlCol="0">
-                <a:spAutoFit/>
-              </a:bodyPr>
-              <a:lstStyle/>
-              <a:p>
-                <a:r>
-                  <a:rPr lang="en-US" sz="2000" dirty="0">
-                    <a:solidFill>
-                      <a:schemeClr val="bg1"/>
-                    </a:solidFill>
-                    <a:latin typeface="Century Gothic" panose="020B0502020202020204" pitchFamily="34" charset="0"/>
-                    <a:ea typeface="Roboto Medium" panose="02000000000000000000" pitchFamily="2" charset="0"/>
-                    <a:cs typeface="Poppins Medium" pitchFamily="2" charset="77"/>
-                  </a:rPr>
-                  <a:t>160%</a:t>
-                </a:r>
-              </a:p>
-            </p:txBody>
-          </p:sp>
-          <p:cxnSp>
-            <p:nvCxnSpPr>
-              <p:cNvPr id="94" name="Straight Arrow Connector 93">
-                <a:extLst>
-                  <a:ext uri="{FF2B5EF4-FFF2-40B4-BE49-F238E27FC236}">
-                    <a16:creationId xmlns:a16="http://schemas.microsoft.com/office/drawing/2014/main" id="{DA5C4DD5-C4C2-7C4A-9519-DA2B47A88D99}"/>
-                  </a:ext>
-                </a:extLst>
-              </p:cNvPr>
-              <p:cNvCxnSpPr>
-                <a:cxnSpLocks/>
-              </p:cNvCxnSpPr>
-              <p:nvPr/>
-            </p:nvCxnSpPr>
-            <p:spPr>
-              <a:xfrm flipV="1">
-                <a:off x="7798531" y="11239796"/>
-                <a:ext cx="0" cy="334122"/>
-              </a:xfrm>
-              <a:prstGeom prst="straightConnector1">
-                <a:avLst/>
-              </a:prstGeom>
-              <a:ln w="38100">
-                <a:solidFill>
-                  <a:schemeClr val="bg1"/>
-                </a:solidFill>
-                <a:tailEnd type="triangle"/>
-              </a:ln>
-            </p:spPr>
-            <p:style>
-              <a:lnRef idx="1">
-                <a:schemeClr val="accent1"/>
-              </a:lnRef>
-              <a:fillRef idx="0">
-                <a:schemeClr val="accent1"/>
-              </a:fillRef>
-              <a:effectRef idx="0">
-                <a:schemeClr val="accent1"/>
-              </a:effectRef>
-              <a:fontRef idx="minor">
-                <a:schemeClr val="tx1"/>
-              </a:fontRef>
-            </p:style>
-          </p:cxnSp>
-        </p:grpSp>
-      </p:grpSp>
-      <p:sp>
-        <p:nvSpPr>
-          <p:cNvPr id="96" name="CuadroTexto 395">
-            <a:extLst>
-              <a:ext uri="{FF2B5EF4-FFF2-40B4-BE49-F238E27FC236}">
-                <a16:creationId xmlns:a16="http://schemas.microsoft.com/office/drawing/2014/main" id="{D96CDD36-B21E-CD47-90C6-D3E5D840F1A3}"/>
-              </a:ext>
-            </a:extLst>
-          </p:cNvPr>
-          <p:cNvSpPr txBox="1"/>
-          <p:nvPr/>
-        </p:nvSpPr>
-        <p:spPr>
-          <a:xfrm>
-            <a:off x="4887735" y="10151061"/>
-            <a:ext cx="1371600" cy="707886"/>
-          </a:xfrm>
-          <a:prstGeom prst="rect">
-            <a:avLst/>
-          </a:prstGeom>
-          <a:noFill/>
-        </p:spPr>
-        <p:txBody>
-          <a:bodyPr wrap="square" rtlCol="0">
-            <a:spAutoFit/>
-          </a:bodyPr>
-          <a:lstStyle/>
-          <a:p>
-            <a:r>
-              <a:rPr lang="en-US" sz="4000" b="1" dirty="0">
-                <a:solidFill>
-                  <a:schemeClr val="tx2"/>
-                </a:solidFill>
-                <a:latin typeface="Century Gothic" panose="020B0502020202020204" pitchFamily="34" charset="0"/>
-                <a:ea typeface="Roboto Medium" panose="02000000000000000000" pitchFamily="2" charset="0"/>
-                <a:cs typeface="Poppins Medium" pitchFamily="2" charset="77"/>
-              </a:rPr>
-              <a:t>52%</a:t>
-            </a:r>
-          </a:p>
-        </p:txBody>
-      </p:sp>
-      <p:sp>
-        <p:nvSpPr>
-          <p:cNvPr id="97" name="CuadroTexto 395">
-            <a:extLst>
-              <a:ext uri="{FF2B5EF4-FFF2-40B4-BE49-F238E27FC236}">
-                <a16:creationId xmlns:a16="http://schemas.microsoft.com/office/drawing/2014/main" id="{B093E738-C19D-ED41-85CB-70C672B8544B}"/>
-              </a:ext>
-            </a:extLst>
-          </p:cNvPr>
-          <p:cNvSpPr txBox="1"/>
-          <p:nvPr/>
-        </p:nvSpPr>
-        <p:spPr>
-          <a:xfrm>
-            <a:off x="2257832" y="10255461"/>
-            <a:ext cx="2361800" cy="400110"/>
-          </a:xfrm>
-          <a:prstGeom prst="rect">
-            <a:avLst/>
-          </a:prstGeom>
-          <a:noFill/>
-        </p:spPr>
-        <p:txBody>
-          <a:bodyPr wrap="square" rtlCol="0">
-            <a:spAutoFit/>
-          </a:bodyPr>
-          <a:lstStyle/>
-          <a:p>
-            <a:r>
-              <a:rPr lang="en-US" sz="2000" spc="300" dirty="0">
-                <a:latin typeface="Century Gothic" panose="020B0502020202020204" pitchFamily="34" charset="0"/>
-                <a:ea typeface="Roboto Medium" panose="02000000000000000000" pitchFamily="2" charset="0"/>
-                <a:cs typeface="Poppins Medium" pitchFamily="2" charset="77"/>
-              </a:rPr>
-              <a:t>6 month ago</a:t>
-            </a:r>
-          </a:p>
-        </p:txBody>
-      </p:sp>
-      <p:grpSp>
-        <p:nvGrpSpPr>
-          <p:cNvPr id="98" name="Group 97">
-            <a:extLst>
-              <a:ext uri="{FF2B5EF4-FFF2-40B4-BE49-F238E27FC236}">
-                <a16:creationId xmlns:a16="http://schemas.microsoft.com/office/drawing/2014/main" id="{F6EEAA9C-9058-414F-BC8E-21ADBE6726B7}"/>
-              </a:ext>
-            </a:extLst>
-          </p:cNvPr>
-          <p:cNvGrpSpPr/>
-          <p:nvPr/>
-        </p:nvGrpSpPr>
-        <p:grpSpPr>
-          <a:xfrm>
-            <a:off x="6777059" y="10151061"/>
-            <a:ext cx="1371600" cy="609399"/>
-            <a:chOff x="7521677" y="11115569"/>
-            <a:chExt cx="1371600" cy="609399"/>
-          </a:xfrm>
-        </p:grpSpPr>
-        <p:sp>
-          <p:nvSpPr>
-            <p:cNvPr id="99" name="Rounded Rectangle 98">
-              <a:extLst>
-                <a:ext uri="{FF2B5EF4-FFF2-40B4-BE49-F238E27FC236}">
-                  <a16:creationId xmlns:a16="http://schemas.microsoft.com/office/drawing/2014/main" id="{6693D503-512F-574C-A60D-23F24F56F1EC}"/>
-                </a:ext>
-              </a:extLst>
-            </p:cNvPr>
-            <p:cNvSpPr/>
-            <p:nvPr/>
-          </p:nvSpPr>
-          <p:spPr>
-            <a:xfrm>
-              <a:off x="7521677" y="11115569"/>
-              <a:ext cx="1371600" cy="609399"/>
-            </a:xfrm>
-            <a:prstGeom prst="roundRect">
-              <a:avLst/>
-            </a:prstGeom>
-            <a:solidFill>
-              <a:schemeClr val="accent3"/>
-            </a:solidFill>
-            <a:ln>
-              <a:noFill/>
-            </a:ln>
-          </p:spPr>
-          <p:style>
-            <a:lnRef idx="2">
-              <a:schemeClr val="accent1">
-                <a:shade val="50000"/>
-              </a:schemeClr>
-            </a:lnRef>
-            <a:fillRef idx="1">
-              <a:schemeClr val="accent1"/>
-            </a:fillRef>
-            <a:effectRef idx="0">
-              <a:schemeClr val="accent1"/>
-            </a:effectRef>
-            <a:fontRef idx="minor">
-              <a:schemeClr val="lt1"/>
-            </a:fontRef>
-          </p:style>
-          <p:txBody>
-            <a:bodyPr rtlCol="0" anchor="ctr"/>
-            <a:lstStyle/>
-            <a:p>
-              <a:pPr algn="ctr"/>
-              <a:endParaRPr lang="en-US" dirty="0">
-                <a:latin typeface="Century Gothic" panose="020B0502020202020204" pitchFamily="34" charset="0"/>
-              </a:endParaRPr>
-            </a:p>
-          </p:txBody>
-        </p:sp>
-        <p:grpSp>
-          <p:nvGrpSpPr>
-            <p:cNvPr id="100" name="Group 99">
-              <a:extLst>
-                <a:ext uri="{FF2B5EF4-FFF2-40B4-BE49-F238E27FC236}">
-                  <a16:creationId xmlns:a16="http://schemas.microsoft.com/office/drawing/2014/main" id="{CA16A490-6D43-F746-906D-5551E1F66ED2}"/>
-                </a:ext>
-              </a:extLst>
-            </p:cNvPr>
-            <p:cNvGrpSpPr/>
-            <p:nvPr/>
-          </p:nvGrpSpPr>
-          <p:grpSpPr>
-            <a:xfrm>
-              <a:off x="7822180" y="11239796"/>
-              <a:ext cx="959209" cy="407993"/>
-              <a:chOff x="7798531" y="11239796"/>
-              <a:chExt cx="959209" cy="407993"/>
-            </a:xfrm>
-          </p:grpSpPr>
-          <p:sp>
-            <p:nvSpPr>
-              <p:cNvPr id="101" name="CuadroTexto 395">
-                <a:extLst>
-                  <a:ext uri="{FF2B5EF4-FFF2-40B4-BE49-F238E27FC236}">
-                    <a16:creationId xmlns:a16="http://schemas.microsoft.com/office/drawing/2014/main" id="{86451B6F-6A9D-8549-9706-29BBF5923EE6}"/>
-                  </a:ext>
-                </a:extLst>
-              </p:cNvPr>
-              <p:cNvSpPr txBox="1"/>
-              <p:nvPr/>
-            </p:nvSpPr>
-            <p:spPr>
-              <a:xfrm>
-                <a:off x="7875391" y="11247679"/>
-                <a:ext cx="882349" cy="400110"/>
-              </a:xfrm>
-              <a:prstGeom prst="rect">
-                <a:avLst/>
-              </a:prstGeom>
-              <a:noFill/>
-            </p:spPr>
-            <p:txBody>
-              <a:bodyPr wrap="square" rtlCol="0">
-                <a:spAutoFit/>
-              </a:bodyPr>
-              <a:lstStyle/>
-              <a:p>
-                <a:r>
-                  <a:rPr lang="en-US" sz="2000" dirty="0">
-                    <a:solidFill>
-                      <a:schemeClr val="bg1"/>
-                    </a:solidFill>
-                    <a:latin typeface="Century Gothic" panose="020B0502020202020204" pitchFamily="34" charset="0"/>
-                    <a:ea typeface="Roboto Medium" panose="02000000000000000000" pitchFamily="2" charset="0"/>
-                    <a:cs typeface="Poppins Medium" pitchFamily="2" charset="77"/>
-                  </a:rPr>
-                  <a:t>183%</a:t>
-                </a:r>
-              </a:p>
-            </p:txBody>
-          </p:sp>
-          <p:cxnSp>
-            <p:nvCxnSpPr>
-              <p:cNvPr id="102" name="Straight Arrow Connector 101">
-                <a:extLst>
-                  <a:ext uri="{FF2B5EF4-FFF2-40B4-BE49-F238E27FC236}">
-                    <a16:creationId xmlns:a16="http://schemas.microsoft.com/office/drawing/2014/main" id="{617C6B74-523A-AD42-B9BC-31121B3D4F1A}"/>
-                  </a:ext>
-                </a:extLst>
-              </p:cNvPr>
-              <p:cNvCxnSpPr>
-                <a:cxnSpLocks/>
-              </p:cNvCxnSpPr>
-              <p:nvPr/>
-            </p:nvCxnSpPr>
-            <p:spPr>
-              <a:xfrm flipV="1">
-                <a:off x="7798531" y="11239796"/>
-                <a:ext cx="0" cy="334122"/>
-              </a:xfrm>
-              <a:prstGeom prst="straightConnector1">
-                <a:avLst/>
-              </a:prstGeom>
-              <a:ln w="38100">
-                <a:solidFill>
-                  <a:schemeClr val="bg1"/>
-                </a:solidFill>
-                <a:tailEnd type="triangle"/>
-              </a:ln>
-            </p:spPr>
-            <p:style>
-              <a:lnRef idx="1">
-                <a:schemeClr val="accent1"/>
-              </a:lnRef>
-              <a:fillRef idx="0">
-                <a:schemeClr val="accent1"/>
-              </a:fillRef>
-              <a:effectRef idx="0">
-                <a:schemeClr val="accent1"/>
-              </a:effectRef>
-              <a:fontRef idx="minor">
-                <a:schemeClr val="tx1"/>
-              </a:fontRef>
-            </p:style>
-          </p:cxnSp>
-        </p:grpSp>
-      </p:grpSp>
-      <p:sp>
-        <p:nvSpPr>
-          <p:cNvPr id="103" name="TextBox 102">
-            <a:extLst>
-              <a:ext uri="{FF2B5EF4-FFF2-40B4-BE49-F238E27FC236}">
-                <a16:creationId xmlns:a16="http://schemas.microsoft.com/office/drawing/2014/main" id="{9869F8CA-9E3A-B84C-AC84-7EB99E654937}"/>
-              </a:ext>
-            </a:extLst>
-          </p:cNvPr>
-          <p:cNvSpPr txBox="1"/>
-          <p:nvPr/>
-        </p:nvSpPr>
-        <p:spPr>
-          <a:xfrm>
-            <a:off x="8666383" y="5667190"/>
-            <a:ext cx="4915802" cy="954107"/>
-          </a:xfrm>
-          <a:prstGeom prst="rect">
-            <a:avLst/>
-          </a:prstGeom>
-          <a:noFill/>
-        </p:spPr>
-        <p:txBody>
-          <a:bodyPr wrap="square" rtlCol="0">
-            <a:spAutoFit/>
-          </a:bodyPr>
-          <a:lstStyle/>
-          <a:p>
-            <a:r>
-              <a:rPr lang="en-US" sz="2800" dirty="0">
-                <a:latin typeface="Century Gothic" panose="020B0502020202020204" pitchFamily="34" charset="0"/>
-                <a:ea typeface="Lato Light" panose="020F0502020204030203" pitchFamily="34" charset="0"/>
-                <a:cs typeface="Lato Light" panose="020F0502020204030203" pitchFamily="34" charset="0"/>
-              </a:rPr>
-              <a:t>There are people who have a significant number.</a:t>
-            </a:r>
-          </a:p>
-        </p:txBody>
-      </p:sp>
-      <p:sp>
-        <p:nvSpPr>
-          <p:cNvPr id="104" name="TextBox 103">
-            <a:extLst>
-              <a:ext uri="{FF2B5EF4-FFF2-40B4-BE49-F238E27FC236}">
-                <a16:creationId xmlns:a16="http://schemas.microsoft.com/office/drawing/2014/main" id="{25241EB6-8D6E-9F41-8ADA-CCEA6A817B85}"/>
-              </a:ext>
-            </a:extLst>
-          </p:cNvPr>
-          <p:cNvSpPr txBox="1"/>
-          <p:nvPr/>
-        </p:nvSpPr>
-        <p:spPr>
-          <a:xfrm>
-            <a:off x="8666383" y="7820911"/>
-            <a:ext cx="4915802" cy="954107"/>
-          </a:xfrm>
-          <a:prstGeom prst="rect">
-            <a:avLst/>
-          </a:prstGeom>
-          <a:noFill/>
-        </p:spPr>
-        <p:txBody>
-          <a:bodyPr wrap="square" rtlCol="0">
-            <a:spAutoFit/>
-          </a:bodyPr>
-          <a:lstStyle/>
-          <a:p>
-            <a:r>
-              <a:rPr lang="en-US" sz="2800" dirty="0">
-                <a:latin typeface="Century Gothic" panose="020B0502020202020204" pitchFamily="34" charset="0"/>
-                <a:ea typeface="Lato Light" panose="020F0502020204030203" pitchFamily="34" charset="0"/>
-                <a:cs typeface="Lato Light" panose="020F0502020204030203" pitchFamily="34" charset="0"/>
-              </a:rPr>
-              <a:t>There are people who have a significant number.</a:t>
-            </a:r>
-          </a:p>
-        </p:txBody>
-      </p:sp>
-      <p:sp>
-        <p:nvSpPr>
-          <p:cNvPr id="105" name="TextBox 104">
-            <a:extLst>
-              <a:ext uri="{FF2B5EF4-FFF2-40B4-BE49-F238E27FC236}">
-                <a16:creationId xmlns:a16="http://schemas.microsoft.com/office/drawing/2014/main" id="{C9454AAB-3F83-274B-8FA3-F340E33BE0EF}"/>
-              </a:ext>
-            </a:extLst>
-          </p:cNvPr>
-          <p:cNvSpPr txBox="1"/>
-          <p:nvPr/>
-        </p:nvSpPr>
-        <p:spPr>
-          <a:xfrm>
-            <a:off x="8666383" y="9996047"/>
-            <a:ext cx="4915802" cy="954107"/>
-          </a:xfrm>
-          <a:prstGeom prst="rect">
-            <a:avLst/>
-          </a:prstGeom>
-          <a:noFill/>
-        </p:spPr>
-        <p:txBody>
-          <a:bodyPr wrap="square" rtlCol="0">
-            <a:spAutoFit/>
-          </a:bodyPr>
-          <a:lstStyle/>
-          <a:p>
-            <a:r>
-              <a:rPr lang="en-US" sz="2800" dirty="0">
-                <a:latin typeface="Century Gothic" panose="020B0502020202020204" pitchFamily="34" charset="0"/>
-                <a:ea typeface="Lato Light" panose="020F0502020204030203" pitchFamily="34" charset="0"/>
-                <a:cs typeface="Lato Light" panose="020F0502020204030203" pitchFamily="34" charset="0"/>
-              </a:rPr>
-              <a:t>There are people who have a significant number.</a:t>
-            </a:r>
-          </a:p>
-        </p:txBody>
-      </p:sp>
-      <p:sp>
-        <p:nvSpPr>
-          <p:cNvPr id="49" name="CuadroTexto 350">
-            <a:extLst>
-              <a:ext uri="{FF2B5EF4-FFF2-40B4-BE49-F238E27FC236}">
-                <a16:creationId xmlns:a16="http://schemas.microsoft.com/office/drawing/2014/main" id="{F5814812-CDD9-D74B-9AF0-6351B3633858}"/>
-              </a:ext>
-            </a:extLst>
-          </p:cNvPr>
-          <p:cNvSpPr txBox="1"/>
-          <p:nvPr/>
-        </p:nvSpPr>
-        <p:spPr>
-          <a:xfrm>
-            <a:off x="6390711" y="1071658"/>
-            <a:ext cx="11596444" cy="1323439"/>
-          </a:xfrm>
-          <a:prstGeom prst="rect">
-            <a:avLst/>
-          </a:prstGeom>
-          <a:noFill/>
-        </p:spPr>
-        <p:txBody>
-          <a:bodyPr wrap="none" rtlCol="0">
-            <a:spAutoFit/>
-          </a:bodyPr>
-          <a:lstStyle/>
-          <a:p>
-            <a:pPr algn="ctr"/>
-            <a:r>
-              <a:rPr lang="en-US" sz="8000" b="1" dirty="0">
-                <a:solidFill>
-                  <a:schemeClr val="tx2"/>
-                </a:solidFill>
-                <a:latin typeface="Century Gothic" panose="020B0502020202020204" pitchFamily="34" charset="0"/>
-                <a:ea typeface="Lato Heavy" charset="0"/>
-                <a:cs typeface="Poppins" pitchFamily="2" charset="77"/>
-              </a:rPr>
-              <a:t>Pie Charts Infographics</a:t>
-            </a:r>
-          </a:p>
-        </p:txBody>
-      </p:sp>
-      <p:sp>
-        <p:nvSpPr>
-          <p:cNvPr id="50" name="CuadroTexto 351">
-            <a:extLst>
-              <a:ext uri="{FF2B5EF4-FFF2-40B4-BE49-F238E27FC236}">
-                <a16:creationId xmlns:a16="http://schemas.microsoft.com/office/drawing/2014/main" id="{D99E6E1E-F62A-914B-819C-19F16BAA49A3}"/>
-              </a:ext>
-            </a:extLst>
-          </p:cNvPr>
-          <p:cNvSpPr txBox="1"/>
-          <p:nvPr/>
-        </p:nvSpPr>
-        <p:spPr>
-          <a:xfrm>
-            <a:off x="7816943" y="2426170"/>
-            <a:ext cx="8743766" cy="523220"/>
-          </a:xfrm>
-          <a:prstGeom prst="rect">
-            <a:avLst/>
-          </a:prstGeom>
-          <a:noFill/>
-        </p:spPr>
-        <p:txBody>
-          <a:bodyPr wrap="square" rtlCol="0">
-            <a:spAutoFit/>
-          </a:bodyPr>
-          <a:lstStyle/>
-          <a:p>
-            <a:pPr algn="ctr"/>
-            <a:r>
-              <a:rPr lang="en-US" sz="2800" dirty="0">
-                <a:latin typeface="Century Gothic" panose="020B0502020202020204" pitchFamily="34" charset="0"/>
-                <a:cs typeface="Poppins Light" pitchFamily="2" charset="77"/>
-              </a:rPr>
-              <a:t>Analysis of different brands and products.</a:t>
-            </a:r>
-          </a:p>
-        </p:txBody>
-      </p:sp>
-      <p:sp>
-        <p:nvSpPr>
-          <p:cNvPr id="51" name="Rectangle 50">
-            <a:extLst>
-              <a:ext uri="{FF2B5EF4-FFF2-40B4-BE49-F238E27FC236}">
-                <a16:creationId xmlns:a16="http://schemas.microsoft.com/office/drawing/2014/main" id="{7D4E741D-A5DD-854E-92A7-FECF4F24E3B6}"/>
-              </a:ext>
-            </a:extLst>
-          </p:cNvPr>
-          <p:cNvSpPr/>
-          <p:nvPr/>
-        </p:nvSpPr>
-        <p:spPr>
-          <a:xfrm>
-            <a:off x="11079729" y="3215052"/>
-            <a:ext cx="2223656" cy="38779"/>
-          </a:xfrm>
-          <a:prstGeom prst="rect">
-            <a:avLst/>
-          </a:prstGeom>
-          <a:solidFill>
-            <a:schemeClr val="accent1"/>
-          </a:solidFill>
-          <a:ln>
-            <a:noFill/>
-          </a:ln>
-        </p:spPr>
-        <p:style>
-          <a:lnRef idx="2">
-            <a:schemeClr val="accent1">
-              <a:shade val="50000"/>
-            </a:schemeClr>
-          </a:lnRef>
-          <a:fillRef idx="1">
-            <a:schemeClr val="accent1"/>
-          </a:fillRef>
-          <a:effectRef idx="0">
-            <a:schemeClr val="accent1"/>
-          </a:effectRef>
-          <a:fontRef idx="minor">
-            <a:schemeClr val="lt1"/>
-          </a:fontRef>
-        </p:style>
-        <p:txBody>
-          <a:bodyPr rtlCol="0" anchor="ctr"/>
-          <a:lstStyle/>
-          <a:p>
-            <a:pPr algn="ctr"/>
-            <a:endParaRPr lang="en-US" dirty="0">
-              <a:latin typeface="Century Gothic" panose="020B0502020202020204" pitchFamily="34" charset="0"/>
-            </a:endParaRPr>
-          </a:p>
-        </p:txBody>
-      </p:sp>
-    </p:spTree>
-    <p:extLst>
-      <p:ext uri="{BB962C8B-B14F-4D97-AF65-F5344CB8AC3E}">
-        <p14:creationId xmlns:p14="http://schemas.microsoft.com/office/powerpoint/2010/main" val="3054310429"/>
+        <p14:creationId xmlns:p14="http://schemas.microsoft.com/office/powerpoint/2010/main" val="2888243187"/>
       </p:ext>
     </p:extLst>
   </p:cSld>

--- a/Report.pptx
+++ b/Report.pptx
@@ -5,7 +5,7 @@
     <p:sldMasterId id="2147483660" r:id="rId1"/>
   </p:sldMasterIdLst>
   <p:notesMasterIdLst>
-    <p:notesMasterId r:id="rId18"/>
+    <p:notesMasterId r:id="rId20"/>
   </p:notesMasterIdLst>
   <p:sldIdLst>
     <p:sldId id="264" r:id="rId2"/>
@@ -24,6 +24,8 @@
     <p:sldId id="407" r:id="rId15"/>
     <p:sldId id="408" r:id="rId16"/>
     <p:sldId id="409" r:id="rId17"/>
+    <p:sldId id="410" r:id="rId18"/>
+    <p:sldId id="411" r:id="rId19"/>
   </p:sldIdLst>
   <p:sldSz cx="24387175" cy="13716000"/>
   <p:notesSz cx="6858000" cy="9144000"/>
@@ -4950,7 +4952,7 @@
         <p:spPr>
           <a:xfrm>
             <a:off x="845134" y="4680096"/>
-            <a:ext cx="11343822" cy="954107"/>
+            <a:ext cx="11343822" cy="1384995"/>
           </a:xfrm>
           <a:prstGeom prst="rect">
             <a:avLst/>
@@ -4971,7 +4973,7 @@
                 <a:latin typeface="Century Gothic" panose="020B0502020202020204" pitchFamily="34" charset="0"/>
                 <a:cs typeface="Poppins Light" pitchFamily="2" charset="77"/>
               </a:rPr>
-              <a:t>We fit the </a:t>
+              <a:t>We fit two </a:t>
             </a:r>
             <a:r>
               <a:rPr lang="en-US" sz="2800" b="1" dirty="0">
@@ -4981,17 +4983,17 @@
                 <a:latin typeface="Century Gothic" panose="020B0502020202020204" pitchFamily="34" charset="0"/>
                 <a:cs typeface="Poppins Light" pitchFamily="2" charset="77"/>
               </a:rPr>
-              <a:t>Bagging model</a:t>
-            </a:r>
-            <a:r>
-              <a:rPr lang="en-US" sz="2800" dirty="0">
-                <a:solidFill>
-                  <a:schemeClr val="tx2"/>
-                </a:solidFill>
-                <a:latin typeface="Century Gothic" panose="020B0502020202020204" pitchFamily="34" charset="0"/>
-                <a:cs typeface="Poppins Light" pitchFamily="2" charset="77"/>
-              </a:rPr>
-              <a:t> using </a:t>
+              <a:t>Boosting model. </a:t>
+            </a:r>
+            <a:r>
+              <a:rPr lang="en-US" sz="2800" dirty="0">
+                <a:solidFill>
+                  <a:schemeClr val="tx2"/>
+                </a:solidFill>
+                <a:latin typeface="Century Gothic" panose="020B0502020202020204" pitchFamily="34" charset="0"/>
+                <a:cs typeface="Poppins Light" pitchFamily="2" charset="77"/>
+              </a:rPr>
+              <a:t>The first one using </a:t>
             </a:r>
             <a:r>
               <a:rPr lang="en-US" sz="2800" b="1" dirty="0" err="1">
@@ -5001,37 +5003,37 @@
                 <a:latin typeface="Century Gothic" panose="020B0502020202020204" pitchFamily="34" charset="0"/>
                 <a:cs typeface="Poppins Light" pitchFamily="2" charset="77"/>
               </a:rPr>
-              <a:t>BaggingClassifier</a:t>
-            </a:r>
-            <a:r>
-              <a:rPr lang="en-US" sz="2800" dirty="0">
-                <a:solidFill>
-                  <a:schemeClr val="tx2"/>
-                </a:solidFill>
-                <a:latin typeface="Century Gothic" panose="020B0502020202020204" pitchFamily="34" charset="0"/>
-                <a:cs typeface="Poppins Light" pitchFamily="2" charset="77"/>
-              </a:rPr>
-              <a:t> from </a:t>
-            </a:r>
-            <a:r>
-              <a:rPr lang="en-US" sz="2800" dirty="0" err="1">
-                <a:solidFill>
-                  <a:schemeClr val="tx2"/>
-                </a:solidFill>
-                <a:latin typeface="Century Gothic" panose="020B0502020202020204" pitchFamily="34" charset="0"/>
-                <a:cs typeface="Poppins Light" pitchFamily="2" charset="77"/>
-              </a:rPr>
-              <a:t>sklearn</a:t>
-            </a:r>
-            <a:r>
-              <a:rPr lang="en-US" sz="2800" dirty="0">
-                <a:solidFill>
-                  <a:schemeClr val="tx2"/>
-                </a:solidFill>
-                <a:latin typeface="Century Gothic" panose="020B0502020202020204" pitchFamily="34" charset="0"/>
-                <a:cs typeface="Poppins Light" pitchFamily="2" charset="77"/>
-              </a:rPr>
-              <a:t> collection.  </a:t>
+              <a:t>HistGrandientBoostingClassifier</a:t>
+            </a:r>
+            <a:r>
+              <a:rPr lang="en-US" sz="2800" dirty="0">
+                <a:solidFill>
+                  <a:schemeClr val="tx2"/>
+                </a:solidFill>
+                <a:latin typeface="Century Gothic" panose="020B0502020202020204" pitchFamily="34" charset="0"/>
+                <a:cs typeface="Poppins Light" pitchFamily="2" charset="77"/>
+              </a:rPr>
+              <a:t> and the second using </a:t>
+            </a:r>
+            <a:r>
+              <a:rPr lang="en-US" sz="2800" b="1" dirty="0" err="1">
+                <a:solidFill>
+                  <a:schemeClr val="tx2"/>
+                </a:solidFill>
+                <a:latin typeface="Century Gothic" panose="020B0502020202020204" pitchFamily="34" charset="0"/>
+                <a:cs typeface="Poppins Light" pitchFamily="2" charset="77"/>
+              </a:rPr>
+              <a:t>GradientBoostingClassifier</a:t>
+            </a:r>
+            <a:r>
+              <a:rPr lang="en-US" sz="2800" dirty="0">
+                <a:solidFill>
+                  <a:schemeClr val="tx2"/>
+                </a:solidFill>
+                <a:latin typeface="Century Gothic" panose="020B0502020202020204" pitchFamily="34" charset="0"/>
+                <a:cs typeface="Poppins Light" pitchFamily="2" charset="77"/>
+              </a:rPr>
+              <a:t>. </a:t>
             </a:r>
           </a:p>
         </p:txBody>
@@ -5112,7 +5114,7 @@
                 <a:latin typeface="Century Gothic" panose="020B0502020202020204" pitchFamily="34" charset="0"/>
                 <a:cs typeface="Poppins Light" pitchFamily="2" charset="77"/>
               </a:rPr>
-              <a:t> of the model is </a:t>
+              <a:t> of the two model is </a:t>
             </a:r>
             <a:r>
               <a:rPr lang="en-US" sz="2800" b="1" dirty="0">
@@ -5122,7 +5124,7 @@
                 <a:latin typeface="Century Gothic" panose="020B0502020202020204" pitchFamily="34" charset="0"/>
                 <a:cs typeface="Poppins Light" pitchFamily="2" charset="77"/>
               </a:rPr>
-              <a:t>0,81</a:t>
+              <a:t>0,80</a:t>
             </a:r>
             <a:r>
               <a:rPr lang="en-US" sz="2800" dirty="0">
@@ -5182,17 +5184,17 @@
                 <a:latin typeface="Century Gothic" panose="020B0502020202020204" pitchFamily="34" charset="0"/>
                 <a:cs typeface="Poppins Light" pitchFamily="2" charset="77"/>
               </a:rPr>
-              <a:t> Logistic Regression, LDA, Decision Tree </a:t>
-            </a:r>
-            <a:r>
-              <a:rPr lang="en-US" sz="2800" dirty="0">
-                <a:solidFill>
-                  <a:schemeClr val="tx2"/>
-                </a:solidFill>
-                <a:latin typeface="Century Gothic" panose="020B0502020202020204" pitchFamily="34" charset="0"/>
-                <a:cs typeface="Poppins Light" pitchFamily="2" charset="77"/>
-              </a:rPr>
-              <a:t>and the </a:t>
+              <a:t> Logistic Regression, LDA, Decision Tree, Random Forest </a:t>
+            </a:r>
+            <a:r>
+              <a:rPr lang="en-US" sz="2800" dirty="0">
+                <a:solidFill>
+                  <a:schemeClr val="tx2"/>
+                </a:solidFill>
+                <a:latin typeface="Century Gothic" panose="020B0502020202020204" pitchFamily="34" charset="0"/>
+                <a:cs typeface="Poppins Light" pitchFamily="2" charset="77"/>
+              </a:rPr>
+              <a:t>model but </a:t>
             </a:r>
             <a:r>
               <a:rPr lang="en-US" sz="2800" b="1" dirty="0">
@@ -5202,25 +5204,28 @@
                 <a:latin typeface="Century Gothic" panose="020B0502020202020204" pitchFamily="34" charset="0"/>
                 <a:cs typeface="Poppins Light" pitchFamily="2" charset="77"/>
               </a:rPr>
-              <a:t>Random Forest </a:t>
-            </a:r>
-            <a:r>
-              <a:rPr lang="en-US" sz="2800" dirty="0">
-                <a:solidFill>
-                  <a:schemeClr val="tx2"/>
-                </a:solidFill>
-                <a:latin typeface="Century Gothic" panose="020B0502020202020204" pitchFamily="34" charset="0"/>
-                <a:cs typeface="Poppins Light" pitchFamily="2" charset="77"/>
-              </a:rPr>
-              <a:t>model.</a:t>
-            </a:r>
-            <a:endParaRPr lang="en-US" sz="2800" b="1" dirty="0">
-              <a:solidFill>
-                <a:schemeClr val="tx2"/>
-              </a:solidFill>
-              <a:latin typeface="Century Gothic" panose="020B0502020202020204" pitchFamily="34" charset="0"/>
-              <a:cs typeface="Poppins Light" pitchFamily="2" charset="77"/>
-            </a:endParaRPr>
+              <a:t>less</a:t>
+            </a:r>
+            <a:r>
+              <a:rPr lang="en-US" sz="2800" dirty="0">
+                <a:solidFill>
+                  <a:schemeClr val="tx2"/>
+                </a:solidFill>
+                <a:latin typeface="Century Gothic" panose="020B0502020202020204" pitchFamily="34" charset="0"/>
+                <a:cs typeface="Poppins Light" pitchFamily="2" charset="77"/>
+              </a:rPr>
+              <a:t> than </a:t>
+            </a:r>
+            <a:r>
+              <a:rPr lang="en-US" sz="2800" b="1" dirty="0">
+                <a:solidFill>
+                  <a:schemeClr val="tx2"/>
+                </a:solidFill>
+                <a:latin typeface="Century Gothic" panose="020B0502020202020204" pitchFamily="34" charset="0"/>
+                <a:cs typeface="Poppins Light" pitchFamily="2" charset="77"/>
+              </a:rPr>
+              <a:t>Bagging</a:t>
+            </a:r>
           </a:p>
         </p:txBody>
       </p:sp>
@@ -5246,8 +5251,8 @@
         </p:blipFill>
         <p:spPr>
           <a:xfrm>
-            <a:off x="15498671" y="11260090"/>
-            <a:ext cx="5930900" cy="482600"/>
+            <a:off x="14453641" y="9963105"/>
+            <a:ext cx="8901761" cy="724340"/>
           </a:xfrm>
           <a:prstGeom prst="rect">
             <a:avLst/>
@@ -5276,8 +5281,8 @@
         </p:blipFill>
         <p:spPr>
           <a:xfrm>
-            <a:off x="15185162" y="8081798"/>
-            <a:ext cx="7886700" cy="1917700"/>
+            <a:off x="14453642" y="7411481"/>
+            <a:ext cx="8901762" cy="2164519"/>
           </a:xfrm>
           <a:prstGeom prst="rect">
             <a:avLst/>
@@ -5306,8 +5311,8 @@
         </p:blipFill>
         <p:spPr>
           <a:xfrm>
-            <a:off x="15185162" y="6359652"/>
-            <a:ext cx="6705600" cy="508000"/>
+            <a:off x="14453642" y="6350000"/>
+            <a:ext cx="8901762" cy="674376"/>
           </a:xfrm>
           <a:prstGeom prst="rect">
             <a:avLst/>
@@ -5336,8 +5341,8 @@
         </p:blipFill>
         <p:spPr>
           <a:xfrm>
-            <a:off x="15185162" y="3792703"/>
-            <a:ext cx="7226300" cy="1841500"/>
+            <a:off x="14453642" y="3770543"/>
+            <a:ext cx="8901762" cy="2268463"/>
           </a:xfrm>
           <a:prstGeom prst="rect">
             <a:avLst/>
@@ -5348,6 +5353,1003 @@
     <p:extLst>
       <p:ext uri="{BB962C8B-B14F-4D97-AF65-F5344CB8AC3E}">
         <p14:creationId xmlns:p14="http://schemas.microsoft.com/office/powerpoint/2010/main" val="4291805240"/>
+      </p:ext>
+    </p:extLst>
+  </p:cSld>
+  <p:clrMapOvr>
+    <a:masterClrMapping/>
+  </p:clrMapOvr>
+</p:sld>
+</file>
+
+<file path=ppt/slides/slide17.xml><?xml version="1.0" encoding="utf-8"?>
+<p:sld xmlns:a="http://schemas.openxmlformats.org/drawingml/2006/main" xmlns:r="http://schemas.openxmlformats.org/officeDocument/2006/relationships" xmlns:p="http://schemas.openxmlformats.org/presentationml/2006/main">
+  <p:cSld>
+    <p:spTree>
+      <p:nvGrpSpPr>
+        <p:cNvPr id="1" name=""/>
+        <p:cNvGrpSpPr/>
+        <p:nvPr/>
+      </p:nvGrpSpPr>
+      <p:grpSpPr>
+        <a:xfrm>
+          <a:off x="0" y="0"/>
+          <a:ext cx="0" cy="0"/>
+          <a:chOff x="0" y="0"/>
+          <a:chExt cx="0" cy="0"/>
+        </a:xfrm>
+      </p:grpSpPr>
+      <p:sp>
+        <p:nvSpPr>
+          <p:cNvPr id="4" name="CuadroTexto 350">
+            <a:extLst>
+              <a:ext uri="{FF2B5EF4-FFF2-40B4-BE49-F238E27FC236}">
+                <a16:creationId xmlns:a16="http://schemas.microsoft.com/office/drawing/2014/main" id="{E18F7344-C685-2D4C-A0D8-51D9527DA64E}"/>
+              </a:ext>
+            </a:extLst>
+          </p:cNvPr>
+          <p:cNvSpPr txBox="1"/>
+          <p:nvPr/>
+        </p:nvSpPr>
+        <p:spPr>
+          <a:xfrm>
+            <a:off x="7621853" y="1071658"/>
+            <a:ext cx="9134232" cy="1323439"/>
+          </a:xfrm>
+          <a:prstGeom prst="rect">
+            <a:avLst/>
+          </a:prstGeom>
+          <a:noFill/>
+        </p:spPr>
+        <p:txBody>
+          <a:bodyPr wrap="none" rtlCol="0">
+            <a:spAutoFit/>
+          </a:bodyPr>
+          <a:lstStyle/>
+          <a:p>
+            <a:pPr algn="ctr"/>
+            <a:r>
+              <a:rPr lang="en-US" sz="8000" b="1" dirty="0">
+                <a:solidFill>
+                  <a:schemeClr val="tx2"/>
+                </a:solidFill>
+                <a:latin typeface="Century Gothic" panose="020B0502020202020204" pitchFamily="34" charset="0"/>
+                <a:ea typeface="Lato Heavy" charset="0"/>
+                <a:cs typeface="Poppins" pitchFamily="2" charset="77"/>
+              </a:rPr>
+              <a:t>Machine Learning</a:t>
+            </a:r>
+          </a:p>
+        </p:txBody>
+      </p:sp>
+      <p:sp>
+        <p:nvSpPr>
+          <p:cNvPr id="5" name="Rectangle 4">
+            <a:extLst>
+              <a:ext uri="{FF2B5EF4-FFF2-40B4-BE49-F238E27FC236}">
+                <a16:creationId xmlns:a16="http://schemas.microsoft.com/office/drawing/2014/main" id="{04382522-9F61-3C4C-9F79-EF411CF20CC2}"/>
+              </a:ext>
+            </a:extLst>
+          </p:cNvPr>
+          <p:cNvSpPr/>
+          <p:nvPr/>
+        </p:nvSpPr>
+        <p:spPr>
+          <a:xfrm>
+            <a:off x="11077129" y="3391732"/>
+            <a:ext cx="2223656" cy="38779"/>
+          </a:xfrm>
+          <a:prstGeom prst="rect">
+            <a:avLst/>
+          </a:prstGeom>
+          <a:solidFill>
+            <a:schemeClr val="accent1"/>
+          </a:solidFill>
+          <a:ln>
+            <a:noFill/>
+          </a:ln>
+        </p:spPr>
+        <p:style>
+          <a:lnRef idx="2">
+            <a:schemeClr val="accent1">
+              <a:shade val="50000"/>
+            </a:schemeClr>
+          </a:lnRef>
+          <a:fillRef idx="1">
+            <a:schemeClr val="accent1"/>
+          </a:fillRef>
+          <a:effectRef idx="0">
+            <a:schemeClr val="accent1"/>
+          </a:effectRef>
+          <a:fontRef idx="minor">
+            <a:schemeClr val="lt1"/>
+          </a:fontRef>
+        </p:style>
+        <p:txBody>
+          <a:bodyPr rtlCol="0" anchor="ctr"/>
+          <a:lstStyle/>
+          <a:p>
+            <a:pPr algn="ctr"/>
+            <a:endParaRPr lang="en-US" dirty="0">
+              <a:latin typeface="Century Gothic" panose="020B0502020202020204" pitchFamily="34" charset="0"/>
+            </a:endParaRPr>
+          </a:p>
+        </p:txBody>
+      </p:sp>
+      <p:sp>
+        <p:nvSpPr>
+          <p:cNvPr id="6" name="CuadroTexto 351">
+            <a:extLst>
+              <a:ext uri="{FF2B5EF4-FFF2-40B4-BE49-F238E27FC236}">
+                <a16:creationId xmlns:a16="http://schemas.microsoft.com/office/drawing/2014/main" id="{8F97CA55-2929-3847-BEDA-70E12066EDB2}"/>
+              </a:ext>
+            </a:extLst>
+          </p:cNvPr>
+          <p:cNvSpPr txBox="1"/>
+          <p:nvPr/>
+        </p:nvSpPr>
+        <p:spPr>
+          <a:xfrm>
+            <a:off x="7170598" y="2458550"/>
+            <a:ext cx="10036717" cy="584775"/>
+          </a:xfrm>
+          <a:prstGeom prst="rect">
+            <a:avLst/>
+          </a:prstGeom>
+          <a:noFill/>
+        </p:spPr>
+        <p:txBody>
+          <a:bodyPr wrap="square" rtlCol="0">
+            <a:spAutoFit/>
+          </a:bodyPr>
+          <a:lstStyle/>
+          <a:p>
+            <a:pPr algn="ctr"/>
+            <a:r>
+              <a:rPr lang="en-US" sz="3200" dirty="0">
+                <a:solidFill>
+                  <a:schemeClr val="tx1">
+                    <a:lumMod val="50000"/>
+                  </a:schemeClr>
+                </a:solidFill>
+                <a:latin typeface="Century Gothic" panose="020B0502020202020204" pitchFamily="34" charset="0"/>
+                <a:cs typeface="Poppins Light" pitchFamily="2" charset="77"/>
+              </a:rPr>
+              <a:t>Results</a:t>
+            </a:r>
+          </a:p>
+        </p:txBody>
+      </p:sp>
+      <p:sp>
+        <p:nvSpPr>
+          <p:cNvPr id="11" name="CuadroTexto 351">
+            <a:extLst>
+              <a:ext uri="{FF2B5EF4-FFF2-40B4-BE49-F238E27FC236}">
+                <a16:creationId xmlns:a16="http://schemas.microsoft.com/office/drawing/2014/main" id="{50A2F7A0-C05A-4148-A5BD-A4445D1B386C}"/>
+              </a:ext>
+            </a:extLst>
+          </p:cNvPr>
+          <p:cNvSpPr txBox="1"/>
+          <p:nvPr/>
+        </p:nvSpPr>
+        <p:spPr>
+          <a:xfrm>
+            <a:off x="794005" y="6858000"/>
+            <a:ext cx="7749104" cy="2246769"/>
+          </a:xfrm>
+          <a:prstGeom prst="rect">
+            <a:avLst/>
+          </a:prstGeom>
+          <a:noFill/>
+        </p:spPr>
+        <p:txBody>
+          <a:bodyPr wrap="square" rtlCol="0">
+            <a:spAutoFit/>
+          </a:bodyPr>
+          <a:lstStyle/>
+          <a:p>
+            <a:r>
+              <a:rPr lang="en-US" sz="2800" dirty="0">
+                <a:solidFill>
+                  <a:schemeClr val="tx2"/>
+                </a:solidFill>
+                <a:latin typeface="Century Gothic" panose="020B0502020202020204" pitchFamily="34" charset="0"/>
+                <a:cs typeface="Poppins Light" pitchFamily="2" charset="77"/>
+              </a:rPr>
+              <a:t>We can see on this graph all the </a:t>
+            </a:r>
+            <a:r>
+              <a:rPr lang="en-US" sz="2800" b="1" dirty="0">
+                <a:solidFill>
+                  <a:schemeClr val="tx2"/>
+                </a:solidFill>
+                <a:latin typeface="Century Gothic" panose="020B0502020202020204" pitchFamily="34" charset="0"/>
+                <a:cs typeface="Poppins Light" pitchFamily="2" charset="77"/>
+              </a:rPr>
+              <a:t>accuracies</a:t>
+            </a:r>
+            <a:r>
+              <a:rPr lang="en-US" sz="2800" dirty="0">
+                <a:solidFill>
+                  <a:schemeClr val="tx2"/>
+                </a:solidFill>
+                <a:latin typeface="Century Gothic" panose="020B0502020202020204" pitchFamily="34" charset="0"/>
+                <a:cs typeface="Poppins Light" pitchFamily="2" charset="77"/>
+              </a:rPr>
+              <a:t> </a:t>
+            </a:r>
+            <a:r>
+              <a:rPr lang="en-US" sz="2800" b="1" dirty="0">
+                <a:solidFill>
+                  <a:schemeClr val="tx2"/>
+                </a:solidFill>
+                <a:latin typeface="Century Gothic" panose="020B0502020202020204" pitchFamily="34" charset="0"/>
+                <a:cs typeface="Poppins Light" pitchFamily="2" charset="77"/>
+              </a:rPr>
+              <a:t>scores</a:t>
+            </a:r>
+            <a:r>
+              <a:rPr lang="en-US" sz="2800" dirty="0">
+                <a:solidFill>
+                  <a:schemeClr val="tx2"/>
+                </a:solidFill>
+                <a:latin typeface="Century Gothic" panose="020B0502020202020204" pitchFamily="34" charset="0"/>
+                <a:cs typeface="Poppins Light" pitchFamily="2" charset="77"/>
+              </a:rPr>
+              <a:t> of </a:t>
+            </a:r>
+            <a:r>
+              <a:rPr lang="en-US" sz="2800" b="1" dirty="0">
+                <a:solidFill>
+                  <a:schemeClr val="tx2"/>
+                </a:solidFill>
+                <a:latin typeface="Century Gothic" panose="020B0502020202020204" pitchFamily="34" charset="0"/>
+                <a:cs typeface="Poppins Light" pitchFamily="2" charset="77"/>
+              </a:rPr>
+              <a:t>each</a:t>
+            </a:r>
+            <a:r>
+              <a:rPr lang="en-US" sz="2800" dirty="0">
+                <a:solidFill>
+                  <a:schemeClr val="tx2"/>
+                </a:solidFill>
+                <a:latin typeface="Century Gothic" panose="020B0502020202020204" pitchFamily="34" charset="0"/>
+                <a:cs typeface="Poppins Light" pitchFamily="2" charset="77"/>
+              </a:rPr>
+              <a:t> of the </a:t>
+            </a:r>
+            <a:r>
+              <a:rPr lang="en-US" sz="2800" b="1" dirty="0">
+                <a:solidFill>
+                  <a:schemeClr val="tx2"/>
+                </a:solidFill>
+                <a:latin typeface="Century Gothic" panose="020B0502020202020204" pitchFamily="34" charset="0"/>
+                <a:cs typeface="Poppins Light" pitchFamily="2" charset="77"/>
+              </a:rPr>
+              <a:t>models</a:t>
+            </a:r>
+            <a:r>
+              <a:rPr lang="en-US" sz="2800" dirty="0">
+                <a:solidFill>
+                  <a:schemeClr val="tx2"/>
+                </a:solidFill>
+                <a:latin typeface="Century Gothic" panose="020B0502020202020204" pitchFamily="34" charset="0"/>
+                <a:cs typeface="Poppins Light" pitchFamily="2" charset="77"/>
+              </a:rPr>
+              <a:t> on the </a:t>
+            </a:r>
+            <a:r>
+              <a:rPr lang="en-US" sz="2800" b="1" dirty="0" err="1">
+                <a:solidFill>
+                  <a:schemeClr val="tx2"/>
+                </a:solidFill>
+                <a:latin typeface="Century Gothic" panose="020B0502020202020204" pitchFamily="34" charset="0"/>
+                <a:cs typeface="Poppins Light" pitchFamily="2" charset="77"/>
+              </a:rPr>
+              <a:t>train_set</a:t>
+            </a:r>
+            <a:r>
+              <a:rPr lang="en-US" sz="2800" b="1" dirty="0">
+                <a:solidFill>
+                  <a:schemeClr val="tx2"/>
+                </a:solidFill>
+                <a:latin typeface="Century Gothic" panose="020B0502020202020204" pitchFamily="34" charset="0"/>
+                <a:cs typeface="Poppins Light" pitchFamily="2" charset="77"/>
+              </a:rPr>
+              <a:t> </a:t>
+            </a:r>
+            <a:r>
+              <a:rPr lang="en-US" sz="2800" dirty="0">
+                <a:solidFill>
+                  <a:schemeClr val="tx2"/>
+                </a:solidFill>
+                <a:latin typeface="Century Gothic" panose="020B0502020202020204" pitchFamily="34" charset="0"/>
+                <a:cs typeface="Poppins Light" pitchFamily="2" charset="77"/>
+              </a:rPr>
+              <a:t>and on the </a:t>
+            </a:r>
+            <a:r>
+              <a:rPr lang="en-US" sz="2800" b="1" dirty="0" err="1">
+                <a:solidFill>
+                  <a:schemeClr val="tx2"/>
+                </a:solidFill>
+                <a:latin typeface="Century Gothic" panose="020B0502020202020204" pitchFamily="34" charset="0"/>
+                <a:cs typeface="Poppins Light" pitchFamily="2" charset="77"/>
+              </a:rPr>
+              <a:t>test_set</a:t>
+            </a:r>
+            <a:r>
+              <a:rPr lang="en-US" sz="2800" b="1" dirty="0">
+                <a:solidFill>
+                  <a:schemeClr val="tx2"/>
+                </a:solidFill>
+                <a:latin typeface="Century Gothic" panose="020B0502020202020204" pitchFamily="34" charset="0"/>
+                <a:cs typeface="Poppins Light" pitchFamily="2" charset="77"/>
+              </a:rPr>
+              <a:t>. </a:t>
+            </a:r>
+            <a:r>
+              <a:rPr lang="en-US" sz="2800" dirty="0">
+                <a:solidFill>
+                  <a:schemeClr val="tx2"/>
+                </a:solidFill>
+                <a:latin typeface="Century Gothic" panose="020B0502020202020204" pitchFamily="34" charset="0"/>
+                <a:cs typeface="Poppins Light" pitchFamily="2" charset="77"/>
+              </a:rPr>
+              <a:t>We have decided to keep the </a:t>
+            </a:r>
+            <a:r>
+              <a:rPr lang="en-US" sz="2800" b="1" dirty="0" err="1">
+                <a:solidFill>
+                  <a:schemeClr val="tx2"/>
+                </a:solidFill>
+                <a:latin typeface="Century Gothic" panose="020B0502020202020204" pitchFamily="34" charset="0"/>
+                <a:cs typeface="Poppins Light" pitchFamily="2" charset="77"/>
+              </a:rPr>
+              <a:t>RandomForest</a:t>
+            </a:r>
+            <a:r>
+              <a:rPr lang="en-US" sz="2800" dirty="0">
+                <a:solidFill>
+                  <a:schemeClr val="tx2"/>
+                </a:solidFill>
+                <a:latin typeface="Century Gothic" panose="020B0502020202020204" pitchFamily="34" charset="0"/>
+                <a:cs typeface="Poppins Light" pitchFamily="2" charset="77"/>
+              </a:rPr>
+              <a:t> model which offers very </a:t>
+            </a:r>
+            <a:r>
+              <a:rPr lang="en-US" sz="2800" b="1" dirty="0">
+                <a:solidFill>
+                  <a:schemeClr val="tx2"/>
+                </a:solidFill>
+                <a:latin typeface="Century Gothic" panose="020B0502020202020204" pitchFamily="34" charset="0"/>
+                <a:cs typeface="Poppins Light" pitchFamily="2" charset="77"/>
+              </a:rPr>
+              <a:t>good results.</a:t>
+            </a:r>
+          </a:p>
+        </p:txBody>
+      </p:sp>
+      <p:pic>
+        <p:nvPicPr>
+          <p:cNvPr id="3" name="Image 2">
+            <a:extLst>
+              <a:ext uri="{FF2B5EF4-FFF2-40B4-BE49-F238E27FC236}">
+                <a16:creationId xmlns:a16="http://schemas.microsoft.com/office/drawing/2014/main" id="{9EBC718C-338A-B24E-B3AF-68470452DC66}"/>
+              </a:ext>
+            </a:extLst>
+          </p:cNvPr>
+          <p:cNvPicPr>
+            <a:picLocks noChangeAspect="1"/>
+          </p:cNvPicPr>
+          <p:nvPr/>
+        </p:nvPicPr>
+        <p:blipFill>
+          <a:blip r:embed="rId2"/>
+          <a:stretch>
+            <a:fillRect/>
+          </a:stretch>
+        </p:blipFill>
+        <p:spPr>
+          <a:xfrm>
+            <a:off x="8830491" y="4116983"/>
+            <a:ext cx="14762679" cy="7861427"/>
+          </a:xfrm>
+          <a:prstGeom prst="rect">
+            <a:avLst/>
+          </a:prstGeom>
+        </p:spPr>
+      </p:pic>
+    </p:spTree>
+    <p:extLst>
+      <p:ext uri="{BB962C8B-B14F-4D97-AF65-F5344CB8AC3E}">
+        <p14:creationId xmlns:p14="http://schemas.microsoft.com/office/powerpoint/2010/main" val="1056377031"/>
+      </p:ext>
+    </p:extLst>
+  </p:cSld>
+  <p:clrMapOvr>
+    <a:masterClrMapping/>
+  </p:clrMapOvr>
+</p:sld>
+</file>
+
+<file path=ppt/slides/slide18.xml><?xml version="1.0" encoding="utf-8"?>
+<p:sld xmlns:a="http://schemas.openxmlformats.org/drawingml/2006/main" xmlns:r="http://schemas.openxmlformats.org/officeDocument/2006/relationships" xmlns:p="http://schemas.openxmlformats.org/presentationml/2006/main">
+  <p:cSld>
+    <p:spTree>
+      <p:nvGrpSpPr>
+        <p:cNvPr id="1" name=""/>
+        <p:cNvGrpSpPr/>
+        <p:nvPr/>
+      </p:nvGrpSpPr>
+      <p:grpSpPr>
+        <a:xfrm>
+          <a:off x="0" y="0"/>
+          <a:ext cx="0" cy="0"/>
+          <a:chOff x="0" y="0"/>
+          <a:chExt cx="0" cy="0"/>
+        </a:xfrm>
+      </p:grpSpPr>
+      <p:sp>
+        <p:nvSpPr>
+          <p:cNvPr id="4" name="CuadroTexto 350">
+            <a:extLst>
+              <a:ext uri="{FF2B5EF4-FFF2-40B4-BE49-F238E27FC236}">
+                <a16:creationId xmlns:a16="http://schemas.microsoft.com/office/drawing/2014/main" id="{E18F7344-C685-2D4C-A0D8-51D9527DA64E}"/>
+              </a:ext>
+            </a:extLst>
+          </p:cNvPr>
+          <p:cNvSpPr txBox="1"/>
+          <p:nvPr/>
+        </p:nvSpPr>
+        <p:spPr>
+          <a:xfrm>
+            <a:off x="7621853" y="1071658"/>
+            <a:ext cx="9134232" cy="1323439"/>
+          </a:xfrm>
+          <a:prstGeom prst="rect">
+            <a:avLst/>
+          </a:prstGeom>
+          <a:noFill/>
+        </p:spPr>
+        <p:txBody>
+          <a:bodyPr wrap="none" rtlCol="0">
+            <a:spAutoFit/>
+          </a:bodyPr>
+          <a:lstStyle/>
+          <a:p>
+            <a:pPr algn="ctr"/>
+            <a:r>
+              <a:rPr lang="en-US" sz="8000" b="1" dirty="0">
+                <a:solidFill>
+                  <a:schemeClr val="tx2"/>
+                </a:solidFill>
+                <a:latin typeface="Century Gothic" panose="020B0502020202020204" pitchFamily="34" charset="0"/>
+                <a:ea typeface="Lato Heavy" charset="0"/>
+                <a:cs typeface="Poppins" pitchFamily="2" charset="77"/>
+              </a:rPr>
+              <a:t>Machine Learning</a:t>
+            </a:r>
+          </a:p>
+        </p:txBody>
+      </p:sp>
+      <p:sp>
+        <p:nvSpPr>
+          <p:cNvPr id="5" name="Rectangle 4">
+            <a:extLst>
+              <a:ext uri="{FF2B5EF4-FFF2-40B4-BE49-F238E27FC236}">
+                <a16:creationId xmlns:a16="http://schemas.microsoft.com/office/drawing/2014/main" id="{04382522-9F61-3C4C-9F79-EF411CF20CC2}"/>
+              </a:ext>
+            </a:extLst>
+          </p:cNvPr>
+          <p:cNvSpPr/>
+          <p:nvPr/>
+        </p:nvSpPr>
+        <p:spPr>
+          <a:xfrm>
+            <a:off x="11077129" y="3391732"/>
+            <a:ext cx="2223656" cy="38779"/>
+          </a:xfrm>
+          <a:prstGeom prst="rect">
+            <a:avLst/>
+          </a:prstGeom>
+          <a:solidFill>
+            <a:schemeClr val="accent1"/>
+          </a:solidFill>
+          <a:ln>
+            <a:noFill/>
+          </a:ln>
+        </p:spPr>
+        <p:style>
+          <a:lnRef idx="2">
+            <a:schemeClr val="accent1">
+              <a:shade val="50000"/>
+            </a:schemeClr>
+          </a:lnRef>
+          <a:fillRef idx="1">
+            <a:schemeClr val="accent1"/>
+          </a:fillRef>
+          <a:effectRef idx="0">
+            <a:schemeClr val="accent1"/>
+          </a:effectRef>
+          <a:fontRef idx="minor">
+            <a:schemeClr val="lt1"/>
+          </a:fontRef>
+        </p:style>
+        <p:txBody>
+          <a:bodyPr rtlCol="0" anchor="ctr"/>
+          <a:lstStyle/>
+          <a:p>
+            <a:pPr algn="ctr"/>
+            <a:endParaRPr lang="en-US" dirty="0">
+              <a:latin typeface="Century Gothic" panose="020B0502020202020204" pitchFamily="34" charset="0"/>
+            </a:endParaRPr>
+          </a:p>
+        </p:txBody>
+      </p:sp>
+      <p:sp>
+        <p:nvSpPr>
+          <p:cNvPr id="6" name="CuadroTexto 351">
+            <a:extLst>
+              <a:ext uri="{FF2B5EF4-FFF2-40B4-BE49-F238E27FC236}">
+                <a16:creationId xmlns:a16="http://schemas.microsoft.com/office/drawing/2014/main" id="{8F97CA55-2929-3847-BEDA-70E12066EDB2}"/>
+              </a:ext>
+            </a:extLst>
+          </p:cNvPr>
+          <p:cNvSpPr txBox="1"/>
+          <p:nvPr/>
+        </p:nvSpPr>
+        <p:spPr>
+          <a:xfrm>
+            <a:off x="7170598" y="2458550"/>
+            <a:ext cx="10036717" cy="584775"/>
+          </a:xfrm>
+          <a:prstGeom prst="rect">
+            <a:avLst/>
+          </a:prstGeom>
+          <a:noFill/>
+        </p:spPr>
+        <p:txBody>
+          <a:bodyPr wrap="square" rtlCol="0">
+            <a:spAutoFit/>
+          </a:bodyPr>
+          <a:lstStyle/>
+          <a:p>
+            <a:pPr algn="ctr"/>
+            <a:r>
+              <a:rPr lang="en-US" sz="3200" dirty="0">
+                <a:solidFill>
+                  <a:schemeClr val="tx1">
+                    <a:lumMod val="50000"/>
+                  </a:schemeClr>
+                </a:solidFill>
+                <a:latin typeface="Century Gothic" panose="020B0502020202020204" pitchFamily="34" charset="0"/>
+                <a:cs typeface="Poppins Light" pitchFamily="2" charset="77"/>
+              </a:rPr>
+              <a:t>Features Selection</a:t>
+            </a:r>
+          </a:p>
+        </p:txBody>
+      </p:sp>
+      <p:pic>
+        <p:nvPicPr>
+          <p:cNvPr id="7" name="Image 6">
+            <a:extLst>
+              <a:ext uri="{FF2B5EF4-FFF2-40B4-BE49-F238E27FC236}">
+                <a16:creationId xmlns:a16="http://schemas.microsoft.com/office/drawing/2014/main" id="{946A7ACC-6052-4E49-AF5C-B777736CBAAD}"/>
+              </a:ext>
+            </a:extLst>
+          </p:cNvPr>
+          <p:cNvPicPr>
+            <a:picLocks noChangeAspect="1"/>
+          </p:cNvPicPr>
+          <p:nvPr/>
+        </p:nvPicPr>
+        <p:blipFill>
+          <a:blip r:embed="rId2"/>
+          <a:stretch>
+            <a:fillRect/>
+          </a:stretch>
+        </p:blipFill>
+        <p:spPr>
+          <a:xfrm>
+            <a:off x="10337572" y="4238170"/>
+            <a:ext cx="12862062" cy="8771076"/>
+          </a:xfrm>
+          <a:prstGeom prst="rect">
+            <a:avLst/>
+          </a:prstGeom>
+        </p:spPr>
+      </p:pic>
+      <p:sp>
+        <p:nvSpPr>
+          <p:cNvPr id="9" name="CuadroTexto 351">
+            <a:extLst>
+              <a:ext uri="{FF2B5EF4-FFF2-40B4-BE49-F238E27FC236}">
+                <a16:creationId xmlns:a16="http://schemas.microsoft.com/office/drawing/2014/main" id="{2F273824-C458-3A45-A64A-12CA511BB4A5}"/>
+              </a:ext>
+            </a:extLst>
+          </p:cNvPr>
+          <p:cNvSpPr txBox="1"/>
+          <p:nvPr/>
+        </p:nvSpPr>
+        <p:spPr>
+          <a:xfrm>
+            <a:off x="1473275" y="4053226"/>
+            <a:ext cx="7749104" cy="9140964"/>
+          </a:xfrm>
+          <a:prstGeom prst="rect">
+            <a:avLst/>
+          </a:prstGeom>
+          <a:noFill/>
+        </p:spPr>
+        <p:txBody>
+          <a:bodyPr wrap="square" rtlCol="0">
+            <a:spAutoFit/>
+          </a:bodyPr>
+          <a:lstStyle/>
+          <a:p>
+            <a:r>
+              <a:rPr lang="en-US" sz="2800" dirty="0">
+                <a:solidFill>
+                  <a:schemeClr val="tx2"/>
+                </a:solidFill>
+                <a:latin typeface="Century Gothic" panose="020B0502020202020204" pitchFamily="34" charset="0"/>
+                <a:cs typeface="Poppins Light" pitchFamily="2" charset="77"/>
+              </a:rPr>
+              <a:t>Before finalizing the model to be used on our API, we wanted to </a:t>
+            </a:r>
+            <a:r>
+              <a:rPr lang="en-US" sz="2800" b="1" dirty="0">
+                <a:solidFill>
+                  <a:schemeClr val="tx2"/>
+                </a:solidFill>
+                <a:latin typeface="Century Gothic" panose="020B0502020202020204" pitchFamily="34" charset="0"/>
+                <a:cs typeface="Poppins Light" pitchFamily="2" charset="77"/>
+              </a:rPr>
+              <a:t>simplify</a:t>
+            </a:r>
+            <a:r>
+              <a:rPr lang="en-US" sz="2800" dirty="0">
+                <a:solidFill>
+                  <a:schemeClr val="tx2"/>
+                </a:solidFill>
+                <a:latin typeface="Century Gothic" panose="020B0502020202020204" pitchFamily="34" charset="0"/>
+                <a:cs typeface="Poppins Light" pitchFamily="2" charset="77"/>
+              </a:rPr>
+              <a:t> it by </a:t>
+            </a:r>
+            <a:r>
+              <a:rPr lang="en-US" sz="2800" b="1" dirty="0">
+                <a:solidFill>
+                  <a:schemeClr val="tx2"/>
+                </a:solidFill>
+                <a:latin typeface="Century Gothic" panose="020B0502020202020204" pitchFamily="34" charset="0"/>
+                <a:cs typeface="Poppins Light" pitchFamily="2" charset="77"/>
+              </a:rPr>
+              <a:t>removing</a:t>
+            </a:r>
+            <a:r>
+              <a:rPr lang="en-US" sz="2800" dirty="0">
+                <a:solidFill>
+                  <a:schemeClr val="tx2"/>
+                </a:solidFill>
+                <a:latin typeface="Century Gothic" panose="020B0502020202020204" pitchFamily="34" charset="0"/>
+                <a:cs typeface="Poppins Light" pitchFamily="2" charset="77"/>
+              </a:rPr>
+              <a:t> the very </a:t>
+            </a:r>
+            <a:r>
+              <a:rPr lang="en-US" sz="2800" b="1" dirty="0">
+                <a:solidFill>
+                  <a:schemeClr val="tx2"/>
+                </a:solidFill>
+                <a:latin typeface="Century Gothic" panose="020B0502020202020204" pitchFamily="34" charset="0"/>
+                <a:cs typeface="Poppins Light" pitchFamily="2" charset="77"/>
+              </a:rPr>
+              <a:t>unimportant</a:t>
+            </a:r>
+            <a:r>
+              <a:rPr lang="en-US" sz="2800" dirty="0">
+                <a:solidFill>
+                  <a:schemeClr val="tx2"/>
+                </a:solidFill>
+                <a:latin typeface="Century Gothic" panose="020B0502020202020204" pitchFamily="34" charset="0"/>
+                <a:cs typeface="Poppins Light" pitchFamily="2" charset="77"/>
+              </a:rPr>
+              <a:t> variables in the role of predicting the level of obesity. So here are </a:t>
+            </a:r>
+            <a:r>
+              <a:rPr lang="en-US" sz="2800" b="1" dirty="0">
+                <a:solidFill>
+                  <a:schemeClr val="tx2"/>
+                </a:solidFill>
+                <a:latin typeface="Century Gothic" panose="020B0502020202020204" pitchFamily="34" charset="0"/>
+                <a:cs typeface="Poppins Light" pitchFamily="2" charset="77"/>
+              </a:rPr>
+              <a:t>the least important </a:t>
+            </a:r>
+            <a:r>
+              <a:rPr lang="en-US" sz="2800" dirty="0">
+                <a:solidFill>
+                  <a:schemeClr val="tx2"/>
+                </a:solidFill>
+                <a:latin typeface="Century Gothic" panose="020B0502020202020204" pitchFamily="34" charset="0"/>
+                <a:cs typeface="Poppins Light" pitchFamily="2" charset="77"/>
+              </a:rPr>
+              <a:t>values on the graph.</a:t>
+            </a:r>
+            <a:br>
+              <a:rPr lang="en-US" sz="2800" dirty="0">
+                <a:solidFill>
+                  <a:schemeClr val="tx2"/>
+                </a:solidFill>
+                <a:latin typeface="Century Gothic" panose="020B0502020202020204" pitchFamily="34" charset="0"/>
+                <a:cs typeface="Poppins Light" pitchFamily="2" charset="77"/>
+              </a:rPr>
+            </a:br>
+            <a:endParaRPr lang="en-US" sz="2800" dirty="0">
+              <a:solidFill>
+                <a:schemeClr val="tx2"/>
+              </a:solidFill>
+              <a:latin typeface="Century Gothic" panose="020B0502020202020204" pitchFamily="34" charset="0"/>
+              <a:cs typeface="Poppins Light" pitchFamily="2" charset="77"/>
+            </a:endParaRPr>
+          </a:p>
+          <a:p>
+            <a:r>
+              <a:rPr lang="en-US" sz="2800" dirty="0">
+                <a:solidFill>
+                  <a:schemeClr val="tx2"/>
+                </a:solidFill>
+                <a:latin typeface="Century Gothic" panose="020B0502020202020204" pitchFamily="34" charset="0"/>
+                <a:cs typeface="Poppins Light" pitchFamily="2" charset="77"/>
+              </a:rPr>
+              <a:t>Finally we </a:t>
+            </a:r>
+            <a:r>
+              <a:rPr lang="en-US" sz="2800" b="1" dirty="0">
+                <a:solidFill>
+                  <a:schemeClr val="tx2"/>
+                </a:solidFill>
+                <a:latin typeface="Century Gothic" panose="020B0502020202020204" pitchFamily="34" charset="0"/>
+                <a:cs typeface="Poppins Light" pitchFamily="2" charset="77"/>
+              </a:rPr>
+              <a:t>keep</a:t>
+            </a:r>
+            <a:r>
+              <a:rPr lang="en-US" sz="2800" dirty="0">
+                <a:solidFill>
+                  <a:schemeClr val="tx2"/>
+                </a:solidFill>
+                <a:latin typeface="Century Gothic" panose="020B0502020202020204" pitchFamily="34" charset="0"/>
+                <a:cs typeface="Poppins Light" pitchFamily="2" charset="77"/>
+              </a:rPr>
+              <a:t> these variables:</a:t>
+            </a:r>
+            <a:br>
+              <a:rPr lang="en-US" sz="2800" dirty="0">
+                <a:solidFill>
+                  <a:schemeClr val="tx2"/>
+                </a:solidFill>
+                <a:latin typeface="Century Gothic" panose="020B0502020202020204" pitchFamily="34" charset="0"/>
+                <a:cs typeface="Poppins Light" pitchFamily="2" charset="77"/>
+              </a:rPr>
+            </a:br>
+            <a:endParaRPr lang="en-US" sz="2800" dirty="0">
+              <a:solidFill>
+                <a:schemeClr val="tx2"/>
+              </a:solidFill>
+              <a:latin typeface="Century Gothic" panose="020B0502020202020204" pitchFamily="34" charset="0"/>
+              <a:cs typeface="Poppins Light" pitchFamily="2" charset="77"/>
+            </a:endParaRPr>
+          </a:p>
+          <a:p>
+            <a:pPr marL="457200" indent="-457200">
+              <a:buFont typeface="Arial" panose="020B0604020202020204" pitchFamily="34" charset="0"/>
+              <a:buChar char="•"/>
+            </a:pPr>
+            <a:r>
+              <a:rPr lang="en-US" sz="2800" dirty="0">
+                <a:solidFill>
+                  <a:schemeClr val="tx2"/>
+                </a:solidFill>
+                <a:latin typeface="Century Gothic" panose="020B0502020202020204" pitchFamily="34" charset="0"/>
+                <a:cs typeface="Poppins Light" pitchFamily="2" charset="77"/>
+              </a:rPr>
+              <a:t>Gender</a:t>
+            </a:r>
+          </a:p>
+          <a:p>
+            <a:pPr marL="457200" indent="-457200">
+              <a:buFont typeface="Arial" panose="020B0604020202020204" pitchFamily="34" charset="0"/>
+              <a:buChar char="•"/>
+            </a:pPr>
+            <a:r>
+              <a:rPr lang="en-US" sz="2800" dirty="0">
+                <a:solidFill>
+                  <a:schemeClr val="tx2"/>
+                </a:solidFill>
+                <a:latin typeface="Century Gothic" panose="020B0502020202020204" pitchFamily="34" charset="0"/>
+                <a:cs typeface="Poppins Light" pitchFamily="2" charset="77"/>
+              </a:rPr>
+              <a:t>Age</a:t>
+            </a:r>
+          </a:p>
+          <a:p>
+            <a:pPr marL="457200" indent="-457200">
+              <a:buFont typeface="Arial" panose="020B0604020202020204" pitchFamily="34" charset="0"/>
+              <a:buChar char="•"/>
+            </a:pPr>
+            <a:r>
+              <a:rPr lang="en-US" sz="2800" dirty="0" err="1">
+                <a:solidFill>
+                  <a:schemeClr val="tx2"/>
+                </a:solidFill>
+                <a:latin typeface="Century Gothic" panose="020B0502020202020204" pitchFamily="34" charset="0"/>
+                <a:cs typeface="Poppins Light" pitchFamily="2" charset="77"/>
+              </a:rPr>
+              <a:t>family_history_with_overweight</a:t>
+            </a:r>
+            <a:endParaRPr lang="en-US" sz="2800" dirty="0">
+              <a:solidFill>
+                <a:schemeClr val="tx2"/>
+              </a:solidFill>
+              <a:latin typeface="Century Gothic" panose="020B0502020202020204" pitchFamily="34" charset="0"/>
+              <a:cs typeface="Poppins Light" pitchFamily="2" charset="77"/>
+            </a:endParaRPr>
+          </a:p>
+          <a:p>
+            <a:pPr marL="457200" indent="-457200">
+              <a:buFont typeface="Arial" panose="020B0604020202020204" pitchFamily="34" charset="0"/>
+              <a:buChar char="•"/>
+            </a:pPr>
+            <a:r>
+              <a:rPr lang="en-US" sz="2800" dirty="0">
+                <a:solidFill>
+                  <a:schemeClr val="tx2"/>
+                </a:solidFill>
+                <a:latin typeface="Century Gothic" panose="020B0502020202020204" pitchFamily="34" charset="0"/>
+                <a:cs typeface="Poppins Light" pitchFamily="2" charset="77"/>
+              </a:rPr>
+              <a:t>FCVC</a:t>
+            </a:r>
+          </a:p>
+          <a:p>
+            <a:pPr marL="457200" indent="-457200">
+              <a:buFont typeface="Arial" panose="020B0604020202020204" pitchFamily="34" charset="0"/>
+              <a:buChar char="•"/>
+            </a:pPr>
+            <a:r>
+              <a:rPr lang="en-US" sz="2800" dirty="0">
+                <a:solidFill>
+                  <a:schemeClr val="tx2"/>
+                </a:solidFill>
+                <a:latin typeface="Century Gothic" panose="020B0502020202020204" pitchFamily="34" charset="0"/>
+                <a:cs typeface="Poppins Light" pitchFamily="2" charset="77"/>
+              </a:rPr>
+              <a:t>NCP</a:t>
+            </a:r>
+          </a:p>
+          <a:p>
+            <a:pPr marL="457200" indent="-457200">
+              <a:buFont typeface="Arial" panose="020B0604020202020204" pitchFamily="34" charset="0"/>
+              <a:buChar char="•"/>
+            </a:pPr>
+            <a:r>
+              <a:rPr lang="en-US" sz="2800" dirty="0">
+                <a:solidFill>
+                  <a:schemeClr val="tx2"/>
+                </a:solidFill>
+                <a:latin typeface="Century Gothic" panose="020B0502020202020204" pitchFamily="34" charset="0"/>
+                <a:cs typeface="Poppins Light" pitchFamily="2" charset="77"/>
+              </a:rPr>
+              <a:t>CAEC</a:t>
+            </a:r>
+          </a:p>
+          <a:p>
+            <a:pPr marL="457200" indent="-457200">
+              <a:buFont typeface="Arial" panose="020B0604020202020204" pitchFamily="34" charset="0"/>
+              <a:buChar char="•"/>
+            </a:pPr>
+            <a:r>
+              <a:rPr lang="en-US" sz="2800" dirty="0">
+                <a:solidFill>
+                  <a:schemeClr val="tx2"/>
+                </a:solidFill>
+                <a:latin typeface="Century Gothic" panose="020B0502020202020204" pitchFamily="34" charset="0"/>
+                <a:cs typeface="Poppins Light" pitchFamily="2" charset="77"/>
+              </a:rPr>
+              <a:t>CH2O</a:t>
+            </a:r>
+          </a:p>
+          <a:p>
+            <a:pPr marL="457200" indent="-457200">
+              <a:buFont typeface="Arial" panose="020B0604020202020204" pitchFamily="34" charset="0"/>
+              <a:buChar char="•"/>
+            </a:pPr>
+            <a:r>
+              <a:rPr lang="en-US" sz="2800" dirty="0">
+                <a:solidFill>
+                  <a:schemeClr val="tx2"/>
+                </a:solidFill>
+                <a:latin typeface="Century Gothic" panose="020B0502020202020204" pitchFamily="34" charset="0"/>
+                <a:cs typeface="Poppins Light" pitchFamily="2" charset="77"/>
+              </a:rPr>
+              <a:t>FAF</a:t>
+            </a:r>
+          </a:p>
+          <a:p>
+            <a:pPr marL="457200" indent="-457200">
+              <a:buFont typeface="Arial" panose="020B0604020202020204" pitchFamily="34" charset="0"/>
+              <a:buChar char="•"/>
+            </a:pPr>
+            <a:r>
+              <a:rPr lang="en-US" sz="2800" dirty="0">
+                <a:solidFill>
+                  <a:schemeClr val="tx2"/>
+                </a:solidFill>
+                <a:latin typeface="Century Gothic" panose="020B0502020202020204" pitchFamily="34" charset="0"/>
+                <a:cs typeface="Poppins Light" pitchFamily="2" charset="77"/>
+              </a:rPr>
+              <a:t>CALC</a:t>
+            </a:r>
+          </a:p>
+          <a:p>
+            <a:endParaRPr lang="en-US" sz="2800" dirty="0">
+              <a:solidFill>
+                <a:schemeClr val="tx2"/>
+              </a:solidFill>
+              <a:latin typeface="Century Gothic" panose="020B0502020202020204" pitchFamily="34" charset="0"/>
+              <a:cs typeface="Poppins Light" pitchFamily="2" charset="77"/>
+            </a:endParaRPr>
+          </a:p>
+          <a:p>
+            <a:r>
+              <a:rPr lang="en-US" sz="2800" dirty="0">
+                <a:solidFill>
+                  <a:schemeClr val="tx2"/>
+                </a:solidFill>
+                <a:latin typeface="Century Gothic" panose="020B0502020202020204" pitchFamily="34" charset="0"/>
+                <a:cs typeface="Poppins Light" pitchFamily="2" charset="77"/>
+              </a:rPr>
+              <a:t>The </a:t>
+            </a:r>
+            <a:r>
+              <a:rPr lang="en-US" sz="2800" b="1" dirty="0">
+                <a:solidFill>
+                  <a:schemeClr val="tx2"/>
+                </a:solidFill>
+                <a:latin typeface="Century Gothic" panose="020B0502020202020204" pitchFamily="34" charset="0"/>
+                <a:cs typeface="Poppins Light" pitchFamily="2" charset="77"/>
+              </a:rPr>
+              <a:t>accuracy drops by 2% </a:t>
+            </a:r>
+            <a:r>
+              <a:rPr lang="en-US" sz="2800" dirty="0">
+                <a:solidFill>
+                  <a:schemeClr val="tx2"/>
+                </a:solidFill>
+                <a:latin typeface="Century Gothic" panose="020B0502020202020204" pitchFamily="34" charset="0"/>
+                <a:cs typeface="Poppins Light" pitchFamily="2" charset="77"/>
+              </a:rPr>
+              <a:t>but the model is simpler.</a:t>
+            </a:r>
+            <a:endParaRPr lang="en-US" sz="2800" b="1" dirty="0">
+              <a:solidFill>
+                <a:schemeClr val="tx2"/>
+              </a:solidFill>
+              <a:latin typeface="Century Gothic" panose="020B0502020202020204" pitchFamily="34" charset="0"/>
+              <a:cs typeface="Poppins Light" pitchFamily="2" charset="77"/>
+            </a:endParaRPr>
+          </a:p>
+        </p:txBody>
+      </p:sp>
+    </p:spTree>
+    <p:extLst>
+      <p:ext uri="{BB962C8B-B14F-4D97-AF65-F5344CB8AC3E}">
+        <p14:creationId xmlns:p14="http://schemas.microsoft.com/office/powerpoint/2010/main" val="3766389874"/>
       </p:ext>
     </p:extLst>
   </p:cSld>

--- a/Report.pptx
+++ b/Report.pptx
@@ -6190,7 +6190,7 @@
                 <a:latin typeface="Century Gothic" panose="020B0502020202020204" pitchFamily="34" charset="0"/>
                 <a:cs typeface="Poppins Light" pitchFamily="2" charset="77"/>
               </a:rPr>
-              <a:t>family_history_with_overweight</a:t>
+              <a:t>Family_history_with_overweight</a:t>
             </a:r>
             <a:endParaRPr lang="en-US" sz="2800" dirty="0">
               <a:solidFill>
@@ -7095,8 +7095,23 @@
                 </a:solidFill>
                 <a:latin typeface="Century Gothic" panose="020B0502020202020204" pitchFamily="34" charset="0"/>
               </a:rPr>
-              <a:t> monitoring (SCC),</a:t>
-            </a:r>
+              <a:t> monitoring (</a:t>
+            </a:r>
+            <a:r>
+              <a:rPr lang="fr-FR" sz="2800">
+                <a:solidFill>
+                  <a:schemeClr val="tx2"/>
+                </a:solidFill>
+                <a:latin typeface="Century Gothic" panose="020B0502020202020204" pitchFamily="34" charset="0"/>
+              </a:rPr>
+              <a:t>SCC)</a:t>
+            </a:r>
+            <a:endParaRPr lang="fr-FR" sz="2800" dirty="0">
+              <a:solidFill>
+                <a:schemeClr val="tx2"/>
+              </a:solidFill>
+              <a:latin typeface="Century Gothic" panose="020B0502020202020204" pitchFamily="34" charset="0"/>
+            </a:endParaRPr>
           </a:p>
           <a:p>
             <a:pPr marL="457200" indent="-457200">
@@ -7248,7 +7263,7 @@
                 </a:solidFill>
                 <a:latin typeface="Century Gothic" panose="020B0502020202020204" pitchFamily="34" charset="0"/>
               </a:rPr>
-              <a:t> (MTRANS),</a:t>
+              <a:t> (MTRANS)</a:t>
             </a:r>
           </a:p>
           <a:p>
@@ -7369,15 +7384,6 @@
               <a:buFont typeface="Arial" panose="020B0604020202020204" pitchFamily="34" charset="0"/>
               <a:buChar char="•"/>
             </a:pPr>
-            <a:r>
-              <a:rPr lang="fr-FR" sz="2800" dirty="0">
-                <a:solidFill>
-                  <a:schemeClr val="tx2"/>
-                </a:solidFill>
-                <a:latin typeface="Century Gothic" panose="020B0502020202020204" pitchFamily="34" charset="0"/>
-              </a:rPr>
-              <a:t> </a:t>
-            </a:r>
             <a:r>
               <a:rPr lang="fr-FR" sz="2800" dirty="0" err="1">
                 <a:solidFill>
@@ -9499,8 +9505,8 @@
         </p:nvSpPr>
         <p:spPr>
           <a:xfrm>
-            <a:off x="18261973" y="3490057"/>
-            <a:ext cx="4682896" cy="8279190"/>
+            <a:off x="17938937" y="4375402"/>
+            <a:ext cx="5148152" cy="6986528"/>
           </a:xfrm>
           <a:prstGeom prst="rect">
             <a:avLst/>

--- a/Report.pptx
+++ b/Report.pptx
@@ -5,7 +5,7 @@
     <p:sldMasterId id="2147483660" r:id="rId1"/>
   </p:sldMasterIdLst>
   <p:notesMasterIdLst>
-    <p:notesMasterId r:id="rId20"/>
+    <p:notesMasterId r:id="rId22"/>
   </p:notesMasterIdLst>
   <p:sldIdLst>
     <p:sldId id="264" r:id="rId2"/>
@@ -26,6 +26,8 @@
     <p:sldId id="409" r:id="rId17"/>
     <p:sldId id="410" r:id="rId18"/>
     <p:sldId id="411" r:id="rId19"/>
+    <p:sldId id="413" r:id="rId20"/>
+    <p:sldId id="414" r:id="rId21"/>
   </p:sldIdLst>
   <p:sldSz cx="24387175" cy="13716000"/>
   <p:notesSz cx="6858000" cy="9144000"/>
@@ -214,7 +216,7 @@
           <a:p>
             <a:fld id="{819824C1-3D05-2945-8CAD-B16B27066FBC}" type="datetimeFigureOut">
               <a:rPr lang="en-US" smtClean="0"/>
-              <a:t>1/9/21</a:t>
+              <a:t>1/10/2021</a:t>
             </a:fld>
             <a:endParaRPr lang="en-US"/>
           </a:p>
@@ -663,7 +665,7 @@
           <a:p>
             <a:fld id="{FD6C28C6-E2AE-1B43-BE6B-3934904A9C5D}" type="datetimeFigureOut">
               <a:rPr lang="en-US" smtClean="0"/>
-              <a:t>1/9/21</a:t>
+              <a:t>1/10/2021</a:t>
             </a:fld>
             <a:endParaRPr lang="en-US"/>
           </a:p>
@@ -6359,6 +6361,432 @@
 </p:sld>
 </file>
 
+<file path=ppt/slides/slide19.xml><?xml version="1.0" encoding="utf-8"?>
+<p:sld xmlns:a="http://schemas.openxmlformats.org/drawingml/2006/main" xmlns:r="http://schemas.openxmlformats.org/officeDocument/2006/relationships" xmlns:p="http://schemas.openxmlformats.org/presentationml/2006/main">
+  <p:cSld>
+    <p:spTree>
+      <p:nvGrpSpPr>
+        <p:cNvPr id="1" name=""/>
+        <p:cNvGrpSpPr/>
+        <p:nvPr/>
+      </p:nvGrpSpPr>
+      <p:grpSpPr>
+        <a:xfrm>
+          <a:off x="0" y="0"/>
+          <a:ext cx="0" cy="0"/>
+          <a:chOff x="0" y="0"/>
+          <a:chExt cx="0" cy="0"/>
+        </a:xfrm>
+      </p:grpSpPr>
+      <p:sp>
+        <p:nvSpPr>
+          <p:cNvPr id="4" name="CuadroTexto 350">
+            <a:extLst>
+              <a:ext uri="{FF2B5EF4-FFF2-40B4-BE49-F238E27FC236}">
+                <a16:creationId xmlns:a16="http://schemas.microsoft.com/office/drawing/2014/main" id="{E18F7344-C685-2D4C-A0D8-51D9527DA64E}"/>
+              </a:ext>
+            </a:extLst>
+          </p:cNvPr>
+          <p:cNvSpPr txBox="1"/>
+          <p:nvPr/>
+        </p:nvSpPr>
+        <p:spPr>
+          <a:xfrm>
+            <a:off x="11287119" y="1071658"/>
+            <a:ext cx="1803700" cy="1323439"/>
+          </a:xfrm>
+          <a:prstGeom prst="rect">
+            <a:avLst/>
+          </a:prstGeom>
+          <a:noFill/>
+        </p:spPr>
+        <p:txBody>
+          <a:bodyPr wrap="none" rtlCol="0">
+            <a:spAutoFit/>
+          </a:bodyPr>
+          <a:lstStyle/>
+          <a:p>
+            <a:pPr algn="ctr"/>
+            <a:r>
+              <a:rPr lang="en-US" sz="8000" b="1" dirty="0">
+                <a:solidFill>
+                  <a:schemeClr val="tx2"/>
+                </a:solidFill>
+                <a:latin typeface="Century Gothic" panose="020B0502020202020204" pitchFamily="34" charset="0"/>
+                <a:ea typeface="Lato Heavy" charset="0"/>
+                <a:cs typeface="Poppins" pitchFamily="2" charset="77"/>
+              </a:rPr>
+              <a:t>API</a:t>
+            </a:r>
+          </a:p>
+        </p:txBody>
+      </p:sp>
+      <p:sp>
+        <p:nvSpPr>
+          <p:cNvPr id="5" name="Rectangle 4">
+            <a:extLst>
+              <a:ext uri="{FF2B5EF4-FFF2-40B4-BE49-F238E27FC236}">
+                <a16:creationId xmlns:a16="http://schemas.microsoft.com/office/drawing/2014/main" id="{04382522-9F61-3C4C-9F79-EF411CF20CC2}"/>
+              </a:ext>
+            </a:extLst>
+          </p:cNvPr>
+          <p:cNvSpPr/>
+          <p:nvPr/>
+        </p:nvSpPr>
+        <p:spPr>
+          <a:xfrm>
+            <a:off x="11077129" y="3391732"/>
+            <a:ext cx="2223656" cy="38779"/>
+          </a:xfrm>
+          <a:prstGeom prst="rect">
+            <a:avLst/>
+          </a:prstGeom>
+          <a:solidFill>
+            <a:schemeClr val="accent1"/>
+          </a:solidFill>
+          <a:ln>
+            <a:noFill/>
+          </a:ln>
+        </p:spPr>
+        <p:style>
+          <a:lnRef idx="2">
+            <a:schemeClr val="accent1">
+              <a:shade val="50000"/>
+            </a:schemeClr>
+          </a:lnRef>
+          <a:fillRef idx="1">
+            <a:schemeClr val="accent1"/>
+          </a:fillRef>
+          <a:effectRef idx="0">
+            <a:schemeClr val="accent1"/>
+          </a:effectRef>
+          <a:fontRef idx="minor">
+            <a:schemeClr val="lt1"/>
+          </a:fontRef>
+        </p:style>
+        <p:txBody>
+          <a:bodyPr rtlCol="0" anchor="ctr"/>
+          <a:lstStyle/>
+          <a:p>
+            <a:pPr algn="ctr"/>
+            <a:endParaRPr lang="en-US" dirty="0">
+              <a:latin typeface="Century Gothic" panose="020B0502020202020204" pitchFamily="34" charset="0"/>
+            </a:endParaRPr>
+          </a:p>
+        </p:txBody>
+      </p:sp>
+      <p:sp>
+        <p:nvSpPr>
+          <p:cNvPr id="6" name="CuadroTexto 351">
+            <a:extLst>
+              <a:ext uri="{FF2B5EF4-FFF2-40B4-BE49-F238E27FC236}">
+                <a16:creationId xmlns:a16="http://schemas.microsoft.com/office/drawing/2014/main" id="{8F97CA55-2929-3847-BEDA-70E12066EDB2}"/>
+              </a:ext>
+            </a:extLst>
+          </p:cNvPr>
+          <p:cNvSpPr txBox="1"/>
+          <p:nvPr/>
+        </p:nvSpPr>
+        <p:spPr>
+          <a:xfrm>
+            <a:off x="7170598" y="2458550"/>
+            <a:ext cx="10036717" cy="584775"/>
+          </a:xfrm>
+          <a:prstGeom prst="rect">
+            <a:avLst/>
+          </a:prstGeom>
+          <a:noFill/>
+        </p:spPr>
+        <p:txBody>
+          <a:bodyPr wrap="square" rtlCol="0">
+            <a:spAutoFit/>
+          </a:bodyPr>
+          <a:lstStyle/>
+          <a:p>
+            <a:pPr algn="ctr"/>
+            <a:r>
+              <a:rPr lang="en-US" sz="3200" dirty="0">
+                <a:solidFill>
+                  <a:schemeClr val="tx1">
+                    <a:lumMod val="50000"/>
+                  </a:schemeClr>
+                </a:solidFill>
+                <a:latin typeface="Century Gothic" panose="020B0502020202020204" pitchFamily="34" charset="0"/>
+                <a:cs typeface="Poppins Light" pitchFamily="2" charset="77"/>
+              </a:rPr>
+              <a:t>Framework used</a:t>
+            </a:r>
+          </a:p>
+        </p:txBody>
+      </p:sp>
+      <p:sp>
+        <p:nvSpPr>
+          <p:cNvPr id="11" name="CuadroTexto 351">
+            <a:extLst>
+              <a:ext uri="{FF2B5EF4-FFF2-40B4-BE49-F238E27FC236}">
+                <a16:creationId xmlns:a16="http://schemas.microsoft.com/office/drawing/2014/main" id="{50A2F7A0-C05A-4148-A5BD-A4445D1B386C}"/>
+              </a:ext>
+            </a:extLst>
+          </p:cNvPr>
+          <p:cNvSpPr txBox="1"/>
+          <p:nvPr/>
+        </p:nvSpPr>
+        <p:spPr>
+          <a:xfrm>
+            <a:off x="1076638" y="6565888"/>
+            <a:ext cx="7749104" cy="2677656"/>
+          </a:xfrm>
+          <a:prstGeom prst="rect">
+            <a:avLst/>
+          </a:prstGeom>
+          <a:noFill/>
+        </p:spPr>
+        <p:txBody>
+          <a:bodyPr wrap="square" rtlCol="0">
+            <a:spAutoFit/>
+          </a:bodyPr>
+          <a:lstStyle/>
+          <a:p>
+            <a:r>
+              <a:rPr lang="en-US" sz="2800" dirty="0">
+                <a:solidFill>
+                  <a:schemeClr val="tx2"/>
+                </a:solidFill>
+                <a:latin typeface="Century Gothic" panose="020B0502020202020204" pitchFamily="34" charset="0"/>
+                <a:cs typeface="Poppins Light" pitchFamily="2" charset="77"/>
+              </a:rPr>
+              <a:t>To develop our </a:t>
+            </a:r>
+            <a:r>
+              <a:rPr lang="en-US" sz="2800" b="1" dirty="0">
+                <a:solidFill>
+                  <a:schemeClr val="tx2"/>
+                </a:solidFill>
+                <a:latin typeface="Century Gothic" panose="020B0502020202020204" pitchFamily="34" charset="0"/>
+                <a:cs typeface="Poppins Light" pitchFamily="2" charset="77"/>
+              </a:rPr>
+              <a:t>API</a:t>
+            </a:r>
+            <a:r>
+              <a:rPr lang="en-US" sz="2800" dirty="0">
+                <a:solidFill>
+                  <a:schemeClr val="tx2"/>
+                </a:solidFill>
+                <a:latin typeface="Century Gothic" panose="020B0502020202020204" pitchFamily="34" charset="0"/>
+                <a:cs typeface="Poppins Light" pitchFamily="2" charset="77"/>
+              </a:rPr>
+              <a:t> with python, we had </a:t>
+            </a:r>
+            <a:r>
+              <a:rPr lang="en-US" sz="2800" b="1" dirty="0">
+                <a:solidFill>
+                  <a:schemeClr val="tx2"/>
+                </a:solidFill>
+                <a:latin typeface="Century Gothic" panose="020B0502020202020204" pitchFamily="34" charset="0"/>
+                <a:cs typeface="Poppins Light" pitchFamily="2" charset="77"/>
+              </a:rPr>
+              <a:t>two choices</a:t>
+            </a:r>
+            <a:r>
+              <a:rPr lang="en-US" sz="2800" dirty="0">
+                <a:solidFill>
+                  <a:schemeClr val="tx2"/>
+                </a:solidFill>
+                <a:latin typeface="Century Gothic" panose="020B0502020202020204" pitchFamily="34" charset="0"/>
+                <a:cs typeface="Poppins Light" pitchFamily="2" charset="77"/>
+              </a:rPr>
+              <a:t>: </a:t>
+            </a:r>
+            <a:r>
+              <a:rPr lang="en-US" sz="2800" b="1" dirty="0">
+                <a:solidFill>
+                  <a:schemeClr val="tx2"/>
+                </a:solidFill>
+                <a:latin typeface="Century Gothic" panose="020B0502020202020204" pitchFamily="34" charset="0"/>
+                <a:cs typeface="Poppins Light" pitchFamily="2" charset="77"/>
+              </a:rPr>
+              <a:t>Django</a:t>
+            </a:r>
+            <a:r>
+              <a:rPr lang="en-US" sz="2800" dirty="0">
+                <a:solidFill>
+                  <a:schemeClr val="tx2"/>
+                </a:solidFill>
+                <a:latin typeface="Century Gothic" panose="020B0502020202020204" pitchFamily="34" charset="0"/>
+                <a:cs typeface="Poppins Light" pitchFamily="2" charset="77"/>
+              </a:rPr>
+              <a:t> or </a:t>
+            </a:r>
+            <a:r>
+              <a:rPr lang="en-US" sz="2800" b="1" dirty="0">
+                <a:solidFill>
+                  <a:schemeClr val="tx2"/>
+                </a:solidFill>
+                <a:latin typeface="Century Gothic" panose="020B0502020202020204" pitchFamily="34" charset="0"/>
+                <a:cs typeface="Poppins Light" pitchFamily="2" charset="77"/>
+              </a:rPr>
+              <a:t>Flask</a:t>
+            </a:r>
+            <a:r>
+              <a:rPr lang="en-US" sz="2800" dirty="0">
+                <a:solidFill>
+                  <a:schemeClr val="tx2"/>
+                </a:solidFill>
+                <a:latin typeface="Century Gothic" panose="020B0502020202020204" pitchFamily="34" charset="0"/>
+                <a:cs typeface="Poppins Light" pitchFamily="2" charset="77"/>
+              </a:rPr>
+              <a:t>. We chose </a:t>
+            </a:r>
+            <a:r>
+              <a:rPr lang="en-US" sz="2800" b="1" dirty="0">
+                <a:solidFill>
+                  <a:schemeClr val="tx2"/>
+                </a:solidFill>
+                <a:latin typeface="Century Gothic" panose="020B0502020202020204" pitchFamily="34" charset="0"/>
+                <a:cs typeface="Poppins Light" pitchFamily="2" charset="77"/>
+              </a:rPr>
+              <a:t>Flask</a:t>
+            </a:r>
+            <a:r>
+              <a:rPr lang="en-US" sz="2800" dirty="0">
+                <a:solidFill>
+                  <a:schemeClr val="tx2"/>
+                </a:solidFill>
+                <a:latin typeface="Century Gothic" panose="020B0502020202020204" pitchFamily="34" charset="0"/>
+                <a:cs typeface="Poppins Light" pitchFamily="2" charset="77"/>
+              </a:rPr>
+              <a:t> because it is </a:t>
+            </a:r>
+            <a:r>
+              <a:rPr lang="en-US" sz="2800" b="1" dirty="0">
+                <a:solidFill>
+                  <a:schemeClr val="tx2"/>
+                </a:solidFill>
+                <a:latin typeface="Century Gothic" panose="020B0502020202020204" pitchFamily="34" charset="0"/>
+                <a:cs typeface="Poppins Light" pitchFamily="2" charset="77"/>
+              </a:rPr>
+              <a:t>lightweight</a:t>
+            </a:r>
+            <a:r>
+              <a:rPr lang="en-US" sz="2800" dirty="0">
+                <a:solidFill>
+                  <a:schemeClr val="tx2"/>
+                </a:solidFill>
+                <a:latin typeface="Century Gothic" panose="020B0502020202020204" pitchFamily="34" charset="0"/>
+                <a:cs typeface="Poppins Light" pitchFamily="2" charset="77"/>
+              </a:rPr>
+              <a:t> than Django. And we didn’t need complicated structures to our API, user just need to make a </a:t>
+            </a:r>
+            <a:r>
+              <a:rPr lang="en-US" sz="2800" b="1" dirty="0">
+                <a:solidFill>
+                  <a:schemeClr val="tx2"/>
+                </a:solidFill>
+                <a:latin typeface="Century Gothic" panose="020B0502020202020204" pitchFamily="34" charset="0"/>
+                <a:cs typeface="Poppins Light" pitchFamily="2" charset="77"/>
+              </a:rPr>
+              <a:t>single</a:t>
+            </a:r>
+            <a:r>
+              <a:rPr lang="en-US" sz="2800" dirty="0">
+                <a:solidFill>
+                  <a:schemeClr val="tx2"/>
+                </a:solidFill>
+                <a:latin typeface="Century Gothic" panose="020B0502020202020204" pitchFamily="34" charset="0"/>
+                <a:cs typeface="Poppins Light" pitchFamily="2" charset="77"/>
+              </a:rPr>
+              <a:t> </a:t>
+            </a:r>
+            <a:r>
+              <a:rPr lang="en-US" sz="2800" b="1" dirty="0">
+                <a:solidFill>
+                  <a:schemeClr val="tx2"/>
+                </a:solidFill>
+                <a:latin typeface="Century Gothic" panose="020B0502020202020204" pitchFamily="34" charset="0"/>
+                <a:cs typeface="Poppins Light" pitchFamily="2" charset="77"/>
+              </a:rPr>
+              <a:t>POST request </a:t>
+            </a:r>
+            <a:r>
+              <a:rPr lang="en-US" sz="2800" dirty="0">
+                <a:solidFill>
+                  <a:schemeClr val="tx2"/>
+                </a:solidFill>
+                <a:latin typeface="Century Gothic" panose="020B0502020202020204" pitchFamily="34" charset="0"/>
+                <a:cs typeface="Poppins Light" pitchFamily="2" charset="77"/>
+              </a:rPr>
+              <a:t>to obtain the prediction.</a:t>
+            </a:r>
+            <a:endParaRPr lang="en-US" sz="2800" b="1" dirty="0">
+              <a:solidFill>
+                <a:schemeClr val="tx2"/>
+              </a:solidFill>
+              <a:latin typeface="Century Gothic" panose="020B0502020202020204" pitchFamily="34" charset="0"/>
+              <a:cs typeface="Poppins Light" pitchFamily="2" charset="77"/>
+            </a:endParaRPr>
+          </a:p>
+        </p:txBody>
+      </p:sp>
+      <p:pic>
+        <p:nvPicPr>
+          <p:cNvPr id="1026" name="Picture 2">
+            <a:extLst>
+              <a:ext uri="{FF2B5EF4-FFF2-40B4-BE49-F238E27FC236}">
+                <a16:creationId xmlns:a16="http://schemas.microsoft.com/office/drawing/2014/main" id="{CC5D9F03-D07E-4A0A-B388-C9A5690476C6}"/>
+              </a:ext>
+            </a:extLst>
+          </p:cNvPr>
+          <p:cNvPicPr>
+            <a:picLocks noChangeAspect="1" noChangeArrowheads="1"/>
+          </p:cNvPicPr>
+          <p:nvPr/>
+        </p:nvPicPr>
+        <p:blipFill>
+          <a:blip r:embed="rId2">
+            <a:extLst>
+              <a:ext uri="{28A0092B-C50C-407E-A947-70E740481C1C}">
+                <a14:useLocalDpi xmlns:a14="http://schemas.microsoft.com/office/drawing/2010/main" val="0"/>
+              </a:ext>
+            </a:extLst>
+          </a:blip>
+          <a:srcRect/>
+          <a:stretch>
+            <a:fillRect/>
+          </a:stretch>
+        </p:blipFill>
+        <p:spPr bwMode="auto">
+          <a:xfrm>
+            <a:off x="10319068" y="5450898"/>
+            <a:ext cx="11430000" cy="4476750"/>
+          </a:xfrm>
+          <a:prstGeom prst="rect">
+            <a:avLst/>
+          </a:prstGeom>
+          <a:noFill/>
+          <a:extLst>
+            <a:ext uri="{909E8E84-426E-40DD-AFC4-6F175D3DCCD1}">
+              <a14:hiddenFill xmlns:a14="http://schemas.microsoft.com/office/drawing/2010/main">
+                <a:solidFill>
+                  <a:srgbClr val="FFFFFF"/>
+                </a:solidFill>
+              </a14:hiddenFill>
+            </a:ext>
+          </a:extLst>
+        </p:spPr>
+      </p:pic>
+    </p:spTree>
+    <p:extLst>
+      <p:ext uri="{BB962C8B-B14F-4D97-AF65-F5344CB8AC3E}">
+        <p14:creationId xmlns:p14="http://schemas.microsoft.com/office/powerpoint/2010/main" val="374101736"/>
+      </p:ext>
+    </p:extLst>
+  </p:cSld>
+  <p:clrMapOvr>
+    <a:masterClrMapping/>
+  </p:clrMapOvr>
+</p:sld>
+</file>
+
 <file path=ppt/slides/slide2.xml><?xml version="1.0" encoding="utf-8"?>
 <p:sld xmlns:a="http://schemas.openxmlformats.org/drawingml/2006/main" xmlns:r="http://schemas.openxmlformats.org/officeDocument/2006/relationships" xmlns:p="http://schemas.openxmlformats.org/presentationml/2006/main">
   <p:cSld>
@@ -7656,6 +8084,642 @@
     <p:extLst>
       <p:ext uri="{BB962C8B-B14F-4D97-AF65-F5344CB8AC3E}">
         <p14:creationId xmlns:p14="http://schemas.microsoft.com/office/powerpoint/2010/main" val="853557885"/>
+      </p:ext>
+    </p:extLst>
+  </p:cSld>
+  <p:clrMapOvr>
+    <a:masterClrMapping/>
+  </p:clrMapOvr>
+</p:sld>
+</file>
+
+<file path=ppt/slides/slide20.xml><?xml version="1.0" encoding="utf-8"?>
+<p:sld xmlns:a="http://schemas.openxmlformats.org/drawingml/2006/main" xmlns:r="http://schemas.openxmlformats.org/officeDocument/2006/relationships" xmlns:p="http://schemas.openxmlformats.org/presentationml/2006/main">
+  <p:cSld>
+    <p:spTree>
+      <p:nvGrpSpPr>
+        <p:cNvPr id="1" name=""/>
+        <p:cNvGrpSpPr/>
+        <p:nvPr/>
+      </p:nvGrpSpPr>
+      <p:grpSpPr>
+        <a:xfrm>
+          <a:off x="0" y="0"/>
+          <a:ext cx="0" cy="0"/>
+          <a:chOff x="0" y="0"/>
+          <a:chExt cx="0" cy="0"/>
+        </a:xfrm>
+      </p:grpSpPr>
+      <p:sp>
+        <p:nvSpPr>
+          <p:cNvPr id="4" name="CuadroTexto 350">
+            <a:extLst>
+              <a:ext uri="{FF2B5EF4-FFF2-40B4-BE49-F238E27FC236}">
+                <a16:creationId xmlns:a16="http://schemas.microsoft.com/office/drawing/2014/main" id="{E18F7344-C685-2D4C-A0D8-51D9527DA64E}"/>
+              </a:ext>
+            </a:extLst>
+          </p:cNvPr>
+          <p:cNvSpPr txBox="1"/>
+          <p:nvPr/>
+        </p:nvSpPr>
+        <p:spPr>
+          <a:xfrm>
+            <a:off x="11287119" y="1071658"/>
+            <a:ext cx="1803700" cy="1323439"/>
+          </a:xfrm>
+          <a:prstGeom prst="rect">
+            <a:avLst/>
+          </a:prstGeom>
+          <a:noFill/>
+        </p:spPr>
+        <p:txBody>
+          <a:bodyPr wrap="none" rtlCol="0">
+            <a:spAutoFit/>
+          </a:bodyPr>
+          <a:lstStyle/>
+          <a:p>
+            <a:pPr algn="ctr"/>
+            <a:r>
+              <a:rPr lang="en-US" sz="8000" b="1" dirty="0">
+                <a:solidFill>
+                  <a:schemeClr val="tx2"/>
+                </a:solidFill>
+                <a:latin typeface="Century Gothic" panose="020B0502020202020204" pitchFamily="34" charset="0"/>
+                <a:ea typeface="Lato Heavy" charset="0"/>
+                <a:cs typeface="Poppins" pitchFamily="2" charset="77"/>
+              </a:rPr>
+              <a:t>API</a:t>
+            </a:r>
+          </a:p>
+        </p:txBody>
+      </p:sp>
+      <p:sp>
+        <p:nvSpPr>
+          <p:cNvPr id="5" name="Rectangle 4">
+            <a:extLst>
+              <a:ext uri="{FF2B5EF4-FFF2-40B4-BE49-F238E27FC236}">
+                <a16:creationId xmlns:a16="http://schemas.microsoft.com/office/drawing/2014/main" id="{04382522-9F61-3C4C-9F79-EF411CF20CC2}"/>
+              </a:ext>
+            </a:extLst>
+          </p:cNvPr>
+          <p:cNvSpPr/>
+          <p:nvPr/>
+        </p:nvSpPr>
+        <p:spPr>
+          <a:xfrm>
+            <a:off x="11077129" y="3391732"/>
+            <a:ext cx="2223656" cy="38779"/>
+          </a:xfrm>
+          <a:prstGeom prst="rect">
+            <a:avLst/>
+          </a:prstGeom>
+          <a:solidFill>
+            <a:schemeClr val="accent1"/>
+          </a:solidFill>
+          <a:ln>
+            <a:noFill/>
+          </a:ln>
+        </p:spPr>
+        <p:style>
+          <a:lnRef idx="2">
+            <a:schemeClr val="accent1">
+              <a:shade val="50000"/>
+            </a:schemeClr>
+          </a:lnRef>
+          <a:fillRef idx="1">
+            <a:schemeClr val="accent1"/>
+          </a:fillRef>
+          <a:effectRef idx="0">
+            <a:schemeClr val="accent1"/>
+          </a:effectRef>
+          <a:fontRef idx="minor">
+            <a:schemeClr val="lt1"/>
+          </a:fontRef>
+        </p:style>
+        <p:txBody>
+          <a:bodyPr rtlCol="0" anchor="ctr"/>
+          <a:lstStyle/>
+          <a:p>
+            <a:pPr algn="ctr"/>
+            <a:endParaRPr lang="en-US" dirty="0">
+              <a:latin typeface="Century Gothic" panose="020B0502020202020204" pitchFamily="34" charset="0"/>
+            </a:endParaRPr>
+          </a:p>
+        </p:txBody>
+      </p:sp>
+      <p:sp>
+        <p:nvSpPr>
+          <p:cNvPr id="6" name="CuadroTexto 351">
+            <a:extLst>
+              <a:ext uri="{FF2B5EF4-FFF2-40B4-BE49-F238E27FC236}">
+                <a16:creationId xmlns:a16="http://schemas.microsoft.com/office/drawing/2014/main" id="{8F97CA55-2929-3847-BEDA-70E12066EDB2}"/>
+              </a:ext>
+            </a:extLst>
+          </p:cNvPr>
+          <p:cNvSpPr txBox="1"/>
+          <p:nvPr/>
+        </p:nvSpPr>
+        <p:spPr>
+          <a:xfrm>
+            <a:off x="7170598" y="2458550"/>
+            <a:ext cx="10036717" cy="584775"/>
+          </a:xfrm>
+          <a:prstGeom prst="rect">
+            <a:avLst/>
+          </a:prstGeom>
+          <a:noFill/>
+        </p:spPr>
+        <p:txBody>
+          <a:bodyPr wrap="square" rtlCol="0">
+            <a:spAutoFit/>
+          </a:bodyPr>
+          <a:lstStyle/>
+          <a:p>
+            <a:pPr algn="ctr"/>
+            <a:r>
+              <a:rPr lang="en-US" sz="3200" dirty="0">
+                <a:solidFill>
+                  <a:schemeClr val="tx1">
+                    <a:lumMod val="50000"/>
+                  </a:schemeClr>
+                </a:solidFill>
+                <a:latin typeface="Century Gothic" panose="020B0502020202020204" pitchFamily="34" charset="0"/>
+                <a:cs typeface="Poppins Light" pitchFamily="2" charset="77"/>
+              </a:rPr>
+              <a:t>Website</a:t>
+            </a:r>
+          </a:p>
+        </p:txBody>
+      </p:sp>
+      <p:sp>
+        <p:nvSpPr>
+          <p:cNvPr id="11" name="CuadroTexto 351">
+            <a:extLst>
+              <a:ext uri="{FF2B5EF4-FFF2-40B4-BE49-F238E27FC236}">
+                <a16:creationId xmlns:a16="http://schemas.microsoft.com/office/drawing/2014/main" id="{50A2F7A0-C05A-4148-A5BD-A4445D1B386C}"/>
+              </a:ext>
+            </a:extLst>
+          </p:cNvPr>
+          <p:cNvSpPr txBox="1"/>
+          <p:nvPr/>
+        </p:nvSpPr>
+        <p:spPr>
+          <a:xfrm>
+            <a:off x="1076638" y="6565888"/>
+            <a:ext cx="7749104" cy="4401205"/>
+          </a:xfrm>
+          <a:prstGeom prst="rect">
+            <a:avLst/>
+          </a:prstGeom>
+          <a:noFill/>
+        </p:spPr>
+        <p:txBody>
+          <a:bodyPr wrap="square" rtlCol="0">
+            <a:spAutoFit/>
+          </a:bodyPr>
+          <a:lstStyle/>
+          <a:p>
+            <a:r>
+              <a:rPr lang="en-US" sz="2800" dirty="0">
+                <a:solidFill>
+                  <a:schemeClr val="tx2"/>
+                </a:solidFill>
+                <a:latin typeface="Century Gothic" panose="020B0502020202020204" pitchFamily="34" charset="0"/>
+                <a:cs typeface="Poppins Light" pitchFamily="2" charset="77"/>
+              </a:rPr>
+              <a:t>Moreover, the </a:t>
+            </a:r>
+            <a:r>
+              <a:rPr lang="en-US" sz="2800" b="1" dirty="0">
+                <a:solidFill>
+                  <a:schemeClr val="tx2"/>
+                </a:solidFill>
+                <a:latin typeface="Century Gothic" panose="020B0502020202020204" pitchFamily="34" charset="0"/>
+                <a:cs typeface="Poppins Light" pitchFamily="2" charset="77"/>
+              </a:rPr>
+              <a:t>Flask</a:t>
+            </a:r>
+            <a:r>
+              <a:rPr lang="en-US" sz="2800" dirty="0">
+                <a:solidFill>
+                  <a:schemeClr val="tx2"/>
+                </a:solidFill>
+                <a:latin typeface="Century Gothic" panose="020B0502020202020204" pitchFamily="34" charset="0"/>
+                <a:cs typeface="Poppins Light" pitchFamily="2" charset="77"/>
+              </a:rPr>
+              <a:t> project is composed in </a:t>
+            </a:r>
+            <a:r>
+              <a:rPr lang="en-US" sz="2800" b="1" dirty="0">
+                <a:solidFill>
+                  <a:schemeClr val="tx2"/>
+                </a:solidFill>
+                <a:latin typeface="Century Gothic" panose="020B0502020202020204" pitchFamily="34" charset="0"/>
+                <a:cs typeface="Poppins Light" pitchFamily="2" charset="77"/>
+              </a:rPr>
+              <a:t>two parts</a:t>
+            </a:r>
+            <a:r>
+              <a:rPr lang="en-US" sz="2800" dirty="0">
+                <a:solidFill>
+                  <a:schemeClr val="tx2"/>
+                </a:solidFill>
+                <a:latin typeface="Century Gothic" panose="020B0502020202020204" pitchFamily="34" charset="0"/>
+                <a:cs typeface="Poppins Light" pitchFamily="2" charset="77"/>
+              </a:rPr>
+              <a:t>. One is the </a:t>
+            </a:r>
+            <a:r>
+              <a:rPr lang="en-US" sz="2800" b="1" dirty="0">
+                <a:solidFill>
+                  <a:schemeClr val="tx2"/>
+                </a:solidFill>
+                <a:latin typeface="Century Gothic" panose="020B0502020202020204" pitchFamily="34" charset="0"/>
+                <a:cs typeface="Poppins Light" pitchFamily="2" charset="77"/>
+              </a:rPr>
+              <a:t>API</a:t>
+            </a:r>
+            <a:r>
+              <a:rPr lang="en-US" sz="2800" dirty="0">
+                <a:solidFill>
+                  <a:schemeClr val="tx2"/>
+                </a:solidFill>
+                <a:latin typeface="Century Gothic" panose="020B0502020202020204" pitchFamily="34" charset="0"/>
+                <a:cs typeface="Poppins Light" pitchFamily="2" charset="77"/>
+              </a:rPr>
+              <a:t> that </a:t>
+            </a:r>
+            <a:r>
+              <a:rPr lang="en-US" sz="2800" b="1" dirty="0">
+                <a:solidFill>
+                  <a:schemeClr val="tx2"/>
+                </a:solidFill>
+                <a:latin typeface="Century Gothic" panose="020B0502020202020204" pitchFamily="34" charset="0"/>
+                <a:cs typeface="Poppins Light" pitchFamily="2" charset="77"/>
+              </a:rPr>
+              <a:t>any program </a:t>
+            </a:r>
+            <a:r>
+              <a:rPr lang="en-US" sz="2800" dirty="0">
+                <a:solidFill>
+                  <a:schemeClr val="tx2"/>
+                </a:solidFill>
+                <a:latin typeface="Century Gothic" panose="020B0502020202020204" pitchFamily="34" charset="0"/>
+                <a:cs typeface="Poppins Light" pitchFamily="2" charset="77"/>
+              </a:rPr>
+              <a:t>can </a:t>
+            </a:r>
+            <a:r>
+              <a:rPr lang="en-US" sz="2800" b="1" dirty="0">
+                <a:solidFill>
+                  <a:schemeClr val="tx2"/>
+                </a:solidFill>
+                <a:latin typeface="Century Gothic" panose="020B0502020202020204" pitchFamily="34" charset="0"/>
+                <a:cs typeface="Poppins Light" pitchFamily="2" charset="77"/>
+              </a:rPr>
+              <a:t>call</a:t>
+            </a:r>
+            <a:r>
+              <a:rPr lang="en-US" sz="2800" dirty="0">
+                <a:solidFill>
+                  <a:schemeClr val="tx2"/>
+                </a:solidFill>
+                <a:latin typeface="Century Gothic" panose="020B0502020202020204" pitchFamily="34" charset="0"/>
+                <a:cs typeface="Poppins Light" pitchFamily="2" charset="77"/>
+              </a:rPr>
+              <a:t>. And the second one is the </a:t>
+            </a:r>
+            <a:r>
+              <a:rPr lang="en-US" sz="2800" b="1" dirty="0">
+                <a:solidFill>
+                  <a:schemeClr val="tx2"/>
+                </a:solidFill>
+                <a:latin typeface="Century Gothic" panose="020B0502020202020204" pitchFamily="34" charset="0"/>
+                <a:cs typeface="Poppins Light" pitchFamily="2" charset="77"/>
+              </a:rPr>
+              <a:t>website</a:t>
+            </a:r>
+            <a:r>
+              <a:rPr lang="en-US" sz="2800" dirty="0">
+                <a:solidFill>
+                  <a:schemeClr val="tx2"/>
+                </a:solidFill>
+                <a:latin typeface="Century Gothic" panose="020B0502020202020204" pitchFamily="34" charset="0"/>
+                <a:cs typeface="Poppins Light" pitchFamily="2" charset="77"/>
+              </a:rPr>
+              <a:t> where </a:t>
+            </a:r>
+            <a:r>
+              <a:rPr lang="en-US" sz="2800" b="1" dirty="0">
+                <a:solidFill>
+                  <a:schemeClr val="tx2"/>
+                </a:solidFill>
+                <a:latin typeface="Century Gothic" panose="020B0502020202020204" pitchFamily="34" charset="0"/>
+                <a:cs typeface="Poppins Light" pitchFamily="2" charset="77"/>
+              </a:rPr>
+              <a:t>any user </a:t>
+            </a:r>
+            <a:r>
+              <a:rPr lang="en-US" sz="2800" dirty="0">
+                <a:solidFill>
+                  <a:schemeClr val="tx2"/>
+                </a:solidFill>
+                <a:latin typeface="Century Gothic" panose="020B0502020202020204" pitchFamily="34" charset="0"/>
+                <a:cs typeface="Poppins Light" pitchFamily="2" charset="77"/>
+              </a:rPr>
+              <a:t>can </a:t>
+            </a:r>
+            <a:r>
+              <a:rPr lang="en-US" sz="2800" b="1" dirty="0">
+                <a:solidFill>
+                  <a:schemeClr val="tx2"/>
+                </a:solidFill>
+                <a:latin typeface="Century Gothic" panose="020B0502020202020204" pitchFamily="34" charset="0"/>
+                <a:cs typeface="Poppins Light" pitchFamily="2" charset="77"/>
+              </a:rPr>
+              <a:t>interact</a:t>
+            </a:r>
+            <a:r>
+              <a:rPr lang="en-US" sz="2800" dirty="0">
+                <a:solidFill>
+                  <a:schemeClr val="tx2"/>
+                </a:solidFill>
+                <a:latin typeface="Century Gothic" panose="020B0502020202020204" pitchFamily="34" charset="0"/>
+                <a:cs typeface="Poppins Light" pitchFamily="2" charset="77"/>
+              </a:rPr>
+              <a:t> with to obtain a </a:t>
+            </a:r>
+            <a:r>
+              <a:rPr lang="en-US" sz="2800" b="1" dirty="0">
+                <a:solidFill>
+                  <a:schemeClr val="tx2"/>
+                </a:solidFill>
+                <a:latin typeface="Century Gothic" panose="020B0502020202020204" pitchFamily="34" charset="0"/>
+                <a:cs typeface="Poppins Light" pitchFamily="2" charset="77"/>
+              </a:rPr>
+              <a:t>prediction</a:t>
+            </a:r>
+            <a:r>
+              <a:rPr lang="en-US" sz="2800" dirty="0">
+                <a:solidFill>
+                  <a:schemeClr val="tx2"/>
+                </a:solidFill>
+                <a:latin typeface="Century Gothic" panose="020B0502020202020204" pitchFamily="34" charset="0"/>
+                <a:cs typeface="Poppins Light" pitchFamily="2" charset="77"/>
+              </a:rPr>
+              <a:t>. To predict the obesity level, we used the </a:t>
+            </a:r>
+            <a:r>
+              <a:rPr lang="en-US" sz="2800" b="1" dirty="0">
+                <a:solidFill>
+                  <a:schemeClr val="tx2"/>
+                </a:solidFill>
+                <a:latin typeface="Century Gothic" panose="020B0502020202020204" pitchFamily="34" charset="0"/>
+                <a:cs typeface="Poppins Light" pitchFamily="2" charset="77"/>
+              </a:rPr>
+              <a:t>model’s dump</a:t>
+            </a:r>
+            <a:r>
+              <a:rPr lang="en-US" sz="2800" dirty="0">
+                <a:solidFill>
+                  <a:schemeClr val="tx2"/>
+                </a:solidFill>
+                <a:latin typeface="Century Gothic" panose="020B0502020202020204" pitchFamily="34" charset="0"/>
+                <a:cs typeface="Poppins Light" pitchFamily="2" charset="77"/>
+              </a:rPr>
+              <a:t> obtained by the </a:t>
+            </a:r>
+            <a:r>
+              <a:rPr lang="en-US" sz="2800" b="1" dirty="0">
+                <a:solidFill>
+                  <a:schemeClr val="tx2"/>
+                </a:solidFill>
+                <a:latin typeface="Century Gothic" panose="020B0502020202020204" pitchFamily="34" charset="0"/>
+                <a:cs typeface="Poppins Light" pitchFamily="2" charset="77"/>
+              </a:rPr>
+              <a:t>notebook</a:t>
+            </a:r>
+            <a:r>
+              <a:rPr lang="en-US" sz="2800" dirty="0">
+                <a:solidFill>
+                  <a:schemeClr val="tx2"/>
+                </a:solidFill>
+                <a:latin typeface="Century Gothic" panose="020B0502020202020204" pitchFamily="34" charset="0"/>
+                <a:cs typeface="Poppins Light" pitchFamily="2" charset="77"/>
+              </a:rPr>
+              <a:t>. Also, we used </a:t>
+            </a:r>
+            <a:r>
+              <a:rPr lang="en-US" sz="2800" b="1" dirty="0" err="1">
+                <a:solidFill>
+                  <a:schemeClr val="tx2"/>
+                </a:solidFill>
+                <a:latin typeface="Century Gothic" panose="020B0502020202020204" pitchFamily="34" charset="0"/>
+                <a:cs typeface="Poppins Light" pitchFamily="2" charset="77"/>
+              </a:rPr>
+              <a:t>Bulma</a:t>
+            </a:r>
+            <a:r>
+              <a:rPr lang="en-US" sz="2800" dirty="0">
+                <a:solidFill>
+                  <a:schemeClr val="tx2"/>
+                </a:solidFill>
+                <a:latin typeface="Century Gothic" panose="020B0502020202020204" pitchFamily="34" charset="0"/>
+                <a:cs typeface="Poppins Light" pitchFamily="2" charset="77"/>
+              </a:rPr>
+              <a:t> for the </a:t>
+            </a:r>
+            <a:r>
+              <a:rPr lang="en-US" sz="2800" b="1" dirty="0">
+                <a:solidFill>
+                  <a:schemeClr val="tx2"/>
+                </a:solidFill>
+                <a:latin typeface="Century Gothic" panose="020B0502020202020204" pitchFamily="34" charset="0"/>
+                <a:cs typeface="Poppins Light" pitchFamily="2" charset="77"/>
+              </a:rPr>
+              <a:t>CSS</a:t>
+            </a:r>
+            <a:r>
+              <a:rPr lang="en-US" sz="2800" dirty="0">
+                <a:solidFill>
+                  <a:schemeClr val="tx2"/>
+                </a:solidFill>
+                <a:latin typeface="Century Gothic" panose="020B0502020202020204" pitchFamily="34" charset="0"/>
+                <a:cs typeface="Poppins Light" pitchFamily="2" charset="77"/>
+              </a:rPr>
+              <a:t> of our website and </a:t>
+            </a:r>
+            <a:r>
+              <a:rPr lang="en-US" sz="2800" b="1" dirty="0">
+                <a:solidFill>
+                  <a:schemeClr val="tx2"/>
+                </a:solidFill>
+                <a:latin typeface="Century Gothic" panose="020B0502020202020204" pitchFamily="34" charset="0"/>
+                <a:cs typeface="Poppins Light" pitchFamily="2" charset="77"/>
+              </a:rPr>
+              <a:t>Pickle</a:t>
+            </a:r>
+            <a:r>
+              <a:rPr lang="en-US" sz="2800" dirty="0">
+                <a:solidFill>
+                  <a:schemeClr val="tx2"/>
+                </a:solidFill>
+                <a:latin typeface="Century Gothic" panose="020B0502020202020204" pitchFamily="34" charset="0"/>
+                <a:cs typeface="Poppins Light" pitchFamily="2" charset="77"/>
+              </a:rPr>
+              <a:t> to use the </a:t>
+            </a:r>
+            <a:r>
+              <a:rPr lang="en-US" sz="2800" b="1" dirty="0">
+                <a:solidFill>
+                  <a:schemeClr val="tx2"/>
+                </a:solidFill>
+                <a:latin typeface="Century Gothic" panose="020B0502020202020204" pitchFamily="34" charset="0"/>
+                <a:cs typeface="Poppins Light" pitchFamily="2" charset="77"/>
+              </a:rPr>
+              <a:t>model’s dump </a:t>
+            </a:r>
+            <a:r>
+              <a:rPr lang="en-US" sz="2800" dirty="0">
+                <a:solidFill>
+                  <a:schemeClr val="tx2"/>
+                </a:solidFill>
+                <a:latin typeface="Century Gothic" panose="020B0502020202020204" pitchFamily="34" charset="0"/>
+                <a:cs typeface="Poppins Light" pitchFamily="2" charset="77"/>
+              </a:rPr>
+              <a:t>for the </a:t>
+            </a:r>
+            <a:r>
+              <a:rPr lang="en-US" sz="2800" b="1" dirty="0">
+                <a:solidFill>
+                  <a:schemeClr val="tx2"/>
+                </a:solidFill>
+                <a:latin typeface="Century Gothic" panose="020B0502020202020204" pitchFamily="34" charset="0"/>
+                <a:cs typeface="Poppins Light" pitchFamily="2" charset="77"/>
+              </a:rPr>
+              <a:t>website</a:t>
+            </a:r>
+            <a:r>
+              <a:rPr lang="en-US" sz="2800" dirty="0">
+                <a:solidFill>
+                  <a:schemeClr val="tx2"/>
+                </a:solidFill>
+                <a:latin typeface="Century Gothic" panose="020B0502020202020204" pitchFamily="34" charset="0"/>
+                <a:cs typeface="Poppins Light" pitchFamily="2" charset="77"/>
+              </a:rPr>
+              <a:t> and the </a:t>
+            </a:r>
+            <a:r>
+              <a:rPr lang="en-US" sz="2800" b="1" dirty="0">
+                <a:solidFill>
+                  <a:schemeClr val="tx2"/>
+                </a:solidFill>
+                <a:latin typeface="Century Gothic" panose="020B0502020202020204" pitchFamily="34" charset="0"/>
+                <a:cs typeface="Poppins Light" pitchFamily="2" charset="77"/>
+              </a:rPr>
+              <a:t>API</a:t>
+            </a:r>
+            <a:r>
+              <a:rPr lang="en-US" sz="2800" dirty="0">
+                <a:solidFill>
+                  <a:schemeClr val="tx2"/>
+                </a:solidFill>
+                <a:latin typeface="Century Gothic" panose="020B0502020202020204" pitchFamily="34" charset="0"/>
+                <a:cs typeface="Poppins Light" pitchFamily="2" charset="77"/>
+              </a:rPr>
+              <a:t>.</a:t>
+            </a:r>
+            <a:endParaRPr lang="en-US" sz="2800" b="1" dirty="0">
+              <a:solidFill>
+                <a:schemeClr val="tx2"/>
+              </a:solidFill>
+              <a:latin typeface="Century Gothic" panose="020B0502020202020204" pitchFamily="34" charset="0"/>
+              <a:cs typeface="Poppins Light" pitchFamily="2" charset="77"/>
+            </a:endParaRPr>
+          </a:p>
+        </p:txBody>
+      </p:sp>
+      <p:pic>
+        <p:nvPicPr>
+          <p:cNvPr id="2050" name="Picture 2">
+            <a:extLst>
+              <a:ext uri="{FF2B5EF4-FFF2-40B4-BE49-F238E27FC236}">
+                <a16:creationId xmlns:a16="http://schemas.microsoft.com/office/drawing/2014/main" id="{C3A504E3-2DE0-4359-94BF-03CE9D671BBA}"/>
+              </a:ext>
+            </a:extLst>
+          </p:cNvPr>
+          <p:cNvPicPr>
+            <a:picLocks noChangeAspect="1" noChangeArrowheads="1"/>
+          </p:cNvPicPr>
+          <p:nvPr/>
+        </p:nvPicPr>
+        <p:blipFill>
+          <a:blip r:embed="rId2">
+            <a:extLst>
+              <a:ext uri="{28A0092B-C50C-407E-A947-70E740481C1C}">
+                <a14:useLocalDpi xmlns:a14="http://schemas.microsoft.com/office/drawing/2010/main" val="0"/>
+              </a:ext>
+            </a:extLst>
+          </a:blip>
+          <a:srcRect/>
+          <a:stretch>
+            <a:fillRect/>
+          </a:stretch>
+        </p:blipFill>
+        <p:spPr bwMode="auto">
+          <a:xfrm>
+            <a:off x="19305819" y="11724552"/>
+            <a:ext cx="3014257" cy="753564"/>
+          </a:xfrm>
+          <a:prstGeom prst="rect">
+            <a:avLst/>
+          </a:prstGeom>
+          <a:noFill/>
+          <a:extLst>
+            <a:ext uri="{909E8E84-426E-40DD-AFC4-6F175D3DCCD1}">
+              <a14:hiddenFill xmlns:a14="http://schemas.microsoft.com/office/drawing/2010/main">
+                <a:solidFill>
+                  <a:srgbClr val="FFFFFF"/>
+                </a:solidFill>
+              </a14:hiddenFill>
+            </a:ext>
+          </a:extLst>
+        </p:spPr>
+      </p:pic>
+      <p:pic>
+        <p:nvPicPr>
+          <p:cNvPr id="2" name="Image 1">
+            <a:extLst>
+              <a:ext uri="{FF2B5EF4-FFF2-40B4-BE49-F238E27FC236}">
+                <a16:creationId xmlns:a16="http://schemas.microsoft.com/office/drawing/2014/main" id="{A08F734E-D312-4A0F-8B69-AA105C619314}"/>
+              </a:ext>
+            </a:extLst>
+          </p:cNvPr>
+          <p:cNvPicPr>
+            <a:picLocks noChangeAspect="1"/>
+          </p:cNvPicPr>
+          <p:nvPr/>
+        </p:nvPicPr>
+        <p:blipFill>
+          <a:blip r:embed="rId3"/>
+          <a:stretch>
+            <a:fillRect/>
+          </a:stretch>
+        </p:blipFill>
+        <p:spPr>
+          <a:xfrm>
+            <a:off x="8802792" y="4489665"/>
+            <a:ext cx="13517284" cy="6690227"/>
+          </a:xfrm>
+          <a:prstGeom prst="rect">
+            <a:avLst/>
+          </a:prstGeom>
+        </p:spPr>
+      </p:pic>
+    </p:spTree>
+    <p:extLst>
+      <p:ext uri="{BB962C8B-B14F-4D97-AF65-F5344CB8AC3E}">
+        <p14:creationId xmlns:p14="http://schemas.microsoft.com/office/powerpoint/2010/main" val="4010191208"/>
       </p:ext>
     </p:extLst>
   </p:cSld>
